--- a/lectures/E08-Once-Upon-a-Time-in-Springfield/E08 - Once Upon a Time in Springfield.pptx
+++ b/lectures/E08-Once-Upon-a-Time-in-Springfield/E08 - Once Upon a Time in Springfield.pptx
@@ -33,22 +33,6 @@
   </p:sldIdLst>
   <p:sldSz cx="9144000" cy="5715000" type="screen16x10"/>
   <p:notesSz cx="7099300" cy="10234613"/>
-  <p:embeddedFontLst>
-    <p:embeddedFont>
-      <p:font typeface="Calibri" pitchFamily="34" charset="0"/>
-      <p:regular r:id="rId23"/>
-      <p:bold r:id="rId24"/>
-      <p:italic r:id="rId25"/>
-      <p:boldItalic r:id="rId26"/>
-    </p:embeddedFont>
-    <p:embeddedFont>
-      <p:font typeface="Minya Nouvelle" charset="0"/>
-      <p:regular r:id="rId27"/>
-      <p:bold r:id="rId28"/>
-      <p:italic r:id="rId29"/>
-      <p:boldItalic r:id="rId30"/>
-    </p:embeddedFont>
-  </p:embeddedFontLst>
   <p:defaultTextStyle>
     <a:defPPr>
       <a:defRPr lang="sv-SE"/>
@@ -230,7 +214,7 @@
             <a:fld id="{D591C14E-198E-48A7-ABEC-7FB80E868E55}" type="datetimeFigureOut">
               <a:rPr lang="sv-SE" smtClean="0"/>
               <a:pPr/>
-              <a:t>2012-12-03</a:t>
+              <a:t>2013-12-02</a:t>
             </a:fld>
             <a:endParaRPr lang="sv-SE"/>
           </a:p>
@@ -397,7 +381,7 @@
             <a:fld id="{188BB863-C913-48B5-BD1A-638D82A0C76B}" type="datetimeFigureOut">
               <a:rPr lang="sv-SE" smtClean="0"/>
               <a:pPr/>
-              <a:t>2012-12-03</a:t>
+              <a:t>2013-12-02</a:t>
             </a:fld>
             <a:endParaRPr lang="sv-SE"/>
           </a:p>
@@ -814,7 +798,7 @@
   <p:timing>
     <p:tnLst>
       <p:par>
-        <p:cTn id="1" dur="indefinite" restart="never" nodeType="tmRoot"/>
+        <p:cTn xmlns:p14="http://schemas.microsoft.com/office/powerpoint/2010/main" id="1" dur="indefinite" restart="never" nodeType="tmRoot"/>
       </p:par>
     </p:tnLst>
   </p:timing>
@@ -1039,7 +1023,7 @@
   <p:timing>
     <p:tnLst>
       <p:par>
-        <p:cTn id="1" dur="indefinite" restart="never" nodeType="tmRoot"/>
+        <p:cTn xmlns:p14="http://schemas.microsoft.com/office/powerpoint/2010/main" id="1" dur="indefinite" restart="never" nodeType="tmRoot"/>
       </p:par>
     </p:tnLst>
   </p:timing>
@@ -7107,7 +7091,7 @@
         <p:spPr>
           <a:xfrm>
             <a:off x="395536" y="1201316"/>
-            <a:ext cx="3969356" cy="954107"/>
+            <a:ext cx="3996131" cy="954107"/>
           </a:xfrm>
           <a:prstGeom prst="rect">
             <a:avLst/>
@@ -7130,7 +7114,7 @@
               <a:rPr lang="sv-SE" sz="2800" b="1" dirty="0" smtClean="0">
                 <a:latin typeface="Minya Nouvelle" pitchFamily="2" charset="0"/>
               </a:rPr>
-              <a:t>HT2012</a:t>
+              <a:t>HT2013</a:t>
             </a:r>
             <a:endParaRPr lang="sv-SE" sz="2800" b="1" dirty="0" smtClean="0">
               <a:latin typeface="Minya Nouvelle" pitchFamily="2" charset="0"/>
@@ -7227,7 +7211,7 @@
           </a:prstGeom>
           <a:noFill/>
           <a:extLst>
-            <a:ext uri="{909E8E84-426E-40DD-AFC4-6F175D3DCCD1}">
+            <a:ext uri="{909E8E84-426E-40dd-AFC4-6F175D3DCCD1}">
               <a14:hiddenFill xmlns:a14="http://schemas.microsoft.com/office/drawing/2010/main">
                 <a:solidFill>
                   <a:srgbClr val="FFFFFF"/>
@@ -7282,7 +7266,7 @@
   <p:timing>
     <p:tnLst>
       <p:par>
-        <p:cTn id="1" dur="indefinite" restart="never" nodeType="tmRoot"/>
+        <p:cTn xmlns:p14="http://schemas.microsoft.com/office/powerpoint/2010/main" id="1" dur="indefinite" restart="never" nodeType="tmRoot"/>
       </p:par>
     </p:tnLst>
   </p:timing>
@@ -7401,7 +7385,7 @@
           </a:prstGeom>
           <a:noFill/>
           <a:extLst>
-            <a:ext uri="{909E8E84-426E-40DD-AFC4-6F175D3DCCD1}">
+            <a:ext uri="{909E8E84-426E-40dd-AFC4-6F175D3DCCD1}">
               <a14:hiddenFill xmlns:a14="http://schemas.microsoft.com/office/drawing/2010/main">
                 <a:solidFill>
                   <a:srgbClr val="FFFFFF"/>
@@ -7442,7 +7426,7 @@
           </a:prstGeom>
           <a:noFill/>
           <a:extLst>
-            <a:ext uri="{909E8E84-426E-40DD-AFC4-6F175D3DCCD1}">
+            <a:ext uri="{909E8E84-426E-40dd-AFC4-6F175D3DCCD1}">
               <a14:hiddenFill xmlns:a14="http://schemas.microsoft.com/office/drawing/2010/main">
                 <a:solidFill>
                   <a:srgbClr val="FFFFFF"/>
@@ -7483,7 +7467,7 @@
           </a:prstGeom>
           <a:noFill/>
           <a:extLst>
-            <a:ext uri="{909E8E84-426E-40DD-AFC4-6F175D3DCCD1}">
+            <a:ext uri="{909E8E84-426E-40dd-AFC4-6F175D3DCCD1}">
               <a14:hiddenFill xmlns:a14="http://schemas.microsoft.com/office/drawing/2010/main">
                 <a:solidFill>
                   <a:srgbClr val="FFFFFF"/>
@@ -7524,7 +7508,7 @@
           </a:prstGeom>
           <a:noFill/>
           <a:extLst>
-            <a:ext uri="{909E8E84-426E-40DD-AFC4-6F175D3DCCD1}">
+            <a:ext uri="{909E8E84-426E-40dd-AFC4-6F175D3DCCD1}">
               <a14:hiddenFill xmlns:a14="http://schemas.microsoft.com/office/drawing/2010/main">
                 <a:solidFill>
                   <a:srgbClr val="FFFFFF"/>
@@ -7565,7 +7549,7 @@
           </a:prstGeom>
           <a:noFill/>
           <a:extLst>
-            <a:ext uri="{909E8E84-426E-40DD-AFC4-6F175D3DCCD1}">
+            <a:ext uri="{909E8E84-426E-40dd-AFC4-6F175D3DCCD1}">
               <a14:hiddenFill xmlns:a14="http://schemas.microsoft.com/office/drawing/2010/main">
                 <a:solidFill>
                   <a:srgbClr val="FFFFFF"/>
@@ -7889,7 +7873,7 @@
           </a:prstGeom>
           <a:noFill/>
           <a:extLst>
-            <a:ext uri="{909E8E84-426E-40DD-AFC4-6F175D3DCCD1}">
+            <a:ext uri="{909E8E84-426E-40dd-AFC4-6F175D3DCCD1}">
               <a14:hiddenFill xmlns:a14="http://schemas.microsoft.com/office/drawing/2010/main">
                 <a:solidFill>
                   <a:srgbClr val="FFFFFF"/>
@@ -7930,7 +7914,7 @@
           </a:prstGeom>
           <a:noFill/>
           <a:extLst>
-            <a:ext uri="{909E8E84-426E-40DD-AFC4-6F175D3DCCD1}">
+            <a:ext uri="{909E8E84-426E-40dd-AFC4-6F175D3DCCD1}">
               <a14:hiddenFill xmlns:a14="http://schemas.microsoft.com/office/drawing/2010/main">
                 <a:solidFill>
                   <a:srgbClr val="FFFFFF"/>
@@ -7953,7 +7937,7 @@
   <p:timing>
     <p:tnLst>
       <p:par>
-        <p:cTn id="1" dur="indefinite" restart="never" nodeType="tmRoot"/>
+        <p:cTn xmlns:p14="http://schemas.microsoft.com/office/powerpoint/2010/main" id="1" dur="indefinite" restart="never" nodeType="tmRoot"/>
       </p:par>
     </p:tnLst>
   </p:timing>
@@ -8101,7 +8085,7 @@
           </a:prstGeom>
           <a:noFill/>
           <a:extLst>
-            <a:ext uri="{909E8E84-426E-40DD-AFC4-6F175D3DCCD1}">
+            <a:ext uri="{909E8E84-426E-40dd-AFC4-6F175D3DCCD1}">
               <a14:hiddenFill xmlns:a14="http://schemas.microsoft.com/office/drawing/2010/main">
                 <a:solidFill>
                   <a:srgbClr val="FFFFFF"/>
@@ -8142,7 +8126,7 @@
           </a:prstGeom>
           <a:noFill/>
           <a:extLst>
-            <a:ext uri="{909E8E84-426E-40DD-AFC4-6F175D3DCCD1}">
+            <a:ext uri="{909E8E84-426E-40dd-AFC4-6F175D3DCCD1}">
               <a14:hiddenFill xmlns:a14="http://schemas.microsoft.com/office/drawing/2010/main">
                 <a:solidFill>
                   <a:srgbClr val="FFFFFF"/>
@@ -8183,7 +8167,7 @@
           </a:prstGeom>
           <a:noFill/>
           <a:extLst>
-            <a:ext uri="{909E8E84-426E-40DD-AFC4-6F175D3DCCD1}">
+            <a:ext uri="{909E8E84-426E-40dd-AFC4-6F175D3DCCD1}">
               <a14:hiddenFill xmlns:a14="http://schemas.microsoft.com/office/drawing/2010/main">
                 <a:solidFill>
                   <a:srgbClr val="FFFFFF"/>
@@ -8224,7 +8208,7 @@
           </a:prstGeom>
           <a:noFill/>
           <a:extLst>
-            <a:ext uri="{909E8E84-426E-40DD-AFC4-6F175D3DCCD1}">
+            <a:ext uri="{909E8E84-426E-40dd-AFC4-6F175D3DCCD1}">
               <a14:hiddenFill xmlns:a14="http://schemas.microsoft.com/office/drawing/2010/main">
                 <a:solidFill>
                   <a:srgbClr val="FFFFFF"/>
@@ -8265,7 +8249,7 @@
           </a:prstGeom>
           <a:noFill/>
           <a:extLst>
-            <a:ext uri="{909E8E84-426E-40DD-AFC4-6F175D3DCCD1}">
+            <a:ext uri="{909E8E84-426E-40dd-AFC4-6F175D3DCCD1}">
               <a14:hiddenFill xmlns:a14="http://schemas.microsoft.com/office/drawing/2010/main">
                 <a:solidFill>
                   <a:srgbClr val="FFFFFF"/>
@@ -8306,7 +8290,7 @@
           </a:prstGeom>
           <a:noFill/>
           <a:extLst>
-            <a:ext uri="{909E8E84-426E-40DD-AFC4-6F175D3DCCD1}">
+            <a:ext uri="{909E8E84-426E-40dd-AFC4-6F175D3DCCD1}">
               <a14:hiddenFill xmlns:a14="http://schemas.microsoft.com/office/drawing/2010/main">
                 <a:solidFill>
                   <a:srgbClr val="FFFFFF"/>
@@ -8347,7 +8331,7 @@
           </a:prstGeom>
           <a:noFill/>
           <a:extLst>
-            <a:ext uri="{909E8E84-426E-40DD-AFC4-6F175D3DCCD1}">
+            <a:ext uri="{909E8E84-426E-40dd-AFC4-6F175D3DCCD1}">
               <a14:hiddenFill xmlns:a14="http://schemas.microsoft.com/office/drawing/2010/main">
                 <a:solidFill>
                   <a:srgbClr val="FFFFFF"/>
@@ -8388,7 +8372,7 @@
           </a:prstGeom>
           <a:noFill/>
           <a:extLst>
-            <a:ext uri="{909E8E84-426E-40DD-AFC4-6F175D3DCCD1}">
+            <a:ext uri="{909E8E84-426E-40dd-AFC4-6F175D3DCCD1}">
               <a14:hiddenFill xmlns:a14="http://schemas.microsoft.com/office/drawing/2010/main">
                 <a:solidFill>
                   <a:srgbClr val="FFFFFF"/>
@@ -8429,7 +8413,7 @@
           </a:prstGeom>
           <a:noFill/>
           <a:extLst>
-            <a:ext uri="{909E8E84-426E-40DD-AFC4-6F175D3DCCD1}">
+            <a:ext uri="{909E8E84-426E-40dd-AFC4-6F175D3DCCD1}">
               <a14:hiddenFill xmlns:a14="http://schemas.microsoft.com/office/drawing/2010/main">
                 <a:solidFill>
                   <a:srgbClr val="FFFFFF"/>
@@ -8452,7 +8436,7 @@
   <p:timing>
     <p:tnLst>
       <p:par>
-        <p:cTn id="1" dur="indefinite" restart="never" nodeType="tmRoot"/>
+        <p:cTn xmlns:p14="http://schemas.microsoft.com/office/powerpoint/2010/main" id="1" dur="indefinite" restart="never" nodeType="tmRoot"/>
       </p:par>
     </p:tnLst>
   </p:timing>
@@ -8675,7 +8659,7 @@
           </a:prstGeom>
           <a:noFill/>
           <a:extLst>
-            <a:ext uri="{909E8E84-426E-40DD-AFC4-6F175D3DCCD1}">
+            <a:ext uri="{909E8E84-426E-40dd-AFC4-6F175D3DCCD1}">
               <a14:hiddenFill xmlns:a14="http://schemas.microsoft.com/office/drawing/2010/main">
                 <a:solidFill>
                   <a:srgbClr val="FFFFFF"/>
@@ -8716,7 +8700,7 @@
           </a:prstGeom>
           <a:noFill/>
           <a:extLst>
-            <a:ext uri="{909E8E84-426E-40DD-AFC4-6F175D3DCCD1}">
+            <a:ext uri="{909E8E84-426E-40dd-AFC4-6F175D3DCCD1}">
               <a14:hiddenFill xmlns:a14="http://schemas.microsoft.com/office/drawing/2010/main">
                 <a:solidFill>
                   <a:srgbClr val="FFFFFF"/>
@@ -8757,7 +8741,7 @@
           </a:prstGeom>
           <a:noFill/>
           <a:extLst>
-            <a:ext uri="{909E8E84-426E-40DD-AFC4-6F175D3DCCD1}">
+            <a:ext uri="{909E8E84-426E-40dd-AFC4-6F175D3DCCD1}">
               <a14:hiddenFill xmlns:a14="http://schemas.microsoft.com/office/drawing/2010/main">
                 <a:solidFill>
                   <a:srgbClr val="FFFFFF"/>
@@ -8798,7 +8782,7 @@
           </a:prstGeom>
           <a:noFill/>
           <a:extLst>
-            <a:ext uri="{909E8E84-426E-40DD-AFC4-6F175D3DCCD1}">
+            <a:ext uri="{909E8E84-426E-40dd-AFC4-6F175D3DCCD1}">
               <a14:hiddenFill xmlns:a14="http://schemas.microsoft.com/office/drawing/2010/main">
                 <a:solidFill>
                   <a:srgbClr val="FFFFFF"/>
@@ -8839,7 +8823,7 @@
           </a:prstGeom>
           <a:noFill/>
           <a:extLst>
-            <a:ext uri="{909E8E84-426E-40DD-AFC4-6F175D3DCCD1}">
+            <a:ext uri="{909E8E84-426E-40dd-AFC4-6F175D3DCCD1}">
               <a14:hiddenFill xmlns:a14="http://schemas.microsoft.com/office/drawing/2010/main">
                 <a:solidFill>
                   <a:srgbClr val="FFFFFF"/>
@@ -8880,7 +8864,7 @@
           </a:prstGeom>
           <a:noFill/>
           <a:extLst>
-            <a:ext uri="{909E8E84-426E-40DD-AFC4-6F175D3DCCD1}">
+            <a:ext uri="{909E8E84-426E-40dd-AFC4-6F175D3DCCD1}">
               <a14:hiddenFill xmlns:a14="http://schemas.microsoft.com/office/drawing/2010/main">
                 <a:solidFill>
                   <a:srgbClr val="FFFFFF"/>
@@ -8921,7 +8905,7 @@
           </a:prstGeom>
           <a:noFill/>
           <a:extLst>
-            <a:ext uri="{909E8E84-426E-40DD-AFC4-6F175D3DCCD1}">
+            <a:ext uri="{909E8E84-426E-40dd-AFC4-6F175D3DCCD1}">
               <a14:hiddenFill xmlns:a14="http://schemas.microsoft.com/office/drawing/2010/main">
                 <a:solidFill>
                   <a:srgbClr val="FFFFFF"/>
@@ -8962,7 +8946,7 @@
           </a:prstGeom>
           <a:noFill/>
           <a:extLst>
-            <a:ext uri="{909E8E84-426E-40DD-AFC4-6F175D3DCCD1}">
+            <a:ext uri="{909E8E84-426E-40dd-AFC4-6F175D3DCCD1}">
               <a14:hiddenFill xmlns:a14="http://schemas.microsoft.com/office/drawing/2010/main">
                 <a:solidFill>
                   <a:srgbClr val="FFFFFF"/>
@@ -8985,7 +8969,7 @@
   <p:timing>
     <p:tnLst>
       <p:par>
-        <p:cTn id="1" dur="indefinite" restart="never" nodeType="tmRoot"/>
+        <p:cTn xmlns:p14="http://schemas.microsoft.com/office/powerpoint/2010/main" id="1" dur="indefinite" restart="never" nodeType="tmRoot"/>
       </p:par>
     </p:tnLst>
   </p:timing>
@@ -9283,7 +9267,7 @@
           </a:prstGeom>
           <a:noFill/>
           <a:extLst>
-            <a:ext uri="{909E8E84-426E-40DD-AFC4-6F175D3DCCD1}">
+            <a:ext uri="{909E8E84-426E-40dd-AFC4-6F175D3DCCD1}">
               <a14:hiddenFill xmlns:a14="http://schemas.microsoft.com/office/drawing/2010/main">
                 <a:solidFill>
                   <a:srgbClr val="FFFFFF"/>
@@ -9519,7 +9503,7 @@
   <p:timing>
     <p:tnLst>
       <p:par>
-        <p:cTn id="1" dur="indefinite" restart="never" nodeType="tmRoot"/>
+        <p:cTn xmlns:p14="http://schemas.microsoft.com/office/powerpoint/2010/main" id="1" dur="indefinite" restart="never" nodeType="tmRoot"/>
       </p:par>
     </p:tnLst>
   </p:timing>
@@ -9687,7 +9671,7 @@
           </a:prstGeom>
           <a:noFill/>
           <a:extLst>
-            <a:ext uri="{909E8E84-426E-40DD-AFC4-6F175D3DCCD1}">
+            <a:ext uri="{909E8E84-426E-40dd-AFC4-6F175D3DCCD1}">
               <a14:hiddenFill xmlns:a14="http://schemas.microsoft.com/office/drawing/2010/main">
                 <a:solidFill>
                   <a:srgbClr val="FFFFFF"/>
@@ -9728,7 +9712,7 @@
           </a:prstGeom>
           <a:noFill/>
           <a:extLst>
-            <a:ext uri="{909E8E84-426E-40DD-AFC4-6F175D3DCCD1}">
+            <a:ext uri="{909E8E84-426E-40dd-AFC4-6F175D3DCCD1}">
               <a14:hiddenFill xmlns:a14="http://schemas.microsoft.com/office/drawing/2010/main">
                 <a:solidFill>
                   <a:srgbClr val="FFFFFF"/>
@@ -9769,7 +9753,7 @@
           </a:prstGeom>
           <a:noFill/>
           <a:extLst>
-            <a:ext uri="{909E8E84-426E-40DD-AFC4-6F175D3DCCD1}">
+            <a:ext uri="{909E8E84-426E-40dd-AFC4-6F175D3DCCD1}">
               <a14:hiddenFill xmlns:a14="http://schemas.microsoft.com/office/drawing/2010/main">
                 <a:solidFill>
                   <a:srgbClr val="FFFFFF"/>
@@ -9810,7 +9794,7 @@
           </a:prstGeom>
           <a:noFill/>
           <a:extLst>
-            <a:ext uri="{909E8E84-426E-40DD-AFC4-6F175D3DCCD1}">
+            <a:ext uri="{909E8E84-426E-40dd-AFC4-6F175D3DCCD1}">
               <a14:hiddenFill xmlns:a14="http://schemas.microsoft.com/office/drawing/2010/main">
                 <a:solidFill>
                   <a:srgbClr val="FFFFFF"/>
@@ -9833,7 +9817,7 @@
   <p:timing>
     <p:tnLst>
       <p:par>
-        <p:cTn id="1" dur="indefinite" restart="never" nodeType="tmRoot"/>
+        <p:cTn xmlns:p14="http://schemas.microsoft.com/office/powerpoint/2010/main" id="1" dur="indefinite" restart="never" nodeType="tmRoot"/>
       </p:par>
     </p:tnLst>
   </p:timing>
@@ -10383,7 +10367,7 @@
           </a:prstGeom>
           <a:noFill/>
           <a:extLst>
-            <a:ext uri="{909E8E84-426E-40DD-AFC4-6F175D3DCCD1}">
+            <a:ext uri="{909E8E84-426E-40dd-AFC4-6F175D3DCCD1}">
               <a14:hiddenFill xmlns:a14="http://schemas.microsoft.com/office/drawing/2010/main">
                 <a:solidFill>
                   <a:srgbClr val="FFFFFF"/>
@@ -10467,7 +10451,7 @@
   <p:timing>
     <p:tnLst>
       <p:par>
-        <p:cTn id="1" dur="indefinite" restart="never" nodeType="tmRoot">
+        <p:cTn xmlns:p14="http://schemas.microsoft.com/office/powerpoint/2010/main" id="1" dur="indefinite" restart="never" nodeType="tmRoot">
           <p:childTnLst>
             <p:seq concurrent="1" nextAc="seek">
               <p:cTn id="2" dur="indefinite" nodeType="mainSeq">
@@ -11196,7 +11180,7 @@
           </a:prstGeom>
           <a:noFill/>
           <a:extLst>
-            <a:ext uri="{909E8E84-426E-40DD-AFC4-6F175D3DCCD1}">
+            <a:ext uri="{909E8E84-426E-40dd-AFC4-6F175D3DCCD1}">
               <a14:hiddenFill xmlns:a14="http://schemas.microsoft.com/office/drawing/2010/main">
                 <a:solidFill>
                   <a:srgbClr val="FFFFFF"/>
@@ -11237,7 +11221,7 @@
           </a:prstGeom>
           <a:noFill/>
           <a:extLst>
-            <a:ext uri="{909E8E84-426E-40DD-AFC4-6F175D3DCCD1}">
+            <a:ext uri="{909E8E84-426E-40dd-AFC4-6F175D3DCCD1}">
               <a14:hiddenFill xmlns:a14="http://schemas.microsoft.com/office/drawing/2010/main">
                 <a:solidFill>
                   <a:srgbClr val="FFFFFF"/>
@@ -11260,7 +11244,7 @@
   <p:timing>
     <p:tnLst>
       <p:par>
-        <p:cTn id="1" dur="indefinite" restart="never" nodeType="tmRoot"/>
+        <p:cTn xmlns:p14="http://schemas.microsoft.com/office/powerpoint/2010/main" id="1" dur="indefinite" restart="never" nodeType="tmRoot"/>
       </p:par>
     </p:tnLst>
   </p:timing>
@@ -11721,7 +11705,7 @@
           </a:prstGeom>
           <a:noFill/>
           <a:extLst>
-            <a:ext uri="{909E8E84-426E-40DD-AFC4-6F175D3DCCD1}">
+            <a:ext uri="{909E8E84-426E-40dd-AFC4-6F175D3DCCD1}">
               <a14:hiddenFill xmlns:a14="http://schemas.microsoft.com/office/drawing/2010/main">
                 <a:solidFill>
                   <a:srgbClr val="FFFFFF"/>
@@ -11762,7 +11746,7 @@
           </a:prstGeom>
           <a:noFill/>
           <a:extLst>
-            <a:ext uri="{909E8E84-426E-40DD-AFC4-6F175D3DCCD1}">
+            <a:ext uri="{909E8E84-426E-40dd-AFC4-6F175D3DCCD1}">
               <a14:hiddenFill xmlns:a14="http://schemas.microsoft.com/office/drawing/2010/main">
                 <a:solidFill>
                   <a:srgbClr val="FFFFFF"/>
@@ -11785,7 +11769,7 @@
   <p:timing>
     <p:tnLst>
       <p:par>
-        <p:cTn id="1" dur="indefinite" restart="never" nodeType="tmRoot"/>
+        <p:cTn xmlns:p14="http://schemas.microsoft.com/office/powerpoint/2010/main" id="1" dur="indefinite" restart="never" nodeType="tmRoot"/>
       </p:par>
     </p:tnLst>
   </p:timing>
@@ -12374,15 +12358,6 @@
               </a:rPr>
               <a:t>}</a:t>
             </a:r>
-            <a:r>
-              <a:rPr lang="sv-SE" sz="2000" b="1" dirty="0" smtClean="0">
-                <a:solidFill>
-                  <a:srgbClr val="00B0F0"/>
-                </a:solidFill>
-                <a:latin typeface="Courier New" pitchFamily="49" charset="0"/>
-              </a:rPr>
-              <a:t/>
-            </a:r>
             <a:br>
               <a:rPr lang="sv-SE" sz="2000" b="1" dirty="0" smtClean="0">
                 <a:solidFill>
@@ -12398,34 +12373,7 @@
                 </a:solidFill>
                 <a:latin typeface="Courier New" pitchFamily="49" charset="0"/>
               </a:rPr>
-              <a:t>var h1 = n</a:t>
-            </a:r>
-            <a:r>
-              <a:rPr lang="sv-SE" sz="2000" b="1" dirty="0" smtClean="0">
-                <a:solidFill>
-                  <a:srgbClr val="00B050"/>
-                </a:solidFill>
-                <a:latin typeface="Courier New" pitchFamily="49" charset="0"/>
-              </a:rPr>
-              <a:t>ew </a:t>
-            </a:r>
-            <a:r>
-              <a:rPr lang="sv-SE" sz="2000" b="1" dirty="0" smtClean="0">
-                <a:solidFill>
-                  <a:srgbClr val="00B050"/>
-                </a:solidFill>
-                <a:latin typeface="Courier New" pitchFamily="49" charset="0"/>
-              </a:rPr>
-              <a:t>Homer</a:t>
-            </a:r>
-            <a:r>
-              <a:rPr lang="sv-SE" sz="2000" b="1" dirty="0" smtClean="0">
-                <a:solidFill>
-                  <a:srgbClr val="00B050"/>
-                </a:solidFill>
-                <a:latin typeface="Courier New" pitchFamily="49" charset="0"/>
-              </a:rPr>
-              <a:t>();</a:t>
+              <a:t>var h1 = new Homer();</a:t>
             </a:r>
             <a:r>
               <a:rPr lang="sv-SE" sz="2000" b="1" dirty="0">
@@ -12451,7 +12399,25 @@
                 </a:solidFill>
                 <a:latin typeface="Courier New" pitchFamily="49" charset="0"/>
               </a:rPr>
-              <a:t>var h1 = new Homer();</a:t>
+              <a:t>var </a:t>
+            </a:r>
+            <a:r>
+              <a:rPr lang="sv-SE" sz="2000" b="1" dirty="0" smtClean="0">
+                <a:solidFill>
+                  <a:srgbClr val="00B050"/>
+                </a:solidFill>
+                <a:latin typeface="Courier New" pitchFamily="49" charset="0"/>
+              </a:rPr>
+              <a:t>h2 </a:t>
+            </a:r>
+            <a:r>
+              <a:rPr lang="sv-SE" sz="2000" b="1" dirty="0">
+                <a:solidFill>
+                  <a:srgbClr val="00B050"/>
+                </a:solidFill>
+                <a:latin typeface="Courier New" pitchFamily="49" charset="0"/>
+              </a:rPr>
+              <a:t>= new Homer();</a:t>
             </a:r>
             <a:endParaRPr lang="sv-SE" sz="2000" b="1" dirty="0" smtClean="0">
               <a:solidFill>
@@ -12557,7 +12523,7 @@
           </a:prstGeom>
           <a:noFill/>
           <a:extLst>
-            <a:ext uri="{909E8E84-426E-40DD-AFC4-6F175D3DCCD1}">
+            <a:ext uri="{909E8E84-426E-40dd-AFC4-6F175D3DCCD1}">
               <a14:hiddenFill xmlns:a14="http://schemas.microsoft.com/office/drawing/2010/main">
                 <a:solidFill>
                   <a:srgbClr val="FFFFFF"/>
@@ -12580,7 +12546,7 @@
   <p:timing>
     <p:tnLst>
       <p:par>
-        <p:cTn id="1" dur="indefinite" restart="never" nodeType="tmRoot"/>
+        <p:cTn xmlns:p14="http://schemas.microsoft.com/office/powerpoint/2010/main" id="1" dur="indefinite" restart="never" nodeType="tmRoot"/>
       </p:par>
     </p:tnLst>
   </p:timing>
@@ -12675,7 +12641,7 @@
           </a:prstGeom>
           <a:noFill/>
           <a:extLst>
-            <a:ext uri="{909E8E84-426E-40DD-AFC4-6F175D3DCCD1}">
+            <a:ext uri="{909E8E84-426E-40dd-AFC4-6F175D3DCCD1}">
               <a14:hiddenFill xmlns:a14="http://schemas.microsoft.com/office/drawing/2010/main">
                 <a:solidFill>
                   <a:srgbClr val="FFFFFF"/>
@@ -12729,7 +12695,7 @@
   <p:timing>
     <p:tnLst>
       <p:par>
-        <p:cTn id="1" dur="indefinite" restart="never" nodeType="tmRoot"/>
+        <p:cTn xmlns:p14="http://schemas.microsoft.com/office/powerpoint/2010/main" id="1" dur="indefinite" restart="never" nodeType="tmRoot"/>
       </p:par>
     </p:tnLst>
   </p:timing>
@@ -13057,7 +13023,7 @@
           </a:prstGeom>
           <a:noFill/>
           <a:extLst>
-            <a:ext uri="{909E8E84-426E-40DD-AFC4-6F175D3DCCD1}">
+            <a:ext uri="{909E8E84-426E-40dd-AFC4-6F175D3DCCD1}">
               <a14:hiddenFill xmlns:a14="http://schemas.microsoft.com/office/drawing/2010/main">
                 <a:solidFill>
                   <a:srgbClr val="FFFFFF"/>
@@ -13075,7 +13041,7 @@
   <p:timing>
     <p:tnLst>
       <p:par>
-        <p:cTn id="1" dur="indefinite" restart="never" nodeType="tmRoot"/>
+        <p:cTn xmlns:p14="http://schemas.microsoft.com/office/powerpoint/2010/main" id="1" dur="indefinite" restart="never" nodeType="tmRoot"/>
       </p:par>
     </p:tnLst>
   </p:timing>
@@ -13193,7 +13159,7 @@
           </a:prstGeom>
           <a:noFill/>
           <a:extLst>
-            <a:ext uri="{909E8E84-426E-40DD-AFC4-6F175D3DCCD1}">
+            <a:ext uri="{909E8E84-426E-40dd-AFC4-6F175D3DCCD1}">
               <a14:hiddenFill xmlns:a14="http://schemas.microsoft.com/office/drawing/2010/main">
                 <a:solidFill>
                   <a:srgbClr val="FFFFFF"/>
@@ -13234,7 +13200,7 @@
           </a:prstGeom>
           <a:noFill/>
           <a:extLst>
-            <a:ext uri="{909E8E84-426E-40DD-AFC4-6F175D3DCCD1}">
+            <a:ext uri="{909E8E84-426E-40dd-AFC4-6F175D3DCCD1}">
               <a14:hiddenFill xmlns:a14="http://schemas.microsoft.com/office/drawing/2010/main">
                 <a:solidFill>
                   <a:srgbClr val="FFFFFF"/>
@@ -13257,7 +13223,7 @@
   <p:timing>
     <p:tnLst>
       <p:par>
-        <p:cTn id="1" dur="indefinite" restart="never" nodeType="tmRoot"/>
+        <p:cTn xmlns:p14="http://schemas.microsoft.com/office/powerpoint/2010/main" id="1" dur="indefinite" restart="never" nodeType="tmRoot"/>
       </p:par>
     </p:tnLst>
   </p:timing>
@@ -13281,70 +13247,6 @@
           <a:chExt cx="0" cy="0"/>
         </a:xfrm>
       </p:grpSpPr>
-      <p:pic>
-        <p:nvPicPr>
-          <p:cNvPr id="10242" name="Picture 2"/>
-          <p:cNvPicPr>
-            <a:picLocks noChangeAspect="1" noChangeArrowheads="1"/>
-          </p:cNvPicPr>
-          <p:nvPr/>
-        </p:nvPicPr>
-        <p:blipFill>
-          <a:blip r:embed="rId2">
-            <a:extLst>
-              <a:ext uri="{28A0092B-C50C-407E-A947-70E740481C1C}">
-                <a14:useLocalDpi xmlns:a14="http://schemas.microsoft.com/office/drawing/2010/main" val="0"/>
-              </a:ext>
-            </a:extLst>
-          </a:blip>
-          <a:srcRect/>
-          <a:stretch>
-            <a:fillRect/>
-          </a:stretch>
-        </p:blipFill>
-        <p:spPr bwMode="auto">
-          <a:xfrm>
-            <a:off x="683568" y="1176351"/>
-            <a:ext cx="7837512" cy="4338623"/>
-          </a:xfrm>
-          <a:prstGeom prst="rect">
-            <a:avLst/>
-          </a:prstGeom>
-          <a:noFill/>
-          <a:ln>
-            <a:noFill/>
-          </a:ln>
-          <a:effectLst/>
-          <a:extLst>
-            <a:ext uri="{909E8E84-426E-40DD-AFC4-6F175D3DCCD1}">
-              <a14:hiddenFill xmlns:a14="http://schemas.microsoft.com/office/drawing/2010/main">
-                <a:solidFill>
-                  <a:schemeClr val="accent1"/>
-                </a:solidFill>
-              </a14:hiddenFill>
-            </a:ext>
-            <a:ext uri="{91240B29-F687-4F45-9708-019B960494DF}">
-              <a14:hiddenLine xmlns:a14="http://schemas.microsoft.com/office/drawing/2010/main" w="9525">
-                <a:solidFill>
-                  <a:schemeClr val="tx1"/>
-                </a:solidFill>
-                <a:miter lim="800000"/>
-                <a:headEnd/>
-                <a:tailEnd/>
-              </a14:hiddenLine>
-            </a:ext>
-            <a:ext uri="{AF507438-7753-43E0-B8FC-AC1667EBCBE1}">
-              <a14:hiddenEffects xmlns:a14="http://schemas.microsoft.com/office/drawing/2010/main">
-                <a:effectLst>
-                  <a:outerShdw dist="35921" dir="2700000" algn="ctr" rotWithShape="0">
-                    <a:schemeClr val="bg2"/>
-                  </a:outerShdw>
-                </a:effectLst>
-              </a14:hiddenEffects>
-            </a:ext>
-          </a:extLst>
-        </p:spPr>
-      </p:pic>
       <p:sp>
         <p:nvSpPr>
           <p:cNvPr id="2" name="Title 1"/>
@@ -13381,7 +13283,7 @@
           <p:nvPr/>
         </p:nvPicPr>
         <p:blipFill>
-          <a:blip r:embed="rId3" cstate="print">
+          <a:blip r:embed="rId2" cstate="print">
             <a:extLst>
               <a:ext uri="{28A0092B-C50C-407E-A947-70E740481C1C}">
                 <a14:useLocalDpi xmlns:a14="http://schemas.microsoft.com/office/drawing/2010/main" val="0"/>
@@ -13403,7 +13305,7 @@
           </a:prstGeom>
           <a:noFill/>
           <a:extLst>
-            <a:ext uri="{909E8E84-426E-40DD-AFC4-6F175D3DCCD1}">
+            <a:ext uri="{909E8E84-426E-40dd-AFC4-6F175D3DCCD1}">
               <a14:hiddenFill xmlns:a14="http://schemas.microsoft.com/office/drawing/2010/main">
                 <a:solidFill>
                   <a:srgbClr val="FFFFFF"/>
@@ -13422,7 +13324,7 @@
           <p:nvPr/>
         </p:nvPicPr>
         <p:blipFill>
-          <a:blip r:embed="rId4">
+          <a:blip r:embed="rId3">
             <a:extLst>
               <a:ext uri="{28A0092B-C50C-407E-A947-70E740481C1C}">
                 <a14:useLocalDpi xmlns:a14="http://schemas.microsoft.com/office/drawing/2010/main" val="0"/>
@@ -13444,7 +13346,7 @@
           </a:prstGeom>
           <a:noFill/>
           <a:extLst>
-            <a:ext uri="{909E8E84-426E-40DD-AFC4-6F175D3DCCD1}">
+            <a:ext uri="{909E8E84-426E-40dd-AFC4-6F175D3DCCD1}">
               <a14:hiddenFill xmlns:a14="http://schemas.microsoft.com/office/drawing/2010/main">
                 <a:solidFill>
                   <a:srgbClr val="FFFFFF"/>
@@ -13452,6 +13354,30 @@
               </a14:hiddenFill>
             </a:ext>
           </a:extLst>
+        </p:spPr>
+      </p:pic>
+      <p:pic>
+        <p:nvPicPr>
+          <p:cNvPr id="3" name="Picture 2"/>
+          <p:cNvPicPr>
+            <a:picLocks noChangeAspect="1"/>
+          </p:cNvPicPr>
+          <p:nvPr/>
+        </p:nvPicPr>
+        <p:blipFill>
+          <a:blip r:embed="rId4"/>
+          <a:stretch>
+            <a:fillRect/>
+          </a:stretch>
+        </p:blipFill>
+        <p:spPr>
+          <a:xfrm>
+            <a:off x="1331640" y="1129308"/>
+            <a:ext cx="6948264" cy="4247991"/>
+          </a:xfrm>
+          <a:prstGeom prst="rect">
+            <a:avLst/>
+          </a:prstGeom>
         </p:spPr>
       </p:pic>
     </p:spTree>
@@ -13467,7 +13393,7 @@
   <p:timing>
     <p:tnLst>
       <p:par>
-        <p:cTn id="1" dur="indefinite" restart="never" nodeType="tmRoot"/>
+        <p:cTn xmlns:p14="http://schemas.microsoft.com/office/powerpoint/2010/main" id="1" dur="indefinite" restart="never" nodeType="tmRoot"/>
       </p:par>
     </p:tnLst>
   </p:timing>
@@ -13557,14 +13483,14 @@
           </a:ln>
           <a:effectLst/>
           <a:extLst>
-            <a:ext uri="{909E8E84-426E-40DD-AFC4-6F175D3DCCD1}">
+            <a:ext uri="{909E8E84-426E-40dd-AFC4-6F175D3DCCD1}">
               <a14:hiddenFill xmlns:a14="http://schemas.microsoft.com/office/drawing/2010/main">
                 <a:solidFill>
                   <a:schemeClr val="accent1"/>
                 </a:solidFill>
               </a14:hiddenFill>
             </a:ext>
-            <a:ext uri="{91240B29-F687-4F45-9708-019B960494DF}">
+            <a:ext uri="{91240B29-F687-4f45-9708-019B960494DF}">
               <a14:hiddenLine xmlns:a14="http://schemas.microsoft.com/office/drawing/2010/main" w="9525">
                 <a:solidFill>
                   <a:schemeClr val="tx1"/>
@@ -13574,7 +13500,7 @@
                 <a:tailEnd/>
               </a14:hiddenLine>
             </a:ext>
-            <a:ext uri="{AF507438-7753-43E0-B8FC-AC1667EBCBE1}">
+            <a:ext uri="{AF507438-7753-43e0-B8FC-AC1667EBCBE1}">
               <a14:hiddenEffects xmlns:a14="http://schemas.microsoft.com/office/drawing/2010/main">
                 <a:effectLst>
                   <a:outerShdw dist="35921" dir="2700000" algn="ctr" rotWithShape="0">
@@ -13617,7 +13543,7 @@
           </a:prstGeom>
           <a:noFill/>
           <a:extLst>
-            <a:ext uri="{909E8E84-426E-40DD-AFC4-6F175D3DCCD1}">
+            <a:ext uri="{909E8E84-426E-40dd-AFC4-6F175D3DCCD1}">
               <a14:hiddenFill xmlns:a14="http://schemas.microsoft.com/office/drawing/2010/main">
                 <a:solidFill>
                   <a:srgbClr val="FFFFFF"/>
@@ -13658,7 +13584,7 @@
           </a:prstGeom>
           <a:noFill/>
           <a:extLst>
-            <a:ext uri="{909E8E84-426E-40DD-AFC4-6F175D3DCCD1}">
+            <a:ext uri="{909E8E84-426E-40dd-AFC4-6F175D3DCCD1}">
               <a14:hiddenFill xmlns:a14="http://schemas.microsoft.com/office/drawing/2010/main">
                 <a:solidFill>
                   <a:srgbClr val="FFFFFF"/>
@@ -13681,7 +13607,7 @@
   <p:timing>
     <p:tnLst>
       <p:par>
-        <p:cTn id="1" dur="indefinite" restart="never" nodeType="tmRoot"/>
+        <p:cTn xmlns:p14="http://schemas.microsoft.com/office/powerpoint/2010/main" id="1" dur="indefinite" restart="never" nodeType="tmRoot"/>
       </p:par>
     </p:tnLst>
   </p:timing>
@@ -13763,14 +13689,14 @@
           </a:ln>
           <a:effectLst/>
           <a:extLst>
-            <a:ext uri="{909E8E84-426E-40DD-AFC4-6F175D3DCCD1}">
+            <a:ext uri="{909E8E84-426E-40dd-AFC4-6F175D3DCCD1}">
               <a14:hiddenFill xmlns:a14="http://schemas.microsoft.com/office/drawing/2010/main">
                 <a:solidFill>
                   <a:schemeClr val="accent1"/>
                 </a:solidFill>
               </a14:hiddenFill>
             </a:ext>
-            <a:ext uri="{91240B29-F687-4F45-9708-019B960494DF}">
+            <a:ext uri="{91240B29-F687-4f45-9708-019B960494DF}">
               <a14:hiddenLine xmlns:a14="http://schemas.microsoft.com/office/drawing/2010/main" w="9525">
                 <a:solidFill>
                   <a:schemeClr val="tx1"/>
@@ -13780,7 +13706,7 @@
                 <a:tailEnd/>
               </a14:hiddenLine>
             </a:ext>
-            <a:ext uri="{AF507438-7753-43E0-B8FC-AC1667EBCBE1}">
+            <a:ext uri="{AF507438-7753-43e0-B8FC-AC1667EBCBE1}">
               <a14:hiddenEffects xmlns:a14="http://schemas.microsoft.com/office/drawing/2010/main">
                 <a:effectLst>
                   <a:outerShdw dist="35921" dir="2700000" algn="ctr" rotWithShape="0">
@@ -13823,7 +13749,7 @@
           </a:prstGeom>
           <a:noFill/>
           <a:extLst>
-            <a:ext uri="{909E8E84-426E-40DD-AFC4-6F175D3DCCD1}">
+            <a:ext uri="{909E8E84-426E-40dd-AFC4-6F175D3DCCD1}">
               <a14:hiddenFill xmlns:a14="http://schemas.microsoft.com/office/drawing/2010/main">
                 <a:solidFill>
                   <a:srgbClr val="FFFFFF"/>
@@ -13864,7 +13790,7 @@
           </a:prstGeom>
           <a:noFill/>
           <a:extLst>
-            <a:ext uri="{909E8E84-426E-40DD-AFC4-6F175D3DCCD1}">
+            <a:ext uri="{909E8E84-426E-40dd-AFC4-6F175D3DCCD1}">
               <a14:hiddenFill xmlns:a14="http://schemas.microsoft.com/office/drawing/2010/main">
                 <a:solidFill>
                   <a:srgbClr val="FFFFFF"/>
@@ -13887,7 +13813,7 @@
   <p:timing>
     <p:tnLst>
       <p:par>
-        <p:cTn id="1" dur="indefinite" restart="never" nodeType="tmRoot"/>
+        <p:cTn xmlns:p14="http://schemas.microsoft.com/office/powerpoint/2010/main" id="1" dur="indefinite" restart="never" nodeType="tmRoot"/>
       </p:par>
     </p:tnLst>
   </p:timing>
@@ -13997,7 +13923,7 @@
           </a:prstGeom>
           <a:noFill/>
           <a:extLst>
-            <a:ext uri="{909E8E84-426E-40DD-AFC4-6F175D3DCCD1}">
+            <a:ext uri="{909E8E84-426E-40dd-AFC4-6F175D3DCCD1}">
               <a14:hiddenFill xmlns:a14="http://schemas.microsoft.com/office/drawing/2010/main">
                 <a:solidFill>
                   <a:srgbClr val="FFFFFF"/>
@@ -14068,7 +13994,7 @@
           </a:prstGeom>
           <a:noFill/>
           <a:extLst>
-            <a:ext uri="{909E8E84-426E-40DD-AFC4-6F175D3DCCD1}">
+            <a:ext uri="{909E8E84-426E-40dd-AFC4-6F175D3DCCD1}">
               <a14:hiddenFill xmlns:a14="http://schemas.microsoft.com/office/drawing/2010/main">
                 <a:solidFill>
                   <a:srgbClr val="FFFFFF"/>
@@ -14091,7 +14017,7 @@
   <p:timing>
     <p:tnLst>
       <p:par>
-        <p:cTn id="1" dur="indefinite" restart="never" nodeType="tmRoot"/>
+        <p:cTn xmlns:p14="http://schemas.microsoft.com/office/powerpoint/2010/main" id="1" dur="indefinite" restart="never" nodeType="tmRoot"/>
       </p:par>
     </p:tnLst>
   </p:timing>
@@ -14177,14 +14103,14 @@
           </a:ln>
           <a:effectLst/>
           <a:extLst>
-            <a:ext uri="{909E8E84-426E-40DD-AFC4-6F175D3DCCD1}">
+            <a:ext uri="{909E8E84-426E-40dd-AFC4-6F175D3DCCD1}">
               <a14:hiddenFill xmlns:a14="http://schemas.microsoft.com/office/drawing/2010/main">
                 <a:solidFill>
                   <a:schemeClr val="accent1"/>
                 </a:solidFill>
               </a14:hiddenFill>
             </a:ext>
-            <a:ext uri="{91240B29-F687-4F45-9708-019B960494DF}">
+            <a:ext uri="{91240B29-F687-4f45-9708-019B960494DF}">
               <a14:hiddenLine xmlns:a14="http://schemas.microsoft.com/office/drawing/2010/main" w="9525">
                 <a:solidFill>
                   <a:schemeClr val="tx1"/>
@@ -14194,7 +14120,7 @@
                 <a:tailEnd/>
               </a14:hiddenLine>
             </a:ext>
-            <a:ext uri="{AF507438-7753-43E0-B8FC-AC1667EBCBE1}">
+            <a:ext uri="{AF507438-7753-43e0-B8FC-AC1667EBCBE1}">
               <a14:hiddenEffects xmlns:a14="http://schemas.microsoft.com/office/drawing/2010/main">
                 <a:effectLst>
                   <a:outerShdw dist="35921" dir="2700000" algn="ctr" rotWithShape="0">
@@ -14241,14 +14167,14 @@
           </a:ln>
           <a:effectLst/>
           <a:extLst>
-            <a:ext uri="{909E8E84-426E-40DD-AFC4-6F175D3DCCD1}">
+            <a:ext uri="{909E8E84-426E-40dd-AFC4-6F175D3DCCD1}">
               <a14:hiddenFill xmlns:a14="http://schemas.microsoft.com/office/drawing/2010/main">
                 <a:solidFill>
                   <a:schemeClr val="accent1"/>
                 </a:solidFill>
               </a14:hiddenFill>
             </a:ext>
-            <a:ext uri="{91240B29-F687-4F45-9708-019B960494DF}">
+            <a:ext uri="{91240B29-F687-4f45-9708-019B960494DF}">
               <a14:hiddenLine xmlns:a14="http://schemas.microsoft.com/office/drawing/2010/main" w="9525">
                 <a:solidFill>
                   <a:schemeClr val="tx1"/>
@@ -14258,7 +14184,7 @@
                 <a:tailEnd/>
               </a14:hiddenLine>
             </a:ext>
-            <a:ext uri="{AF507438-7753-43E0-B8FC-AC1667EBCBE1}">
+            <a:ext uri="{AF507438-7753-43e0-B8FC-AC1667EBCBE1}">
               <a14:hiddenEffects xmlns:a14="http://schemas.microsoft.com/office/drawing/2010/main">
                 <a:effectLst>
                   <a:outerShdw dist="35921" dir="2700000" algn="ctr" rotWithShape="0">
@@ -14331,7 +14257,7 @@
           </a:prstGeom>
           <a:noFill/>
           <a:extLst>
-            <a:ext uri="{909E8E84-426E-40DD-AFC4-6F175D3DCCD1}">
+            <a:ext uri="{909E8E84-426E-40dd-AFC4-6F175D3DCCD1}">
               <a14:hiddenFill xmlns:a14="http://schemas.microsoft.com/office/drawing/2010/main">
                 <a:solidFill>
                   <a:srgbClr val="FFFFFF"/>
@@ -14354,7 +14280,7 @@
   <p:timing>
     <p:tnLst>
       <p:par>
-        <p:cTn id="1" dur="indefinite" restart="never" nodeType="tmRoot"/>
+        <p:cTn xmlns:p14="http://schemas.microsoft.com/office/powerpoint/2010/main" id="1" dur="indefinite" restart="never" nodeType="tmRoot"/>
       </p:par>
     </p:tnLst>
   </p:timing>
@@ -14577,14 +14503,14 @@
           </a:ln>
           <a:effectLst/>
           <a:extLst>
-            <a:ext uri="{909E8E84-426E-40DD-AFC4-6F175D3DCCD1}">
+            <a:ext uri="{909E8E84-426E-40dd-AFC4-6F175D3DCCD1}">
               <a14:hiddenFill xmlns:a14="http://schemas.microsoft.com/office/drawing/2010/main">
                 <a:solidFill>
                   <a:schemeClr val="accent1"/>
                 </a:solidFill>
               </a14:hiddenFill>
             </a:ext>
-            <a:ext uri="{91240B29-F687-4F45-9708-019B960494DF}">
+            <a:ext uri="{91240B29-F687-4f45-9708-019B960494DF}">
               <a14:hiddenLine xmlns:a14="http://schemas.microsoft.com/office/drawing/2010/main" w="9525">
                 <a:solidFill>
                   <a:schemeClr val="tx1"/>
@@ -14594,7 +14520,7 @@
                 <a:tailEnd/>
               </a14:hiddenLine>
             </a:ext>
-            <a:ext uri="{AF507438-7753-43E0-B8FC-AC1667EBCBE1}">
+            <a:ext uri="{AF507438-7753-43e0-B8FC-AC1667EBCBE1}">
               <a14:hiddenEffects xmlns:a14="http://schemas.microsoft.com/office/drawing/2010/main">
                 <a:effectLst>
                   <a:outerShdw dist="35921" dir="2700000" algn="ctr" rotWithShape="0">
@@ -14828,14 +14754,14 @@
           </a:ln>
           <a:effectLst/>
           <a:extLst>
-            <a:ext uri="{909E8E84-426E-40DD-AFC4-6F175D3DCCD1}">
+            <a:ext uri="{909E8E84-426E-40dd-AFC4-6F175D3DCCD1}">
               <a14:hiddenFill xmlns:a14="http://schemas.microsoft.com/office/drawing/2010/main">
                 <a:solidFill>
                   <a:schemeClr val="accent1"/>
                 </a:solidFill>
               </a14:hiddenFill>
             </a:ext>
-            <a:ext uri="{91240B29-F687-4F45-9708-019B960494DF}">
+            <a:ext uri="{91240B29-F687-4f45-9708-019B960494DF}">
               <a14:hiddenLine xmlns:a14="http://schemas.microsoft.com/office/drawing/2010/main" w="9525">
                 <a:solidFill>
                   <a:schemeClr val="tx1"/>
@@ -14845,7 +14771,7 @@
                 <a:tailEnd/>
               </a14:hiddenLine>
             </a:ext>
-            <a:ext uri="{AF507438-7753-43E0-B8FC-AC1667EBCBE1}">
+            <a:ext uri="{AF507438-7753-43e0-B8FC-AC1667EBCBE1}">
               <a14:hiddenEffects xmlns:a14="http://schemas.microsoft.com/office/drawing/2010/main">
                 <a:effectLst>
                   <a:outerShdw dist="35921" dir="2700000" algn="ctr" rotWithShape="0">
@@ -14892,14 +14818,14 @@
           </a:ln>
           <a:effectLst/>
           <a:extLst>
-            <a:ext uri="{909E8E84-426E-40DD-AFC4-6F175D3DCCD1}">
+            <a:ext uri="{909E8E84-426E-40dd-AFC4-6F175D3DCCD1}">
               <a14:hiddenFill xmlns:a14="http://schemas.microsoft.com/office/drawing/2010/main">
                 <a:solidFill>
                   <a:schemeClr val="accent1"/>
                 </a:solidFill>
               </a14:hiddenFill>
             </a:ext>
-            <a:ext uri="{91240B29-F687-4F45-9708-019B960494DF}">
+            <a:ext uri="{91240B29-F687-4f45-9708-019B960494DF}">
               <a14:hiddenLine xmlns:a14="http://schemas.microsoft.com/office/drawing/2010/main" w="9525">
                 <a:solidFill>
                   <a:schemeClr val="tx1"/>
@@ -14909,7 +14835,7 @@
                 <a:tailEnd/>
               </a14:hiddenLine>
             </a:ext>
-            <a:ext uri="{AF507438-7753-43E0-B8FC-AC1667EBCBE1}">
+            <a:ext uri="{AF507438-7753-43e0-B8FC-AC1667EBCBE1}">
               <a14:hiddenEffects xmlns:a14="http://schemas.microsoft.com/office/drawing/2010/main">
                 <a:effectLst>
                   <a:outerShdw dist="35921" dir="2700000" algn="ctr" rotWithShape="0">
@@ -14952,7 +14878,7 @@
           </a:prstGeom>
           <a:noFill/>
           <a:extLst>
-            <a:ext uri="{909E8E84-426E-40DD-AFC4-6F175D3DCCD1}">
+            <a:ext uri="{909E8E84-426E-40dd-AFC4-6F175D3DCCD1}">
               <a14:hiddenFill xmlns:a14="http://schemas.microsoft.com/office/drawing/2010/main">
                 <a:solidFill>
                   <a:srgbClr val="FFFFFF"/>
@@ -14975,7 +14901,7 @@
   <p:timing>
     <p:tnLst>
       <p:par>
-        <p:cTn id="1" dur="indefinite" restart="never" nodeType="tmRoot"/>
+        <p:cTn xmlns:p14="http://schemas.microsoft.com/office/powerpoint/2010/main" id="1" dur="indefinite" restart="never" nodeType="tmRoot"/>
       </p:par>
     </p:tnLst>
   </p:timing>

--- a/lectures/E08-Once-Upon-a-Time-in-Springfield/E08 - Once Upon a Time in Springfield.pptx
+++ b/lectures/E08-Once-Upon-a-Time-in-Springfield/E08 - Once Upon a Time in Springfield.pptx
@@ -5,31 +5,26 @@
     <p:sldMasterId id="2147483648" r:id="rId1"/>
   </p:sldMasterIdLst>
   <p:notesMasterIdLst>
-    <p:notesMasterId r:id="rId21"/>
+    <p:notesMasterId r:id="rId16"/>
   </p:notesMasterIdLst>
   <p:handoutMasterIdLst>
-    <p:handoutMasterId r:id="rId22"/>
+    <p:handoutMasterId r:id="rId17"/>
   </p:handoutMasterIdLst>
   <p:sldIdLst>
     <p:sldId id="289" r:id="rId2"/>
     <p:sldId id="268" r:id="rId3"/>
     <p:sldId id="270" r:id="rId4"/>
-    <p:sldId id="269" r:id="rId5"/>
-    <p:sldId id="271" r:id="rId6"/>
-    <p:sldId id="275" r:id="rId7"/>
-    <p:sldId id="272" r:id="rId8"/>
-    <p:sldId id="288" r:id="rId9"/>
-    <p:sldId id="273" r:id="rId10"/>
-    <p:sldId id="282" r:id="rId11"/>
-    <p:sldId id="283" r:id="rId12"/>
-    <p:sldId id="284" r:id="rId13"/>
-    <p:sldId id="287" r:id="rId14"/>
-    <p:sldId id="276" r:id="rId15"/>
-    <p:sldId id="277" r:id="rId16"/>
-    <p:sldId id="278" r:id="rId17"/>
-    <p:sldId id="279" r:id="rId18"/>
-    <p:sldId id="286" r:id="rId19"/>
-    <p:sldId id="280" r:id="rId20"/>
+    <p:sldId id="273" r:id="rId5"/>
+    <p:sldId id="282" r:id="rId6"/>
+    <p:sldId id="283" r:id="rId7"/>
+    <p:sldId id="284" r:id="rId8"/>
+    <p:sldId id="287" r:id="rId9"/>
+    <p:sldId id="276" r:id="rId10"/>
+    <p:sldId id="277" r:id="rId11"/>
+    <p:sldId id="278" r:id="rId12"/>
+    <p:sldId id="279" r:id="rId13"/>
+    <p:sldId id="286" r:id="rId14"/>
+    <p:sldId id="280" r:id="rId15"/>
   </p:sldIdLst>
   <p:sldSz cx="9144000" cy="5715000" type="screen16x10"/>
   <p:notesSz cx="7099300" cy="10234613"/>
@@ -214,7 +209,7 @@
             <a:fld id="{D591C14E-198E-48A7-ABEC-7FB80E868E55}" type="datetimeFigureOut">
               <a:rPr lang="sv-SE" smtClean="0"/>
               <a:pPr/>
-              <a:t>2013-12-02</a:t>
+              <a:t>14-11-24</a:t>
             </a:fld>
             <a:endParaRPr lang="sv-SE"/>
           </a:p>
@@ -381,7 +376,7 @@
             <a:fld id="{188BB863-C913-48B5-BD1A-638D82A0C76B}" type="datetimeFigureOut">
               <a:rPr lang="sv-SE" smtClean="0"/>
               <a:pPr/>
-              <a:t>2013-12-02</a:t>
+              <a:t>14-11-24</a:t>
             </a:fld>
             <a:endParaRPr lang="sv-SE"/>
           </a:p>
@@ -7114,7 +7109,7 @@
               <a:rPr lang="sv-SE" sz="2800" b="1" dirty="0" smtClean="0">
                 <a:latin typeface="Minya Nouvelle" pitchFamily="2" charset="0"/>
               </a:rPr>
-              <a:t>HT2013</a:t>
+              <a:t>HT2014</a:t>
             </a:r>
             <a:endParaRPr lang="sv-SE" sz="2800" b="1" dirty="0" smtClean="0">
               <a:latin typeface="Minya Nouvelle" pitchFamily="2" charset="0"/>
@@ -7180,47 +7175,6 @@
           </a:p>
         </p:txBody>
       </p:sp>
-      <p:pic>
-        <p:nvPicPr>
-          <p:cNvPr id="115714" name="Picture 2" descr="C:\Dropbox\Avatar\Avatar228x228.jpg"/>
-          <p:cNvPicPr>
-            <a:picLocks noChangeAspect="1" noChangeArrowheads="1"/>
-          </p:cNvPicPr>
-          <p:nvPr/>
-        </p:nvPicPr>
-        <p:blipFill>
-          <a:blip r:embed="rId2">
-            <a:extLst>
-              <a:ext uri="{28A0092B-C50C-407E-A947-70E740481C1C}">
-                <a14:useLocalDpi xmlns:a14="http://schemas.microsoft.com/office/drawing/2010/main" val="0"/>
-              </a:ext>
-            </a:extLst>
-          </a:blip>
-          <a:srcRect/>
-          <a:stretch>
-            <a:fillRect/>
-          </a:stretch>
-        </p:blipFill>
-        <p:spPr bwMode="auto">
-          <a:xfrm>
-            <a:off x="5508104" y="2137420"/>
-            <a:ext cx="2736304" cy="2736304"/>
-          </a:xfrm>
-          <a:prstGeom prst="rect">
-            <a:avLst/>
-          </a:prstGeom>
-          <a:noFill/>
-          <a:extLst>
-            <a:ext uri="{909E8E84-426E-40dd-AFC4-6F175D3DCCD1}">
-              <a14:hiddenFill xmlns:a14="http://schemas.microsoft.com/office/drawing/2010/main">
-                <a:solidFill>
-                  <a:srgbClr val="FFFFFF"/>
-                </a:solidFill>
-              </a14:hiddenFill>
-            </a:ext>
-          </a:extLst>
-        </p:spPr>
-      </p:pic>
       <p:sp>
         <p:nvSpPr>
           <p:cNvPr id="4" name="TextBox 3"/>
@@ -7253,6 +7207,36 @@
           </a:p>
         </p:txBody>
       </p:sp>
+      <p:pic>
+        <p:nvPicPr>
+          <p:cNvPr id="7" name="Picture 6" descr="square.jpg"/>
+          <p:cNvPicPr>
+            <a:picLocks noChangeAspect="1"/>
+          </p:cNvPicPr>
+          <p:nvPr/>
+        </p:nvPicPr>
+        <p:blipFill>
+          <a:blip r:embed="rId2" cstate="print">
+            <a:extLst>
+              <a:ext uri="{28A0092B-C50C-407E-A947-70E740481C1C}">
+                <a14:useLocalDpi xmlns:a14="http://schemas.microsoft.com/office/drawing/2010/main" val="0"/>
+              </a:ext>
+            </a:extLst>
+          </a:blip>
+          <a:stretch>
+            <a:fillRect/>
+          </a:stretch>
+        </p:blipFill>
+        <p:spPr>
+          <a:xfrm>
+            <a:off x="5580112" y="2137420"/>
+            <a:ext cx="2641476" cy="2641476"/>
+          </a:xfrm>
+          <a:prstGeom prst="rect">
+            <a:avLst/>
+          </a:prstGeom>
+        </p:spPr>
+      </p:pic>
     </p:spTree>
     <p:extLst>
       <p:ext uri="{BB962C8B-B14F-4D97-AF65-F5344CB8AC3E}">
@@ -7274,6 +7258,4168 @@
 </file>
 
 <file path=ppt/slides/slide10.xml><?xml version="1.0" encoding="utf-8"?>
+<p:sld xmlns:a="http://schemas.openxmlformats.org/drawingml/2006/main" xmlns:r="http://schemas.openxmlformats.org/officeDocument/2006/relationships" xmlns:p="http://schemas.openxmlformats.org/presentationml/2006/main">
+  <p:cSld>
+    <p:spTree>
+      <p:nvGrpSpPr>
+        <p:cNvPr id="1" name=""/>
+        <p:cNvGrpSpPr/>
+        <p:nvPr/>
+      </p:nvGrpSpPr>
+      <p:grpSpPr>
+        <a:xfrm>
+          <a:off x="0" y="0"/>
+          <a:ext cx="0" cy="0"/>
+          <a:chOff x="0" y="0"/>
+          <a:chExt cx="0" cy="0"/>
+        </a:xfrm>
+      </p:grpSpPr>
+      <p:sp>
+        <p:nvSpPr>
+          <p:cNvPr id="2" name="Title 1"/>
+          <p:cNvSpPr>
+            <a:spLocks noGrp="1"/>
+          </p:cNvSpPr>
+          <p:nvPr>
+            <p:ph type="ctrTitle"/>
+          </p:nvPr>
+        </p:nvSpPr>
+        <p:spPr/>
+        <p:txBody>
+          <a:bodyPr/>
+          <a:lstStyle/>
+          <a:p>
+            <a:r>
+              <a:rPr lang="sv-SE" dirty="0" err="1" smtClean="0"/>
+              <a:t>setTimeout</a:t>
+            </a:r>
+            <a:endParaRPr lang="sv-SE" dirty="0"/>
+          </a:p>
+        </p:txBody>
+      </p:sp>
+      <p:sp>
+        <p:nvSpPr>
+          <p:cNvPr id="5" name="Text Box 7"/>
+          <p:cNvSpPr txBox="1">
+            <a:spLocks noChangeArrowheads="1"/>
+          </p:cNvSpPr>
+          <p:nvPr/>
+        </p:nvSpPr>
+        <p:spPr bwMode="auto">
+          <a:xfrm>
+            <a:off x="482877" y="4227393"/>
+            <a:ext cx="7905547" cy="461665"/>
+          </a:xfrm>
+          <a:prstGeom prst="rect">
+            <a:avLst/>
+          </a:prstGeom>
+          <a:ln>
+            <a:headEnd/>
+            <a:tailEnd/>
+          </a:ln>
+        </p:spPr>
+        <p:style>
+          <a:lnRef idx="1">
+            <a:schemeClr val="accent2"/>
+          </a:lnRef>
+          <a:fillRef idx="2">
+            <a:schemeClr val="accent2"/>
+          </a:fillRef>
+          <a:effectRef idx="1">
+            <a:schemeClr val="accent2"/>
+          </a:effectRef>
+          <a:fontRef idx="minor">
+            <a:schemeClr val="dk1"/>
+          </a:fontRef>
+        </p:style>
+        <p:txBody>
+          <a:bodyPr wrap="square">
+            <a:spAutoFit/>
+          </a:bodyPr>
+          <a:lstStyle/>
+          <a:p>
+            <a:pPr>
+              <a:spcBef>
+                <a:spcPct val="50000"/>
+              </a:spcBef>
+            </a:pPr>
+            <a:r>
+              <a:rPr lang="sv-SE" sz="2400" b="1" dirty="0" err="1" smtClean="0">
+                <a:latin typeface="Courier New" pitchFamily="49" charset="0"/>
+              </a:rPr>
+              <a:t>setTimeout</a:t>
+            </a:r>
+            <a:r>
+              <a:rPr lang="sv-SE" sz="2400" b="1" dirty="0" smtClean="0">
+                <a:latin typeface="Courier New" pitchFamily="49" charset="0"/>
+              </a:rPr>
+              <a:t>("</a:t>
+            </a:r>
+            <a:r>
+              <a:rPr lang="sv-SE" sz="2400" b="1" dirty="0" err="1" smtClean="0">
+                <a:latin typeface="Courier New" pitchFamily="49" charset="0"/>
+              </a:rPr>
+              <a:t>myApp.goToSchool</a:t>
+            </a:r>
+            <a:r>
+              <a:rPr lang="sv-SE" sz="2400" b="1" dirty="0" smtClean="0">
+                <a:latin typeface="Courier New" pitchFamily="49" charset="0"/>
+              </a:rPr>
+              <a:t>()", 3000</a:t>
+            </a:r>
+            <a:r>
+              <a:rPr lang="sv-SE" sz="2400" b="1" dirty="0">
+                <a:latin typeface="Courier New" pitchFamily="49" charset="0"/>
+              </a:rPr>
+              <a:t>);</a:t>
+            </a:r>
+          </a:p>
+        </p:txBody>
+      </p:sp>
+      <p:cxnSp>
+        <p:nvCxnSpPr>
+          <p:cNvPr id="7" name="Straight Connector 6"/>
+          <p:cNvCxnSpPr/>
+          <p:nvPr/>
+        </p:nvCxnSpPr>
+        <p:spPr>
+          <a:xfrm>
+            <a:off x="353345" y="4473234"/>
+            <a:ext cx="8352928" cy="0"/>
+          </a:xfrm>
+          <a:prstGeom prst="line">
+            <a:avLst/>
+          </a:prstGeom>
+          <a:ln w="41275">
+            <a:solidFill>
+              <a:srgbClr val="FF0000"/>
+            </a:solidFill>
+          </a:ln>
+        </p:spPr>
+        <p:style>
+          <a:lnRef idx="1">
+            <a:schemeClr val="accent1"/>
+          </a:lnRef>
+          <a:fillRef idx="0">
+            <a:schemeClr val="accent1"/>
+          </a:fillRef>
+          <a:effectRef idx="0">
+            <a:schemeClr val="accent1"/>
+          </a:effectRef>
+          <a:fontRef idx="minor">
+            <a:schemeClr val="tx1"/>
+          </a:fontRef>
+        </p:style>
+      </p:cxnSp>
+      <p:sp>
+        <p:nvSpPr>
+          <p:cNvPr id="8" name="Text Box 7"/>
+          <p:cNvSpPr txBox="1">
+            <a:spLocks noChangeArrowheads="1"/>
+          </p:cNvSpPr>
+          <p:nvPr/>
+        </p:nvSpPr>
+        <p:spPr bwMode="auto">
+          <a:xfrm>
+            <a:off x="467544" y="1561356"/>
+            <a:ext cx="7905547" cy="461665"/>
+          </a:xfrm>
+          <a:prstGeom prst="rect">
+            <a:avLst/>
+          </a:prstGeom>
+          <a:ln>
+            <a:headEnd/>
+            <a:tailEnd/>
+          </a:ln>
+        </p:spPr>
+        <p:style>
+          <a:lnRef idx="1">
+            <a:schemeClr val="accent2"/>
+          </a:lnRef>
+          <a:fillRef idx="2">
+            <a:schemeClr val="accent2"/>
+          </a:fillRef>
+          <a:effectRef idx="1">
+            <a:schemeClr val="accent2"/>
+          </a:effectRef>
+          <a:fontRef idx="minor">
+            <a:schemeClr val="dk1"/>
+          </a:fontRef>
+        </p:style>
+        <p:txBody>
+          <a:bodyPr wrap="square">
+            <a:spAutoFit/>
+          </a:bodyPr>
+          <a:lstStyle/>
+          <a:p>
+            <a:pPr>
+              <a:spcBef>
+                <a:spcPct val="50000"/>
+              </a:spcBef>
+            </a:pPr>
+            <a:r>
+              <a:rPr lang="sv-SE" sz="2400" b="1" dirty="0" err="1" smtClean="0">
+                <a:latin typeface="Courier New" pitchFamily="49" charset="0"/>
+              </a:rPr>
+              <a:t>setTimeout</a:t>
+            </a:r>
+            <a:r>
+              <a:rPr lang="sv-SE" sz="2400" b="1" dirty="0" smtClean="0">
+                <a:latin typeface="Courier New" pitchFamily="49" charset="0"/>
+              </a:rPr>
+              <a:t>(</a:t>
+            </a:r>
+            <a:r>
+              <a:rPr lang="sv-SE" sz="2400" b="1" dirty="0" err="1" smtClean="0">
+                <a:latin typeface="Courier New" pitchFamily="49" charset="0"/>
+              </a:rPr>
+              <a:t>myApp.goToSchool</a:t>
+            </a:r>
+            <a:r>
+              <a:rPr lang="sv-SE" sz="2400" b="1" dirty="0" smtClean="0">
+                <a:latin typeface="Courier New" pitchFamily="49" charset="0"/>
+              </a:rPr>
+              <a:t>, 3000</a:t>
+            </a:r>
+            <a:r>
+              <a:rPr lang="sv-SE" sz="2400" b="1" dirty="0">
+                <a:latin typeface="Courier New" pitchFamily="49" charset="0"/>
+              </a:rPr>
+              <a:t>);</a:t>
+            </a:r>
+          </a:p>
+        </p:txBody>
+      </p:sp>
+      <p:sp>
+        <p:nvSpPr>
+          <p:cNvPr id="9" name="Text Box 7"/>
+          <p:cNvSpPr txBox="1">
+            <a:spLocks noChangeArrowheads="1"/>
+          </p:cNvSpPr>
+          <p:nvPr/>
+        </p:nvSpPr>
+        <p:spPr bwMode="auto">
+          <a:xfrm>
+            <a:off x="467544" y="2384802"/>
+            <a:ext cx="7905547" cy="1569660"/>
+          </a:xfrm>
+          <a:prstGeom prst="rect">
+            <a:avLst/>
+          </a:prstGeom>
+          <a:ln>
+            <a:headEnd/>
+            <a:tailEnd/>
+          </a:ln>
+        </p:spPr>
+        <p:style>
+          <a:lnRef idx="1">
+            <a:schemeClr val="accent2"/>
+          </a:lnRef>
+          <a:fillRef idx="2">
+            <a:schemeClr val="accent2"/>
+          </a:fillRef>
+          <a:effectRef idx="1">
+            <a:schemeClr val="accent2"/>
+          </a:effectRef>
+          <a:fontRef idx="minor">
+            <a:schemeClr val="dk1"/>
+          </a:fontRef>
+        </p:style>
+        <p:txBody>
+          <a:bodyPr wrap="square">
+            <a:spAutoFit/>
+          </a:bodyPr>
+          <a:lstStyle/>
+          <a:p>
+            <a:pPr>
+              <a:spcBef>
+                <a:spcPct val="50000"/>
+              </a:spcBef>
+            </a:pPr>
+            <a:r>
+              <a:rPr lang="sv-SE" sz="2400" b="1" dirty="0" err="1" smtClean="0">
+                <a:latin typeface="Courier New" pitchFamily="49" charset="0"/>
+              </a:rPr>
+              <a:t>setTimeout</a:t>
+            </a:r>
+            <a:r>
+              <a:rPr lang="sv-SE" sz="2400" b="1" dirty="0" smtClean="0">
+                <a:latin typeface="Courier New" pitchFamily="49" charset="0"/>
+              </a:rPr>
+              <a:t>(</a:t>
+            </a:r>
+            <a:r>
+              <a:rPr lang="sv-SE" sz="2400" b="1" dirty="0" err="1" smtClean="0">
+                <a:latin typeface="Courier New" pitchFamily="49" charset="0"/>
+              </a:rPr>
+              <a:t>function</a:t>
+            </a:r>
+            <a:r>
+              <a:rPr lang="sv-SE" sz="2400" b="1" dirty="0" smtClean="0">
+                <a:latin typeface="Courier New" pitchFamily="49" charset="0"/>
+              </a:rPr>
+              <a:t>(){</a:t>
+            </a:r>
+          </a:p>
+          <a:p>
+            <a:pPr>
+              <a:spcBef>
+                <a:spcPct val="50000"/>
+              </a:spcBef>
+            </a:pPr>
+            <a:r>
+              <a:rPr lang="sv-SE" sz="2400" b="1" dirty="0" smtClean="0">
+                <a:latin typeface="Courier New" pitchFamily="49" charset="0"/>
+              </a:rPr>
+              <a:t>    </a:t>
+            </a:r>
+            <a:r>
+              <a:rPr lang="sv-SE" sz="2400" b="1" dirty="0" err="1" smtClean="0">
+                <a:latin typeface="Courier New" pitchFamily="49" charset="0"/>
+              </a:rPr>
+              <a:t>myApp.goToSchool</a:t>
+            </a:r>
+            <a:r>
+              <a:rPr lang="sv-SE" sz="2400" b="1" dirty="0" smtClean="0">
+                <a:latin typeface="Courier New" pitchFamily="49" charset="0"/>
+              </a:rPr>
+              <a:t>();</a:t>
+            </a:r>
+            <a:endParaRPr lang="sv-SE" sz="2400" b="1" dirty="0">
+              <a:latin typeface="Courier New" pitchFamily="49" charset="0"/>
+            </a:endParaRPr>
+          </a:p>
+          <a:p>
+            <a:pPr>
+              <a:spcBef>
+                <a:spcPct val="50000"/>
+              </a:spcBef>
+            </a:pPr>
+            <a:r>
+              <a:rPr lang="sv-SE" sz="2400" b="1" dirty="0" smtClean="0">
+                <a:latin typeface="Courier New" pitchFamily="49" charset="0"/>
+              </a:rPr>
+              <a:t>}, 3000</a:t>
+            </a:r>
+            <a:r>
+              <a:rPr lang="sv-SE" sz="2400" b="1" dirty="0">
+                <a:latin typeface="Courier New" pitchFamily="49" charset="0"/>
+              </a:rPr>
+              <a:t>);</a:t>
+            </a:r>
+          </a:p>
+        </p:txBody>
+      </p:sp>
+      <p:sp>
+        <p:nvSpPr>
+          <p:cNvPr id="12" name="TextBox 11"/>
+          <p:cNvSpPr txBox="1"/>
+          <p:nvPr/>
+        </p:nvSpPr>
+        <p:spPr>
+          <a:xfrm>
+            <a:off x="395536" y="1129308"/>
+            <a:ext cx="7374135" cy="369332"/>
+          </a:xfrm>
+          <a:prstGeom prst="rect">
+            <a:avLst/>
+          </a:prstGeom>
+          <a:noFill/>
+        </p:spPr>
+        <p:txBody>
+          <a:bodyPr wrap="none" rtlCol="0">
+            <a:spAutoFit/>
+          </a:bodyPr>
+          <a:lstStyle/>
+          <a:p>
+            <a:r>
+              <a:rPr lang="sv-SE" dirty="0" err="1" smtClean="0">
+                <a:latin typeface="Minya Nouvelle" pitchFamily="2" charset="0"/>
+              </a:rPr>
+              <a:t>setTimeout</a:t>
+            </a:r>
+            <a:r>
+              <a:rPr lang="sv-SE" dirty="0" smtClean="0">
+                <a:latin typeface="Minya Nouvelle" pitchFamily="2" charset="0"/>
+              </a:rPr>
+              <a:t> kan vi använda när vi vill vänta och sedan utföra något.</a:t>
+            </a:r>
+          </a:p>
+        </p:txBody>
+      </p:sp>
+      <p:sp>
+        <p:nvSpPr>
+          <p:cNvPr id="13" name="TextBox 12"/>
+          <p:cNvSpPr txBox="1"/>
+          <p:nvPr/>
+        </p:nvSpPr>
+        <p:spPr>
+          <a:xfrm>
+            <a:off x="7460840" y="1993404"/>
+            <a:ext cx="521297" cy="369332"/>
+          </a:xfrm>
+          <a:prstGeom prst="rect">
+            <a:avLst/>
+          </a:prstGeom>
+          <a:noFill/>
+        </p:spPr>
+        <p:txBody>
+          <a:bodyPr wrap="none" rtlCol="0">
+            <a:spAutoFit/>
+          </a:bodyPr>
+          <a:lstStyle/>
+          <a:p>
+            <a:r>
+              <a:rPr lang="sv-SE" b="1" dirty="0" err="1" smtClean="0">
+                <a:solidFill>
+                  <a:srgbClr val="FF0000"/>
+                </a:solidFill>
+                <a:latin typeface="Minya Nouvelle" pitchFamily="2" charset="0"/>
+              </a:rPr>
+              <a:t>ms</a:t>
+            </a:r>
+            <a:endParaRPr lang="sv-SE" b="1" dirty="0" smtClean="0">
+              <a:solidFill>
+                <a:srgbClr val="FF0000"/>
+              </a:solidFill>
+              <a:latin typeface="Minya Nouvelle" pitchFamily="2" charset="0"/>
+            </a:endParaRPr>
+          </a:p>
+        </p:txBody>
+      </p:sp>
+      <p:sp>
+        <p:nvSpPr>
+          <p:cNvPr id="14" name="Freeform 13"/>
+          <p:cNvSpPr/>
+          <p:nvPr/>
+        </p:nvSpPr>
+        <p:spPr>
+          <a:xfrm>
+            <a:off x="6372200" y="1960646"/>
+            <a:ext cx="1083366" cy="244982"/>
+          </a:xfrm>
+          <a:custGeom>
+            <a:avLst/>
+            <a:gdLst>
+              <a:gd name="connsiteX0" fmla="*/ 1083366 w 1083366"/>
+              <a:gd name="connsiteY0" fmla="*/ 208721 h 244982"/>
+              <a:gd name="connsiteX1" fmla="*/ 337931 w 1083366"/>
+              <a:gd name="connsiteY1" fmla="*/ 228600 h 244982"/>
+              <a:gd name="connsiteX2" fmla="*/ 0 w 1083366"/>
+              <a:gd name="connsiteY2" fmla="*/ 0 h 244982"/>
+            </a:gdLst>
+            <a:ahLst/>
+            <a:cxnLst>
+              <a:cxn ang="0">
+                <a:pos x="connsiteX0" y="connsiteY0"/>
+              </a:cxn>
+              <a:cxn ang="0">
+                <a:pos x="connsiteX1" y="connsiteY1"/>
+              </a:cxn>
+              <a:cxn ang="0">
+                <a:pos x="connsiteX2" y="connsiteY2"/>
+              </a:cxn>
+            </a:cxnLst>
+            <a:rect l="l" t="t" r="r" b="b"/>
+            <a:pathLst>
+              <a:path w="1083366" h="244982">
+                <a:moveTo>
+                  <a:pt x="1083366" y="208721"/>
+                </a:moveTo>
+                <a:cubicBezTo>
+                  <a:pt x="800929" y="236054"/>
+                  <a:pt x="518492" y="263387"/>
+                  <a:pt x="337931" y="228600"/>
+                </a:cubicBezTo>
+                <a:cubicBezTo>
+                  <a:pt x="157370" y="193813"/>
+                  <a:pt x="78685" y="96906"/>
+                  <a:pt x="0" y="0"/>
+                </a:cubicBezTo>
+              </a:path>
+            </a:pathLst>
+          </a:custGeom>
+          <a:ln w="19050">
+            <a:solidFill>
+              <a:srgbClr val="FF0000"/>
+            </a:solidFill>
+            <a:tailEnd type="arrow"/>
+          </a:ln>
+        </p:spPr>
+        <p:style>
+          <a:lnRef idx="1">
+            <a:schemeClr val="accent1"/>
+          </a:lnRef>
+          <a:fillRef idx="0">
+            <a:schemeClr val="accent1"/>
+          </a:fillRef>
+          <a:effectRef idx="0">
+            <a:schemeClr val="accent1"/>
+          </a:effectRef>
+          <a:fontRef idx="minor">
+            <a:schemeClr val="tx1"/>
+          </a:fontRef>
+        </p:style>
+        <p:txBody>
+          <a:bodyPr rtlCol="0" anchor="ctr"/>
+          <a:lstStyle/>
+          <a:p>
+            <a:pPr algn="ctr"/>
+            <a:endParaRPr lang="sv-SE"/>
+          </a:p>
+        </p:txBody>
+      </p:sp>
+      <p:pic>
+        <p:nvPicPr>
+          <p:cNvPr id="16" name="Picture 8" descr="P:\Icons\48x48\shadow\window_time.png"/>
+          <p:cNvPicPr>
+            <a:picLocks noChangeAspect="1" noChangeArrowheads="1"/>
+          </p:cNvPicPr>
+          <p:nvPr/>
+        </p:nvPicPr>
+        <p:blipFill>
+          <a:blip r:embed="rId2">
+            <a:extLst>
+              <a:ext uri="{28A0092B-C50C-407E-A947-70E740481C1C}">
+                <a14:useLocalDpi xmlns:a14="http://schemas.microsoft.com/office/drawing/2010/main" val="0"/>
+              </a:ext>
+            </a:extLst>
+          </a:blip>
+          <a:srcRect/>
+          <a:stretch>
+            <a:fillRect/>
+          </a:stretch>
+        </p:blipFill>
+        <p:spPr bwMode="auto">
+          <a:xfrm>
+            <a:off x="8244408" y="265212"/>
+            <a:ext cx="617538" cy="617537"/>
+          </a:xfrm>
+          <a:prstGeom prst="rect">
+            <a:avLst/>
+          </a:prstGeom>
+          <a:noFill/>
+          <a:extLst>
+            <a:ext uri="{909E8E84-426E-40dd-AFC4-6F175D3DCCD1}">
+              <a14:hiddenFill xmlns:a14="http://schemas.microsoft.com/office/drawing/2010/main">
+                <a:solidFill>
+                  <a:srgbClr val="FFFFFF"/>
+                </a:solidFill>
+              </a14:hiddenFill>
+            </a:ext>
+          </a:extLst>
+        </p:spPr>
+      </p:pic>
+      <p:sp>
+        <p:nvSpPr>
+          <p:cNvPr id="11" name="TextBox 10"/>
+          <p:cNvSpPr txBox="1"/>
+          <p:nvPr/>
+        </p:nvSpPr>
+        <p:spPr>
+          <a:xfrm>
+            <a:off x="395536" y="4947473"/>
+            <a:ext cx="8928992" cy="646331"/>
+          </a:xfrm>
+          <a:prstGeom prst="rect">
+            <a:avLst/>
+          </a:prstGeom>
+          <a:noFill/>
+        </p:spPr>
+        <p:txBody>
+          <a:bodyPr wrap="square" rtlCol="0">
+            <a:spAutoFit/>
+          </a:bodyPr>
+          <a:lstStyle/>
+          <a:p>
+            <a:r>
+              <a:rPr lang="sv-SE" dirty="0" err="1" smtClean="0">
+                <a:latin typeface="Minya Nouvelle" pitchFamily="2" charset="0"/>
+              </a:rPr>
+              <a:t>setTimeout</a:t>
+            </a:r>
+            <a:r>
+              <a:rPr lang="sv-SE" dirty="0" smtClean="0">
+                <a:latin typeface="Minya Nouvelle" pitchFamily="2" charset="0"/>
+              </a:rPr>
+              <a:t> ligger på </a:t>
+            </a:r>
+            <a:r>
+              <a:rPr lang="sv-SE" dirty="0" err="1" smtClean="0">
+                <a:latin typeface="Minya Nouvelle" pitchFamily="2" charset="0"/>
+              </a:rPr>
+              <a:t>window</a:t>
+            </a:r>
+            <a:r>
+              <a:rPr lang="sv-SE" dirty="0" smtClean="0">
+                <a:latin typeface="Minya Nouvelle" pitchFamily="2" charset="0"/>
+              </a:rPr>
+              <a:t>-objektet men eftersom detta är globalt behöver vi inte skriva </a:t>
+            </a:r>
+            <a:r>
+              <a:rPr lang="sv-SE" dirty="0" err="1" smtClean="0">
+                <a:latin typeface="Minya Nouvelle" pitchFamily="2" charset="0"/>
+              </a:rPr>
+              <a:t>window.setTimeout</a:t>
+            </a:r>
+            <a:r>
+              <a:rPr lang="sv-SE" dirty="0" smtClean="0">
+                <a:latin typeface="Minya Nouvelle" pitchFamily="2" charset="0"/>
+              </a:rPr>
+              <a:t>, men vi kan.</a:t>
+            </a:r>
+          </a:p>
+        </p:txBody>
+      </p:sp>
+    </p:spTree>
+    <p:extLst>
+      <p:ext uri="{BB962C8B-B14F-4D97-AF65-F5344CB8AC3E}">
+        <p14:creationId xmlns:p14="http://schemas.microsoft.com/office/powerpoint/2010/main" val="3316589434"/>
+      </p:ext>
+    </p:extLst>
+  </p:cSld>
+  <p:clrMapOvr>
+    <a:masterClrMapping/>
+  </p:clrMapOvr>
+  <p:timing>
+    <p:tnLst>
+      <p:par>
+        <p:cTn xmlns:p14="http://schemas.microsoft.com/office/powerpoint/2010/main" id="1" dur="indefinite" restart="never" nodeType="tmRoot">
+          <p:childTnLst>
+            <p:seq concurrent="1" nextAc="seek">
+              <p:cTn id="2" dur="indefinite" nodeType="mainSeq">
+                <p:childTnLst>
+                  <p:par>
+                    <p:cTn id="3" fill="hold">
+                      <p:stCondLst>
+                        <p:cond delay="indefinite"/>
+                      </p:stCondLst>
+                      <p:childTnLst>
+                        <p:par>
+                          <p:cTn id="4" fill="hold">
+                            <p:stCondLst>
+                              <p:cond delay="0"/>
+                            </p:stCondLst>
+                            <p:childTnLst>
+                              <p:par>
+                                <p:cTn id="5" presetID="10" presetClass="entr" presetSubtype="0" fill="hold" grpId="0" nodeType="clickEffect">
+                                  <p:stCondLst>
+                                    <p:cond delay="0"/>
+                                  </p:stCondLst>
+                                  <p:childTnLst>
+                                    <p:set>
+                                      <p:cBhvr>
+                                        <p:cTn id="6" dur="1" fill="hold">
+                                          <p:stCondLst>
+                                            <p:cond delay="0"/>
+                                          </p:stCondLst>
+                                        </p:cTn>
+                                        <p:tgtEl>
+                                          <p:spTgt spid="5"/>
+                                        </p:tgtEl>
+                                        <p:attrNameLst>
+                                          <p:attrName>style.visibility</p:attrName>
+                                        </p:attrNameLst>
+                                      </p:cBhvr>
+                                      <p:to>
+                                        <p:strVal val="visible"/>
+                                      </p:to>
+                                    </p:set>
+                                    <p:animEffect transition="in" filter="fade">
+                                      <p:cBhvr>
+                                        <p:cTn id="7" dur="500"/>
+                                        <p:tgtEl>
+                                          <p:spTgt spid="5"/>
+                                        </p:tgtEl>
+                                      </p:cBhvr>
+                                    </p:animEffect>
+                                  </p:childTnLst>
+                                </p:cTn>
+                              </p:par>
+                            </p:childTnLst>
+                          </p:cTn>
+                        </p:par>
+                      </p:childTnLst>
+                    </p:cTn>
+                  </p:par>
+                  <p:par>
+                    <p:cTn id="8" fill="hold">
+                      <p:stCondLst>
+                        <p:cond delay="indefinite"/>
+                      </p:stCondLst>
+                      <p:childTnLst>
+                        <p:par>
+                          <p:cTn id="9" fill="hold">
+                            <p:stCondLst>
+                              <p:cond delay="0"/>
+                            </p:stCondLst>
+                            <p:childTnLst>
+                              <p:par>
+                                <p:cTn id="10" presetID="53" presetClass="entr" presetSubtype="16" fill="hold" nodeType="clickEffect">
+                                  <p:stCondLst>
+                                    <p:cond delay="0"/>
+                                  </p:stCondLst>
+                                  <p:childTnLst>
+                                    <p:set>
+                                      <p:cBhvr>
+                                        <p:cTn id="11" dur="1" fill="hold">
+                                          <p:stCondLst>
+                                            <p:cond delay="0"/>
+                                          </p:stCondLst>
+                                        </p:cTn>
+                                        <p:tgtEl>
+                                          <p:spTgt spid="7"/>
+                                        </p:tgtEl>
+                                        <p:attrNameLst>
+                                          <p:attrName>style.visibility</p:attrName>
+                                        </p:attrNameLst>
+                                      </p:cBhvr>
+                                      <p:to>
+                                        <p:strVal val="visible"/>
+                                      </p:to>
+                                    </p:set>
+                                    <p:anim calcmode="lin" valueType="num">
+                                      <p:cBhvr>
+                                        <p:cTn id="12" dur="500" fill="hold"/>
+                                        <p:tgtEl>
+                                          <p:spTgt spid="7"/>
+                                        </p:tgtEl>
+                                        <p:attrNameLst>
+                                          <p:attrName>ppt_w</p:attrName>
+                                        </p:attrNameLst>
+                                      </p:cBhvr>
+                                      <p:tavLst>
+                                        <p:tav tm="0">
+                                          <p:val>
+                                            <p:fltVal val="0"/>
+                                          </p:val>
+                                        </p:tav>
+                                        <p:tav tm="100000">
+                                          <p:val>
+                                            <p:strVal val="#ppt_w"/>
+                                          </p:val>
+                                        </p:tav>
+                                      </p:tavLst>
+                                    </p:anim>
+                                    <p:anim calcmode="lin" valueType="num">
+                                      <p:cBhvr>
+                                        <p:cTn id="13" dur="500" fill="hold"/>
+                                        <p:tgtEl>
+                                          <p:spTgt spid="7"/>
+                                        </p:tgtEl>
+                                        <p:attrNameLst>
+                                          <p:attrName>ppt_h</p:attrName>
+                                        </p:attrNameLst>
+                                      </p:cBhvr>
+                                      <p:tavLst>
+                                        <p:tav tm="0">
+                                          <p:val>
+                                            <p:fltVal val="0"/>
+                                          </p:val>
+                                        </p:tav>
+                                        <p:tav tm="100000">
+                                          <p:val>
+                                            <p:strVal val="#ppt_h"/>
+                                          </p:val>
+                                        </p:tav>
+                                      </p:tavLst>
+                                    </p:anim>
+                                    <p:animEffect transition="in" filter="fade">
+                                      <p:cBhvr>
+                                        <p:cTn id="14" dur="500"/>
+                                        <p:tgtEl>
+                                          <p:spTgt spid="7"/>
+                                        </p:tgtEl>
+                                      </p:cBhvr>
+                                    </p:animEffect>
+                                  </p:childTnLst>
+                                </p:cTn>
+                              </p:par>
+                            </p:childTnLst>
+                          </p:cTn>
+                        </p:par>
+                      </p:childTnLst>
+                    </p:cTn>
+                  </p:par>
+                </p:childTnLst>
+              </p:cTn>
+              <p:prevCondLst>
+                <p:cond evt="onPrev" delay="0">
+                  <p:tgtEl>
+                    <p:sldTgt/>
+                  </p:tgtEl>
+                </p:cond>
+              </p:prevCondLst>
+              <p:nextCondLst>
+                <p:cond evt="onNext" delay="0">
+                  <p:tgtEl>
+                    <p:sldTgt/>
+                  </p:tgtEl>
+                </p:cond>
+              </p:nextCondLst>
+            </p:seq>
+          </p:childTnLst>
+        </p:cTn>
+      </p:par>
+    </p:tnLst>
+    <p:bldLst>
+      <p:bldP spid="5" grpId="0" animBg="1"/>
+    </p:bldLst>
+  </p:timing>
+</p:sld>
+</file>
+
+<file path=ppt/slides/slide11.xml><?xml version="1.0" encoding="utf-8"?>
+<p:sld xmlns:a="http://schemas.openxmlformats.org/drawingml/2006/main" xmlns:r="http://schemas.openxmlformats.org/officeDocument/2006/relationships" xmlns:p="http://schemas.openxmlformats.org/presentationml/2006/main">
+  <p:cSld>
+    <p:spTree>
+      <p:nvGrpSpPr>
+        <p:cNvPr id="1" name=""/>
+        <p:cNvGrpSpPr/>
+        <p:nvPr/>
+      </p:nvGrpSpPr>
+      <p:grpSpPr>
+        <a:xfrm>
+          <a:off x="0" y="0"/>
+          <a:ext cx="0" cy="0"/>
+          <a:chOff x="0" y="0"/>
+          <a:chExt cx="0" cy="0"/>
+        </a:xfrm>
+      </p:grpSpPr>
+      <p:sp>
+        <p:nvSpPr>
+          <p:cNvPr id="2" name="Title 1"/>
+          <p:cNvSpPr>
+            <a:spLocks noGrp="1"/>
+          </p:cNvSpPr>
+          <p:nvPr>
+            <p:ph type="ctrTitle"/>
+          </p:nvPr>
+        </p:nvSpPr>
+        <p:spPr/>
+        <p:txBody>
+          <a:bodyPr/>
+          <a:lstStyle/>
+          <a:p>
+            <a:r>
+              <a:rPr lang="sv-SE" dirty="0" err="1" smtClean="0"/>
+              <a:t>setInterval</a:t>
+            </a:r>
+            <a:endParaRPr lang="sv-SE" dirty="0"/>
+          </a:p>
+        </p:txBody>
+      </p:sp>
+      <p:sp>
+        <p:nvSpPr>
+          <p:cNvPr id="8" name="Text Box 7"/>
+          <p:cNvSpPr txBox="1">
+            <a:spLocks noChangeArrowheads="1"/>
+          </p:cNvSpPr>
+          <p:nvPr/>
+        </p:nvSpPr>
+        <p:spPr bwMode="auto">
+          <a:xfrm>
+            <a:off x="467544" y="1777380"/>
+            <a:ext cx="8238729" cy="400110"/>
+          </a:xfrm>
+          <a:prstGeom prst="rect">
+            <a:avLst/>
+          </a:prstGeom>
+          <a:ln>
+            <a:headEnd/>
+            <a:tailEnd/>
+          </a:ln>
+        </p:spPr>
+        <p:style>
+          <a:lnRef idx="1">
+            <a:schemeClr val="accent2"/>
+          </a:lnRef>
+          <a:fillRef idx="2">
+            <a:schemeClr val="accent2"/>
+          </a:fillRef>
+          <a:effectRef idx="1">
+            <a:schemeClr val="accent2"/>
+          </a:effectRef>
+          <a:fontRef idx="minor">
+            <a:schemeClr val="dk1"/>
+          </a:fontRef>
+        </p:style>
+        <p:txBody>
+          <a:bodyPr wrap="square">
+            <a:spAutoFit/>
+          </a:bodyPr>
+          <a:lstStyle/>
+          <a:p>
+            <a:pPr>
+              <a:spcBef>
+                <a:spcPct val="50000"/>
+              </a:spcBef>
+            </a:pPr>
+            <a:r>
+              <a:rPr lang="sv-SE" sz="2000" b="1" dirty="0" err="1" smtClean="0">
+                <a:latin typeface="Courier New" pitchFamily="49" charset="0"/>
+              </a:rPr>
+              <a:t>setInterval</a:t>
+            </a:r>
+            <a:r>
+              <a:rPr lang="sv-SE" sz="2000" b="1" dirty="0" smtClean="0">
+                <a:latin typeface="Courier New" pitchFamily="49" charset="0"/>
+              </a:rPr>
+              <a:t>(</a:t>
+            </a:r>
+            <a:r>
+              <a:rPr lang="sv-SE" sz="2000" b="1" dirty="0" err="1" smtClean="0">
+                <a:latin typeface="Courier New" pitchFamily="49" charset="0"/>
+              </a:rPr>
+              <a:t>myApp.writeOnBlackboard</a:t>
+            </a:r>
+            <a:r>
+              <a:rPr lang="sv-SE" sz="2000" b="1" dirty="0" smtClean="0">
+                <a:latin typeface="Courier New" pitchFamily="49" charset="0"/>
+              </a:rPr>
+              <a:t>, 3000</a:t>
+            </a:r>
+            <a:r>
+              <a:rPr lang="sv-SE" sz="2000" b="1" dirty="0">
+                <a:latin typeface="Courier New" pitchFamily="49" charset="0"/>
+              </a:rPr>
+              <a:t>);</a:t>
+            </a:r>
+          </a:p>
+        </p:txBody>
+      </p:sp>
+      <p:sp>
+        <p:nvSpPr>
+          <p:cNvPr id="9" name="Text Box 7"/>
+          <p:cNvSpPr txBox="1">
+            <a:spLocks noChangeArrowheads="1"/>
+          </p:cNvSpPr>
+          <p:nvPr/>
+        </p:nvSpPr>
+        <p:spPr bwMode="auto">
+          <a:xfrm>
+            <a:off x="467544" y="2671093"/>
+            <a:ext cx="8238729" cy="1569660"/>
+          </a:xfrm>
+          <a:prstGeom prst="rect">
+            <a:avLst/>
+          </a:prstGeom>
+          <a:ln>
+            <a:headEnd/>
+            <a:tailEnd/>
+          </a:ln>
+        </p:spPr>
+        <p:style>
+          <a:lnRef idx="1">
+            <a:schemeClr val="accent2"/>
+          </a:lnRef>
+          <a:fillRef idx="2">
+            <a:schemeClr val="accent2"/>
+          </a:fillRef>
+          <a:effectRef idx="1">
+            <a:schemeClr val="accent2"/>
+          </a:effectRef>
+          <a:fontRef idx="minor">
+            <a:schemeClr val="dk1"/>
+          </a:fontRef>
+        </p:style>
+        <p:txBody>
+          <a:bodyPr wrap="square">
+            <a:spAutoFit/>
+          </a:bodyPr>
+          <a:lstStyle/>
+          <a:p>
+            <a:pPr>
+              <a:spcBef>
+                <a:spcPct val="50000"/>
+              </a:spcBef>
+            </a:pPr>
+            <a:r>
+              <a:rPr lang="sv-SE" sz="2400" b="1" dirty="0" err="1" smtClean="0">
+                <a:latin typeface="Courier New" pitchFamily="49" charset="0"/>
+              </a:rPr>
+              <a:t>setInterval</a:t>
+            </a:r>
+            <a:r>
+              <a:rPr lang="sv-SE" sz="2400" b="1" dirty="0" smtClean="0">
+                <a:latin typeface="Courier New" pitchFamily="49" charset="0"/>
+              </a:rPr>
+              <a:t>(</a:t>
+            </a:r>
+            <a:r>
+              <a:rPr lang="sv-SE" sz="2400" b="1" dirty="0" err="1" smtClean="0">
+                <a:latin typeface="Courier New" pitchFamily="49" charset="0"/>
+              </a:rPr>
+              <a:t>function</a:t>
+            </a:r>
+            <a:r>
+              <a:rPr lang="sv-SE" sz="2400" b="1" dirty="0" smtClean="0">
+                <a:latin typeface="Courier New" pitchFamily="49" charset="0"/>
+              </a:rPr>
+              <a:t>(){</a:t>
+            </a:r>
+          </a:p>
+          <a:p>
+            <a:pPr>
+              <a:spcBef>
+                <a:spcPct val="50000"/>
+              </a:spcBef>
+            </a:pPr>
+            <a:r>
+              <a:rPr lang="sv-SE" sz="2400" b="1" dirty="0">
+                <a:latin typeface="Courier New" pitchFamily="49" charset="0"/>
+              </a:rPr>
+              <a:t> </a:t>
+            </a:r>
+            <a:r>
+              <a:rPr lang="sv-SE" sz="2400" b="1" dirty="0" smtClean="0">
+                <a:latin typeface="Courier New" pitchFamily="49" charset="0"/>
+              </a:rPr>
+              <a:t> </a:t>
+            </a:r>
+            <a:r>
+              <a:rPr lang="sv-SE" b="1" dirty="0" err="1" smtClean="0">
+                <a:latin typeface="Courier New" pitchFamily="49" charset="0"/>
+              </a:rPr>
+              <a:t>myApp.writeOnBlackboard</a:t>
+            </a:r>
+            <a:r>
+              <a:rPr lang="sv-SE" b="1" dirty="0" smtClean="0">
+                <a:latin typeface="Courier New" pitchFamily="49" charset="0"/>
+              </a:rPr>
+              <a:t>("</a:t>
+            </a:r>
+            <a:r>
+              <a:rPr lang="sv-SE" sz="1200" b="1" dirty="0" smtClean="0">
+                <a:latin typeface="Courier New" pitchFamily="49" charset="0"/>
+              </a:rPr>
+              <a:t>I </a:t>
+            </a:r>
+            <a:r>
+              <a:rPr lang="sv-SE" sz="1200" b="1" dirty="0" err="1" smtClean="0">
+                <a:latin typeface="Courier New" pitchFamily="49" charset="0"/>
+              </a:rPr>
+              <a:t>will</a:t>
+            </a:r>
+            <a:r>
+              <a:rPr lang="sv-SE" sz="1200" b="1" dirty="0" smtClean="0">
+                <a:latin typeface="Courier New" pitchFamily="49" charset="0"/>
+              </a:rPr>
+              <a:t> not </a:t>
+            </a:r>
+            <a:r>
+              <a:rPr lang="sv-SE" sz="1200" b="1" dirty="0" err="1" smtClean="0">
+                <a:latin typeface="Courier New" pitchFamily="49" charset="0"/>
+              </a:rPr>
+              <a:t>use</a:t>
+            </a:r>
+            <a:r>
+              <a:rPr lang="sv-SE" sz="1200" b="1" dirty="0" smtClean="0">
+                <a:latin typeface="Courier New" pitchFamily="49" charset="0"/>
+              </a:rPr>
+              <a:t> </a:t>
+            </a:r>
+            <a:r>
+              <a:rPr lang="sv-SE" sz="1200" b="1" dirty="0" err="1" smtClean="0">
+                <a:latin typeface="Courier New" pitchFamily="49" charset="0"/>
+              </a:rPr>
+              <a:t>inline</a:t>
+            </a:r>
+            <a:r>
+              <a:rPr lang="sv-SE" sz="1200" b="1" dirty="0" smtClean="0">
+                <a:latin typeface="Courier New" pitchFamily="49" charset="0"/>
+              </a:rPr>
+              <a:t> JS in my HTML-pages</a:t>
+            </a:r>
+            <a:r>
+              <a:rPr lang="sv-SE" sz="1400" b="1" dirty="0" smtClean="0">
+                <a:latin typeface="Courier New" pitchFamily="49" charset="0"/>
+              </a:rPr>
+              <a:t>."</a:t>
+            </a:r>
+            <a:r>
+              <a:rPr lang="sv-SE" b="1" dirty="0" smtClean="0">
+                <a:latin typeface="Courier New" pitchFamily="49" charset="0"/>
+              </a:rPr>
+              <a:t>);</a:t>
+            </a:r>
+            <a:endParaRPr lang="sv-SE" b="1" dirty="0">
+              <a:latin typeface="Courier New" pitchFamily="49" charset="0"/>
+            </a:endParaRPr>
+          </a:p>
+          <a:p>
+            <a:pPr>
+              <a:spcBef>
+                <a:spcPct val="50000"/>
+              </a:spcBef>
+            </a:pPr>
+            <a:r>
+              <a:rPr lang="sv-SE" sz="2400" b="1" dirty="0" smtClean="0">
+                <a:latin typeface="Courier New" pitchFamily="49" charset="0"/>
+              </a:rPr>
+              <a:t>}, 3000</a:t>
+            </a:r>
+            <a:r>
+              <a:rPr lang="sv-SE" sz="2400" b="1" dirty="0">
+                <a:latin typeface="Courier New" pitchFamily="49" charset="0"/>
+              </a:rPr>
+              <a:t>);</a:t>
+            </a:r>
+          </a:p>
+        </p:txBody>
+      </p:sp>
+      <p:sp>
+        <p:nvSpPr>
+          <p:cNvPr id="12" name="TextBox 11"/>
+          <p:cNvSpPr txBox="1"/>
+          <p:nvPr/>
+        </p:nvSpPr>
+        <p:spPr>
+          <a:xfrm>
+            <a:off x="395536" y="1129308"/>
+            <a:ext cx="7374135" cy="369332"/>
+          </a:xfrm>
+          <a:prstGeom prst="rect">
+            <a:avLst/>
+          </a:prstGeom>
+          <a:noFill/>
+        </p:spPr>
+        <p:txBody>
+          <a:bodyPr wrap="none" rtlCol="0">
+            <a:spAutoFit/>
+          </a:bodyPr>
+          <a:lstStyle/>
+          <a:p>
+            <a:r>
+              <a:rPr lang="sv-SE" dirty="0" err="1" smtClean="0">
+                <a:latin typeface="Minya Nouvelle" pitchFamily="2" charset="0"/>
+              </a:rPr>
+              <a:t>setTimeout</a:t>
+            </a:r>
+            <a:r>
+              <a:rPr lang="sv-SE" dirty="0" smtClean="0">
+                <a:latin typeface="Minya Nouvelle" pitchFamily="2" charset="0"/>
+              </a:rPr>
+              <a:t> kan vi använda när vi vill vänta och sedan utföra något.</a:t>
+            </a:r>
+          </a:p>
+        </p:txBody>
+      </p:sp>
+      <p:sp>
+        <p:nvSpPr>
+          <p:cNvPr id="13" name="TextBox 12"/>
+          <p:cNvSpPr txBox="1"/>
+          <p:nvPr/>
+        </p:nvSpPr>
+        <p:spPr>
+          <a:xfrm>
+            <a:off x="7867127" y="2209428"/>
+            <a:ext cx="521297" cy="369332"/>
+          </a:xfrm>
+          <a:prstGeom prst="rect">
+            <a:avLst/>
+          </a:prstGeom>
+          <a:noFill/>
+        </p:spPr>
+        <p:txBody>
+          <a:bodyPr wrap="none" rtlCol="0">
+            <a:spAutoFit/>
+          </a:bodyPr>
+          <a:lstStyle/>
+          <a:p>
+            <a:r>
+              <a:rPr lang="sv-SE" b="1" dirty="0" err="1" smtClean="0">
+                <a:solidFill>
+                  <a:srgbClr val="FF0000"/>
+                </a:solidFill>
+                <a:latin typeface="Minya Nouvelle" pitchFamily="2" charset="0"/>
+              </a:rPr>
+              <a:t>ms</a:t>
+            </a:r>
+            <a:endParaRPr lang="sv-SE" b="1" dirty="0" smtClean="0">
+              <a:solidFill>
+                <a:srgbClr val="FF0000"/>
+              </a:solidFill>
+              <a:latin typeface="Minya Nouvelle" pitchFamily="2" charset="0"/>
+            </a:endParaRPr>
+          </a:p>
+        </p:txBody>
+      </p:sp>
+      <p:sp>
+        <p:nvSpPr>
+          <p:cNvPr id="14" name="Freeform 13"/>
+          <p:cNvSpPr/>
+          <p:nvPr/>
+        </p:nvSpPr>
+        <p:spPr>
+          <a:xfrm>
+            <a:off x="6778487" y="2176670"/>
+            <a:ext cx="1083366" cy="244982"/>
+          </a:xfrm>
+          <a:custGeom>
+            <a:avLst/>
+            <a:gdLst>
+              <a:gd name="connsiteX0" fmla="*/ 1083366 w 1083366"/>
+              <a:gd name="connsiteY0" fmla="*/ 208721 h 244982"/>
+              <a:gd name="connsiteX1" fmla="*/ 337931 w 1083366"/>
+              <a:gd name="connsiteY1" fmla="*/ 228600 h 244982"/>
+              <a:gd name="connsiteX2" fmla="*/ 0 w 1083366"/>
+              <a:gd name="connsiteY2" fmla="*/ 0 h 244982"/>
+            </a:gdLst>
+            <a:ahLst/>
+            <a:cxnLst>
+              <a:cxn ang="0">
+                <a:pos x="connsiteX0" y="connsiteY0"/>
+              </a:cxn>
+              <a:cxn ang="0">
+                <a:pos x="connsiteX1" y="connsiteY1"/>
+              </a:cxn>
+              <a:cxn ang="0">
+                <a:pos x="connsiteX2" y="connsiteY2"/>
+              </a:cxn>
+            </a:cxnLst>
+            <a:rect l="l" t="t" r="r" b="b"/>
+            <a:pathLst>
+              <a:path w="1083366" h="244982">
+                <a:moveTo>
+                  <a:pt x="1083366" y="208721"/>
+                </a:moveTo>
+                <a:cubicBezTo>
+                  <a:pt x="800929" y="236054"/>
+                  <a:pt x="518492" y="263387"/>
+                  <a:pt x="337931" y="228600"/>
+                </a:cubicBezTo>
+                <a:cubicBezTo>
+                  <a:pt x="157370" y="193813"/>
+                  <a:pt x="78685" y="96906"/>
+                  <a:pt x="0" y="0"/>
+                </a:cubicBezTo>
+              </a:path>
+            </a:pathLst>
+          </a:custGeom>
+          <a:ln w="19050">
+            <a:solidFill>
+              <a:srgbClr val="FF0000"/>
+            </a:solidFill>
+            <a:tailEnd type="arrow"/>
+          </a:ln>
+        </p:spPr>
+        <p:style>
+          <a:lnRef idx="1">
+            <a:schemeClr val="accent1"/>
+          </a:lnRef>
+          <a:fillRef idx="0">
+            <a:schemeClr val="accent1"/>
+          </a:fillRef>
+          <a:effectRef idx="0">
+            <a:schemeClr val="accent1"/>
+          </a:effectRef>
+          <a:fontRef idx="minor">
+            <a:schemeClr val="tx1"/>
+          </a:fontRef>
+        </p:style>
+        <p:txBody>
+          <a:bodyPr rtlCol="0" anchor="ctr"/>
+          <a:lstStyle/>
+          <a:p>
+            <a:pPr algn="ctr"/>
+            <a:endParaRPr lang="sv-SE"/>
+          </a:p>
+        </p:txBody>
+      </p:sp>
+      <p:sp>
+        <p:nvSpPr>
+          <p:cNvPr id="3" name="TextBox 2"/>
+          <p:cNvSpPr txBox="1"/>
+          <p:nvPr/>
+        </p:nvSpPr>
+        <p:spPr>
+          <a:xfrm>
+            <a:off x="467545" y="4585692"/>
+            <a:ext cx="7560840" cy="923330"/>
+          </a:xfrm>
+          <a:prstGeom prst="rect">
+            <a:avLst/>
+          </a:prstGeom>
+          <a:noFill/>
+        </p:spPr>
+        <p:txBody>
+          <a:bodyPr wrap="square" rtlCol="0">
+            <a:spAutoFit/>
+          </a:bodyPr>
+          <a:lstStyle/>
+          <a:p>
+            <a:r>
+              <a:rPr lang="sv-SE" dirty="0" smtClean="0">
+                <a:latin typeface="Minya Nouvelle" pitchFamily="2" charset="0"/>
+              </a:rPr>
+              <a:t>När väl ett intervall startat så slutar det inte förrän man säger till det att stoppa. (Vilket kan innebära vissa problem, så kan man bör man undvika </a:t>
+            </a:r>
+            <a:r>
+              <a:rPr lang="sv-SE" dirty="0" err="1" smtClean="0">
+                <a:latin typeface="Minya Nouvelle" pitchFamily="2" charset="0"/>
+              </a:rPr>
+              <a:t>setInterval</a:t>
+            </a:r>
+            <a:r>
+              <a:rPr lang="sv-SE" dirty="0" smtClean="0">
+                <a:latin typeface="Minya Nouvelle" pitchFamily="2" charset="0"/>
+              </a:rPr>
+              <a:t> och förlita sig på </a:t>
+            </a:r>
+            <a:r>
+              <a:rPr lang="sv-SE" dirty="0" err="1" smtClean="0">
+                <a:latin typeface="Minya Nouvelle" pitchFamily="2" charset="0"/>
+              </a:rPr>
+              <a:t>setTimeout</a:t>
+            </a:r>
+            <a:r>
+              <a:rPr lang="sv-SE" dirty="0" smtClean="0">
+                <a:latin typeface="Minya Nouvelle" pitchFamily="2" charset="0"/>
+              </a:rPr>
+              <a:t>.)</a:t>
+            </a:r>
+          </a:p>
+        </p:txBody>
+      </p:sp>
+      <p:pic>
+        <p:nvPicPr>
+          <p:cNvPr id="17" name="Picture 8" descr="P:\Icons\48x48\shadow\window_time.png"/>
+          <p:cNvPicPr>
+            <a:picLocks noChangeAspect="1" noChangeArrowheads="1"/>
+          </p:cNvPicPr>
+          <p:nvPr/>
+        </p:nvPicPr>
+        <p:blipFill>
+          <a:blip r:embed="rId2">
+            <a:extLst>
+              <a:ext uri="{28A0092B-C50C-407E-A947-70E740481C1C}">
+                <a14:useLocalDpi xmlns:a14="http://schemas.microsoft.com/office/drawing/2010/main" val="0"/>
+              </a:ext>
+            </a:extLst>
+          </a:blip>
+          <a:srcRect/>
+          <a:stretch>
+            <a:fillRect/>
+          </a:stretch>
+        </p:blipFill>
+        <p:spPr bwMode="auto">
+          <a:xfrm>
+            <a:off x="8244408" y="265212"/>
+            <a:ext cx="617538" cy="617537"/>
+          </a:xfrm>
+          <a:prstGeom prst="rect">
+            <a:avLst/>
+          </a:prstGeom>
+          <a:noFill/>
+          <a:extLst>
+            <a:ext uri="{909E8E84-426E-40dd-AFC4-6F175D3DCCD1}">
+              <a14:hiddenFill xmlns:a14="http://schemas.microsoft.com/office/drawing/2010/main">
+                <a:solidFill>
+                  <a:srgbClr val="FFFFFF"/>
+                </a:solidFill>
+              </a14:hiddenFill>
+            </a:ext>
+          </a:extLst>
+        </p:spPr>
+      </p:pic>
+      <p:pic>
+        <p:nvPicPr>
+          <p:cNvPr id="18" name="Picture 5" descr="P:\Icons\128x128\shadow\clock_refresh.png"/>
+          <p:cNvPicPr>
+            <a:picLocks noChangeAspect="1" noChangeArrowheads="1"/>
+          </p:cNvPicPr>
+          <p:nvPr/>
+        </p:nvPicPr>
+        <p:blipFill>
+          <a:blip r:embed="rId3" cstate="print">
+            <a:extLst>
+              <a:ext uri="{28A0092B-C50C-407E-A947-70E740481C1C}">
+                <a14:useLocalDpi xmlns:a14="http://schemas.microsoft.com/office/drawing/2010/main" val="0"/>
+              </a:ext>
+            </a:extLst>
+          </a:blip>
+          <a:srcRect/>
+          <a:stretch>
+            <a:fillRect/>
+          </a:stretch>
+        </p:blipFill>
+        <p:spPr bwMode="auto">
+          <a:xfrm>
+            <a:off x="8398363" y="471297"/>
+            <a:ext cx="288032" cy="288032"/>
+          </a:xfrm>
+          <a:prstGeom prst="rect">
+            <a:avLst/>
+          </a:prstGeom>
+          <a:noFill/>
+          <a:extLst>
+            <a:ext uri="{909E8E84-426E-40dd-AFC4-6F175D3DCCD1}">
+              <a14:hiddenFill xmlns:a14="http://schemas.microsoft.com/office/drawing/2010/main">
+                <a:solidFill>
+                  <a:srgbClr val="FFFFFF"/>
+                </a:solidFill>
+              </a14:hiddenFill>
+            </a:ext>
+          </a:extLst>
+        </p:spPr>
+      </p:pic>
+    </p:spTree>
+    <p:extLst>
+      <p:ext uri="{BB962C8B-B14F-4D97-AF65-F5344CB8AC3E}">
+        <p14:creationId xmlns:p14="http://schemas.microsoft.com/office/powerpoint/2010/main" val="577505241"/>
+      </p:ext>
+    </p:extLst>
+  </p:cSld>
+  <p:clrMapOvr>
+    <a:masterClrMapping/>
+  </p:clrMapOvr>
+  <p:timing>
+    <p:tnLst>
+      <p:par>
+        <p:cTn xmlns:p14="http://schemas.microsoft.com/office/powerpoint/2010/main" id="1" dur="indefinite" restart="never" nodeType="tmRoot"/>
+      </p:par>
+    </p:tnLst>
+  </p:timing>
+</p:sld>
+</file>
+
+<file path=ppt/slides/slide12.xml><?xml version="1.0" encoding="utf-8"?>
+<p:sld xmlns:a="http://schemas.openxmlformats.org/drawingml/2006/main" xmlns:r="http://schemas.openxmlformats.org/officeDocument/2006/relationships" xmlns:p="http://schemas.openxmlformats.org/presentationml/2006/main">
+  <p:cSld>
+    <p:spTree>
+      <p:nvGrpSpPr>
+        <p:cNvPr id="1" name=""/>
+        <p:cNvGrpSpPr/>
+        <p:nvPr/>
+      </p:nvGrpSpPr>
+      <p:grpSpPr>
+        <a:xfrm>
+          <a:off x="0" y="0"/>
+          <a:ext cx="0" cy="0"/>
+          <a:chOff x="0" y="0"/>
+          <a:chExt cx="0" cy="0"/>
+        </a:xfrm>
+      </p:grpSpPr>
+      <p:sp>
+        <p:nvSpPr>
+          <p:cNvPr id="2" name="Title 1"/>
+          <p:cNvSpPr>
+            <a:spLocks noGrp="1"/>
+          </p:cNvSpPr>
+          <p:nvPr>
+            <p:ph type="ctrTitle"/>
+          </p:nvPr>
+        </p:nvSpPr>
+        <p:spPr/>
+        <p:txBody>
+          <a:bodyPr/>
+          <a:lstStyle/>
+          <a:p>
+            <a:r>
+              <a:rPr lang="sv-SE" dirty="0" err="1" smtClean="0"/>
+              <a:t>clearInterval</a:t>
+            </a:r>
+            <a:endParaRPr lang="sv-SE" dirty="0"/>
+          </a:p>
+        </p:txBody>
+      </p:sp>
+      <p:sp>
+        <p:nvSpPr>
+          <p:cNvPr id="9" name="Text Box 7"/>
+          <p:cNvSpPr txBox="1">
+            <a:spLocks noChangeArrowheads="1"/>
+          </p:cNvSpPr>
+          <p:nvPr/>
+        </p:nvSpPr>
+        <p:spPr bwMode="auto">
+          <a:xfrm>
+            <a:off x="467544" y="1841544"/>
+            <a:ext cx="8238729" cy="2816156"/>
+          </a:xfrm>
+          <a:prstGeom prst="rect">
+            <a:avLst/>
+          </a:prstGeom>
+          <a:ln>
+            <a:headEnd/>
+            <a:tailEnd/>
+          </a:ln>
+        </p:spPr>
+        <p:style>
+          <a:lnRef idx="1">
+            <a:schemeClr val="accent2"/>
+          </a:lnRef>
+          <a:fillRef idx="2">
+            <a:schemeClr val="accent2"/>
+          </a:fillRef>
+          <a:effectRef idx="1">
+            <a:schemeClr val="accent2"/>
+          </a:effectRef>
+          <a:fontRef idx="minor">
+            <a:schemeClr val="dk1"/>
+          </a:fontRef>
+        </p:style>
+        <p:txBody>
+          <a:bodyPr wrap="square">
+            <a:spAutoFit/>
+          </a:bodyPr>
+          <a:lstStyle/>
+          <a:p>
+            <a:pPr>
+              <a:spcBef>
+                <a:spcPct val="50000"/>
+              </a:spcBef>
+            </a:pPr>
+            <a:r>
+              <a:rPr lang="sv-SE" sz="2400" b="1" dirty="0" smtClean="0">
+                <a:latin typeface="Courier New" pitchFamily="49" charset="0"/>
+              </a:rPr>
+              <a:t>var </a:t>
+            </a:r>
+            <a:r>
+              <a:rPr lang="sv-SE" sz="2400" b="1" dirty="0" err="1" smtClean="0">
+                <a:latin typeface="Courier New" pitchFamily="49" charset="0"/>
+              </a:rPr>
+              <a:t>timerID</a:t>
+            </a:r>
+            <a:r>
+              <a:rPr lang="sv-SE" sz="2400" b="1" dirty="0" smtClean="0">
+                <a:latin typeface="Courier New" pitchFamily="49" charset="0"/>
+              </a:rPr>
+              <a:t> </a:t>
+            </a:r>
+            <a:r>
+              <a:rPr lang="sv-SE" sz="2400" dirty="0" smtClean="0">
+                <a:latin typeface="Courier New" pitchFamily="49" charset="0"/>
+              </a:rPr>
+              <a:t>= </a:t>
+            </a:r>
+            <a:r>
+              <a:rPr lang="sv-SE" sz="2400" dirty="0" err="1" smtClean="0">
+                <a:latin typeface="Courier New" pitchFamily="49" charset="0"/>
+              </a:rPr>
+              <a:t>setInterval</a:t>
+            </a:r>
+            <a:r>
+              <a:rPr lang="sv-SE" sz="2400" dirty="0" smtClean="0">
+                <a:latin typeface="Courier New" pitchFamily="49" charset="0"/>
+              </a:rPr>
+              <a:t>(</a:t>
+            </a:r>
+            <a:r>
+              <a:rPr lang="sv-SE" sz="2400" dirty="0" err="1" smtClean="0">
+                <a:latin typeface="Courier New" pitchFamily="49" charset="0"/>
+              </a:rPr>
+              <a:t>function</a:t>
+            </a:r>
+            <a:r>
+              <a:rPr lang="sv-SE" sz="2400" dirty="0" smtClean="0">
+                <a:latin typeface="Courier New" pitchFamily="49" charset="0"/>
+              </a:rPr>
+              <a:t>(){</a:t>
+            </a:r>
+          </a:p>
+          <a:p>
+            <a:pPr>
+              <a:spcBef>
+                <a:spcPct val="50000"/>
+              </a:spcBef>
+            </a:pPr>
+            <a:r>
+              <a:rPr lang="sv-SE" sz="2400" dirty="0">
+                <a:latin typeface="Courier New" pitchFamily="49" charset="0"/>
+              </a:rPr>
+              <a:t> </a:t>
+            </a:r>
+            <a:r>
+              <a:rPr lang="sv-SE" sz="2400" dirty="0" smtClean="0">
+                <a:latin typeface="Courier New" pitchFamily="49" charset="0"/>
+              </a:rPr>
+              <a:t> </a:t>
+            </a:r>
+            <a:r>
+              <a:rPr lang="sv-SE" dirty="0" err="1" smtClean="0">
+                <a:latin typeface="Courier New" pitchFamily="49" charset="0"/>
+              </a:rPr>
+              <a:t>myApp.writeOnBlackboard</a:t>
+            </a:r>
+            <a:r>
+              <a:rPr lang="sv-SE" dirty="0" smtClean="0">
+                <a:latin typeface="Courier New" pitchFamily="49" charset="0"/>
+              </a:rPr>
+              <a:t>("</a:t>
+            </a:r>
+            <a:r>
+              <a:rPr lang="sv-SE" sz="1200" dirty="0" smtClean="0">
+                <a:latin typeface="Courier New" pitchFamily="49" charset="0"/>
+              </a:rPr>
+              <a:t>I </a:t>
+            </a:r>
+            <a:r>
+              <a:rPr lang="sv-SE" sz="1200" dirty="0" err="1" smtClean="0">
+                <a:latin typeface="Courier New" pitchFamily="49" charset="0"/>
+              </a:rPr>
+              <a:t>will</a:t>
+            </a:r>
+            <a:r>
+              <a:rPr lang="sv-SE" sz="1200" dirty="0" smtClean="0">
+                <a:latin typeface="Courier New" pitchFamily="49" charset="0"/>
+              </a:rPr>
+              <a:t> not </a:t>
+            </a:r>
+            <a:r>
+              <a:rPr lang="sv-SE" sz="1200" dirty="0" err="1" smtClean="0">
+                <a:latin typeface="Courier New" pitchFamily="49" charset="0"/>
+              </a:rPr>
+              <a:t>use</a:t>
+            </a:r>
+            <a:r>
+              <a:rPr lang="sv-SE" sz="1200" dirty="0" smtClean="0">
+                <a:latin typeface="Courier New" pitchFamily="49" charset="0"/>
+              </a:rPr>
+              <a:t> </a:t>
+            </a:r>
+            <a:r>
+              <a:rPr lang="sv-SE" sz="1200" dirty="0" err="1" smtClean="0">
+                <a:latin typeface="Courier New" pitchFamily="49" charset="0"/>
+              </a:rPr>
+              <a:t>inline</a:t>
+            </a:r>
+            <a:r>
+              <a:rPr lang="sv-SE" sz="1200" dirty="0" smtClean="0">
+                <a:latin typeface="Courier New" pitchFamily="49" charset="0"/>
+              </a:rPr>
+              <a:t> JS in my HTML-pages</a:t>
+            </a:r>
+            <a:r>
+              <a:rPr lang="sv-SE" sz="1400" dirty="0" smtClean="0">
+                <a:latin typeface="Courier New" pitchFamily="49" charset="0"/>
+              </a:rPr>
+              <a:t>."</a:t>
+            </a:r>
+            <a:r>
+              <a:rPr lang="sv-SE" dirty="0" smtClean="0">
+                <a:latin typeface="Courier New" pitchFamily="49" charset="0"/>
+              </a:rPr>
+              <a:t>);</a:t>
+            </a:r>
+          </a:p>
+          <a:p>
+            <a:pPr>
+              <a:spcBef>
+                <a:spcPct val="50000"/>
+              </a:spcBef>
+            </a:pPr>
+            <a:r>
+              <a:rPr lang="sv-SE" dirty="0">
+                <a:latin typeface="Courier New" pitchFamily="49" charset="0"/>
+              </a:rPr>
+              <a:t> </a:t>
+            </a:r>
+            <a:r>
+              <a:rPr lang="sv-SE" dirty="0" smtClean="0">
+                <a:latin typeface="Courier New" pitchFamily="49" charset="0"/>
+              </a:rPr>
+              <a:t>  </a:t>
+            </a:r>
+            <a:r>
+              <a:rPr lang="sv-SE" dirty="0" err="1" smtClean="0">
+                <a:latin typeface="Courier New" pitchFamily="49" charset="0"/>
+              </a:rPr>
+              <a:t>if</a:t>
+            </a:r>
+            <a:r>
+              <a:rPr lang="sv-SE" dirty="0" smtClean="0">
+                <a:latin typeface="Courier New" pitchFamily="49" charset="0"/>
+              </a:rPr>
+              <a:t>(</a:t>
+            </a:r>
+            <a:r>
+              <a:rPr lang="sv-SE" dirty="0" err="1" smtClean="0">
+                <a:latin typeface="Courier New" pitchFamily="49" charset="0"/>
+              </a:rPr>
+              <a:t>myApp.isBlackboardFilled</a:t>
+            </a:r>
+            <a:r>
+              <a:rPr lang="sv-SE" dirty="0" smtClean="0">
+                <a:latin typeface="Courier New" pitchFamily="49" charset="0"/>
+              </a:rPr>
+              <a:t>()){</a:t>
+            </a:r>
+          </a:p>
+          <a:p>
+            <a:pPr>
+              <a:spcBef>
+                <a:spcPct val="50000"/>
+              </a:spcBef>
+            </a:pPr>
+            <a:r>
+              <a:rPr lang="sv-SE" b="1" dirty="0" smtClean="0">
+                <a:latin typeface="Courier New" pitchFamily="49" charset="0"/>
+              </a:rPr>
+              <a:t>        </a:t>
+            </a:r>
+            <a:r>
+              <a:rPr lang="sv-SE" b="1" dirty="0" err="1" smtClean="0">
+                <a:latin typeface="Courier New" pitchFamily="49" charset="0"/>
+              </a:rPr>
+              <a:t>clearInterval</a:t>
+            </a:r>
+            <a:r>
+              <a:rPr lang="sv-SE" b="1" dirty="0" smtClean="0">
+                <a:latin typeface="Courier New" pitchFamily="49" charset="0"/>
+              </a:rPr>
+              <a:t>(</a:t>
+            </a:r>
+            <a:r>
+              <a:rPr lang="sv-SE" b="1" dirty="0" err="1" smtClean="0">
+                <a:latin typeface="Courier New" pitchFamily="49" charset="0"/>
+              </a:rPr>
+              <a:t>timerID</a:t>
+            </a:r>
+            <a:r>
+              <a:rPr lang="sv-SE" b="1" dirty="0" smtClean="0">
+                <a:latin typeface="Courier New" pitchFamily="49" charset="0"/>
+              </a:rPr>
+              <a:t>);</a:t>
+            </a:r>
+            <a:endParaRPr lang="sv-SE" b="1" dirty="0">
+              <a:latin typeface="Courier New" pitchFamily="49" charset="0"/>
+            </a:endParaRPr>
+          </a:p>
+          <a:p>
+            <a:pPr>
+              <a:spcBef>
+                <a:spcPct val="50000"/>
+              </a:spcBef>
+            </a:pPr>
+            <a:r>
+              <a:rPr lang="sv-SE" dirty="0" smtClean="0">
+                <a:latin typeface="Courier New" pitchFamily="49" charset="0"/>
+              </a:rPr>
+              <a:t>   }</a:t>
+            </a:r>
+            <a:endParaRPr lang="sv-SE" dirty="0">
+              <a:latin typeface="Courier New" pitchFamily="49" charset="0"/>
+            </a:endParaRPr>
+          </a:p>
+          <a:p>
+            <a:pPr>
+              <a:spcBef>
+                <a:spcPct val="50000"/>
+              </a:spcBef>
+            </a:pPr>
+            <a:r>
+              <a:rPr lang="sv-SE" sz="2400" dirty="0" smtClean="0">
+                <a:latin typeface="Courier New" pitchFamily="49" charset="0"/>
+              </a:rPr>
+              <a:t>}, 3000</a:t>
+            </a:r>
+            <a:r>
+              <a:rPr lang="sv-SE" sz="2400" dirty="0">
+                <a:latin typeface="Courier New" pitchFamily="49" charset="0"/>
+              </a:rPr>
+              <a:t>);</a:t>
+            </a:r>
+          </a:p>
+        </p:txBody>
+      </p:sp>
+      <p:sp>
+        <p:nvSpPr>
+          <p:cNvPr id="4" name="TextBox 3"/>
+          <p:cNvSpPr txBox="1"/>
+          <p:nvPr/>
+        </p:nvSpPr>
+        <p:spPr>
+          <a:xfrm>
+            <a:off x="467545" y="1131049"/>
+            <a:ext cx="8415138" cy="646331"/>
+          </a:xfrm>
+          <a:prstGeom prst="rect">
+            <a:avLst/>
+          </a:prstGeom>
+          <a:noFill/>
+        </p:spPr>
+        <p:txBody>
+          <a:bodyPr wrap="square" rtlCol="0">
+            <a:spAutoFit/>
+          </a:bodyPr>
+          <a:lstStyle/>
+          <a:p>
+            <a:r>
+              <a:rPr lang="sv-SE" dirty="0" smtClean="0">
+                <a:latin typeface="Minya Nouvelle" pitchFamily="2" charset="0"/>
+              </a:rPr>
+              <a:t>Genom att spara undan ett id som returneras från </a:t>
+            </a:r>
+            <a:r>
+              <a:rPr lang="sv-SE" dirty="0" err="1" smtClean="0">
+                <a:latin typeface="Minya Nouvelle" pitchFamily="2" charset="0"/>
+              </a:rPr>
+              <a:t>setInterval</a:t>
+            </a:r>
+            <a:r>
+              <a:rPr lang="sv-SE" dirty="0" smtClean="0">
+                <a:latin typeface="Minya Nouvelle" pitchFamily="2" charset="0"/>
+              </a:rPr>
+              <a:t> så kan vi stoppa timern när vi önskar.</a:t>
+            </a:r>
+          </a:p>
+        </p:txBody>
+      </p:sp>
+      <p:sp>
+        <p:nvSpPr>
+          <p:cNvPr id="5" name="TextBox 4"/>
+          <p:cNvSpPr txBox="1"/>
+          <p:nvPr/>
+        </p:nvSpPr>
+        <p:spPr>
+          <a:xfrm>
+            <a:off x="467545" y="4916115"/>
+            <a:ext cx="6931706" cy="461665"/>
+          </a:xfrm>
+          <a:prstGeom prst="rect">
+            <a:avLst/>
+          </a:prstGeom>
+          <a:noFill/>
+        </p:spPr>
+        <p:txBody>
+          <a:bodyPr wrap="none" rtlCol="0">
+            <a:spAutoFit/>
+          </a:bodyPr>
+          <a:lstStyle/>
+          <a:p>
+            <a:r>
+              <a:rPr lang="sv-SE" sz="2400" dirty="0" smtClean="0">
+                <a:latin typeface="Minya Nouvelle" pitchFamily="2" charset="0"/>
+              </a:rPr>
+              <a:t>På samma sätt fungerar metoden </a:t>
+            </a:r>
+            <a:r>
+              <a:rPr lang="sv-SE" sz="2400" b="1" dirty="0" err="1" smtClean="0">
+                <a:latin typeface="Minya Nouvelle" pitchFamily="2" charset="0"/>
+              </a:rPr>
+              <a:t>clearTimeout</a:t>
+            </a:r>
+            <a:endParaRPr lang="sv-SE" sz="2400" b="1" dirty="0" smtClean="0">
+              <a:latin typeface="Minya Nouvelle" pitchFamily="2" charset="0"/>
+            </a:endParaRPr>
+          </a:p>
+        </p:txBody>
+      </p:sp>
+      <p:pic>
+        <p:nvPicPr>
+          <p:cNvPr id="16" name="Picture 8" descr="P:\Icons\48x48\shadow\window_time.png"/>
+          <p:cNvPicPr>
+            <a:picLocks noChangeAspect="1" noChangeArrowheads="1"/>
+          </p:cNvPicPr>
+          <p:nvPr/>
+        </p:nvPicPr>
+        <p:blipFill>
+          <a:blip r:embed="rId2">
+            <a:extLst>
+              <a:ext uri="{28A0092B-C50C-407E-A947-70E740481C1C}">
+                <a14:useLocalDpi xmlns:a14="http://schemas.microsoft.com/office/drawing/2010/main" val="0"/>
+              </a:ext>
+            </a:extLst>
+          </a:blip>
+          <a:srcRect/>
+          <a:stretch>
+            <a:fillRect/>
+          </a:stretch>
+        </p:blipFill>
+        <p:spPr bwMode="auto">
+          <a:xfrm>
+            <a:off x="8244408" y="265212"/>
+            <a:ext cx="617538" cy="617537"/>
+          </a:xfrm>
+          <a:prstGeom prst="rect">
+            <a:avLst/>
+          </a:prstGeom>
+          <a:noFill/>
+          <a:extLst>
+            <a:ext uri="{909E8E84-426E-40dd-AFC4-6F175D3DCCD1}">
+              <a14:hiddenFill xmlns:a14="http://schemas.microsoft.com/office/drawing/2010/main">
+                <a:solidFill>
+                  <a:srgbClr val="FFFFFF"/>
+                </a:solidFill>
+              </a14:hiddenFill>
+            </a:ext>
+          </a:extLst>
+        </p:spPr>
+      </p:pic>
+      <p:pic>
+        <p:nvPicPr>
+          <p:cNvPr id="2050" name="Picture 2" descr="P:\Icons\48x48\shadow\clock_stop.png"/>
+          <p:cNvPicPr>
+            <a:picLocks noChangeAspect="1" noChangeArrowheads="1"/>
+          </p:cNvPicPr>
+          <p:nvPr/>
+        </p:nvPicPr>
+        <p:blipFill>
+          <a:blip r:embed="rId3">
+            <a:extLst>
+              <a:ext uri="{28A0092B-C50C-407E-A947-70E740481C1C}">
+                <a14:useLocalDpi xmlns:a14="http://schemas.microsoft.com/office/drawing/2010/main" val="0"/>
+              </a:ext>
+            </a:extLst>
+          </a:blip>
+          <a:srcRect/>
+          <a:stretch>
+            <a:fillRect/>
+          </a:stretch>
+        </p:blipFill>
+        <p:spPr bwMode="auto">
+          <a:xfrm>
+            <a:off x="8388424" y="460500"/>
+            <a:ext cx="308768" cy="308768"/>
+          </a:xfrm>
+          <a:prstGeom prst="rect">
+            <a:avLst/>
+          </a:prstGeom>
+          <a:noFill/>
+          <a:extLst>
+            <a:ext uri="{909E8E84-426E-40dd-AFC4-6F175D3DCCD1}">
+              <a14:hiddenFill xmlns:a14="http://schemas.microsoft.com/office/drawing/2010/main">
+                <a:solidFill>
+                  <a:srgbClr val="FFFFFF"/>
+                </a:solidFill>
+              </a14:hiddenFill>
+            </a:ext>
+          </a:extLst>
+        </p:spPr>
+      </p:pic>
+    </p:spTree>
+    <p:extLst>
+      <p:ext uri="{BB962C8B-B14F-4D97-AF65-F5344CB8AC3E}">
+        <p14:creationId xmlns:p14="http://schemas.microsoft.com/office/powerpoint/2010/main" val="950758418"/>
+      </p:ext>
+    </p:extLst>
+  </p:cSld>
+  <p:clrMapOvr>
+    <a:masterClrMapping/>
+  </p:clrMapOvr>
+  <p:timing>
+    <p:tnLst>
+      <p:par>
+        <p:cTn xmlns:p14="http://schemas.microsoft.com/office/powerpoint/2010/main" id="1" dur="indefinite" restart="never" nodeType="tmRoot"/>
+      </p:par>
+    </p:tnLst>
+  </p:timing>
+</p:sld>
+</file>
+
+<file path=ppt/slides/slide13.xml><?xml version="1.0" encoding="utf-8"?>
+<p:sld xmlns:a="http://schemas.openxmlformats.org/drawingml/2006/main" xmlns:r="http://schemas.openxmlformats.org/officeDocument/2006/relationships" xmlns:p="http://schemas.openxmlformats.org/presentationml/2006/main">
+  <p:cSld>
+    <p:spTree>
+      <p:nvGrpSpPr>
+        <p:cNvPr id="1" name=""/>
+        <p:cNvGrpSpPr/>
+        <p:nvPr/>
+      </p:nvGrpSpPr>
+      <p:grpSpPr>
+        <a:xfrm>
+          <a:off x="0" y="0"/>
+          <a:ext cx="0" cy="0"/>
+          <a:chOff x="0" y="0"/>
+          <a:chExt cx="0" cy="0"/>
+        </a:xfrm>
+      </p:grpSpPr>
+      <p:sp>
+        <p:nvSpPr>
+          <p:cNvPr id="4" name="Text Box 7"/>
+          <p:cNvSpPr txBox="1">
+            <a:spLocks noChangeArrowheads="1"/>
+          </p:cNvSpPr>
+          <p:nvPr/>
+        </p:nvSpPr>
+        <p:spPr bwMode="auto">
+          <a:xfrm>
+            <a:off x="0" y="-94828"/>
+            <a:ext cx="7380311" cy="6247864"/>
+          </a:xfrm>
+          <a:prstGeom prst="rect">
+            <a:avLst/>
+          </a:prstGeom>
+          <a:ln>
+            <a:headEnd/>
+            <a:tailEnd/>
+          </a:ln>
+        </p:spPr>
+        <p:style>
+          <a:lnRef idx="1">
+            <a:schemeClr val="dk1"/>
+          </a:lnRef>
+          <a:fillRef idx="3">
+            <a:schemeClr val="dk1"/>
+          </a:fillRef>
+          <a:effectRef idx="2">
+            <a:schemeClr val="dk1"/>
+          </a:effectRef>
+          <a:fontRef idx="minor">
+            <a:schemeClr val="lt1"/>
+          </a:fontRef>
+        </p:style>
+        <p:txBody>
+          <a:bodyPr wrap="square">
+            <a:spAutoFit/>
+          </a:bodyPr>
+          <a:lstStyle/>
+          <a:p>
+            <a:pPr>
+              <a:spcBef>
+                <a:spcPct val="50000"/>
+              </a:spcBef>
+            </a:pPr>
+            <a:r>
+              <a:rPr lang="sv-SE" sz="2000" b="1" dirty="0" smtClean="0">
+                <a:solidFill>
+                  <a:srgbClr val="00B0F0"/>
+                </a:solidFill>
+                <a:latin typeface="Courier New" pitchFamily="49" charset="0"/>
+              </a:rPr>
+              <a:t> </a:t>
+            </a:r>
+            <a:br>
+              <a:rPr lang="sv-SE" sz="2000" b="1" dirty="0" smtClean="0">
+                <a:solidFill>
+                  <a:srgbClr val="00B0F0"/>
+                </a:solidFill>
+                <a:latin typeface="Courier New" pitchFamily="49" charset="0"/>
+              </a:rPr>
+            </a:br>
+            <a:r>
+              <a:rPr lang="sv-SE" sz="2000" b="1" dirty="0" err="1" smtClean="0">
+                <a:solidFill>
+                  <a:srgbClr val="00B0F0"/>
+                </a:solidFill>
+                <a:latin typeface="Courier New" pitchFamily="49" charset="0"/>
+              </a:rPr>
+              <a:t>function</a:t>
+            </a:r>
+            <a:r>
+              <a:rPr lang="sv-SE" sz="2000" b="1" dirty="0" smtClean="0">
+                <a:solidFill>
+                  <a:srgbClr val="00B0F0"/>
+                </a:solidFill>
+                <a:latin typeface="Courier New" pitchFamily="49" charset="0"/>
+              </a:rPr>
+              <a:t> Homer(){</a:t>
+            </a:r>
+            <a:br>
+              <a:rPr lang="sv-SE" sz="2000" b="1" dirty="0" smtClean="0">
+                <a:solidFill>
+                  <a:srgbClr val="00B0F0"/>
+                </a:solidFill>
+                <a:latin typeface="Courier New" pitchFamily="49" charset="0"/>
+              </a:rPr>
+            </a:br>
+            <a:r>
+              <a:rPr lang="sv-SE" sz="2000" b="1" dirty="0" smtClean="0">
+                <a:solidFill>
+                  <a:srgbClr val="00B0F0"/>
+                </a:solidFill>
+                <a:latin typeface="Courier New" pitchFamily="49" charset="0"/>
+              </a:rPr>
+              <a:t>    </a:t>
+            </a:r>
+            <a:r>
+              <a:rPr lang="sv-SE" b="1" dirty="0" smtClean="0">
+                <a:solidFill>
+                  <a:srgbClr val="00B0F0"/>
+                </a:solidFill>
+                <a:latin typeface="Courier New" pitchFamily="49" charset="0"/>
+              </a:rPr>
+              <a:t>var </a:t>
+            </a:r>
+            <a:r>
+              <a:rPr lang="sv-SE" b="1" dirty="0" err="1" smtClean="0">
+                <a:solidFill>
+                  <a:srgbClr val="00B0F0"/>
+                </a:solidFill>
+                <a:latin typeface="Courier New" pitchFamily="49" charset="0"/>
+              </a:rPr>
+              <a:t>node</a:t>
+            </a:r>
+            <a:r>
+              <a:rPr lang="sv-SE" b="1" dirty="0" smtClean="0">
+                <a:solidFill>
+                  <a:srgbClr val="00B0F0"/>
+                </a:solidFill>
+                <a:latin typeface="Courier New" pitchFamily="49" charset="0"/>
+              </a:rPr>
+              <a:t> = </a:t>
+            </a:r>
+            <a:r>
+              <a:rPr lang="sv-SE" b="1" dirty="0" err="1" smtClean="0">
+                <a:solidFill>
+                  <a:srgbClr val="00B0F0"/>
+                </a:solidFill>
+                <a:latin typeface="Courier New" pitchFamily="49" charset="0"/>
+              </a:rPr>
+              <a:t>document.getElementById</a:t>
+            </a:r>
+            <a:r>
+              <a:rPr lang="sv-SE" b="1" dirty="0" smtClean="0">
+                <a:solidFill>
+                  <a:srgbClr val="00B0F0"/>
+                </a:solidFill>
+                <a:latin typeface="Courier New" pitchFamily="49" charset="0"/>
+              </a:rPr>
+              <a:t>("</a:t>
+            </a:r>
+            <a:r>
+              <a:rPr lang="sv-SE" b="1" dirty="0" err="1" smtClean="0">
+                <a:solidFill>
+                  <a:srgbClr val="00B0F0"/>
+                </a:solidFill>
+                <a:latin typeface="Courier New" pitchFamily="49" charset="0"/>
+              </a:rPr>
+              <a:t>belly</a:t>
+            </a:r>
+            <a:r>
+              <a:rPr lang="sv-SE" b="1" dirty="0" smtClean="0">
+                <a:solidFill>
+                  <a:srgbClr val="00B0F0"/>
+                </a:solidFill>
+                <a:latin typeface="Courier New" pitchFamily="49" charset="0"/>
+              </a:rPr>
+              <a:t>");</a:t>
+            </a:r>
+            <a:br>
+              <a:rPr lang="sv-SE" b="1" dirty="0" smtClean="0">
+                <a:solidFill>
+                  <a:srgbClr val="00B0F0"/>
+                </a:solidFill>
+                <a:latin typeface="Courier New" pitchFamily="49" charset="0"/>
+              </a:rPr>
+            </a:br>
+            <a:r>
+              <a:rPr lang="sv-SE" sz="2000" b="1" dirty="0" smtClean="0">
+                <a:solidFill>
+                  <a:srgbClr val="00B0F0"/>
+                </a:solidFill>
+                <a:latin typeface="Courier New" pitchFamily="49" charset="0"/>
+              </a:rPr>
+              <a:t>    var </a:t>
+            </a:r>
+            <a:r>
+              <a:rPr lang="sv-SE" sz="2000" b="1" dirty="0" err="1" smtClean="0">
+                <a:solidFill>
+                  <a:srgbClr val="00B0F0"/>
+                </a:solidFill>
+                <a:latin typeface="Courier New" pitchFamily="49" charset="0"/>
+              </a:rPr>
+              <a:t>that</a:t>
+            </a:r>
+            <a:r>
+              <a:rPr lang="sv-SE" sz="2000" b="1" dirty="0" smtClean="0">
+                <a:solidFill>
+                  <a:srgbClr val="00B0F0"/>
+                </a:solidFill>
+                <a:latin typeface="Courier New" pitchFamily="49" charset="0"/>
+              </a:rPr>
+              <a:t> = </a:t>
+            </a:r>
+            <a:r>
+              <a:rPr lang="sv-SE" sz="2000" b="1" dirty="0" err="1" smtClean="0">
+                <a:solidFill>
+                  <a:srgbClr val="00B0F0"/>
+                </a:solidFill>
+                <a:latin typeface="Courier New" pitchFamily="49" charset="0"/>
+              </a:rPr>
+              <a:t>this</a:t>
+            </a:r>
+            <a:r>
+              <a:rPr lang="sv-SE" sz="2000" b="1" dirty="0" smtClean="0">
+                <a:solidFill>
+                  <a:srgbClr val="00B0F0"/>
+                </a:solidFill>
+                <a:latin typeface="Courier New" pitchFamily="49" charset="0"/>
+              </a:rPr>
+              <a:t>; </a:t>
+            </a:r>
+          </a:p>
+          <a:p>
+            <a:pPr>
+              <a:spcBef>
+                <a:spcPct val="50000"/>
+              </a:spcBef>
+            </a:pPr>
+            <a:r>
+              <a:rPr lang="sv-SE" sz="2000" b="1" dirty="0" smtClean="0">
+                <a:solidFill>
+                  <a:srgbClr val="00B0F0"/>
+                </a:solidFill>
+                <a:latin typeface="Courier New" pitchFamily="49" charset="0"/>
+              </a:rPr>
+              <a:t>    // </a:t>
+            </a:r>
+            <a:r>
+              <a:rPr lang="sv-SE" sz="2000" b="1" dirty="0" err="1" smtClean="0">
+                <a:solidFill>
+                  <a:srgbClr val="00B0F0"/>
+                </a:solidFill>
+                <a:latin typeface="Courier New" pitchFamily="49" charset="0"/>
+              </a:rPr>
+              <a:t>this</a:t>
+            </a:r>
+            <a:r>
+              <a:rPr lang="sv-SE" sz="2000" b="1" dirty="0" smtClean="0">
+                <a:solidFill>
+                  <a:srgbClr val="00B0F0"/>
+                </a:solidFill>
+                <a:latin typeface="Courier New" pitchFamily="49" charset="0"/>
+              </a:rPr>
+              <a:t>?  </a:t>
+            </a:r>
+          </a:p>
+          <a:p>
+            <a:pPr>
+              <a:spcBef>
+                <a:spcPct val="50000"/>
+              </a:spcBef>
+            </a:pPr>
+            <a:r>
+              <a:rPr lang="sv-SE" sz="2000" b="1" dirty="0" smtClean="0">
+                <a:solidFill>
+                  <a:srgbClr val="00B0F0"/>
+                </a:solidFill>
+                <a:latin typeface="Courier New" pitchFamily="49" charset="0"/>
+              </a:rPr>
+              <a:t>    </a:t>
+            </a:r>
+            <a:r>
+              <a:rPr lang="sv-SE" sz="2000" b="1" dirty="0" err="1" smtClean="0">
+                <a:solidFill>
+                  <a:srgbClr val="00B0F0"/>
+                </a:solidFill>
+                <a:latin typeface="Courier New" pitchFamily="49" charset="0"/>
+              </a:rPr>
+              <a:t>node.onclick</a:t>
+            </a:r>
+            <a:r>
+              <a:rPr lang="sv-SE" sz="2000" b="1" dirty="0" smtClean="0">
+                <a:solidFill>
+                  <a:srgbClr val="00B0F0"/>
+                </a:solidFill>
+                <a:latin typeface="Courier New" pitchFamily="49" charset="0"/>
+              </a:rPr>
+              <a:t> = </a:t>
+            </a:r>
+            <a:r>
+              <a:rPr lang="sv-SE" sz="2000" b="1" dirty="0" err="1" smtClean="0">
+                <a:solidFill>
+                  <a:srgbClr val="FF0000"/>
+                </a:solidFill>
+                <a:latin typeface="Courier New" pitchFamily="49" charset="0"/>
+              </a:rPr>
+              <a:t>function</a:t>
+            </a:r>
+            <a:r>
+              <a:rPr lang="sv-SE" sz="2000" b="1" dirty="0" smtClean="0">
+                <a:solidFill>
+                  <a:srgbClr val="FF0000"/>
+                </a:solidFill>
+                <a:latin typeface="Courier New" pitchFamily="49" charset="0"/>
+              </a:rPr>
+              <a:t>(){      </a:t>
+            </a:r>
+          </a:p>
+          <a:p>
+            <a:pPr>
+              <a:spcBef>
+                <a:spcPct val="50000"/>
+              </a:spcBef>
+            </a:pPr>
+            <a:r>
+              <a:rPr lang="sv-SE" sz="2000" b="1" dirty="0" smtClean="0">
+                <a:solidFill>
+                  <a:srgbClr val="FF0000"/>
+                </a:solidFill>
+                <a:latin typeface="Courier New" pitchFamily="49" charset="0"/>
+              </a:rPr>
+              <a:t>       // </a:t>
+            </a:r>
+            <a:r>
+              <a:rPr lang="sv-SE" sz="2000" b="1" dirty="0" err="1" smtClean="0">
+                <a:solidFill>
+                  <a:srgbClr val="FF0000"/>
+                </a:solidFill>
+                <a:latin typeface="Courier New" pitchFamily="49" charset="0"/>
+              </a:rPr>
+              <a:t>this</a:t>
+            </a:r>
+            <a:r>
+              <a:rPr lang="sv-SE" sz="2000" b="1" dirty="0" smtClean="0">
+                <a:solidFill>
+                  <a:srgbClr val="FF0000"/>
+                </a:solidFill>
+                <a:latin typeface="Courier New" pitchFamily="49" charset="0"/>
+              </a:rPr>
+              <a:t>?</a:t>
+            </a:r>
+            <a:br>
+              <a:rPr lang="sv-SE" sz="2000" b="1" dirty="0" smtClean="0">
+                <a:solidFill>
+                  <a:srgbClr val="FF0000"/>
+                </a:solidFill>
+                <a:latin typeface="Courier New" pitchFamily="49" charset="0"/>
+              </a:rPr>
+            </a:br>
+            <a:r>
+              <a:rPr lang="sv-SE" sz="2000" b="1" dirty="0" smtClean="0">
+                <a:solidFill>
+                  <a:srgbClr val="FF0000"/>
+                </a:solidFill>
+                <a:latin typeface="Courier New" pitchFamily="49" charset="0"/>
+              </a:rPr>
+              <a:t>       // </a:t>
+            </a:r>
+            <a:r>
+              <a:rPr lang="sv-SE" sz="2000" b="1" dirty="0" err="1" smtClean="0">
+                <a:solidFill>
+                  <a:srgbClr val="FF0000"/>
+                </a:solidFill>
+                <a:latin typeface="Courier New" pitchFamily="49" charset="0"/>
+              </a:rPr>
+              <a:t>that</a:t>
+            </a:r>
+            <a:r>
+              <a:rPr lang="sv-SE" sz="2000" b="1" dirty="0" smtClean="0">
+                <a:solidFill>
+                  <a:srgbClr val="FF0000"/>
+                </a:solidFill>
+                <a:latin typeface="Courier New" pitchFamily="49" charset="0"/>
+              </a:rPr>
+              <a:t>?</a:t>
+            </a:r>
+          </a:p>
+          <a:p>
+            <a:pPr>
+              <a:spcBef>
+                <a:spcPct val="50000"/>
+              </a:spcBef>
+            </a:pPr>
+            <a:r>
+              <a:rPr lang="sv-SE" sz="2000" b="1" dirty="0" smtClean="0">
+                <a:solidFill>
+                  <a:srgbClr val="FF0000"/>
+                </a:solidFill>
+                <a:latin typeface="Courier New" pitchFamily="49" charset="0"/>
+              </a:rPr>
+              <a:t>       </a:t>
+            </a:r>
+            <a:r>
+              <a:rPr lang="sv-SE" sz="2000" b="1" dirty="0" err="1" smtClean="0">
+                <a:solidFill>
+                  <a:srgbClr val="FF0000"/>
+                </a:solidFill>
+                <a:latin typeface="Courier New" pitchFamily="49" charset="0"/>
+              </a:rPr>
+              <a:t>setTimeout</a:t>
+            </a:r>
+            <a:r>
+              <a:rPr lang="sv-SE" sz="2000" b="1" dirty="0" smtClean="0">
+                <a:solidFill>
+                  <a:srgbClr val="FF0000"/>
+                </a:solidFill>
+                <a:latin typeface="Courier New" pitchFamily="49" charset="0"/>
+              </a:rPr>
+              <a:t>(</a:t>
+            </a:r>
+            <a:r>
+              <a:rPr lang="sv-SE" sz="2000" b="1" dirty="0" err="1" smtClean="0">
+                <a:solidFill>
+                  <a:srgbClr val="FFFF00"/>
+                </a:solidFill>
+                <a:latin typeface="Courier New" pitchFamily="49" charset="0"/>
+              </a:rPr>
+              <a:t>function</a:t>
+            </a:r>
+            <a:r>
+              <a:rPr lang="sv-SE" sz="2000" b="1" dirty="0" smtClean="0">
+                <a:solidFill>
+                  <a:srgbClr val="FFFF00"/>
+                </a:solidFill>
+                <a:latin typeface="Courier New" pitchFamily="49" charset="0"/>
+              </a:rPr>
+              <a:t>(){</a:t>
+            </a:r>
+          </a:p>
+          <a:p>
+            <a:pPr>
+              <a:spcBef>
+                <a:spcPct val="50000"/>
+              </a:spcBef>
+            </a:pPr>
+            <a:r>
+              <a:rPr lang="sv-SE" sz="2000" b="1" dirty="0" smtClean="0">
+                <a:solidFill>
+                  <a:srgbClr val="FF0000"/>
+                </a:solidFill>
+                <a:latin typeface="Courier New" pitchFamily="49" charset="0"/>
+              </a:rPr>
+              <a:t>	 </a:t>
+            </a:r>
+            <a:r>
+              <a:rPr lang="sv-SE" sz="2000" b="1" dirty="0" smtClean="0">
+                <a:solidFill>
+                  <a:srgbClr val="FFFF00"/>
+                </a:solidFill>
+                <a:latin typeface="Courier New" pitchFamily="49" charset="0"/>
+              </a:rPr>
+              <a:t>    // </a:t>
+            </a:r>
+            <a:r>
+              <a:rPr lang="sv-SE" sz="2000" b="1" dirty="0" err="1" smtClean="0">
+                <a:solidFill>
+                  <a:srgbClr val="FFFF00"/>
+                </a:solidFill>
+                <a:latin typeface="Courier New" pitchFamily="49" charset="0"/>
+              </a:rPr>
+              <a:t>this</a:t>
+            </a:r>
+            <a:r>
+              <a:rPr lang="sv-SE" sz="2000" b="1" dirty="0" smtClean="0">
+                <a:solidFill>
+                  <a:srgbClr val="FFFF00"/>
+                </a:solidFill>
+                <a:latin typeface="Courier New" pitchFamily="49" charset="0"/>
+              </a:rPr>
+              <a:t>?</a:t>
+            </a:r>
+            <a:br>
+              <a:rPr lang="sv-SE" sz="2000" b="1" dirty="0" smtClean="0">
+                <a:solidFill>
+                  <a:srgbClr val="FFFF00"/>
+                </a:solidFill>
+                <a:latin typeface="Courier New" pitchFamily="49" charset="0"/>
+              </a:rPr>
+            </a:br>
+            <a:r>
+              <a:rPr lang="sv-SE" sz="2000" b="1" dirty="0" smtClean="0">
+                <a:solidFill>
+                  <a:srgbClr val="FFFF00"/>
+                </a:solidFill>
+                <a:latin typeface="Courier New" pitchFamily="49" charset="0"/>
+              </a:rPr>
+              <a:t>           // </a:t>
+            </a:r>
+            <a:r>
+              <a:rPr lang="sv-SE" sz="2000" b="1" dirty="0" err="1" smtClean="0">
+                <a:solidFill>
+                  <a:srgbClr val="FFFF00"/>
+                </a:solidFill>
+                <a:latin typeface="Courier New" pitchFamily="49" charset="0"/>
+              </a:rPr>
+              <a:t>that</a:t>
+            </a:r>
+            <a:r>
+              <a:rPr lang="sv-SE" sz="2000" b="1" dirty="0" smtClean="0">
+                <a:solidFill>
+                  <a:srgbClr val="FFFF00"/>
+                </a:solidFill>
+                <a:latin typeface="Courier New" pitchFamily="49" charset="0"/>
+              </a:rPr>
+              <a:t>?</a:t>
+            </a:r>
+            <a:br>
+              <a:rPr lang="sv-SE" sz="2000" b="1" dirty="0" smtClean="0">
+                <a:solidFill>
+                  <a:srgbClr val="FFFF00"/>
+                </a:solidFill>
+                <a:latin typeface="Courier New" pitchFamily="49" charset="0"/>
+              </a:rPr>
+            </a:br>
+            <a:r>
+              <a:rPr lang="sv-SE" sz="2000" b="1" dirty="0" smtClean="0">
+                <a:solidFill>
+                  <a:srgbClr val="FFFF00"/>
+                </a:solidFill>
+                <a:latin typeface="Courier New" pitchFamily="49" charset="0"/>
+              </a:rPr>
+              <a:t> 	 }</a:t>
+            </a:r>
+            <a:r>
+              <a:rPr lang="sv-SE" sz="2000" b="1" dirty="0" smtClean="0">
+                <a:solidFill>
+                  <a:srgbClr val="FF0000"/>
+                </a:solidFill>
+                <a:latin typeface="Courier New" pitchFamily="49" charset="0"/>
+              </a:rPr>
+              <a:t>, 1000);</a:t>
+            </a:r>
+            <a:br>
+              <a:rPr lang="sv-SE" sz="2000" b="1" dirty="0" smtClean="0">
+                <a:solidFill>
+                  <a:srgbClr val="FF0000"/>
+                </a:solidFill>
+                <a:latin typeface="Courier New" pitchFamily="49" charset="0"/>
+              </a:rPr>
+            </a:br>
+            <a:r>
+              <a:rPr lang="sv-SE" sz="2000" b="1" dirty="0" smtClean="0">
+                <a:latin typeface="Courier New" pitchFamily="49" charset="0"/>
+              </a:rPr>
+              <a:t>    </a:t>
+            </a:r>
+            <a:r>
+              <a:rPr lang="sv-SE" sz="2000" b="1" dirty="0" smtClean="0">
+                <a:solidFill>
+                  <a:srgbClr val="FF0000"/>
+                </a:solidFill>
+                <a:latin typeface="Courier New" pitchFamily="49" charset="0"/>
+              </a:rPr>
+              <a:t>};</a:t>
+            </a:r>
+            <a:br>
+              <a:rPr lang="sv-SE" sz="2000" b="1" dirty="0" smtClean="0">
+                <a:solidFill>
+                  <a:srgbClr val="FF0000"/>
+                </a:solidFill>
+                <a:latin typeface="Courier New" pitchFamily="49" charset="0"/>
+              </a:rPr>
+            </a:br>
+            <a:r>
+              <a:rPr lang="sv-SE" sz="2000" b="1" dirty="0" smtClean="0">
+                <a:solidFill>
+                  <a:srgbClr val="00B0F0"/>
+                </a:solidFill>
+                <a:latin typeface="Courier New" pitchFamily="49" charset="0"/>
+              </a:rPr>
+              <a:t>}</a:t>
+            </a:r>
+            <a:br>
+              <a:rPr lang="sv-SE" sz="2000" b="1" dirty="0" smtClean="0">
+                <a:solidFill>
+                  <a:srgbClr val="00B0F0"/>
+                </a:solidFill>
+                <a:latin typeface="Courier New" pitchFamily="49" charset="0"/>
+              </a:rPr>
+            </a:br>
+            <a:r>
+              <a:rPr lang="sv-SE" sz="2000" b="1" dirty="0" smtClean="0">
+                <a:solidFill>
+                  <a:srgbClr val="00B050"/>
+                </a:solidFill>
+                <a:latin typeface="Courier New" pitchFamily="49" charset="0"/>
+              </a:rPr>
+              <a:t>var h1 = new Homer();</a:t>
+            </a:r>
+            <a:r>
+              <a:rPr lang="sv-SE" sz="2000" b="1" dirty="0">
+                <a:solidFill>
+                  <a:srgbClr val="00B050"/>
+                </a:solidFill>
+                <a:latin typeface="Courier New" pitchFamily="49" charset="0"/>
+              </a:rPr>
+              <a:t/>
+            </a:r>
+            <a:br>
+              <a:rPr lang="sv-SE" sz="2000" b="1" dirty="0">
+                <a:solidFill>
+                  <a:srgbClr val="00B050"/>
+                </a:solidFill>
+                <a:latin typeface="Courier New" pitchFamily="49" charset="0"/>
+              </a:rPr>
+            </a:br>
+            <a:r>
+              <a:rPr lang="sv-SE" sz="2000" b="1" dirty="0">
+                <a:solidFill>
+                  <a:srgbClr val="00B050"/>
+                </a:solidFill>
+                <a:latin typeface="Courier New" pitchFamily="49" charset="0"/>
+              </a:rPr>
+              <a:t>var </a:t>
+            </a:r>
+            <a:r>
+              <a:rPr lang="sv-SE" sz="2000" b="1" dirty="0" smtClean="0">
+                <a:solidFill>
+                  <a:srgbClr val="00B050"/>
+                </a:solidFill>
+                <a:latin typeface="Courier New" pitchFamily="49" charset="0"/>
+              </a:rPr>
+              <a:t>h2 </a:t>
+            </a:r>
+            <a:r>
+              <a:rPr lang="sv-SE" sz="2000" b="1" dirty="0">
+                <a:solidFill>
+                  <a:srgbClr val="00B050"/>
+                </a:solidFill>
+                <a:latin typeface="Courier New" pitchFamily="49" charset="0"/>
+              </a:rPr>
+              <a:t>= new Homer();</a:t>
+            </a:r>
+            <a:endParaRPr lang="sv-SE" sz="2000" b="1" dirty="0" smtClean="0">
+              <a:solidFill>
+                <a:srgbClr val="00B050"/>
+              </a:solidFill>
+              <a:latin typeface="Courier New" pitchFamily="49" charset="0"/>
+            </a:endParaRPr>
+          </a:p>
+          <a:p>
+            <a:pPr>
+              <a:spcBef>
+                <a:spcPct val="50000"/>
+              </a:spcBef>
+            </a:pPr>
+            <a:endParaRPr lang="sv-SE" sz="2000" b="1" dirty="0">
+              <a:solidFill>
+                <a:srgbClr val="00B050"/>
+              </a:solidFill>
+              <a:latin typeface="Courier New" pitchFamily="49" charset="0"/>
+            </a:endParaRPr>
+          </a:p>
+        </p:txBody>
+      </p:sp>
+      <p:sp>
+        <p:nvSpPr>
+          <p:cNvPr id="6" name="TextBox 5"/>
+          <p:cNvSpPr txBox="1"/>
+          <p:nvPr/>
+        </p:nvSpPr>
+        <p:spPr>
+          <a:xfrm>
+            <a:off x="7462280" y="985292"/>
+            <a:ext cx="1430200" cy="1200329"/>
+          </a:xfrm>
+          <a:prstGeom prst="rect">
+            <a:avLst/>
+          </a:prstGeom>
+          <a:noFill/>
+        </p:spPr>
+        <p:txBody>
+          <a:bodyPr wrap="none" rtlCol="0">
+            <a:spAutoFit/>
+          </a:bodyPr>
+          <a:lstStyle/>
+          <a:p>
+            <a:r>
+              <a:rPr lang="sv-SE" sz="3600" b="1" dirty="0" err="1" smtClean="0">
+                <a:latin typeface="Minya Nouvelle" pitchFamily="2" charset="0"/>
+              </a:rPr>
+              <a:t>This</a:t>
+            </a:r>
+            <a:r>
+              <a:rPr lang="sv-SE" sz="3600" b="1" dirty="0" smtClean="0">
+                <a:latin typeface="Minya Nouvelle" pitchFamily="2" charset="0"/>
+              </a:rPr>
+              <a:t>?</a:t>
+            </a:r>
+          </a:p>
+          <a:p>
+            <a:r>
+              <a:rPr lang="sv-SE" sz="3600" b="1" dirty="0" err="1" smtClean="0">
+                <a:latin typeface="Minya Nouvelle" pitchFamily="2" charset="0"/>
+              </a:rPr>
+              <a:t>That</a:t>
+            </a:r>
+            <a:r>
+              <a:rPr lang="sv-SE" sz="3600" b="1" dirty="0" smtClean="0">
+                <a:latin typeface="Minya Nouvelle" pitchFamily="2" charset="0"/>
+              </a:rPr>
+              <a:t>?</a:t>
+            </a:r>
+          </a:p>
+        </p:txBody>
+      </p:sp>
+      <p:pic>
+        <p:nvPicPr>
+          <p:cNvPr id="8194" name="Picture 2" descr="P:\Icons\48x48\shadow\graph_edge_directed.png"/>
+          <p:cNvPicPr>
+            <a:picLocks noChangeAspect="1" noChangeArrowheads="1"/>
+          </p:cNvPicPr>
+          <p:nvPr/>
+        </p:nvPicPr>
+        <p:blipFill>
+          <a:blip r:embed="rId2">
+            <a:extLst>
+              <a:ext uri="{28A0092B-C50C-407E-A947-70E740481C1C}">
+                <a14:useLocalDpi xmlns:a14="http://schemas.microsoft.com/office/drawing/2010/main" val="0"/>
+              </a:ext>
+            </a:extLst>
+          </a:blip>
+          <a:srcRect/>
+          <a:stretch>
+            <a:fillRect/>
+          </a:stretch>
+        </p:blipFill>
+        <p:spPr bwMode="auto">
+          <a:xfrm>
+            <a:off x="8172400" y="295747"/>
+            <a:ext cx="617538" cy="617537"/>
+          </a:xfrm>
+          <a:prstGeom prst="rect">
+            <a:avLst/>
+          </a:prstGeom>
+          <a:noFill/>
+          <a:extLst>
+            <a:ext uri="{909E8E84-426E-40dd-AFC4-6F175D3DCCD1}">
+              <a14:hiddenFill xmlns:a14="http://schemas.microsoft.com/office/drawing/2010/main">
+                <a:solidFill>
+                  <a:srgbClr val="FFFFFF"/>
+                </a:solidFill>
+              </a14:hiddenFill>
+            </a:ext>
+          </a:extLst>
+        </p:spPr>
+      </p:pic>
+    </p:spTree>
+    <p:extLst>
+      <p:ext uri="{BB962C8B-B14F-4D97-AF65-F5344CB8AC3E}">
+        <p14:creationId xmlns:p14="http://schemas.microsoft.com/office/powerpoint/2010/main" val="1756645078"/>
+      </p:ext>
+    </p:extLst>
+  </p:cSld>
+  <p:clrMapOvr>
+    <a:masterClrMapping/>
+  </p:clrMapOvr>
+  <p:timing>
+    <p:tnLst>
+      <p:par>
+        <p:cTn xmlns:p14="http://schemas.microsoft.com/office/powerpoint/2010/main" id="1" dur="indefinite" restart="never" nodeType="tmRoot"/>
+      </p:par>
+    </p:tnLst>
+  </p:timing>
+</p:sld>
+</file>
+
+<file path=ppt/slides/slide14.xml><?xml version="1.0" encoding="utf-8"?>
+<p:sld xmlns:a="http://schemas.openxmlformats.org/drawingml/2006/main" xmlns:r="http://schemas.openxmlformats.org/officeDocument/2006/relationships" xmlns:p="http://schemas.openxmlformats.org/presentationml/2006/main">
+  <p:cSld>
+    <p:spTree>
+      <p:nvGrpSpPr>
+        <p:cNvPr id="1" name=""/>
+        <p:cNvGrpSpPr/>
+        <p:nvPr/>
+      </p:nvGrpSpPr>
+      <p:grpSpPr>
+        <a:xfrm>
+          <a:off x="0" y="0"/>
+          <a:ext cx="0" cy="0"/>
+          <a:chOff x="0" y="0"/>
+          <a:chExt cx="0" cy="0"/>
+        </a:xfrm>
+      </p:grpSpPr>
+      <p:sp>
+        <p:nvSpPr>
+          <p:cNvPr id="4" name="Subtitle 3"/>
+          <p:cNvSpPr>
+            <a:spLocks noGrp="1"/>
+          </p:cNvSpPr>
+          <p:nvPr>
+            <p:ph type="subTitle" idx="1"/>
+          </p:nvPr>
+        </p:nvSpPr>
+        <p:spPr>
+          <a:xfrm>
+            <a:off x="179512" y="1829048"/>
+            <a:ext cx="4501734" cy="1460500"/>
+          </a:xfrm>
+        </p:spPr>
+        <p:txBody>
+          <a:bodyPr/>
+          <a:lstStyle/>
+          <a:p>
+            <a:r>
+              <a:rPr lang="en-US" b="1" dirty="0"/>
+              <a:t>Douglas </a:t>
+            </a:r>
+            <a:r>
+              <a:rPr lang="en-US" b="1" dirty="0" err="1"/>
+              <a:t>Crockford</a:t>
+            </a:r>
+            <a:r>
+              <a:rPr lang="en-US" b="1" dirty="0"/>
+              <a:t> can travel back in time with a negative </a:t>
+            </a:r>
+            <a:r>
+              <a:rPr lang="en-US" b="1" dirty="0" err="1"/>
+              <a:t>setTimeout</a:t>
+            </a:r>
+            <a:endParaRPr lang="sv-SE" b="1" dirty="0"/>
+          </a:p>
+        </p:txBody>
+      </p:sp>
+      <p:pic>
+        <p:nvPicPr>
+          <p:cNvPr id="3074" name="Picture 2" descr="http://crockfordfacts.com/crockford.jpg"/>
+          <p:cNvPicPr>
+            <a:picLocks noChangeAspect="1" noChangeArrowheads="1"/>
+          </p:cNvPicPr>
+          <p:nvPr/>
+        </p:nvPicPr>
+        <p:blipFill>
+          <a:blip r:embed="rId2">
+            <a:extLst>
+              <a:ext uri="{28A0092B-C50C-407E-A947-70E740481C1C}">
+                <a14:useLocalDpi xmlns:a14="http://schemas.microsoft.com/office/drawing/2010/main" val="0"/>
+              </a:ext>
+            </a:extLst>
+          </a:blip>
+          <a:srcRect/>
+          <a:stretch>
+            <a:fillRect/>
+          </a:stretch>
+        </p:blipFill>
+        <p:spPr bwMode="auto">
+          <a:xfrm>
+            <a:off x="4864668" y="300612"/>
+            <a:ext cx="3955804" cy="5149175"/>
+          </a:xfrm>
+          <a:prstGeom prst="rect">
+            <a:avLst/>
+          </a:prstGeom>
+          <a:noFill/>
+          <a:extLst>
+            <a:ext uri="{909E8E84-426E-40dd-AFC4-6F175D3DCCD1}">
+              <a14:hiddenFill xmlns:a14="http://schemas.microsoft.com/office/drawing/2010/main">
+                <a:solidFill>
+                  <a:srgbClr val="FFFFFF"/>
+                </a:solidFill>
+              </a14:hiddenFill>
+            </a:ext>
+          </a:extLst>
+        </p:spPr>
+      </p:pic>
+      <p:sp>
+        <p:nvSpPr>
+          <p:cNvPr id="5" name="TextBox 4"/>
+          <p:cNvSpPr txBox="1"/>
+          <p:nvPr/>
+        </p:nvSpPr>
+        <p:spPr>
+          <a:xfrm>
+            <a:off x="179512" y="5224472"/>
+            <a:ext cx="4532010" cy="369332"/>
+          </a:xfrm>
+          <a:prstGeom prst="rect">
+            <a:avLst/>
+          </a:prstGeom>
+          <a:noFill/>
+        </p:spPr>
+        <p:txBody>
+          <a:bodyPr wrap="none" rtlCol="0">
+            <a:spAutoFit/>
+          </a:bodyPr>
+          <a:lstStyle/>
+          <a:p>
+            <a:r>
+              <a:rPr lang="sv-SE" dirty="0">
+                <a:latin typeface="Minya Nouvelle" pitchFamily="2" charset="0"/>
+              </a:rPr>
+              <a:t>Källa: http://twitter.com/crockfordfacts</a:t>
+            </a:r>
+          </a:p>
+        </p:txBody>
+      </p:sp>
+    </p:spTree>
+    <p:extLst>
+      <p:ext uri="{BB962C8B-B14F-4D97-AF65-F5344CB8AC3E}">
+        <p14:creationId xmlns:p14="http://schemas.microsoft.com/office/powerpoint/2010/main" val="1447330549"/>
+      </p:ext>
+    </p:extLst>
+  </p:cSld>
+  <p:clrMapOvr>
+    <a:masterClrMapping/>
+  </p:clrMapOvr>
+  <p:timing>
+    <p:tnLst>
+      <p:par>
+        <p:cTn xmlns:p14="http://schemas.microsoft.com/office/powerpoint/2010/main" id="1" dur="indefinite" restart="never" nodeType="tmRoot"/>
+      </p:par>
+    </p:tnLst>
+  </p:timing>
+</p:sld>
+</file>
+
+<file path=ppt/slides/slide2.xml><?xml version="1.0" encoding="utf-8"?>
+<p:sld xmlns:a="http://schemas.openxmlformats.org/drawingml/2006/main" xmlns:r="http://schemas.openxmlformats.org/officeDocument/2006/relationships" xmlns:p="http://schemas.openxmlformats.org/presentationml/2006/main">
+  <p:cSld>
+    <p:spTree>
+      <p:nvGrpSpPr>
+        <p:cNvPr id="1" name=""/>
+        <p:cNvGrpSpPr/>
+        <p:nvPr/>
+      </p:nvGrpSpPr>
+      <p:grpSpPr>
+        <a:xfrm>
+          <a:off x="0" y="0"/>
+          <a:ext cx="0" cy="0"/>
+          <a:chOff x="0" y="0"/>
+          <a:chExt cx="0" cy="0"/>
+        </a:xfrm>
+      </p:grpSpPr>
+      <p:sp>
+        <p:nvSpPr>
+          <p:cNvPr id="2" name="Title 1"/>
+          <p:cNvSpPr>
+            <a:spLocks noGrp="1"/>
+          </p:cNvSpPr>
+          <p:nvPr>
+            <p:ph type="ctrTitle"/>
+          </p:nvPr>
+        </p:nvSpPr>
+        <p:spPr/>
+        <p:txBody>
+          <a:bodyPr/>
+          <a:lstStyle/>
+          <a:p>
+            <a:r>
+              <a:rPr lang="sv-SE" sz="2800" dirty="0" smtClean="0"/>
+              <a:t>E08 - </a:t>
+            </a:r>
+            <a:r>
+              <a:rPr lang="en-US" sz="2800"/>
+              <a:t>Once Upon a Time in Springfield</a:t>
+            </a:r>
+            <a:endParaRPr lang="sv-SE" sz="1800" dirty="0"/>
+          </a:p>
+        </p:txBody>
+      </p:sp>
+      <p:sp>
+        <p:nvSpPr>
+          <p:cNvPr id="4" name="TextBox 3"/>
+          <p:cNvSpPr txBox="1"/>
+          <p:nvPr/>
+        </p:nvSpPr>
+        <p:spPr>
+          <a:xfrm>
+            <a:off x="1403648" y="1378601"/>
+            <a:ext cx="3567515" cy="5386090"/>
+          </a:xfrm>
+          <a:prstGeom prst="rect">
+            <a:avLst/>
+          </a:prstGeom>
+          <a:noFill/>
+        </p:spPr>
+        <p:txBody>
+          <a:bodyPr wrap="none" rtlCol="0">
+            <a:spAutoFit/>
+          </a:bodyPr>
+          <a:lstStyle/>
+          <a:p>
+            <a:r>
+              <a:rPr lang="sv-SE" sz="2800" b="1" dirty="0" smtClean="0">
+                <a:latin typeface="Minya Nouvelle" pitchFamily="2" charset="0"/>
+              </a:rPr>
+              <a:t>Dagens agenda</a:t>
+            </a:r>
+          </a:p>
+          <a:p>
+            <a:endParaRPr lang="sv-SE" sz="2800" dirty="0" smtClean="0">
+              <a:latin typeface="Minya Nouvelle" pitchFamily="2" charset="0"/>
+            </a:endParaRPr>
+          </a:p>
+          <a:p>
+            <a:pPr marL="285750" indent="-285750">
+              <a:buFont typeface="Arial" charset="0"/>
+              <a:buChar char="•"/>
+            </a:pPr>
+            <a:r>
+              <a:rPr lang="sv-SE" dirty="0" err="1" smtClean="0">
+                <a:latin typeface="Minya Nouvelle" pitchFamily="2" charset="0"/>
+              </a:rPr>
+              <a:t>Konsollen</a:t>
+            </a:r>
+            <a:endParaRPr lang="sv-SE" dirty="0" smtClean="0">
+              <a:latin typeface="Minya Nouvelle" pitchFamily="2" charset="0"/>
+            </a:endParaRPr>
+          </a:p>
+          <a:p>
+            <a:pPr marL="285750" indent="-285750">
+              <a:buFont typeface="Arial" charset="0"/>
+              <a:buChar char="•"/>
+            </a:pPr>
+            <a:r>
+              <a:rPr lang="sv-SE" dirty="0" err="1" smtClean="0">
+                <a:latin typeface="Minya Nouvelle" pitchFamily="2" charset="0"/>
+              </a:rPr>
+              <a:t>Debuggern</a:t>
+            </a:r>
+            <a:endParaRPr lang="sv-SE" dirty="0" smtClean="0">
+              <a:latin typeface="Minya Nouvelle" pitchFamily="2" charset="0"/>
+            </a:endParaRPr>
+          </a:p>
+          <a:p>
+            <a:pPr marL="285750" indent="-285750">
+              <a:buFont typeface="Arial" charset="0"/>
+              <a:buChar char="•"/>
+            </a:pPr>
+            <a:r>
+              <a:rPr lang="sv-SE" dirty="0" smtClean="0">
+                <a:latin typeface="Minya Nouvelle" pitchFamily="2" charset="0"/>
+              </a:rPr>
+              <a:t>Logga felmeddelanden</a:t>
+            </a:r>
+          </a:p>
+          <a:p>
+            <a:pPr marL="285750" indent="-285750">
+              <a:buFont typeface="Arial" charset="0"/>
+              <a:buChar char="•"/>
+            </a:pPr>
+            <a:r>
+              <a:rPr lang="sv-SE" dirty="0" smtClean="0">
+                <a:latin typeface="Minya Nouvelle" pitchFamily="2" charset="0"/>
+              </a:rPr>
+              <a:t>BOM (Browser Objekt </a:t>
+            </a:r>
+            <a:r>
+              <a:rPr lang="sv-SE" dirty="0" err="1" smtClean="0">
+                <a:latin typeface="Minya Nouvelle" pitchFamily="2" charset="0"/>
+              </a:rPr>
+              <a:t>Model</a:t>
+            </a:r>
+            <a:r>
+              <a:rPr lang="sv-SE" dirty="0" smtClean="0">
+                <a:latin typeface="Minya Nouvelle" pitchFamily="2" charset="0"/>
+              </a:rPr>
+              <a:t>)</a:t>
+            </a:r>
+          </a:p>
+          <a:p>
+            <a:pPr marL="285750" indent="-285750">
+              <a:buFont typeface="Arial" charset="0"/>
+              <a:buChar char="•"/>
+            </a:pPr>
+            <a:r>
+              <a:rPr lang="sv-SE" dirty="0" err="1" smtClean="0">
+                <a:latin typeface="Minya Nouvelle" pitchFamily="2" charset="0"/>
+              </a:rPr>
+              <a:t>window</a:t>
+            </a:r>
+            <a:r>
+              <a:rPr lang="sv-SE" dirty="0" smtClean="0">
+                <a:latin typeface="Minya Nouvelle" pitchFamily="2" charset="0"/>
+              </a:rPr>
+              <a:t>-objektet</a:t>
+            </a:r>
+          </a:p>
+          <a:p>
+            <a:pPr marL="285750" indent="-285750">
+              <a:buFont typeface="Arial" charset="0"/>
+              <a:buChar char="•"/>
+            </a:pPr>
+            <a:r>
+              <a:rPr lang="sv-SE" dirty="0" smtClean="0">
+                <a:latin typeface="Minya Nouvelle" pitchFamily="2" charset="0"/>
+              </a:rPr>
+              <a:t>Timers</a:t>
+            </a:r>
+          </a:p>
+          <a:p>
+            <a:pPr marL="285750" indent="-285750">
+              <a:buFont typeface="Arial" charset="0"/>
+              <a:buChar char="•"/>
+            </a:pPr>
+            <a:r>
+              <a:rPr lang="sv-SE" dirty="0" smtClean="0">
+                <a:latin typeface="Minya Nouvelle" pitchFamily="2" charset="0"/>
+              </a:rPr>
+              <a:t>Intervall</a:t>
+            </a:r>
+          </a:p>
+          <a:p>
+            <a:pPr marL="285750" indent="-285750">
+              <a:buFont typeface="Arial" charset="0"/>
+              <a:buChar char="•"/>
+            </a:pPr>
+            <a:r>
+              <a:rPr lang="sv-SE" dirty="0" err="1" smtClean="0">
+                <a:latin typeface="Minya Nouvelle" pitchFamily="2" charset="0"/>
+              </a:rPr>
+              <a:t>This</a:t>
+            </a:r>
+            <a:r>
+              <a:rPr lang="sv-SE" dirty="0" smtClean="0">
+                <a:latin typeface="Minya Nouvelle" pitchFamily="2" charset="0"/>
+              </a:rPr>
+              <a:t>, </a:t>
+            </a:r>
+            <a:r>
+              <a:rPr lang="sv-SE" dirty="0" err="1" smtClean="0">
+                <a:latin typeface="Minya Nouvelle" pitchFamily="2" charset="0"/>
+              </a:rPr>
+              <a:t>that</a:t>
+            </a:r>
+            <a:r>
+              <a:rPr lang="sv-SE" dirty="0" smtClean="0">
+                <a:latin typeface="Minya Nouvelle" pitchFamily="2" charset="0"/>
+              </a:rPr>
+              <a:t>?</a:t>
+            </a:r>
+          </a:p>
+          <a:p>
+            <a:pPr marL="285750" indent="-285750">
+              <a:buFont typeface="Arial" charset="0"/>
+              <a:buChar char="•"/>
+            </a:pPr>
+            <a:endParaRPr lang="sv-SE" dirty="0" smtClean="0">
+              <a:latin typeface="Minya Nouvelle" pitchFamily="2" charset="0"/>
+            </a:endParaRPr>
+          </a:p>
+          <a:p>
+            <a:pPr marL="285750" indent="-285750">
+              <a:buFont typeface="Arial" charset="0"/>
+              <a:buChar char="•"/>
+            </a:pPr>
+            <a:endParaRPr lang="sv-SE" dirty="0" smtClean="0">
+              <a:latin typeface="Minya Nouvelle" pitchFamily="2" charset="0"/>
+            </a:endParaRPr>
+          </a:p>
+          <a:p>
+            <a:pPr marL="285750" indent="-285750">
+              <a:buFont typeface="Arial" charset="0"/>
+              <a:buChar char="•"/>
+            </a:pPr>
+            <a:endParaRPr lang="sv-SE" dirty="0" smtClean="0">
+              <a:latin typeface="Minya Nouvelle" pitchFamily="2" charset="0"/>
+            </a:endParaRPr>
+          </a:p>
+          <a:p>
+            <a:pPr marL="285750" indent="-285750">
+              <a:buFont typeface="Arial" charset="0"/>
+              <a:buChar char="•"/>
+            </a:pPr>
+            <a:endParaRPr lang="sv-SE" dirty="0" smtClean="0">
+              <a:latin typeface="Minya Nouvelle" pitchFamily="2" charset="0"/>
+            </a:endParaRPr>
+          </a:p>
+          <a:p>
+            <a:pPr marL="285750" indent="-285750">
+              <a:buFont typeface="Arial" charset="0"/>
+              <a:buChar char="•"/>
+            </a:pPr>
+            <a:endParaRPr lang="sv-SE" dirty="0" smtClean="0">
+              <a:latin typeface="Minya Nouvelle" pitchFamily="2" charset="0"/>
+            </a:endParaRPr>
+          </a:p>
+          <a:p>
+            <a:pPr marL="285750" indent="-285750">
+              <a:buFont typeface="Arial" charset="0"/>
+              <a:buChar char="•"/>
+            </a:pPr>
+            <a:endParaRPr lang="sv-SE" dirty="0" smtClean="0">
+              <a:latin typeface="Minya Nouvelle" pitchFamily="2" charset="0"/>
+            </a:endParaRPr>
+          </a:p>
+          <a:p>
+            <a:pPr marL="285750" indent="-285750">
+              <a:buFont typeface="Arial" charset="0"/>
+              <a:buChar char="•"/>
+            </a:pPr>
+            <a:endParaRPr lang="sv-SE" dirty="0" smtClean="0">
+              <a:latin typeface="Minya Nouvelle" pitchFamily="2" charset="0"/>
+            </a:endParaRPr>
+          </a:p>
+          <a:p>
+            <a:pPr marL="285750" indent="-285750">
+              <a:buFont typeface="Arial" charset="0"/>
+              <a:buChar char="•"/>
+            </a:pPr>
+            <a:endParaRPr lang="sv-SE" dirty="0" smtClean="0">
+              <a:latin typeface="Minya Nouvelle" pitchFamily="2" charset="0"/>
+            </a:endParaRPr>
+          </a:p>
+        </p:txBody>
+      </p:sp>
+      <p:pic>
+        <p:nvPicPr>
+          <p:cNvPr id="5" name="Picture 2" descr="P:\Icons\128x128\shadow\scroll_preferences.png"/>
+          <p:cNvPicPr>
+            <a:picLocks noChangeAspect="1" noChangeArrowheads="1"/>
+          </p:cNvPicPr>
+          <p:nvPr/>
+        </p:nvPicPr>
+        <p:blipFill>
+          <a:blip r:embed="rId2">
+            <a:extLst>
+              <a:ext uri="{28A0092B-C50C-407E-A947-70E740481C1C}">
+                <a14:useLocalDpi xmlns:a14="http://schemas.microsoft.com/office/drawing/2010/main" val="0"/>
+              </a:ext>
+            </a:extLst>
+          </a:blip>
+          <a:srcRect/>
+          <a:stretch>
+            <a:fillRect/>
+          </a:stretch>
+        </p:blipFill>
+        <p:spPr bwMode="auto">
+          <a:xfrm>
+            <a:off x="7092280" y="500856"/>
+            <a:ext cx="1646237" cy="1646238"/>
+          </a:xfrm>
+          <a:prstGeom prst="rect">
+            <a:avLst/>
+          </a:prstGeom>
+          <a:noFill/>
+          <a:extLst>
+            <a:ext uri="{909E8E84-426E-40dd-AFC4-6F175D3DCCD1}">
+              <a14:hiddenFill xmlns:a14="http://schemas.microsoft.com/office/drawing/2010/main">
+                <a:solidFill>
+                  <a:srgbClr val="FFFFFF"/>
+                </a:solidFill>
+              </a14:hiddenFill>
+            </a:ext>
+          </a:extLst>
+        </p:spPr>
+      </p:pic>
+    </p:spTree>
+  </p:cSld>
+  <p:clrMapOvr>
+    <a:masterClrMapping/>
+  </p:clrMapOvr>
+  <p:timing>
+    <p:tnLst>
+      <p:par>
+        <p:cTn xmlns:p14="http://schemas.microsoft.com/office/powerpoint/2010/main" id="1" dur="indefinite" restart="never" nodeType="tmRoot"/>
+      </p:par>
+    </p:tnLst>
+  </p:timing>
+</p:sld>
+</file>
+
+<file path=ppt/slides/slide3.xml><?xml version="1.0" encoding="utf-8"?>
+<p:sld xmlns:a="http://schemas.openxmlformats.org/drawingml/2006/main" xmlns:r="http://schemas.openxmlformats.org/officeDocument/2006/relationships" xmlns:p="http://schemas.openxmlformats.org/presentationml/2006/main">
+  <p:cSld>
+    <p:spTree>
+      <p:nvGrpSpPr>
+        <p:cNvPr id="1" name=""/>
+        <p:cNvGrpSpPr/>
+        <p:nvPr/>
+      </p:nvGrpSpPr>
+      <p:grpSpPr>
+        <a:xfrm>
+          <a:off x="0" y="0"/>
+          <a:ext cx="0" cy="0"/>
+          <a:chOff x="0" y="0"/>
+          <a:chExt cx="0" cy="0"/>
+        </a:xfrm>
+      </p:grpSpPr>
+      <p:sp>
+        <p:nvSpPr>
+          <p:cNvPr id="2" name="Title 1"/>
+          <p:cNvSpPr>
+            <a:spLocks noGrp="1"/>
+          </p:cNvSpPr>
+          <p:nvPr>
+            <p:ph type="ctrTitle"/>
+          </p:nvPr>
+        </p:nvSpPr>
+        <p:spPr/>
+        <p:txBody>
+          <a:bodyPr/>
+          <a:lstStyle/>
+          <a:p>
+            <a:r>
+              <a:rPr lang="sv-SE" sz="3600" dirty="0" smtClean="0"/>
+              <a:t>Utvecklingsverktyg i webbläsaren</a:t>
+            </a:r>
+            <a:endParaRPr lang="sv-SE" sz="3600" dirty="0"/>
+          </a:p>
+        </p:txBody>
+      </p:sp>
+      <p:pic>
+        <p:nvPicPr>
+          <p:cNvPr id="4" name="Picture 2"/>
+          <p:cNvPicPr>
+            <a:picLocks noChangeAspect="1" noChangeArrowheads="1"/>
+          </p:cNvPicPr>
+          <p:nvPr/>
+        </p:nvPicPr>
+        <p:blipFill>
+          <a:blip r:embed="rId2" cstate="print"/>
+          <a:srcRect/>
+          <a:stretch>
+            <a:fillRect/>
+          </a:stretch>
+        </p:blipFill>
+        <p:spPr bwMode="auto">
+          <a:xfrm>
+            <a:off x="395536" y="1201316"/>
+            <a:ext cx="3625713" cy="2525552"/>
+          </a:xfrm>
+          <a:prstGeom prst="rect">
+            <a:avLst/>
+          </a:prstGeom>
+          <a:noFill/>
+          <a:ln w="9525">
+            <a:noFill/>
+            <a:miter lim="800000"/>
+            <a:headEnd/>
+            <a:tailEnd/>
+          </a:ln>
+        </p:spPr>
+      </p:pic>
+      <p:pic>
+        <p:nvPicPr>
+          <p:cNvPr id="2050" name="Picture 2" descr="P:\Icons\48x48\shadow\debug.png"/>
+          <p:cNvPicPr>
+            <a:picLocks noChangeAspect="1" noChangeArrowheads="1"/>
+          </p:cNvPicPr>
+          <p:nvPr/>
+        </p:nvPicPr>
+        <p:blipFill>
+          <a:blip r:embed="rId3">
+            <a:extLst>
+              <a:ext uri="{28A0092B-C50C-407E-A947-70E740481C1C}">
+                <a14:useLocalDpi xmlns:a14="http://schemas.microsoft.com/office/drawing/2010/main" val="0"/>
+              </a:ext>
+            </a:extLst>
+          </a:blip>
+          <a:srcRect/>
+          <a:stretch>
+            <a:fillRect/>
+          </a:stretch>
+        </p:blipFill>
+        <p:spPr bwMode="auto">
+          <a:xfrm>
+            <a:off x="8244408" y="265212"/>
+            <a:ext cx="617537" cy="617537"/>
+          </a:xfrm>
+          <a:prstGeom prst="rect">
+            <a:avLst/>
+          </a:prstGeom>
+          <a:noFill/>
+          <a:extLst>
+            <a:ext uri="{909E8E84-426E-40dd-AFC4-6F175D3DCCD1}">
+              <a14:hiddenFill xmlns:a14="http://schemas.microsoft.com/office/drawing/2010/main">
+                <a:solidFill>
+                  <a:srgbClr val="FFFFFF"/>
+                </a:solidFill>
+              </a14:hiddenFill>
+            </a:ext>
+          </a:extLst>
+        </p:spPr>
+      </p:pic>
+      <p:pic>
+        <p:nvPicPr>
+          <p:cNvPr id="6" name="Picture 5"/>
+          <p:cNvPicPr>
+            <a:picLocks noChangeAspect="1"/>
+          </p:cNvPicPr>
+          <p:nvPr/>
+        </p:nvPicPr>
+        <p:blipFill>
+          <a:blip r:embed="rId4"/>
+          <a:stretch>
+            <a:fillRect/>
+          </a:stretch>
+        </p:blipFill>
+        <p:spPr>
+          <a:xfrm>
+            <a:off x="3635896" y="1201316"/>
+            <a:ext cx="2825946" cy="1727711"/>
+          </a:xfrm>
+          <a:prstGeom prst="rect">
+            <a:avLst/>
+          </a:prstGeom>
+        </p:spPr>
+      </p:pic>
+      <p:pic>
+        <p:nvPicPr>
+          <p:cNvPr id="7" name="Picture 2"/>
+          <p:cNvPicPr>
+            <a:picLocks noChangeAspect="1" noChangeArrowheads="1"/>
+          </p:cNvPicPr>
+          <p:nvPr/>
+        </p:nvPicPr>
+        <p:blipFill>
+          <a:blip r:embed="rId5">
+            <a:extLst>
+              <a:ext uri="{28A0092B-C50C-407E-A947-70E740481C1C}">
+                <a14:useLocalDpi xmlns:a14="http://schemas.microsoft.com/office/drawing/2010/main" val="0"/>
+              </a:ext>
+            </a:extLst>
+          </a:blip>
+          <a:srcRect/>
+          <a:stretch>
+            <a:fillRect/>
+          </a:stretch>
+        </p:blipFill>
+        <p:spPr bwMode="auto">
+          <a:xfrm>
+            <a:off x="4211960" y="2641476"/>
+            <a:ext cx="3920158" cy="1767488"/>
+          </a:xfrm>
+          <a:prstGeom prst="rect">
+            <a:avLst/>
+          </a:prstGeom>
+          <a:noFill/>
+          <a:ln>
+            <a:noFill/>
+          </a:ln>
+          <a:effectLst/>
+          <a:extLst>
+            <a:ext uri="{909E8E84-426E-40dd-AFC4-6F175D3DCCD1}">
+              <a14:hiddenFill xmlns:a14="http://schemas.microsoft.com/office/drawing/2010/main">
+                <a:solidFill>
+                  <a:schemeClr val="accent1"/>
+                </a:solidFill>
+              </a14:hiddenFill>
+            </a:ext>
+            <a:ext uri="{91240B29-F687-4f45-9708-019B960494DF}">
+              <a14:hiddenLine xmlns:a14="http://schemas.microsoft.com/office/drawing/2010/main" w="9525">
+                <a:solidFill>
+                  <a:schemeClr val="tx1"/>
+                </a:solidFill>
+                <a:miter lim="800000"/>
+                <a:headEnd/>
+                <a:tailEnd/>
+              </a14:hiddenLine>
+            </a:ext>
+            <a:ext uri="{AF507438-7753-43e0-B8FC-AC1667EBCBE1}">
+              <a14:hiddenEffects xmlns:a14="http://schemas.microsoft.com/office/drawing/2010/main">
+                <a:effectLst>
+                  <a:outerShdw dist="35921" dir="2700000" algn="ctr" rotWithShape="0">
+                    <a:schemeClr val="bg2"/>
+                  </a:outerShdw>
+                </a:effectLst>
+              </a14:hiddenEffects>
+            </a:ext>
+          </a:extLst>
+        </p:spPr>
+      </p:pic>
+      <p:pic>
+        <p:nvPicPr>
+          <p:cNvPr id="8" name="Picture 2"/>
+          <p:cNvPicPr>
+            <a:picLocks noChangeAspect="1" noChangeArrowheads="1"/>
+          </p:cNvPicPr>
+          <p:nvPr/>
+        </p:nvPicPr>
+        <p:blipFill>
+          <a:blip r:embed="rId6">
+            <a:extLst>
+              <a:ext uri="{28A0092B-C50C-407E-A947-70E740481C1C}">
+                <a14:useLocalDpi xmlns:a14="http://schemas.microsoft.com/office/drawing/2010/main" val="0"/>
+              </a:ext>
+            </a:extLst>
+          </a:blip>
+          <a:srcRect/>
+          <a:stretch>
+            <a:fillRect/>
+          </a:stretch>
+        </p:blipFill>
+        <p:spPr bwMode="auto">
+          <a:xfrm>
+            <a:off x="1979712" y="3721596"/>
+            <a:ext cx="3194117" cy="1337374"/>
+          </a:xfrm>
+          <a:prstGeom prst="rect">
+            <a:avLst/>
+          </a:prstGeom>
+          <a:noFill/>
+          <a:ln>
+            <a:noFill/>
+          </a:ln>
+          <a:effectLst/>
+          <a:extLst>
+            <a:ext uri="{909E8E84-426E-40dd-AFC4-6F175D3DCCD1}">
+              <a14:hiddenFill xmlns:a14="http://schemas.microsoft.com/office/drawing/2010/main">
+                <a:solidFill>
+                  <a:schemeClr val="accent1"/>
+                </a:solidFill>
+              </a14:hiddenFill>
+            </a:ext>
+            <a:ext uri="{91240B29-F687-4f45-9708-019B960494DF}">
+              <a14:hiddenLine xmlns:a14="http://schemas.microsoft.com/office/drawing/2010/main" w="9525">
+                <a:solidFill>
+                  <a:schemeClr val="tx1"/>
+                </a:solidFill>
+                <a:miter lim="800000"/>
+                <a:headEnd/>
+                <a:tailEnd/>
+              </a14:hiddenLine>
+            </a:ext>
+            <a:ext uri="{AF507438-7753-43e0-B8FC-AC1667EBCBE1}">
+              <a14:hiddenEffects xmlns:a14="http://schemas.microsoft.com/office/drawing/2010/main">
+                <a:effectLst>
+                  <a:outerShdw dist="35921" dir="2700000" algn="ctr" rotWithShape="0">
+                    <a:schemeClr val="bg2"/>
+                  </a:outerShdw>
+                </a:effectLst>
+              </a14:hiddenEffects>
+            </a:ext>
+          </a:extLst>
+        </p:spPr>
+      </p:pic>
+      <p:pic>
+        <p:nvPicPr>
+          <p:cNvPr id="9" name="Picture 2"/>
+          <p:cNvPicPr>
+            <a:picLocks noChangeAspect="1" noChangeArrowheads="1"/>
+          </p:cNvPicPr>
+          <p:nvPr/>
+        </p:nvPicPr>
+        <p:blipFill>
+          <a:blip r:embed="rId7" cstate="print"/>
+          <a:srcRect/>
+          <a:stretch>
+            <a:fillRect/>
+          </a:stretch>
+        </p:blipFill>
+        <p:spPr bwMode="auto">
+          <a:xfrm>
+            <a:off x="5724128" y="1561356"/>
+            <a:ext cx="2335891" cy="1680343"/>
+          </a:xfrm>
+          <a:prstGeom prst="rect">
+            <a:avLst/>
+          </a:prstGeom>
+          <a:noFill/>
+          <a:ln w="9525">
+            <a:noFill/>
+            <a:miter lim="800000"/>
+            <a:headEnd/>
+            <a:tailEnd/>
+          </a:ln>
+        </p:spPr>
+      </p:pic>
+    </p:spTree>
+    <p:extLst>
+      <p:ext uri="{BB962C8B-B14F-4D97-AF65-F5344CB8AC3E}">
+        <p14:creationId xmlns:p14="http://schemas.microsoft.com/office/powerpoint/2010/main" val="1556833767"/>
+      </p:ext>
+    </p:extLst>
+  </p:cSld>
+  <p:clrMapOvr>
+    <a:masterClrMapping/>
+  </p:clrMapOvr>
+  <p:timing>
+    <p:tnLst>
+      <p:par>
+        <p:cTn xmlns:p14="http://schemas.microsoft.com/office/powerpoint/2010/main" id="1" dur="indefinite" restart="never" nodeType="tmRoot"/>
+      </p:par>
+    </p:tnLst>
+  </p:timing>
+</p:sld>
+</file>
+
+<file path=ppt/slides/slide4.xml><?xml version="1.0" encoding="utf-8"?>
+<p:sld xmlns:a="http://schemas.openxmlformats.org/drawingml/2006/main" xmlns:r="http://schemas.openxmlformats.org/officeDocument/2006/relationships" xmlns:p="http://schemas.openxmlformats.org/presentationml/2006/main">
+  <p:cSld>
+    <p:spTree>
+      <p:nvGrpSpPr>
+        <p:cNvPr id="1" name=""/>
+        <p:cNvGrpSpPr/>
+        <p:nvPr/>
+      </p:nvGrpSpPr>
+      <p:grpSpPr>
+        <a:xfrm>
+          <a:off x="0" y="0"/>
+          <a:ext cx="0" cy="0"/>
+          <a:chOff x="0" y="0"/>
+          <a:chExt cx="0" cy="0"/>
+        </a:xfrm>
+      </p:grpSpPr>
+      <p:sp>
+        <p:nvSpPr>
+          <p:cNvPr id="2" name="Title 1"/>
+          <p:cNvSpPr>
+            <a:spLocks noGrp="1"/>
+          </p:cNvSpPr>
+          <p:nvPr>
+            <p:ph type="ctrTitle"/>
+          </p:nvPr>
+        </p:nvSpPr>
+        <p:spPr/>
+        <p:txBody>
+          <a:bodyPr/>
+          <a:lstStyle/>
+          <a:p>
+            <a:r>
+              <a:rPr lang="sv-SE" dirty="0" smtClean="0"/>
+              <a:t>Logga till </a:t>
+            </a:r>
+            <a:r>
+              <a:rPr lang="sv-SE" dirty="0" err="1" smtClean="0"/>
+              <a:t>console</a:t>
+            </a:r>
+            <a:endParaRPr lang="sv-SE" dirty="0"/>
+          </a:p>
+        </p:txBody>
+      </p:sp>
+      <p:sp>
+        <p:nvSpPr>
+          <p:cNvPr id="5" name="TextBox 4"/>
+          <p:cNvSpPr txBox="1"/>
+          <p:nvPr/>
+        </p:nvSpPr>
+        <p:spPr>
+          <a:xfrm>
+            <a:off x="395536" y="1048589"/>
+            <a:ext cx="8173540" cy="584775"/>
+          </a:xfrm>
+          <a:prstGeom prst="rect">
+            <a:avLst/>
+          </a:prstGeom>
+          <a:noFill/>
+        </p:spPr>
+        <p:txBody>
+          <a:bodyPr wrap="square" rtlCol="0">
+            <a:spAutoFit/>
+          </a:bodyPr>
+          <a:lstStyle/>
+          <a:p>
+            <a:r>
+              <a:rPr lang="sv-SE" sz="1600" dirty="0" smtClean="0">
+                <a:latin typeface="Minya Nouvelle" charset="0"/>
+              </a:rPr>
+              <a:t>Vi har tillgång till ett objekt, </a:t>
+            </a:r>
+            <a:r>
+              <a:rPr lang="sv-SE" sz="1600" dirty="0" err="1" smtClean="0">
+                <a:latin typeface="Minya Nouvelle" charset="0"/>
+              </a:rPr>
+              <a:t>console</a:t>
+            </a:r>
+            <a:r>
+              <a:rPr lang="sv-SE" sz="1600" dirty="0" smtClean="0">
+                <a:latin typeface="Minya Nouvelle" charset="0"/>
+              </a:rPr>
+              <a:t>, som vi kan använda för att skriva till </a:t>
+            </a:r>
+            <a:r>
+              <a:rPr lang="sv-SE" sz="1600" dirty="0" err="1" smtClean="0">
+                <a:latin typeface="Minya Nouvelle" charset="0"/>
+              </a:rPr>
+              <a:t>debuggerns</a:t>
+            </a:r>
+            <a:r>
+              <a:rPr lang="sv-SE" sz="1600" dirty="0" smtClean="0">
+                <a:latin typeface="Minya Nouvelle" charset="0"/>
+              </a:rPr>
+              <a:t> konsolfönster. </a:t>
+            </a:r>
+            <a:r>
+              <a:rPr lang="sv-SE" sz="1600" i="1" dirty="0" smtClean="0">
+                <a:latin typeface="Minya Nouvelle" charset="0"/>
+              </a:rPr>
+              <a:t>(</a:t>
+            </a:r>
+            <a:r>
+              <a:rPr lang="sv-SE" sz="1600" i="1" dirty="0" err="1" smtClean="0">
+                <a:latin typeface="Minya Nouvelle" charset="0"/>
+              </a:rPr>
+              <a:t>FireFox</a:t>
+            </a:r>
+            <a:r>
+              <a:rPr lang="sv-SE" sz="1600" i="1" dirty="0" smtClean="0">
+                <a:latin typeface="Minya Nouvelle" charset="0"/>
+              </a:rPr>
+              <a:t> (</a:t>
+            </a:r>
+            <a:r>
+              <a:rPr lang="sv-SE" sz="1600" i="1" dirty="0" err="1" smtClean="0">
+                <a:latin typeface="Minya Nouvelle" charset="0"/>
+              </a:rPr>
+              <a:t>FireBug</a:t>
+            </a:r>
+            <a:r>
+              <a:rPr lang="sv-SE" sz="1600" i="1" dirty="0" smtClean="0">
+                <a:latin typeface="Minya Nouvelle" charset="0"/>
+              </a:rPr>
+              <a:t>), Internet Explorer, Safari, </a:t>
+            </a:r>
+            <a:r>
+              <a:rPr lang="sv-SE" sz="1600" i="1" dirty="0" err="1" smtClean="0">
+                <a:latin typeface="Minya Nouvelle" charset="0"/>
+              </a:rPr>
+              <a:t>Chrome</a:t>
+            </a:r>
+            <a:r>
+              <a:rPr lang="sv-SE" sz="1600" i="1" dirty="0" smtClean="0">
+                <a:latin typeface="Minya Nouvelle" charset="0"/>
+              </a:rPr>
+              <a:t>)</a:t>
+            </a:r>
+            <a:endParaRPr lang="sv-SE" sz="1600" i="1" dirty="0">
+              <a:latin typeface="Minya Nouvelle" charset="0"/>
+            </a:endParaRPr>
+          </a:p>
+        </p:txBody>
+      </p:sp>
+      <p:cxnSp>
+        <p:nvCxnSpPr>
+          <p:cNvPr id="7" name="Straight Connector 6"/>
+          <p:cNvCxnSpPr>
+            <a:endCxn id="5" idx="2"/>
+          </p:cNvCxnSpPr>
+          <p:nvPr/>
+        </p:nvCxnSpPr>
+        <p:spPr>
+          <a:xfrm>
+            <a:off x="3707904" y="1633364"/>
+            <a:ext cx="774402" cy="0"/>
+          </a:xfrm>
+          <a:prstGeom prst="line">
+            <a:avLst/>
+          </a:prstGeom>
+          <a:ln w="19050">
+            <a:solidFill>
+              <a:srgbClr val="FF0000"/>
+            </a:solidFill>
+          </a:ln>
+        </p:spPr>
+        <p:style>
+          <a:lnRef idx="1">
+            <a:schemeClr val="accent1"/>
+          </a:lnRef>
+          <a:fillRef idx="0">
+            <a:schemeClr val="accent1"/>
+          </a:fillRef>
+          <a:effectRef idx="0">
+            <a:schemeClr val="accent1"/>
+          </a:effectRef>
+          <a:fontRef idx="minor">
+            <a:schemeClr val="tx1"/>
+          </a:fontRef>
+        </p:style>
+      </p:cxnSp>
+      <p:pic>
+        <p:nvPicPr>
+          <p:cNvPr id="12290" name="Picture 2"/>
+          <p:cNvPicPr>
+            <a:picLocks noChangeAspect="1" noChangeArrowheads="1"/>
+          </p:cNvPicPr>
+          <p:nvPr/>
+        </p:nvPicPr>
+        <p:blipFill>
+          <a:blip r:embed="rId2">
+            <a:extLst>
+              <a:ext uri="{28A0092B-C50C-407E-A947-70E740481C1C}">
+                <a14:useLocalDpi xmlns:a14="http://schemas.microsoft.com/office/drawing/2010/main" val="0"/>
+              </a:ext>
+            </a:extLst>
+          </a:blip>
+          <a:srcRect/>
+          <a:stretch>
+            <a:fillRect/>
+          </a:stretch>
+        </p:blipFill>
+        <p:spPr bwMode="auto">
+          <a:xfrm>
+            <a:off x="757237" y="3433564"/>
+            <a:ext cx="7627937" cy="2095500"/>
+          </a:xfrm>
+          <a:prstGeom prst="rect">
+            <a:avLst/>
+          </a:prstGeom>
+          <a:noFill/>
+          <a:ln>
+            <a:noFill/>
+          </a:ln>
+          <a:effectLst/>
+          <a:extLst>
+            <a:ext uri="{909E8E84-426E-40dd-AFC4-6F175D3DCCD1}">
+              <a14:hiddenFill xmlns:a14="http://schemas.microsoft.com/office/drawing/2010/main">
+                <a:solidFill>
+                  <a:schemeClr val="accent1"/>
+                </a:solidFill>
+              </a14:hiddenFill>
+            </a:ext>
+            <a:ext uri="{91240B29-F687-4f45-9708-019B960494DF}">
+              <a14:hiddenLine xmlns:a14="http://schemas.microsoft.com/office/drawing/2010/main" w="9525">
+                <a:solidFill>
+                  <a:schemeClr val="tx1"/>
+                </a:solidFill>
+                <a:miter lim="800000"/>
+                <a:headEnd/>
+                <a:tailEnd/>
+              </a14:hiddenLine>
+            </a:ext>
+            <a:ext uri="{AF507438-7753-43e0-B8FC-AC1667EBCBE1}">
+              <a14:hiddenEffects xmlns:a14="http://schemas.microsoft.com/office/drawing/2010/main">
+                <a:effectLst>
+                  <a:outerShdw dist="35921" dir="2700000" algn="ctr" rotWithShape="0">
+                    <a:schemeClr val="bg2"/>
+                  </a:outerShdw>
+                </a:effectLst>
+              </a14:hiddenEffects>
+            </a:ext>
+          </a:extLst>
+        </p:spPr>
+      </p:pic>
+      <p:sp>
+        <p:nvSpPr>
+          <p:cNvPr id="9" name="Text Box 7"/>
+          <p:cNvSpPr txBox="1">
+            <a:spLocks noChangeArrowheads="1"/>
+          </p:cNvSpPr>
+          <p:nvPr/>
+        </p:nvSpPr>
+        <p:spPr bwMode="auto">
+          <a:xfrm>
+            <a:off x="467544" y="1822093"/>
+            <a:ext cx="8280920" cy="1323439"/>
+          </a:xfrm>
+          <a:prstGeom prst="rect">
+            <a:avLst/>
+          </a:prstGeom>
+          <a:ln>
+            <a:headEnd/>
+            <a:tailEnd/>
+          </a:ln>
+        </p:spPr>
+        <p:style>
+          <a:lnRef idx="1">
+            <a:schemeClr val="accent2"/>
+          </a:lnRef>
+          <a:fillRef idx="2">
+            <a:schemeClr val="accent2"/>
+          </a:fillRef>
+          <a:effectRef idx="1">
+            <a:schemeClr val="accent2"/>
+          </a:effectRef>
+          <a:fontRef idx="minor">
+            <a:schemeClr val="dk1"/>
+          </a:fontRef>
+        </p:style>
+        <p:txBody>
+          <a:bodyPr wrap="square">
+            <a:spAutoFit/>
+          </a:bodyPr>
+          <a:lstStyle/>
+          <a:p>
+            <a:pPr>
+              <a:spcBef>
+                <a:spcPct val="50000"/>
+              </a:spcBef>
+            </a:pPr>
+            <a:r>
+              <a:rPr lang="sv-SE" sz="2000" b="1" dirty="0" smtClean="0">
+                <a:latin typeface="Courier New" pitchFamily="49" charset="0"/>
+              </a:rPr>
+              <a:t>console.log(</a:t>
+            </a:r>
+            <a:r>
+              <a:rPr lang="sv-SE" sz="2000" dirty="0" smtClean="0">
+                <a:latin typeface="Courier New" pitchFamily="49" charset="0"/>
+              </a:rPr>
+              <a:t>"Skriver </a:t>
+            </a:r>
+            <a:r>
+              <a:rPr lang="sv-SE" sz="2000" dirty="0">
+                <a:latin typeface="Courier New" pitchFamily="49" charset="0"/>
+              </a:rPr>
+              <a:t>ut en </a:t>
+            </a:r>
+            <a:r>
+              <a:rPr lang="sv-SE" sz="2000" dirty="0" smtClean="0">
+                <a:latin typeface="Courier New" pitchFamily="49" charset="0"/>
+              </a:rPr>
+              <a:t>bricka"</a:t>
+            </a:r>
+            <a:r>
+              <a:rPr lang="sv-SE" sz="2000" b="1" dirty="0" smtClean="0">
+                <a:latin typeface="Courier New" pitchFamily="49" charset="0"/>
+              </a:rPr>
+              <a:t>);</a:t>
+            </a:r>
+            <a:br>
+              <a:rPr lang="sv-SE" sz="2000" b="1" dirty="0" smtClean="0">
+                <a:latin typeface="Courier New" pitchFamily="49" charset="0"/>
+              </a:rPr>
+            </a:br>
+            <a:r>
+              <a:rPr lang="sv-SE" sz="2000" b="1" dirty="0" err="1" smtClean="0">
+                <a:latin typeface="Courier New" pitchFamily="49" charset="0"/>
+              </a:rPr>
+              <a:t>console.error</a:t>
+            </a:r>
+            <a:r>
+              <a:rPr lang="sv-SE" sz="2000" b="1" dirty="0" smtClean="0">
+                <a:latin typeface="Courier New" pitchFamily="49" charset="0"/>
+              </a:rPr>
+              <a:t>(</a:t>
+            </a:r>
+            <a:r>
+              <a:rPr lang="sv-SE" sz="2000" dirty="0" smtClean="0">
+                <a:latin typeface="Courier New" pitchFamily="49" charset="0"/>
+              </a:rPr>
+              <a:t>"Ingen </a:t>
+            </a:r>
+            <a:r>
+              <a:rPr lang="sv-SE" sz="2000" dirty="0">
+                <a:latin typeface="Courier New" pitchFamily="49" charset="0"/>
+              </a:rPr>
+              <a:t>anslutning mot </a:t>
+            </a:r>
+            <a:r>
+              <a:rPr lang="sv-SE" sz="2000" dirty="0" smtClean="0">
+                <a:latin typeface="Courier New" pitchFamily="49" charset="0"/>
+              </a:rPr>
+              <a:t>servern"</a:t>
+            </a:r>
+            <a:r>
+              <a:rPr lang="sv-SE" sz="2000" b="1" dirty="0" smtClean="0">
+                <a:latin typeface="Courier New" pitchFamily="49" charset="0"/>
+              </a:rPr>
+              <a:t>);</a:t>
+            </a:r>
+            <a:br>
+              <a:rPr lang="sv-SE" sz="2000" b="1" dirty="0" smtClean="0">
+                <a:latin typeface="Courier New" pitchFamily="49" charset="0"/>
+              </a:rPr>
+            </a:br>
+            <a:r>
+              <a:rPr lang="sv-SE" sz="2000" b="1" dirty="0" smtClean="0">
+                <a:latin typeface="Courier New" pitchFamily="49" charset="0"/>
+              </a:rPr>
+              <a:t>console.info(</a:t>
+            </a:r>
+            <a:r>
+              <a:rPr lang="sv-SE" sz="2000" dirty="0" smtClean="0">
+                <a:latin typeface="Courier New" pitchFamily="49" charset="0"/>
+              </a:rPr>
+              <a:t>"Meddelande mottaget"</a:t>
+            </a:r>
+            <a:r>
+              <a:rPr lang="sv-SE" sz="2000" b="1" dirty="0" smtClean="0">
+                <a:latin typeface="Courier New" pitchFamily="49" charset="0"/>
+              </a:rPr>
+              <a:t>);</a:t>
+            </a:r>
+            <a:br>
+              <a:rPr lang="sv-SE" sz="2000" b="1" dirty="0" smtClean="0">
+                <a:latin typeface="Courier New" pitchFamily="49" charset="0"/>
+              </a:rPr>
+            </a:br>
+            <a:r>
+              <a:rPr lang="sv-SE" sz="2000" b="1" dirty="0" err="1" smtClean="0">
+                <a:latin typeface="Courier New" pitchFamily="49" charset="0"/>
+              </a:rPr>
+              <a:t>console.warn</a:t>
+            </a:r>
+            <a:r>
+              <a:rPr lang="sv-SE" sz="2000" b="1" dirty="0" smtClean="0">
+                <a:latin typeface="Courier New" pitchFamily="49" charset="0"/>
+              </a:rPr>
+              <a:t>(</a:t>
+            </a:r>
+            <a:r>
+              <a:rPr lang="sv-SE" sz="2000" dirty="0" smtClean="0">
+                <a:latin typeface="Courier New" pitchFamily="49" charset="0"/>
+              </a:rPr>
+              <a:t>"Anslutning </a:t>
+            </a:r>
+            <a:r>
+              <a:rPr lang="sv-SE" sz="2000" dirty="0">
+                <a:latin typeface="Courier New" pitchFamily="49" charset="0"/>
+              </a:rPr>
+              <a:t>mot server, </a:t>
+            </a:r>
+            <a:r>
+              <a:rPr lang="sv-SE" sz="2000" dirty="0" smtClean="0">
+                <a:latin typeface="Courier New" pitchFamily="49" charset="0"/>
+              </a:rPr>
+              <a:t>långsam"</a:t>
+            </a:r>
+            <a:r>
+              <a:rPr lang="sv-SE" sz="2000" b="1" dirty="0" smtClean="0">
+                <a:latin typeface="Courier New" pitchFamily="49" charset="0"/>
+              </a:rPr>
+              <a:t>);</a:t>
+            </a:r>
+            <a:endParaRPr lang="sv-SE" sz="2000" b="1" dirty="0">
+              <a:latin typeface="Courier New" pitchFamily="49" charset="0"/>
+            </a:endParaRPr>
+          </a:p>
+        </p:txBody>
+      </p:sp>
+      <p:pic>
+        <p:nvPicPr>
+          <p:cNvPr id="12291" name="Picture 3"/>
+          <p:cNvPicPr>
+            <a:picLocks noChangeAspect="1" noChangeArrowheads="1"/>
+          </p:cNvPicPr>
+          <p:nvPr/>
+        </p:nvPicPr>
+        <p:blipFill>
+          <a:blip r:embed="rId3">
+            <a:extLst>
+              <a:ext uri="{28A0092B-C50C-407E-A947-70E740481C1C}">
+                <a14:useLocalDpi xmlns:a14="http://schemas.microsoft.com/office/drawing/2010/main" val="0"/>
+              </a:ext>
+            </a:extLst>
+          </a:blip>
+          <a:srcRect/>
+          <a:stretch>
+            <a:fillRect/>
+          </a:stretch>
+        </p:blipFill>
+        <p:spPr bwMode="auto">
+          <a:xfrm>
+            <a:off x="6897200" y="3217540"/>
+            <a:ext cx="1885950" cy="1009650"/>
+          </a:xfrm>
+          <a:prstGeom prst="rect">
+            <a:avLst/>
+          </a:prstGeom>
+          <a:noFill/>
+          <a:ln>
+            <a:noFill/>
+          </a:ln>
+          <a:effectLst/>
+          <a:extLst>
+            <a:ext uri="{909E8E84-426E-40dd-AFC4-6F175D3DCCD1}">
+              <a14:hiddenFill xmlns:a14="http://schemas.microsoft.com/office/drawing/2010/main">
+                <a:solidFill>
+                  <a:schemeClr val="accent1"/>
+                </a:solidFill>
+              </a14:hiddenFill>
+            </a:ext>
+            <a:ext uri="{91240B29-F687-4f45-9708-019B960494DF}">
+              <a14:hiddenLine xmlns:a14="http://schemas.microsoft.com/office/drawing/2010/main" w="9525">
+                <a:solidFill>
+                  <a:schemeClr val="tx1"/>
+                </a:solidFill>
+                <a:miter lim="800000"/>
+                <a:headEnd/>
+                <a:tailEnd/>
+              </a14:hiddenLine>
+            </a:ext>
+            <a:ext uri="{AF507438-7753-43e0-B8FC-AC1667EBCBE1}">
+              <a14:hiddenEffects xmlns:a14="http://schemas.microsoft.com/office/drawing/2010/main">
+                <a:effectLst>
+                  <a:outerShdw dist="35921" dir="2700000" algn="ctr" rotWithShape="0">
+                    <a:schemeClr val="bg2"/>
+                  </a:outerShdw>
+                </a:effectLst>
+              </a14:hiddenEffects>
+            </a:ext>
+          </a:extLst>
+        </p:spPr>
+      </p:pic>
+      <p:pic>
+        <p:nvPicPr>
+          <p:cNvPr id="12292" name="Picture 4"/>
+          <p:cNvPicPr>
+            <a:picLocks noChangeAspect="1" noChangeArrowheads="1"/>
+          </p:cNvPicPr>
+          <p:nvPr/>
+        </p:nvPicPr>
+        <p:blipFill>
+          <a:blip r:embed="rId4">
+            <a:extLst>
+              <a:ext uri="{28A0092B-C50C-407E-A947-70E740481C1C}">
+                <a14:useLocalDpi xmlns:a14="http://schemas.microsoft.com/office/drawing/2010/main" val="0"/>
+              </a:ext>
+            </a:extLst>
+          </a:blip>
+          <a:srcRect/>
+          <a:stretch>
+            <a:fillRect/>
+          </a:stretch>
+        </p:blipFill>
+        <p:spPr bwMode="auto">
+          <a:xfrm>
+            <a:off x="4595428" y="4503525"/>
+            <a:ext cx="2352675" cy="1104900"/>
+          </a:xfrm>
+          <a:prstGeom prst="rect">
+            <a:avLst/>
+          </a:prstGeom>
+          <a:noFill/>
+          <a:ln>
+            <a:noFill/>
+          </a:ln>
+          <a:effectLst/>
+          <a:extLst>
+            <a:ext uri="{909E8E84-426E-40dd-AFC4-6F175D3DCCD1}">
+              <a14:hiddenFill xmlns:a14="http://schemas.microsoft.com/office/drawing/2010/main">
+                <a:solidFill>
+                  <a:schemeClr val="accent1"/>
+                </a:solidFill>
+              </a14:hiddenFill>
+            </a:ext>
+            <a:ext uri="{91240B29-F687-4f45-9708-019B960494DF}">
+              <a14:hiddenLine xmlns:a14="http://schemas.microsoft.com/office/drawing/2010/main" w="9525">
+                <a:solidFill>
+                  <a:schemeClr val="tx1"/>
+                </a:solidFill>
+                <a:miter lim="800000"/>
+                <a:headEnd/>
+                <a:tailEnd/>
+              </a14:hiddenLine>
+            </a:ext>
+            <a:ext uri="{AF507438-7753-43e0-B8FC-AC1667EBCBE1}">
+              <a14:hiddenEffects xmlns:a14="http://schemas.microsoft.com/office/drawing/2010/main">
+                <a:effectLst>
+                  <a:outerShdw dist="35921" dir="2700000" algn="ctr" rotWithShape="0">
+                    <a:schemeClr val="bg2"/>
+                  </a:outerShdw>
+                </a:effectLst>
+              </a14:hiddenEffects>
+            </a:ext>
+          </a:extLst>
+        </p:spPr>
+      </p:pic>
+      <p:pic>
+        <p:nvPicPr>
+          <p:cNvPr id="10" name="Picture 2" descr="P:\Icons\48x48\shadow\debug.png"/>
+          <p:cNvPicPr>
+            <a:picLocks noChangeAspect="1" noChangeArrowheads="1"/>
+          </p:cNvPicPr>
+          <p:nvPr/>
+        </p:nvPicPr>
+        <p:blipFill>
+          <a:blip r:embed="rId5">
+            <a:extLst>
+              <a:ext uri="{28A0092B-C50C-407E-A947-70E740481C1C}">
+                <a14:useLocalDpi xmlns:a14="http://schemas.microsoft.com/office/drawing/2010/main" val="0"/>
+              </a:ext>
+            </a:extLst>
+          </a:blip>
+          <a:srcRect/>
+          <a:stretch>
+            <a:fillRect/>
+          </a:stretch>
+        </p:blipFill>
+        <p:spPr bwMode="auto">
+          <a:xfrm>
+            <a:off x="8244408" y="265212"/>
+            <a:ext cx="617537" cy="617537"/>
+          </a:xfrm>
+          <a:prstGeom prst="rect">
+            <a:avLst/>
+          </a:prstGeom>
+          <a:noFill/>
+          <a:extLst>
+            <a:ext uri="{909E8E84-426E-40dd-AFC4-6F175D3DCCD1}">
+              <a14:hiddenFill xmlns:a14="http://schemas.microsoft.com/office/drawing/2010/main">
+                <a:solidFill>
+                  <a:srgbClr val="FFFFFF"/>
+                </a:solidFill>
+              </a14:hiddenFill>
+            </a:ext>
+          </a:extLst>
+        </p:spPr>
+      </p:pic>
+    </p:spTree>
+    <p:extLst>
+      <p:ext uri="{BB962C8B-B14F-4D97-AF65-F5344CB8AC3E}">
+        <p14:creationId xmlns:p14="http://schemas.microsoft.com/office/powerpoint/2010/main" val="729986869"/>
+      </p:ext>
+    </p:extLst>
+  </p:cSld>
+  <p:clrMapOvr>
+    <a:masterClrMapping/>
+  </p:clrMapOvr>
+  <p:timing>
+    <p:tnLst>
+      <p:par>
+        <p:cTn xmlns:p14="http://schemas.microsoft.com/office/powerpoint/2010/main" id="1" dur="indefinite" restart="never" nodeType="tmRoot"/>
+      </p:par>
+    </p:tnLst>
+  </p:timing>
+</p:sld>
+</file>
+
+<file path=ppt/slides/slide5.xml><?xml version="1.0" encoding="utf-8"?>
 <p:sld xmlns:a="http://schemas.openxmlformats.org/drawingml/2006/main" xmlns:r="http://schemas.openxmlformats.org/officeDocument/2006/relationships" xmlns:p="http://schemas.openxmlformats.org/presentationml/2006/main">
   <p:cSld>
     <p:spTree>
@@ -7944,7 +12090,7 @@
 </p:sld>
 </file>
 
-<file path=ppt/slides/slide11.xml><?xml version="1.0" encoding="utf-8"?>
+<file path=ppt/slides/slide6.xml><?xml version="1.0" encoding="utf-8"?>
 <p:sld xmlns:a="http://schemas.openxmlformats.org/drawingml/2006/main" xmlns:r="http://schemas.openxmlformats.org/officeDocument/2006/relationships" xmlns:p="http://schemas.openxmlformats.org/presentationml/2006/main">
   <p:cSld>
     <p:spTree>
@@ -8443,7 +12589,7 @@
 </p:sld>
 </file>
 
-<file path=ppt/slides/slide12.xml><?xml version="1.0" encoding="utf-8"?>
+<file path=ppt/slides/slide7.xml><?xml version="1.0" encoding="utf-8"?>
 <p:sld xmlns:a="http://schemas.openxmlformats.org/drawingml/2006/main" xmlns:r="http://schemas.openxmlformats.org/officeDocument/2006/relationships" xmlns:p="http://schemas.openxmlformats.org/presentationml/2006/main">
   <p:cSld>
     <p:spTree>
@@ -8976,7 +13122,7 @@
 </p:sld>
 </file>
 
-<file path=ppt/slides/slide13.xml><?xml version="1.0" encoding="utf-8"?>
+<file path=ppt/slides/slide8.xml><?xml version="1.0" encoding="utf-8"?>
 <p:sld xmlns:a="http://schemas.openxmlformats.org/drawingml/2006/main" xmlns:r="http://schemas.openxmlformats.org/officeDocument/2006/relationships" xmlns:p="http://schemas.openxmlformats.org/presentationml/2006/main">
   <p:cSld>
     <p:spTree>
@@ -9510,7 +13656,7 @@
 </p:sld>
 </file>
 
-<file path=ppt/slides/slide14.xml><?xml version="1.0" encoding="utf-8"?>
+<file path=ppt/slides/slide9.xml><?xml version="1.0" encoding="utf-8"?>
 <p:sld xmlns:a="http://schemas.openxmlformats.org/drawingml/2006/main" xmlns:r="http://schemas.openxmlformats.org/officeDocument/2006/relationships" xmlns:p="http://schemas.openxmlformats.org/presentationml/2006/main">
   <p:cSld>
     <p:spTree>
@@ -9808,5090 +13954,6 @@
     <p:extLst>
       <p:ext uri="{BB962C8B-B14F-4D97-AF65-F5344CB8AC3E}">
         <p14:creationId xmlns:p14="http://schemas.microsoft.com/office/powerpoint/2010/main" val="3844587733"/>
-      </p:ext>
-    </p:extLst>
-  </p:cSld>
-  <p:clrMapOvr>
-    <a:masterClrMapping/>
-  </p:clrMapOvr>
-  <p:timing>
-    <p:tnLst>
-      <p:par>
-        <p:cTn xmlns:p14="http://schemas.microsoft.com/office/powerpoint/2010/main" id="1" dur="indefinite" restart="never" nodeType="tmRoot"/>
-      </p:par>
-    </p:tnLst>
-  </p:timing>
-</p:sld>
-</file>
-
-<file path=ppt/slides/slide15.xml><?xml version="1.0" encoding="utf-8"?>
-<p:sld xmlns:a="http://schemas.openxmlformats.org/drawingml/2006/main" xmlns:r="http://schemas.openxmlformats.org/officeDocument/2006/relationships" xmlns:p="http://schemas.openxmlformats.org/presentationml/2006/main">
-  <p:cSld>
-    <p:spTree>
-      <p:nvGrpSpPr>
-        <p:cNvPr id="1" name=""/>
-        <p:cNvGrpSpPr/>
-        <p:nvPr/>
-      </p:nvGrpSpPr>
-      <p:grpSpPr>
-        <a:xfrm>
-          <a:off x="0" y="0"/>
-          <a:ext cx="0" cy="0"/>
-          <a:chOff x="0" y="0"/>
-          <a:chExt cx="0" cy="0"/>
-        </a:xfrm>
-      </p:grpSpPr>
-      <p:sp>
-        <p:nvSpPr>
-          <p:cNvPr id="2" name="Title 1"/>
-          <p:cNvSpPr>
-            <a:spLocks noGrp="1"/>
-          </p:cNvSpPr>
-          <p:nvPr>
-            <p:ph type="ctrTitle"/>
-          </p:nvPr>
-        </p:nvSpPr>
-        <p:spPr/>
-        <p:txBody>
-          <a:bodyPr/>
-          <a:lstStyle/>
-          <a:p>
-            <a:r>
-              <a:rPr lang="sv-SE" dirty="0" err="1" smtClean="0"/>
-              <a:t>setTimeout</a:t>
-            </a:r>
-            <a:endParaRPr lang="sv-SE" dirty="0"/>
-          </a:p>
-        </p:txBody>
-      </p:sp>
-      <p:sp>
-        <p:nvSpPr>
-          <p:cNvPr id="5" name="Text Box 7"/>
-          <p:cNvSpPr txBox="1">
-            <a:spLocks noChangeArrowheads="1"/>
-          </p:cNvSpPr>
-          <p:nvPr/>
-        </p:nvSpPr>
-        <p:spPr bwMode="auto">
-          <a:xfrm>
-            <a:off x="482877" y="4227393"/>
-            <a:ext cx="7905547" cy="461665"/>
-          </a:xfrm>
-          <a:prstGeom prst="rect">
-            <a:avLst/>
-          </a:prstGeom>
-          <a:ln>
-            <a:headEnd/>
-            <a:tailEnd/>
-          </a:ln>
-        </p:spPr>
-        <p:style>
-          <a:lnRef idx="1">
-            <a:schemeClr val="accent2"/>
-          </a:lnRef>
-          <a:fillRef idx="2">
-            <a:schemeClr val="accent2"/>
-          </a:fillRef>
-          <a:effectRef idx="1">
-            <a:schemeClr val="accent2"/>
-          </a:effectRef>
-          <a:fontRef idx="minor">
-            <a:schemeClr val="dk1"/>
-          </a:fontRef>
-        </p:style>
-        <p:txBody>
-          <a:bodyPr wrap="square">
-            <a:spAutoFit/>
-          </a:bodyPr>
-          <a:lstStyle/>
-          <a:p>
-            <a:pPr>
-              <a:spcBef>
-                <a:spcPct val="50000"/>
-              </a:spcBef>
-            </a:pPr>
-            <a:r>
-              <a:rPr lang="sv-SE" sz="2400" b="1" dirty="0" err="1" smtClean="0">
-                <a:latin typeface="Courier New" pitchFamily="49" charset="0"/>
-              </a:rPr>
-              <a:t>setTimeout</a:t>
-            </a:r>
-            <a:r>
-              <a:rPr lang="sv-SE" sz="2400" b="1" dirty="0" smtClean="0">
-                <a:latin typeface="Courier New" pitchFamily="49" charset="0"/>
-              </a:rPr>
-              <a:t>("</a:t>
-            </a:r>
-            <a:r>
-              <a:rPr lang="sv-SE" sz="2400" b="1" dirty="0" err="1" smtClean="0">
-                <a:latin typeface="Courier New" pitchFamily="49" charset="0"/>
-              </a:rPr>
-              <a:t>myApp.goToSchool</a:t>
-            </a:r>
-            <a:r>
-              <a:rPr lang="sv-SE" sz="2400" b="1" dirty="0" smtClean="0">
-                <a:latin typeface="Courier New" pitchFamily="49" charset="0"/>
-              </a:rPr>
-              <a:t>()", 3000</a:t>
-            </a:r>
-            <a:r>
-              <a:rPr lang="sv-SE" sz="2400" b="1" dirty="0">
-                <a:latin typeface="Courier New" pitchFamily="49" charset="0"/>
-              </a:rPr>
-              <a:t>);</a:t>
-            </a:r>
-          </a:p>
-        </p:txBody>
-      </p:sp>
-      <p:cxnSp>
-        <p:nvCxnSpPr>
-          <p:cNvPr id="7" name="Straight Connector 6"/>
-          <p:cNvCxnSpPr/>
-          <p:nvPr/>
-        </p:nvCxnSpPr>
-        <p:spPr>
-          <a:xfrm>
-            <a:off x="353345" y="4473234"/>
-            <a:ext cx="8352928" cy="0"/>
-          </a:xfrm>
-          <a:prstGeom prst="line">
-            <a:avLst/>
-          </a:prstGeom>
-          <a:ln w="41275">
-            <a:solidFill>
-              <a:srgbClr val="FF0000"/>
-            </a:solidFill>
-          </a:ln>
-        </p:spPr>
-        <p:style>
-          <a:lnRef idx="1">
-            <a:schemeClr val="accent1"/>
-          </a:lnRef>
-          <a:fillRef idx="0">
-            <a:schemeClr val="accent1"/>
-          </a:fillRef>
-          <a:effectRef idx="0">
-            <a:schemeClr val="accent1"/>
-          </a:effectRef>
-          <a:fontRef idx="minor">
-            <a:schemeClr val="tx1"/>
-          </a:fontRef>
-        </p:style>
-      </p:cxnSp>
-      <p:sp>
-        <p:nvSpPr>
-          <p:cNvPr id="8" name="Text Box 7"/>
-          <p:cNvSpPr txBox="1">
-            <a:spLocks noChangeArrowheads="1"/>
-          </p:cNvSpPr>
-          <p:nvPr/>
-        </p:nvSpPr>
-        <p:spPr bwMode="auto">
-          <a:xfrm>
-            <a:off x="467544" y="1561356"/>
-            <a:ext cx="7905547" cy="461665"/>
-          </a:xfrm>
-          <a:prstGeom prst="rect">
-            <a:avLst/>
-          </a:prstGeom>
-          <a:ln>
-            <a:headEnd/>
-            <a:tailEnd/>
-          </a:ln>
-        </p:spPr>
-        <p:style>
-          <a:lnRef idx="1">
-            <a:schemeClr val="accent2"/>
-          </a:lnRef>
-          <a:fillRef idx="2">
-            <a:schemeClr val="accent2"/>
-          </a:fillRef>
-          <a:effectRef idx="1">
-            <a:schemeClr val="accent2"/>
-          </a:effectRef>
-          <a:fontRef idx="minor">
-            <a:schemeClr val="dk1"/>
-          </a:fontRef>
-        </p:style>
-        <p:txBody>
-          <a:bodyPr wrap="square">
-            <a:spAutoFit/>
-          </a:bodyPr>
-          <a:lstStyle/>
-          <a:p>
-            <a:pPr>
-              <a:spcBef>
-                <a:spcPct val="50000"/>
-              </a:spcBef>
-            </a:pPr>
-            <a:r>
-              <a:rPr lang="sv-SE" sz="2400" b="1" dirty="0" err="1" smtClean="0">
-                <a:latin typeface="Courier New" pitchFamily="49" charset="0"/>
-              </a:rPr>
-              <a:t>setTimeout</a:t>
-            </a:r>
-            <a:r>
-              <a:rPr lang="sv-SE" sz="2400" b="1" dirty="0" smtClean="0">
-                <a:latin typeface="Courier New" pitchFamily="49" charset="0"/>
-              </a:rPr>
-              <a:t>(</a:t>
-            </a:r>
-            <a:r>
-              <a:rPr lang="sv-SE" sz="2400" b="1" dirty="0" err="1" smtClean="0">
-                <a:latin typeface="Courier New" pitchFamily="49" charset="0"/>
-              </a:rPr>
-              <a:t>myApp.goToSchool</a:t>
-            </a:r>
-            <a:r>
-              <a:rPr lang="sv-SE" sz="2400" b="1" dirty="0" smtClean="0">
-                <a:latin typeface="Courier New" pitchFamily="49" charset="0"/>
-              </a:rPr>
-              <a:t>, 3000</a:t>
-            </a:r>
-            <a:r>
-              <a:rPr lang="sv-SE" sz="2400" b="1" dirty="0">
-                <a:latin typeface="Courier New" pitchFamily="49" charset="0"/>
-              </a:rPr>
-              <a:t>);</a:t>
-            </a:r>
-          </a:p>
-        </p:txBody>
-      </p:sp>
-      <p:sp>
-        <p:nvSpPr>
-          <p:cNvPr id="9" name="Text Box 7"/>
-          <p:cNvSpPr txBox="1">
-            <a:spLocks noChangeArrowheads="1"/>
-          </p:cNvSpPr>
-          <p:nvPr/>
-        </p:nvSpPr>
-        <p:spPr bwMode="auto">
-          <a:xfrm>
-            <a:off x="467544" y="2384802"/>
-            <a:ext cx="7905547" cy="1569660"/>
-          </a:xfrm>
-          <a:prstGeom prst="rect">
-            <a:avLst/>
-          </a:prstGeom>
-          <a:ln>
-            <a:headEnd/>
-            <a:tailEnd/>
-          </a:ln>
-        </p:spPr>
-        <p:style>
-          <a:lnRef idx="1">
-            <a:schemeClr val="accent2"/>
-          </a:lnRef>
-          <a:fillRef idx="2">
-            <a:schemeClr val="accent2"/>
-          </a:fillRef>
-          <a:effectRef idx="1">
-            <a:schemeClr val="accent2"/>
-          </a:effectRef>
-          <a:fontRef idx="minor">
-            <a:schemeClr val="dk1"/>
-          </a:fontRef>
-        </p:style>
-        <p:txBody>
-          <a:bodyPr wrap="square">
-            <a:spAutoFit/>
-          </a:bodyPr>
-          <a:lstStyle/>
-          <a:p>
-            <a:pPr>
-              <a:spcBef>
-                <a:spcPct val="50000"/>
-              </a:spcBef>
-            </a:pPr>
-            <a:r>
-              <a:rPr lang="sv-SE" sz="2400" b="1" dirty="0" err="1" smtClean="0">
-                <a:latin typeface="Courier New" pitchFamily="49" charset="0"/>
-              </a:rPr>
-              <a:t>setTimeout</a:t>
-            </a:r>
-            <a:r>
-              <a:rPr lang="sv-SE" sz="2400" b="1" dirty="0" smtClean="0">
-                <a:latin typeface="Courier New" pitchFamily="49" charset="0"/>
-              </a:rPr>
-              <a:t>(</a:t>
-            </a:r>
-            <a:r>
-              <a:rPr lang="sv-SE" sz="2400" b="1" dirty="0" err="1" smtClean="0">
-                <a:latin typeface="Courier New" pitchFamily="49" charset="0"/>
-              </a:rPr>
-              <a:t>function</a:t>
-            </a:r>
-            <a:r>
-              <a:rPr lang="sv-SE" sz="2400" b="1" dirty="0" smtClean="0">
-                <a:latin typeface="Courier New" pitchFamily="49" charset="0"/>
-              </a:rPr>
-              <a:t>(){</a:t>
-            </a:r>
-          </a:p>
-          <a:p>
-            <a:pPr>
-              <a:spcBef>
-                <a:spcPct val="50000"/>
-              </a:spcBef>
-            </a:pPr>
-            <a:r>
-              <a:rPr lang="sv-SE" sz="2400" b="1" dirty="0" smtClean="0">
-                <a:latin typeface="Courier New" pitchFamily="49" charset="0"/>
-              </a:rPr>
-              <a:t>    </a:t>
-            </a:r>
-            <a:r>
-              <a:rPr lang="sv-SE" sz="2400" b="1" dirty="0" err="1" smtClean="0">
-                <a:latin typeface="Courier New" pitchFamily="49" charset="0"/>
-              </a:rPr>
-              <a:t>myApp.goToSchool</a:t>
-            </a:r>
-            <a:r>
-              <a:rPr lang="sv-SE" sz="2400" b="1" dirty="0" smtClean="0">
-                <a:latin typeface="Courier New" pitchFamily="49" charset="0"/>
-              </a:rPr>
-              <a:t>();</a:t>
-            </a:r>
-            <a:endParaRPr lang="sv-SE" sz="2400" b="1" dirty="0">
-              <a:latin typeface="Courier New" pitchFamily="49" charset="0"/>
-            </a:endParaRPr>
-          </a:p>
-          <a:p>
-            <a:pPr>
-              <a:spcBef>
-                <a:spcPct val="50000"/>
-              </a:spcBef>
-            </a:pPr>
-            <a:r>
-              <a:rPr lang="sv-SE" sz="2400" b="1" dirty="0" smtClean="0">
-                <a:latin typeface="Courier New" pitchFamily="49" charset="0"/>
-              </a:rPr>
-              <a:t>}, 3000</a:t>
-            </a:r>
-            <a:r>
-              <a:rPr lang="sv-SE" sz="2400" b="1" dirty="0">
-                <a:latin typeface="Courier New" pitchFamily="49" charset="0"/>
-              </a:rPr>
-              <a:t>);</a:t>
-            </a:r>
-          </a:p>
-        </p:txBody>
-      </p:sp>
-      <p:sp>
-        <p:nvSpPr>
-          <p:cNvPr id="12" name="TextBox 11"/>
-          <p:cNvSpPr txBox="1"/>
-          <p:nvPr/>
-        </p:nvSpPr>
-        <p:spPr>
-          <a:xfrm>
-            <a:off x="395536" y="1129308"/>
-            <a:ext cx="7374135" cy="369332"/>
-          </a:xfrm>
-          <a:prstGeom prst="rect">
-            <a:avLst/>
-          </a:prstGeom>
-          <a:noFill/>
-        </p:spPr>
-        <p:txBody>
-          <a:bodyPr wrap="none" rtlCol="0">
-            <a:spAutoFit/>
-          </a:bodyPr>
-          <a:lstStyle/>
-          <a:p>
-            <a:r>
-              <a:rPr lang="sv-SE" dirty="0" err="1" smtClean="0">
-                <a:latin typeface="Minya Nouvelle" pitchFamily="2" charset="0"/>
-              </a:rPr>
-              <a:t>setTimeout</a:t>
-            </a:r>
-            <a:r>
-              <a:rPr lang="sv-SE" dirty="0" smtClean="0">
-                <a:latin typeface="Minya Nouvelle" pitchFamily="2" charset="0"/>
-              </a:rPr>
-              <a:t> kan vi använda när vi vill vänta och sedan utföra något.</a:t>
-            </a:r>
-          </a:p>
-        </p:txBody>
-      </p:sp>
-      <p:sp>
-        <p:nvSpPr>
-          <p:cNvPr id="13" name="TextBox 12"/>
-          <p:cNvSpPr txBox="1"/>
-          <p:nvPr/>
-        </p:nvSpPr>
-        <p:spPr>
-          <a:xfrm>
-            <a:off x="7460840" y="1993404"/>
-            <a:ext cx="521297" cy="369332"/>
-          </a:xfrm>
-          <a:prstGeom prst="rect">
-            <a:avLst/>
-          </a:prstGeom>
-          <a:noFill/>
-        </p:spPr>
-        <p:txBody>
-          <a:bodyPr wrap="none" rtlCol="0">
-            <a:spAutoFit/>
-          </a:bodyPr>
-          <a:lstStyle/>
-          <a:p>
-            <a:r>
-              <a:rPr lang="sv-SE" b="1" dirty="0" err="1" smtClean="0">
-                <a:solidFill>
-                  <a:srgbClr val="FF0000"/>
-                </a:solidFill>
-                <a:latin typeface="Minya Nouvelle" pitchFamily="2" charset="0"/>
-              </a:rPr>
-              <a:t>ms</a:t>
-            </a:r>
-            <a:endParaRPr lang="sv-SE" b="1" dirty="0" smtClean="0">
-              <a:solidFill>
-                <a:srgbClr val="FF0000"/>
-              </a:solidFill>
-              <a:latin typeface="Minya Nouvelle" pitchFamily="2" charset="0"/>
-            </a:endParaRPr>
-          </a:p>
-        </p:txBody>
-      </p:sp>
-      <p:sp>
-        <p:nvSpPr>
-          <p:cNvPr id="14" name="Freeform 13"/>
-          <p:cNvSpPr/>
-          <p:nvPr/>
-        </p:nvSpPr>
-        <p:spPr>
-          <a:xfrm>
-            <a:off x="6372200" y="1960646"/>
-            <a:ext cx="1083366" cy="244982"/>
-          </a:xfrm>
-          <a:custGeom>
-            <a:avLst/>
-            <a:gdLst>
-              <a:gd name="connsiteX0" fmla="*/ 1083366 w 1083366"/>
-              <a:gd name="connsiteY0" fmla="*/ 208721 h 244982"/>
-              <a:gd name="connsiteX1" fmla="*/ 337931 w 1083366"/>
-              <a:gd name="connsiteY1" fmla="*/ 228600 h 244982"/>
-              <a:gd name="connsiteX2" fmla="*/ 0 w 1083366"/>
-              <a:gd name="connsiteY2" fmla="*/ 0 h 244982"/>
-            </a:gdLst>
-            <a:ahLst/>
-            <a:cxnLst>
-              <a:cxn ang="0">
-                <a:pos x="connsiteX0" y="connsiteY0"/>
-              </a:cxn>
-              <a:cxn ang="0">
-                <a:pos x="connsiteX1" y="connsiteY1"/>
-              </a:cxn>
-              <a:cxn ang="0">
-                <a:pos x="connsiteX2" y="connsiteY2"/>
-              </a:cxn>
-            </a:cxnLst>
-            <a:rect l="l" t="t" r="r" b="b"/>
-            <a:pathLst>
-              <a:path w="1083366" h="244982">
-                <a:moveTo>
-                  <a:pt x="1083366" y="208721"/>
-                </a:moveTo>
-                <a:cubicBezTo>
-                  <a:pt x="800929" y="236054"/>
-                  <a:pt x="518492" y="263387"/>
-                  <a:pt x="337931" y="228600"/>
-                </a:cubicBezTo>
-                <a:cubicBezTo>
-                  <a:pt x="157370" y="193813"/>
-                  <a:pt x="78685" y="96906"/>
-                  <a:pt x="0" y="0"/>
-                </a:cubicBezTo>
-              </a:path>
-            </a:pathLst>
-          </a:custGeom>
-          <a:ln w="19050">
-            <a:solidFill>
-              <a:srgbClr val="FF0000"/>
-            </a:solidFill>
-            <a:tailEnd type="arrow"/>
-          </a:ln>
-        </p:spPr>
-        <p:style>
-          <a:lnRef idx="1">
-            <a:schemeClr val="accent1"/>
-          </a:lnRef>
-          <a:fillRef idx="0">
-            <a:schemeClr val="accent1"/>
-          </a:fillRef>
-          <a:effectRef idx="0">
-            <a:schemeClr val="accent1"/>
-          </a:effectRef>
-          <a:fontRef idx="minor">
-            <a:schemeClr val="tx1"/>
-          </a:fontRef>
-        </p:style>
-        <p:txBody>
-          <a:bodyPr rtlCol="0" anchor="ctr"/>
-          <a:lstStyle/>
-          <a:p>
-            <a:pPr algn="ctr"/>
-            <a:endParaRPr lang="sv-SE"/>
-          </a:p>
-        </p:txBody>
-      </p:sp>
-      <p:pic>
-        <p:nvPicPr>
-          <p:cNvPr id="16" name="Picture 8" descr="P:\Icons\48x48\shadow\window_time.png"/>
-          <p:cNvPicPr>
-            <a:picLocks noChangeAspect="1" noChangeArrowheads="1"/>
-          </p:cNvPicPr>
-          <p:nvPr/>
-        </p:nvPicPr>
-        <p:blipFill>
-          <a:blip r:embed="rId2">
-            <a:extLst>
-              <a:ext uri="{28A0092B-C50C-407E-A947-70E740481C1C}">
-                <a14:useLocalDpi xmlns:a14="http://schemas.microsoft.com/office/drawing/2010/main" val="0"/>
-              </a:ext>
-            </a:extLst>
-          </a:blip>
-          <a:srcRect/>
-          <a:stretch>
-            <a:fillRect/>
-          </a:stretch>
-        </p:blipFill>
-        <p:spPr bwMode="auto">
-          <a:xfrm>
-            <a:off x="8244408" y="265212"/>
-            <a:ext cx="617538" cy="617537"/>
-          </a:xfrm>
-          <a:prstGeom prst="rect">
-            <a:avLst/>
-          </a:prstGeom>
-          <a:noFill/>
-          <a:extLst>
-            <a:ext uri="{909E8E84-426E-40dd-AFC4-6F175D3DCCD1}">
-              <a14:hiddenFill xmlns:a14="http://schemas.microsoft.com/office/drawing/2010/main">
-                <a:solidFill>
-                  <a:srgbClr val="FFFFFF"/>
-                </a:solidFill>
-              </a14:hiddenFill>
-            </a:ext>
-          </a:extLst>
-        </p:spPr>
-      </p:pic>
-      <p:sp>
-        <p:nvSpPr>
-          <p:cNvPr id="11" name="TextBox 10"/>
-          <p:cNvSpPr txBox="1"/>
-          <p:nvPr/>
-        </p:nvSpPr>
-        <p:spPr>
-          <a:xfrm>
-            <a:off x="395536" y="4947473"/>
-            <a:ext cx="8928992" cy="646331"/>
-          </a:xfrm>
-          <a:prstGeom prst="rect">
-            <a:avLst/>
-          </a:prstGeom>
-          <a:noFill/>
-        </p:spPr>
-        <p:txBody>
-          <a:bodyPr wrap="square" rtlCol="0">
-            <a:spAutoFit/>
-          </a:bodyPr>
-          <a:lstStyle/>
-          <a:p>
-            <a:r>
-              <a:rPr lang="sv-SE" dirty="0" err="1" smtClean="0">
-                <a:latin typeface="Minya Nouvelle" pitchFamily="2" charset="0"/>
-              </a:rPr>
-              <a:t>setTimeout</a:t>
-            </a:r>
-            <a:r>
-              <a:rPr lang="sv-SE" dirty="0" smtClean="0">
-                <a:latin typeface="Minya Nouvelle" pitchFamily="2" charset="0"/>
-              </a:rPr>
-              <a:t> ligger på </a:t>
-            </a:r>
-            <a:r>
-              <a:rPr lang="sv-SE" dirty="0" err="1" smtClean="0">
-                <a:latin typeface="Minya Nouvelle" pitchFamily="2" charset="0"/>
-              </a:rPr>
-              <a:t>window</a:t>
-            </a:r>
-            <a:r>
-              <a:rPr lang="sv-SE" dirty="0" smtClean="0">
-                <a:latin typeface="Minya Nouvelle" pitchFamily="2" charset="0"/>
-              </a:rPr>
-              <a:t>-objektet men eftersom detta är globalt behöver vi inte skriva </a:t>
-            </a:r>
-            <a:r>
-              <a:rPr lang="sv-SE" dirty="0" err="1" smtClean="0">
-                <a:latin typeface="Minya Nouvelle" pitchFamily="2" charset="0"/>
-              </a:rPr>
-              <a:t>window.setTimeout</a:t>
-            </a:r>
-            <a:r>
-              <a:rPr lang="sv-SE" dirty="0" smtClean="0">
-                <a:latin typeface="Minya Nouvelle" pitchFamily="2" charset="0"/>
-              </a:rPr>
-              <a:t>, men vi kan.</a:t>
-            </a:r>
-          </a:p>
-        </p:txBody>
-      </p:sp>
-    </p:spTree>
-    <p:extLst>
-      <p:ext uri="{BB962C8B-B14F-4D97-AF65-F5344CB8AC3E}">
-        <p14:creationId xmlns:p14="http://schemas.microsoft.com/office/powerpoint/2010/main" val="3316589434"/>
-      </p:ext>
-    </p:extLst>
-  </p:cSld>
-  <p:clrMapOvr>
-    <a:masterClrMapping/>
-  </p:clrMapOvr>
-  <p:timing>
-    <p:tnLst>
-      <p:par>
-        <p:cTn xmlns:p14="http://schemas.microsoft.com/office/powerpoint/2010/main" id="1" dur="indefinite" restart="never" nodeType="tmRoot">
-          <p:childTnLst>
-            <p:seq concurrent="1" nextAc="seek">
-              <p:cTn id="2" dur="indefinite" nodeType="mainSeq">
-                <p:childTnLst>
-                  <p:par>
-                    <p:cTn id="3" fill="hold">
-                      <p:stCondLst>
-                        <p:cond delay="indefinite"/>
-                      </p:stCondLst>
-                      <p:childTnLst>
-                        <p:par>
-                          <p:cTn id="4" fill="hold">
-                            <p:stCondLst>
-                              <p:cond delay="0"/>
-                            </p:stCondLst>
-                            <p:childTnLst>
-                              <p:par>
-                                <p:cTn id="5" presetID="10" presetClass="entr" presetSubtype="0" fill="hold" grpId="0" nodeType="clickEffect">
-                                  <p:stCondLst>
-                                    <p:cond delay="0"/>
-                                  </p:stCondLst>
-                                  <p:childTnLst>
-                                    <p:set>
-                                      <p:cBhvr>
-                                        <p:cTn id="6" dur="1" fill="hold">
-                                          <p:stCondLst>
-                                            <p:cond delay="0"/>
-                                          </p:stCondLst>
-                                        </p:cTn>
-                                        <p:tgtEl>
-                                          <p:spTgt spid="5"/>
-                                        </p:tgtEl>
-                                        <p:attrNameLst>
-                                          <p:attrName>style.visibility</p:attrName>
-                                        </p:attrNameLst>
-                                      </p:cBhvr>
-                                      <p:to>
-                                        <p:strVal val="visible"/>
-                                      </p:to>
-                                    </p:set>
-                                    <p:animEffect transition="in" filter="fade">
-                                      <p:cBhvr>
-                                        <p:cTn id="7" dur="500"/>
-                                        <p:tgtEl>
-                                          <p:spTgt spid="5"/>
-                                        </p:tgtEl>
-                                      </p:cBhvr>
-                                    </p:animEffect>
-                                  </p:childTnLst>
-                                </p:cTn>
-                              </p:par>
-                            </p:childTnLst>
-                          </p:cTn>
-                        </p:par>
-                      </p:childTnLst>
-                    </p:cTn>
-                  </p:par>
-                  <p:par>
-                    <p:cTn id="8" fill="hold">
-                      <p:stCondLst>
-                        <p:cond delay="indefinite"/>
-                      </p:stCondLst>
-                      <p:childTnLst>
-                        <p:par>
-                          <p:cTn id="9" fill="hold">
-                            <p:stCondLst>
-                              <p:cond delay="0"/>
-                            </p:stCondLst>
-                            <p:childTnLst>
-                              <p:par>
-                                <p:cTn id="10" presetID="53" presetClass="entr" presetSubtype="16" fill="hold" nodeType="clickEffect">
-                                  <p:stCondLst>
-                                    <p:cond delay="0"/>
-                                  </p:stCondLst>
-                                  <p:childTnLst>
-                                    <p:set>
-                                      <p:cBhvr>
-                                        <p:cTn id="11" dur="1" fill="hold">
-                                          <p:stCondLst>
-                                            <p:cond delay="0"/>
-                                          </p:stCondLst>
-                                        </p:cTn>
-                                        <p:tgtEl>
-                                          <p:spTgt spid="7"/>
-                                        </p:tgtEl>
-                                        <p:attrNameLst>
-                                          <p:attrName>style.visibility</p:attrName>
-                                        </p:attrNameLst>
-                                      </p:cBhvr>
-                                      <p:to>
-                                        <p:strVal val="visible"/>
-                                      </p:to>
-                                    </p:set>
-                                    <p:anim calcmode="lin" valueType="num">
-                                      <p:cBhvr>
-                                        <p:cTn id="12" dur="500" fill="hold"/>
-                                        <p:tgtEl>
-                                          <p:spTgt spid="7"/>
-                                        </p:tgtEl>
-                                        <p:attrNameLst>
-                                          <p:attrName>ppt_w</p:attrName>
-                                        </p:attrNameLst>
-                                      </p:cBhvr>
-                                      <p:tavLst>
-                                        <p:tav tm="0">
-                                          <p:val>
-                                            <p:fltVal val="0"/>
-                                          </p:val>
-                                        </p:tav>
-                                        <p:tav tm="100000">
-                                          <p:val>
-                                            <p:strVal val="#ppt_w"/>
-                                          </p:val>
-                                        </p:tav>
-                                      </p:tavLst>
-                                    </p:anim>
-                                    <p:anim calcmode="lin" valueType="num">
-                                      <p:cBhvr>
-                                        <p:cTn id="13" dur="500" fill="hold"/>
-                                        <p:tgtEl>
-                                          <p:spTgt spid="7"/>
-                                        </p:tgtEl>
-                                        <p:attrNameLst>
-                                          <p:attrName>ppt_h</p:attrName>
-                                        </p:attrNameLst>
-                                      </p:cBhvr>
-                                      <p:tavLst>
-                                        <p:tav tm="0">
-                                          <p:val>
-                                            <p:fltVal val="0"/>
-                                          </p:val>
-                                        </p:tav>
-                                        <p:tav tm="100000">
-                                          <p:val>
-                                            <p:strVal val="#ppt_h"/>
-                                          </p:val>
-                                        </p:tav>
-                                      </p:tavLst>
-                                    </p:anim>
-                                    <p:animEffect transition="in" filter="fade">
-                                      <p:cBhvr>
-                                        <p:cTn id="14" dur="500"/>
-                                        <p:tgtEl>
-                                          <p:spTgt spid="7"/>
-                                        </p:tgtEl>
-                                      </p:cBhvr>
-                                    </p:animEffect>
-                                  </p:childTnLst>
-                                </p:cTn>
-                              </p:par>
-                            </p:childTnLst>
-                          </p:cTn>
-                        </p:par>
-                      </p:childTnLst>
-                    </p:cTn>
-                  </p:par>
-                </p:childTnLst>
-              </p:cTn>
-              <p:prevCondLst>
-                <p:cond evt="onPrev" delay="0">
-                  <p:tgtEl>
-                    <p:sldTgt/>
-                  </p:tgtEl>
-                </p:cond>
-              </p:prevCondLst>
-              <p:nextCondLst>
-                <p:cond evt="onNext" delay="0">
-                  <p:tgtEl>
-                    <p:sldTgt/>
-                  </p:tgtEl>
-                </p:cond>
-              </p:nextCondLst>
-            </p:seq>
-          </p:childTnLst>
-        </p:cTn>
-      </p:par>
-    </p:tnLst>
-    <p:bldLst>
-      <p:bldP spid="5" grpId="0" animBg="1"/>
-    </p:bldLst>
-  </p:timing>
-</p:sld>
-</file>
-
-<file path=ppt/slides/slide16.xml><?xml version="1.0" encoding="utf-8"?>
-<p:sld xmlns:a="http://schemas.openxmlformats.org/drawingml/2006/main" xmlns:r="http://schemas.openxmlformats.org/officeDocument/2006/relationships" xmlns:p="http://schemas.openxmlformats.org/presentationml/2006/main">
-  <p:cSld>
-    <p:spTree>
-      <p:nvGrpSpPr>
-        <p:cNvPr id="1" name=""/>
-        <p:cNvGrpSpPr/>
-        <p:nvPr/>
-      </p:nvGrpSpPr>
-      <p:grpSpPr>
-        <a:xfrm>
-          <a:off x="0" y="0"/>
-          <a:ext cx="0" cy="0"/>
-          <a:chOff x="0" y="0"/>
-          <a:chExt cx="0" cy="0"/>
-        </a:xfrm>
-      </p:grpSpPr>
-      <p:sp>
-        <p:nvSpPr>
-          <p:cNvPr id="2" name="Title 1"/>
-          <p:cNvSpPr>
-            <a:spLocks noGrp="1"/>
-          </p:cNvSpPr>
-          <p:nvPr>
-            <p:ph type="ctrTitle"/>
-          </p:nvPr>
-        </p:nvSpPr>
-        <p:spPr/>
-        <p:txBody>
-          <a:bodyPr/>
-          <a:lstStyle/>
-          <a:p>
-            <a:r>
-              <a:rPr lang="sv-SE" dirty="0" err="1" smtClean="0"/>
-              <a:t>setInterval</a:t>
-            </a:r>
-            <a:endParaRPr lang="sv-SE" dirty="0"/>
-          </a:p>
-        </p:txBody>
-      </p:sp>
-      <p:sp>
-        <p:nvSpPr>
-          <p:cNvPr id="8" name="Text Box 7"/>
-          <p:cNvSpPr txBox="1">
-            <a:spLocks noChangeArrowheads="1"/>
-          </p:cNvSpPr>
-          <p:nvPr/>
-        </p:nvSpPr>
-        <p:spPr bwMode="auto">
-          <a:xfrm>
-            <a:off x="467544" y="1777380"/>
-            <a:ext cx="8238729" cy="400110"/>
-          </a:xfrm>
-          <a:prstGeom prst="rect">
-            <a:avLst/>
-          </a:prstGeom>
-          <a:ln>
-            <a:headEnd/>
-            <a:tailEnd/>
-          </a:ln>
-        </p:spPr>
-        <p:style>
-          <a:lnRef idx="1">
-            <a:schemeClr val="accent2"/>
-          </a:lnRef>
-          <a:fillRef idx="2">
-            <a:schemeClr val="accent2"/>
-          </a:fillRef>
-          <a:effectRef idx="1">
-            <a:schemeClr val="accent2"/>
-          </a:effectRef>
-          <a:fontRef idx="minor">
-            <a:schemeClr val="dk1"/>
-          </a:fontRef>
-        </p:style>
-        <p:txBody>
-          <a:bodyPr wrap="square">
-            <a:spAutoFit/>
-          </a:bodyPr>
-          <a:lstStyle/>
-          <a:p>
-            <a:pPr>
-              <a:spcBef>
-                <a:spcPct val="50000"/>
-              </a:spcBef>
-            </a:pPr>
-            <a:r>
-              <a:rPr lang="sv-SE" sz="2000" b="1" dirty="0" err="1" smtClean="0">
-                <a:latin typeface="Courier New" pitchFamily="49" charset="0"/>
-              </a:rPr>
-              <a:t>setInterval</a:t>
-            </a:r>
-            <a:r>
-              <a:rPr lang="sv-SE" sz="2000" b="1" dirty="0" smtClean="0">
-                <a:latin typeface="Courier New" pitchFamily="49" charset="0"/>
-              </a:rPr>
-              <a:t>(</a:t>
-            </a:r>
-            <a:r>
-              <a:rPr lang="sv-SE" sz="2000" b="1" dirty="0" err="1" smtClean="0">
-                <a:latin typeface="Courier New" pitchFamily="49" charset="0"/>
-              </a:rPr>
-              <a:t>myApp.writeOnBlackboard</a:t>
-            </a:r>
-            <a:r>
-              <a:rPr lang="sv-SE" sz="2000" b="1" dirty="0" smtClean="0">
-                <a:latin typeface="Courier New" pitchFamily="49" charset="0"/>
-              </a:rPr>
-              <a:t>, 3000</a:t>
-            </a:r>
-            <a:r>
-              <a:rPr lang="sv-SE" sz="2000" b="1" dirty="0">
-                <a:latin typeface="Courier New" pitchFamily="49" charset="0"/>
-              </a:rPr>
-              <a:t>);</a:t>
-            </a:r>
-          </a:p>
-        </p:txBody>
-      </p:sp>
-      <p:sp>
-        <p:nvSpPr>
-          <p:cNvPr id="9" name="Text Box 7"/>
-          <p:cNvSpPr txBox="1">
-            <a:spLocks noChangeArrowheads="1"/>
-          </p:cNvSpPr>
-          <p:nvPr/>
-        </p:nvSpPr>
-        <p:spPr bwMode="auto">
-          <a:xfrm>
-            <a:off x="467544" y="2671093"/>
-            <a:ext cx="8238729" cy="1569660"/>
-          </a:xfrm>
-          <a:prstGeom prst="rect">
-            <a:avLst/>
-          </a:prstGeom>
-          <a:ln>
-            <a:headEnd/>
-            <a:tailEnd/>
-          </a:ln>
-        </p:spPr>
-        <p:style>
-          <a:lnRef idx="1">
-            <a:schemeClr val="accent2"/>
-          </a:lnRef>
-          <a:fillRef idx="2">
-            <a:schemeClr val="accent2"/>
-          </a:fillRef>
-          <a:effectRef idx="1">
-            <a:schemeClr val="accent2"/>
-          </a:effectRef>
-          <a:fontRef idx="minor">
-            <a:schemeClr val="dk1"/>
-          </a:fontRef>
-        </p:style>
-        <p:txBody>
-          <a:bodyPr wrap="square">
-            <a:spAutoFit/>
-          </a:bodyPr>
-          <a:lstStyle/>
-          <a:p>
-            <a:pPr>
-              <a:spcBef>
-                <a:spcPct val="50000"/>
-              </a:spcBef>
-            </a:pPr>
-            <a:r>
-              <a:rPr lang="sv-SE" sz="2400" b="1" dirty="0" err="1" smtClean="0">
-                <a:latin typeface="Courier New" pitchFamily="49" charset="0"/>
-              </a:rPr>
-              <a:t>setInterval</a:t>
-            </a:r>
-            <a:r>
-              <a:rPr lang="sv-SE" sz="2400" b="1" dirty="0" smtClean="0">
-                <a:latin typeface="Courier New" pitchFamily="49" charset="0"/>
-              </a:rPr>
-              <a:t>(</a:t>
-            </a:r>
-            <a:r>
-              <a:rPr lang="sv-SE" sz="2400" b="1" dirty="0" err="1" smtClean="0">
-                <a:latin typeface="Courier New" pitchFamily="49" charset="0"/>
-              </a:rPr>
-              <a:t>function</a:t>
-            </a:r>
-            <a:r>
-              <a:rPr lang="sv-SE" sz="2400" b="1" dirty="0" smtClean="0">
-                <a:latin typeface="Courier New" pitchFamily="49" charset="0"/>
-              </a:rPr>
-              <a:t>(){</a:t>
-            </a:r>
-          </a:p>
-          <a:p>
-            <a:pPr>
-              <a:spcBef>
-                <a:spcPct val="50000"/>
-              </a:spcBef>
-            </a:pPr>
-            <a:r>
-              <a:rPr lang="sv-SE" sz="2400" b="1" dirty="0">
-                <a:latin typeface="Courier New" pitchFamily="49" charset="0"/>
-              </a:rPr>
-              <a:t> </a:t>
-            </a:r>
-            <a:r>
-              <a:rPr lang="sv-SE" sz="2400" b="1" dirty="0" smtClean="0">
-                <a:latin typeface="Courier New" pitchFamily="49" charset="0"/>
-              </a:rPr>
-              <a:t> </a:t>
-            </a:r>
-            <a:r>
-              <a:rPr lang="sv-SE" b="1" dirty="0" err="1" smtClean="0">
-                <a:latin typeface="Courier New" pitchFamily="49" charset="0"/>
-              </a:rPr>
-              <a:t>myApp.writeOnBlackboard</a:t>
-            </a:r>
-            <a:r>
-              <a:rPr lang="sv-SE" b="1" dirty="0" smtClean="0">
-                <a:latin typeface="Courier New" pitchFamily="49" charset="0"/>
-              </a:rPr>
-              <a:t>("</a:t>
-            </a:r>
-            <a:r>
-              <a:rPr lang="sv-SE" sz="1200" b="1" dirty="0" smtClean="0">
-                <a:latin typeface="Courier New" pitchFamily="49" charset="0"/>
-              </a:rPr>
-              <a:t>I </a:t>
-            </a:r>
-            <a:r>
-              <a:rPr lang="sv-SE" sz="1200" b="1" dirty="0" err="1" smtClean="0">
-                <a:latin typeface="Courier New" pitchFamily="49" charset="0"/>
-              </a:rPr>
-              <a:t>will</a:t>
-            </a:r>
-            <a:r>
-              <a:rPr lang="sv-SE" sz="1200" b="1" dirty="0" smtClean="0">
-                <a:latin typeface="Courier New" pitchFamily="49" charset="0"/>
-              </a:rPr>
-              <a:t> not </a:t>
-            </a:r>
-            <a:r>
-              <a:rPr lang="sv-SE" sz="1200" b="1" dirty="0" err="1" smtClean="0">
-                <a:latin typeface="Courier New" pitchFamily="49" charset="0"/>
-              </a:rPr>
-              <a:t>use</a:t>
-            </a:r>
-            <a:r>
-              <a:rPr lang="sv-SE" sz="1200" b="1" dirty="0" smtClean="0">
-                <a:latin typeface="Courier New" pitchFamily="49" charset="0"/>
-              </a:rPr>
-              <a:t> </a:t>
-            </a:r>
-            <a:r>
-              <a:rPr lang="sv-SE" sz="1200" b="1" dirty="0" err="1" smtClean="0">
-                <a:latin typeface="Courier New" pitchFamily="49" charset="0"/>
-              </a:rPr>
-              <a:t>inline</a:t>
-            </a:r>
-            <a:r>
-              <a:rPr lang="sv-SE" sz="1200" b="1" dirty="0" smtClean="0">
-                <a:latin typeface="Courier New" pitchFamily="49" charset="0"/>
-              </a:rPr>
-              <a:t> JS in my HTML-pages</a:t>
-            </a:r>
-            <a:r>
-              <a:rPr lang="sv-SE" sz="1400" b="1" dirty="0" smtClean="0">
-                <a:latin typeface="Courier New" pitchFamily="49" charset="0"/>
-              </a:rPr>
-              <a:t>."</a:t>
-            </a:r>
-            <a:r>
-              <a:rPr lang="sv-SE" b="1" dirty="0" smtClean="0">
-                <a:latin typeface="Courier New" pitchFamily="49" charset="0"/>
-              </a:rPr>
-              <a:t>);</a:t>
-            </a:r>
-            <a:endParaRPr lang="sv-SE" b="1" dirty="0">
-              <a:latin typeface="Courier New" pitchFamily="49" charset="0"/>
-            </a:endParaRPr>
-          </a:p>
-          <a:p>
-            <a:pPr>
-              <a:spcBef>
-                <a:spcPct val="50000"/>
-              </a:spcBef>
-            </a:pPr>
-            <a:r>
-              <a:rPr lang="sv-SE" sz="2400" b="1" dirty="0" smtClean="0">
-                <a:latin typeface="Courier New" pitchFamily="49" charset="0"/>
-              </a:rPr>
-              <a:t>}, 3000</a:t>
-            </a:r>
-            <a:r>
-              <a:rPr lang="sv-SE" sz="2400" b="1" dirty="0">
-                <a:latin typeface="Courier New" pitchFamily="49" charset="0"/>
-              </a:rPr>
-              <a:t>);</a:t>
-            </a:r>
-          </a:p>
-        </p:txBody>
-      </p:sp>
-      <p:sp>
-        <p:nvSpPr>
-          <p:cNvPr id="12" name="TextBox 11"/>
-          <p:cNvSpPr txBox="1"/>
-          <p:nvPr/>
-        </p:nvSpPr>
-        <p:spPr>
-          <a:xfrm>
-            <a:off x="395536" y="1129308"/>
-            <a:ext cx="7374135" cy="369332"/>
-          </a:xfrm>
-          <a:prstGeom prst="rect">
-            <a:avLst/>
-          </a:prstGeom>
-          <a:noFill/>
-        </p:spPr>
-        <p:txBody>
-          <a:bodyPr wrap="none" rtlCol="0">
-            <a:spAutoFit/>
-          </a:bodyPr>
-          <a:lstStyle/>
-          <a:p>
-            <a:r>
-              <a:rPr lang="sv-SE" dirty="0" err="1" smtClean="0">
-                <a:latin typeface="Minya Nouvelle" pitchFamily="2" charset="0"/>
-              </a:rPr>
-              <a:t>setTimeout</a:t>
-            </a:r>
-            <a:r>
-              <a:rPr lang="sv-SE" dirty="0" smtClean="0">
-                <a:latin typeface="Minya Nouvelle" pitchFamily="2" charset="0"/>
-              </a:rPr>
-              <a:t> kan vi använda när vi vill vänta och sedan utföra något.</a:t>
-            </a:r>
-          </a:p>
-        </p:txBody>
-      </p:sp>
-      <p:sp>
-        <p:nvSpPr>
-          <p:cNvPr id="13" name="TextBox 12"/>
-          <p:cNvSpPr txBox="1"/>
-          <p:nvPr/>
-        </p:nvSpPr>
-        <p:spPr>
-          <a:xfrm>
-            <a:off x="7867127" y="2209428"/>
-            <a:ext cx="521297" cy="369332"/>
-          </a:xfrm>
-          <a:prstGeom prst="rect">
-            <a:avLst/>
-          </a:prstGeom>
-          <a:noFill/>
-        </p:spPr>
-        <p:txBody>
-          <a:bodyPr wrap="none" rtlCol="0">
-            <a:spAutoFit/>
-          </a:bodyPr>
-          <a:lstStyle/>
-          <a:p>
-            <a:r>
-              <a:rPr lang="sv-SE" b="1" dirty="0" err="1" smtClean="0">
-                <a:solidFill>
-                  <a:srgbClr val="FF0000"/>
-                </a:solidFill>
-                <a:latin typeface="Minya Nouvelle" pitchFamily="2" charset="0"/>
-              </a:rPr>
-              <a:t>ms</a:t>
-            </a:r>
-            <a:endParaRPr lang="sv-SE" b="1" dirty="0" smtClean="0">
-              <a:solidFill>
-                <a:srgbClr val="FF0000"/>
-              </a:solidFill>
-              <a:latin typeface="Minya Nouvelle" pitchFamily="2" charset="0"/>
-            </a:endParaRPr>
-          </a:p>
-        </p:txBody>
-      </p:sp>
-      <p:sp>
-        <p:nvSpPr>
-          <p:cNvPr id="14" name="Freeform 13"/>
-          <p:cNvSpPr/>
-          <p:nvPr/>
-        </p:nvSpPr>
-        <p:spPr>
-          <a:xfrm>
-            <a:off x="6778487" y="2176670"/>
-            <a:ext cx="1083366" cy="244982"/>
-          </a:xfrm>
-          <a:custGeom>
-            <a:avLst/>
-            <a:gdLst>
-              <a:gd name="connsiteX0" fmla="*/ 1083366 w 1083366"/>
-              <a:gd name="connsiteY0" fmla="*/ 208721 h 244982"/>
-              <a:gd name="connsiteX1" fmla="*/ 337931 w 1083366"/>
-              <a:gd name="connsiteY1" fmla="*/ 228600 h 244982"/>
-              <a:gd name="connsiteX2" fmla="*/ 0 w 1083366"/>
-              <a:gd name="connsiteY2" fmla="*/ 0 h 244982"/>
-            </a:gdLst>
-            <a:ahLst/>
-            <a:cxnLst>
-              <a:cxn ang="0">
-                <a:pos x="connsiteX0" y="connsiteY0"/>
-              </a:cxn>
-              <a:cxn ang="0">
-                <a:pos x="connsiteX1" y="connsiteY1"/>
-              </a:cxn>
-              <a:cxn ang="0">
-                <a:pos x="connsiteX2" y="connsiteY2"/>
-              </a:cxn>
-            </a:cxnLst>
-            <a:rect l="l" t="t" r="r" b="b"/>
-            <a:pathLst>
-              <a:path w="1083366" h="244982">
-                <a:moveTo>
-                  <a:pt x="1083366" y="208721"/>
-                </a:moveTo>
-                <a:cubicBezTo>
-                  <a:pt x="800929" y="236054"/>
-                  <a:pt x="518492" y="263387"/>
-                  <a:pt x="337931" y="228600"/>
-                </a:cubicBezTo>
-                <a:cubicBezTo>
-                  <a:pt x="157370" y="193813"/>
-                  <a:pt x="78685" y="96906"/>
-                  <a:pt x="0" y="0"/>
-                </a:cubicBezTo>
-              </a:path>
-            </a:pathLst>
-          </a:custGeom>
-          <a:ln w="19050">
-            <a:solidFill>
-              <a:srgbClr val="FF0000"/>
-            </a:solidFill>
-            <a:tailEnd type="arrow"/>
-          </a:ln>
-        </p:spPr>
-        <p:style>
-          <a:lnRef idx="1">
-            <a:schemeClr val="accent1"/>
-          </a:lnRef>
-          <a:fillRef idx="0">
-            <a:schemeClr val="accent1"/>
-          </a:fillRef>
-          <a:effectRef idx="0">
-            <a:schemeClr val="accent1"/>
-          </a:effectRef>
-          <a:fontRef idx="minor">
-            <a:schemeClr val="tx1"/>
-          </a:fontRef>
-        </p:style>
-        <p:txBody>
-          <a:bodyPr rtlCol="0" anchor="ctr"/>
-          <a:lstStyle/>
-          <a:p>
-            <a:pPr algn="ctr"/>
-            <a:endParaRPr lang="sv-SE"/>
-          </a:p>
-        </p:txBody>
-      </p:sp>
-      <p:sp>
-        <p:nvSpPr>
-          <p:cNvPr id="3" name="TextBox 2"/>
-          <p:cNvSpPr txBox="1"/>
-          <p:nvPr/>
-        </p:nvSpPr>
-        <p:spPr>
-          <a:xfrm>
-            <a:off x="467545" y="4585692"/>
-            <a:ext cx="7560840" cy="923330"/>
-          </a:xfrm>
-          <a:prstGeom prst="rect">
-            <a:avLst/>
-          </a:prstGeom>
-          <a:noFill/>
-        </p:spPr>
-        <p:txBody>
-          <a:bodyPr wrap="square" rtlCol="0">
-            <a:spAutoFit/>
-          </a:bodyPr>
-          <a:lstStyle/>
-          <a:p>
-            <a:r>
-              <a:rPr lang="sv-SE" dirty="0" smtClean="0">
-                <a:latin typeface="Minya Nouvelle" pitchFamily="2" charset="0"/>
-              </a:rPr>
-              <a:t>När väl ett intervall startat så slutar det inte förrän man säger till det att stoppa. (Vilket kan innebära vissa problem, så kan man bör man undvika </a:t>
-            </a:r>
-            <a:r>
-              <a:rPr lang="sv-SE" dirty="0" err="1" smtClean="0">
-                <a:latin typeface="Minya Nouvelle" pitchFamily="2" charset="0"/>
-              </a:rPr>
-              <a:t>setInterval</a:t>
-            </a:r>
-            <a:r>
-              <a:rPr lang="sv-SE" dirty="0" smtClean="0">
-                <a:latin typeface="Minya Nouvelle" pitchFamily="2" charset="0"/>
-              </a:rPr>
-              <a:t> och förlita sig på </a:t>
-            </a:r>
-            <a:r>
-              <a:rPr lang="sv-SE" dirty="0" err="1" smtClean="0">
-                <a:latin typeface="Minya Nouvelle" pitchFamily="2" charset="0"/>
-              </a:rPr>
-              <a:t>setTimeout</a:t>
-            </a:r>
-            <a:r>
-              <a:rPr lang="sv-SE" dirty="0" smtClean="0">
-                <a:latin typeface="Minya Nouvelle" pitchFamily="2" charset="0"/>
-              </a:rPr>
-              <a:t>.)</a:t>
-            </a:r>
-          </a:p>
-        </p:txBody>
-      </p:sp>
-      <p:pic>
-        <p:nvPicPr>
-          <p:cNvPr id="17" name="Picture 8" descr="P:\Icons\48x48\shadow\window_time.png"/>
-          <p:cNvPicPr>
-            <a:picLocks noChangeAspect="1" noChangeArrowheads="1"/>
-          </p:cNvPicPr>
-          <p:nvPr/>
-        </p:nvPicPr>
-        <p:blipFill>
-          <a:blip r:embed="rId2">
-            <a:extLst>
-              <a:ext uri="{28A0092B-C50C-407E-A947-70E740481C1C}">
-                <a14:useLocalDpi xmlns:a14="http://schemas.microsoft.com/office/drawing/2010/main" val="0"/>
-              </a:ext>
-            </a:extLst>
-          </a:blip>
-          <a:srcRect/>
-          <a:stretch>
-            <a:fillRect/>
-          </a:stretch>
-        </p:blipFill>
-        <p:spPr bwMode="auto">
-          <a:xfrm>
-            <a:off x="8244408" y="265212"/>
-            <a:ext cx="617538" cy="617537"/>
-          </a:xfrm>
-          <a:prstGeom prst="rect">
-            <a:avLst/>
-          </a:prstGeom>
-          <a:noFill/>
-          <a:extLst>
-            <a:ext uri="{909E8E84-426E-40dd-AFC4-6F175D3DCCD1}">
-              <a14:hiddenFill xmlns:a14="http://schemas.microsoft.com/office/drawing/2010/main">
-                <a:solidFill>
-                  <a:srgbClr val="FFFFFF"/>
-                </a:solidFill>
-              </a14:hiddenFill>
-            </a:ext>
-          </a:extLst>
-        </p:spPr>
-      </p:pic>
-      <p:pic>
-        <p:nvPicPr>
-          <p:cNvPr id="18" name="Picture 5" descr="P:\Icons\128x128\shadow\clock_refresh.png"/>
-          <p:cNvPicPr>
-            <a:picLocks noChangeAspect="1" noChangeArrowheads="1"/>
-          </p:cNvPicPr>
-          <p:nvPr/>
-        </p:nvPicPr>
-        <p:blipFill>
-          <a:blip r:embed="rId3" cstate="print">
-            <a:extLst>
-              <a:ext uri="{28A0092B-C50C-407E-A947-70E740481C1C}">
-                <a14:useLocalDpi xmlns:a14="http://schemas.microsoft.com/office/drawing/2010/main" val="0"/>
-              </a:ext>
-            </a:extLst>
-          </a:blip>
-          <a:srcRect/>
-          <a:stretch>
-            <a:fillRect/>
-          </a:stretch>
-        </p:blipFill>
-        <p:spPr bwMode="auto">
-          <a:xfrm>
-            <a:off x="8398363" y="471297"/>
-            <a:ext cx="288032" cy="288032"/>
-          </a:xfrm>
-          <a:prstGeom prst="rect">
-            <a:avLst/>
-          </a:prstGeom>
-          <a:noFill/>
-          <a:extLst>
-            <a:ext uri="{909E8E84-426E-40dd-AFC4-6F175D3DCCD1}">
-              <a14:hiddenFill xmlns:a14="http://schemas.microsoft.com/office/drawing/2010/main">
-                <a:solidFill>
-                  <a:srgbClr val="FFFFFF"/>
-                </a:solidFill>
-              </a14:hiddenFill>
-            </a:ext>
-          </a:extLst>
-        </p:spPr>
-      </p:pic>
-    </p:spTree>
-    <p:extLst>
-      <p:ext uri="{BB962C8B-B14F-4D97-AF65-F5344CB8AC3E}">
-        <p14:creationId xmlns:p14="http://schemas.microsoft.com/office/powerpoint/2010/main" val="577505241"/>
-      </p:ext>
-    </p:extLst>
-  </p:cSld>
-  <p:clrMapOvr>
-    <a:masterClrMapping/>
-  </p:clrMapOvr>
-  <p:timing>
-    <p:tnLst>
-      <p:par>
-        <p:cTn xmlns:p14="http://schemas.microsoft.com/office/powerpoint/2010/main" id="1" dur="indefinite" restart="never" nodeType="tmRoot"/>
-      </p:par>
-    </p:tnLst>
-  </p:timing>
-</p:sld>
-</file>
-
-<file path=ppt/slides/slide17.xml><?xml version="1.0" encoding="utf-8"?>
-<p:sld xmlns:a="http://schemas.openxmlformats.org/drawingml/2006/main" xmlns:r="http://schemas.openxmlformats.org/officeDocument/2006/relationships" xmlns:p="http://schemas.openxmlformats.org/presentationml/2006/main">
-  <p:cSld>
-    <p:spTree>
-      <p:nvGrpSpPr>
-        <p:cNvPr id="1" name=""/>
-        <p:cNvGrpSpPr/>
-        <p:nvPr/>
-      </p:nvGrpSpPr>
-      <p:grpSpPr>
-        <a:xfrm>
-          <a:off x="0" y="0"/>
-          <a:ext cx="0" cy="0"/>
-          <a:chOff x="0" y="0"/>
-          <a:chExt cx="0" cy="0"/>
-        </a:xfrm>
-      </p:grpSpPr>
-      <p:sp>
-        <p:nvSpPr>
-          <p:cNvPr id="2" name="Title 1"/>
-          <p:cNvSpPr>
-            <a:spLocks noGrp="1"/>
-          </p:cNvSpPr>
-          <p:nvPr>
-            <p:ph type="ctrTitle"/>
-          </p:nvPr>
-        </p:nvSpPr>
-        <p:spPr/>
-        <p:txBody>
-          <a:bodyPr/>
-          <a:lstStyle/>
-          <a:p>
-            <a:r>
-              <a:rPr lang="sv-SE" dirty="0" err="1" smtClean="0"/>
-              <a:t>clearInterval</a:t>
-            </a:r>
-            <a:endParaRPr lang="sv-SE" dirty="0"/>
-          </a:p>
-        </p:txBody>
-      </p:sp>
-      <p:sp>
-        <p:nvSpPr>
-          <p:cNvPr id="9" name="Text Box 7"/>
-          <p:cNvSpPr txBox="1">
-            <a:spLocks noChangeArrowheads="1"/>
-          </p:cNvSpPr>
-          <p:nvPr/>
-        </p:nvSpPr>
-        <p:spPr bwMode="auto">
-          <a:xfrm>
-            <a:off x="467544" y="1841544"/>
-            <a:ext cx="8238729" cy="2816156"/>
-          </a:xfrm>
-          <a:prstGeom prst="rect">
-            <a:avLst/>
-          </a:prstGeom>
-          <a:ln>
-            <a:headEnd/>
-            <a:tailEnd/>
-          </a:ln>
-        </p:spPr>
-        <p:style>
-          <a:lnRef idx="1">
-            <a:schemeClr val="accent2"/>
-          </a:lnRef>
-          <a:fillRef idx="2">
-            <a:schemeClr val="accent2"/>
-          </a:fillRef>
-          <a:effectRef idx="1">
-            <a:schemeClr val="accent2"/>
-          </a:effectRef>
-          <a:fontRef idx="minor">
-            <a:schemeClr val="dk1"/>
-          </a:fontRef>
-        </p:style>
-        <p:txBody>
-          <a:bodyPr wrap="square">
-            <a:spAutoFit/>
-          </a:bodyPr>
-          <a:lstStyle/>
-          <a:p>
-            <a:pPr>
-              <a:spcBef>
-                <a:spcPct val="50000"/>
-              </a:spcBef>
-            </a:pPr>
-            <a:r>
-              <a:rPr lang="sv-SE" sz="2400" b="1" dirty="0" smtClean="0">
-                <a:latin typeface="Courier New" pitchFamily="49" charset="0"/>
-              </a:rPr>
-              <a:t>var </a:t>
-            </a:r>
-            <a:r>
-              <a:rPr lang="sv-SE" sz="2400" b="1" dirty="0" err="1" smtClean="0">
-                <a:latin typeface="Courier New" pitchFamily="49" charset="0"/>
-              </a:rPr>
-              <a:t>timerID</a:t>
-            </a:r>
-            <a:r>
-              <a:rPr lang="sv-SE" sz="2400" b="1" dirty="0" smtClean="0">
-                <a:latin typeface="Courier New" pitchFamily="49" charset="0"/>
-              </a:rPr>
-              <a:t> </a:t>
-            </a:r>
-            <a:r>
-              <a:rPr lang="sv-SE" sz="2400" dirty="0" smtClean="0">
-                <a:latin typeface="Courier New" pitchFamily="49" charset="0"/>
-              </a:rPr>
-              <a:t>= </a:t>
-            </a:r>
-            <a:r>
-              <a:rPr lang="sv-SE" sz="2400" dirty="0" err="1" smtClean="0">
-                <a:latin typeface="Courier New" pitchFamily="49" charset="0"/>
-              </a:rPr>
-              <a:t>setInterval</a:t>
-            </a:r>
-            <a:r>
-              <a:rPr lang="sv-SE" sz="2400" dirty="0" smtClean="0">
-                <a:latin typeface="Courier New" pitchFamily="49" charset="0"/>
-              </a:rPr>
-              <a:t>(</a:t>
-            </a:r>
-            <a:r>
-              <a:rPr lang="sv-SE" sz="2400" dirty="0" err="1" smtClean="0">
-                <a:latin typeface="Courier New" pitchFamily="49" charset="0"/>
-              </a:rPr>
-              <a:t>function</a:t>
-            </a:r>
-            <a:r>
-              <a:rPr lang="sv-SE" sz="2400" dirty="0" smtClean="0">
-                <a:latin typeface="Courier New" pitchFamily="49" charset="0"/>
-              </a:rPr>
-              <a:t>(){</a:t>
-            </a:r>
-          </a:p>
-          <a:p>
-            <a:pPr>
-              <a:spcBef>
-                <a:spcPct val="50000"/>
-              </a:spcBef>
-            </a:pPr>
-            <a:r>
-              <a:rPr lang="sv-SE" sz="2400" dirty="0">
-                <a:latin typeface="Courier New" pitchFamily="49" charset="0"/>
-              </a:rPr>
-              <a:t> </a:t>
-            </a:r>
-            <a:r>
-              <a:rPr lang="sv-SE" sz="2400" dirty="0" smtClean="0">
-                <a:latin typeface="Courier New" pitchFamily="49" charset="0"/>
-              </a:rPr>
-              <a:t> </a:t>
-            </a:r>
-            <a:r>
-              <a:rPr lang="sv-SE" dirty="0" err="1" smtClean="0">
-                <a:latin typeface="Courier New" pitchFamily="49" charset="0"/>
-              </a:rPr>
-              <a:t>myApp.writeOnBlackboard</a:t>
-            </a:r>
-            <a:r>
-              <a:rPr lang="sv-SE" dirty="0" smtClean="0">
-                <a:latin typeface="Courier New" pitchFamily="49" charset="0"/>
-              </a:rPr>
-              <a:t>("</a:t>
-            </a:r>
-            <a:r>
-              <a:rPr lang="sv-SE" sz="1200" dirty="0" smtClean="0">
-                <a:latin typeface="Courier New" pitchFamily="49" charset="0"/>
-              </a:rPr>
-              <a:t>I </a:t>
-            </a:r>
-            <a:r>
-              <a:rPr lang="sv-SE" sz="1200" dirty="0" err="1" smtClean="0">
-                <a:latin typeface="Courier New" pitchFamily="49" charset="0"/>
-              </a:rPr>
-              <a:t>will</a:t>
-            </a:r>
-            <a:r>
-              <a:rPr lang="sv-SE" sz="1200" dirty="0" smtClean="0">
-                <a:latin typeface="Courier New" pitchFamily="49" charset="0"/>
-              </a:rPr>
-              <a:t> not </a:t>
-            </a:r>
-            <a:r>
-              <a:rPr lang="sv-SE" sz="1200" dirty="0" err="1" smtClean="0">
-                <a:latin typeface="Courier New" pitchFamily="49" charset="0"/>
-              </a:rPr>
-              <a:t>use</a:t>
-            </a:r>
-            <a:r>
-              <a:rPr lang="sv-SE" sz="1200" dirty="0" smtClean="0">
-                <a:latin typeface="Courier New" pitchFamily="49" charset="0"/>
-              </a:rPr>
-              <a:t> </a:t>
-            </a:r>
-            <a:r>
-              <a:rPr lang="sv-SE" sz="1200" dirty="0" err="1" smtClean="0">
-                <a:latin typeface="Courier New" pitchFamily="49" charset="0"/>
-              </a:rPr>
-              <a:t>inline</a:t>
-            </a:r>
-            <a:r>
-              <a:rPr lang="sv-SE" sz="1200" dirty="0" smtClean="0">
-                <a:latin typeface="Courier New" pitchFamily="49" charset="0"/>
-              </a:rPr>
-              <a:t> JS in my HTML-pages</a:t>
-            </a:r>
-            <a:r>
-              <a:rPr lang="sv-SE" sz="1400" dirty="0" smtClean="0">
-                <a:latin typeface="Courier New" pitchFamily="49" charset="0"/>
-              </a:rPr>
-              <a:t>."</a:t>
-            </a:r>
-            <a:r>
-              <a:rPr lang="sv-SE" dirty="0" smtClean="0">
-                <a:latin typeface="Courier New" pitchFamily="49" charset="0"/>
-              </a:rPr>
-              <a:t>);</a:t>
-            </a:r>
-          </a:p>
-          <a:p>
-            <a:pPr>
-              <a:spcBef>
-                <a:spcPct val="50000"/>
-              </a:spcBef>
-            </a:pPr>
-            <a:r>
-              <a:rPr lang="sv-SE" dirty="0">
-                <a:latin typeface="Courier New" pitchFamily="49" charset="0"/>
-              </a:rPr>
-              <a:t> </a:t>
-            </a:r>
-            <a:r>
-              <a:rPr lang="sv-SE" dirty="0" smtClean="0">
-                <a:latin typeface="Courier New" pitchFamily="49" charset="0"/>
-              </a:rPr>
-              <a:t>  </a:t>
-            </a:r>
-            <a:r>
-              <a:rPr lang="sv-SE" dirty="0" err="1" smtClean="0">
-                <a:latin typeface="Courier New" pitchFamily="49" charset="0"/>
-              </a:rPr>
-              <a:t>if</a:t>
-            </a:r>
-            <a:r>
-              <a:rPr lang="sv-SE" dirty="0" smtClean="0">
-                <a:latin typeface="Courier New" pitchFamily="49" charset="0"/>
-              </a:rPr>
-              <a:t>(</a:t>
-            </a:r>
-            <a:r>
-              <a:rPr lang="sv-SE" dirty="0" err="1" smtClean="0">
-                <a:latin typeface="Courier New" pitchFamily="49" charset="0"/>
-              </a:rPr>
-              <a:t>myApp.isBlackboardFilled</a:t>
-            </a:r>
-            <a:r>
-              <a:rPr lang="sv-SE" dirty="0" smtClean="0">
-                <a:latin typeface="Courier New" pitchFamily="49" charset="0"/>
-              </a:rPr>
-              <a:t>()){</a:t>
-            </a:r>
-          </a:p>
-          <a:p>
-            <a:pPr>
-              <a:spcBef>
-                <a:spcPct val="50000"/>
-              </a:spcBef>
-            </a:pPr>
-            <a:r>
-              <a:rPr lang="sv-SE" b="1" dirty="0" smtClean="0">
-                <a:latin typeface="Courier New" pitchFamily="49" charset="0"/>
-              </a:rPr>
-              <a:t>        </a:t>
-            </a:r>
-            <a:r>
-              <a:rPr lang="sv-SE" b="1" dirty="0" err="1" smtClean="0">
-                <a:latin typeface="Courier New" pitchFamily="49" charset="0"/>
-              </a:rPr>
-              <a:t>clearInterval</a:t>
-            </a:r>
-            <a:r>
-              <a:rPr lang="sv-SE" b="1" dirty="0" smtClean="0">
-                <a:latin typeface="Courier New" pitchFamily="49" charset="0"/>
-              </a:rPr>
-              <a:t>(</a:t>
-            </a:r>
-            <a:r>
-              <a:rPr lang="sv-SE" b="1" dirty="0" err="1" smtClean="0">
-                <a:latin typeface="Courier New" pitchFamily="49" charset="0"/>
-              </a:rPr>
-              <a:t>timerID</a:t>
-            </a:r>
-            <a:r>
-              <a:rPr lang="sv-SE" b="1" dirty="0" smtClean="0">
-                <a:latin typeface="Courier New" pitchFamily="49" charset="0"/>
-              </a:rPr>
-              <a:t>);</a:t>
-            </a:r>
-            <a:endParaRPr lang="sv-SE" b="1" dirty="0">
-              <a:latin typeface="Courier New" pitchFamily="49" charset="0"/>
-            </a:endParaRPr>
-          </a:p>
-          <a:p>
-            <a:pPr>
-              <a:spcBef>
-                <a:spcPct val="50000"/>
-              </a:spcBef>
-            </a:pPr>
-            <a:r>
-              <a:rPr lang="sv-SE" dirty="0" smtClean="0">
-                <a:latin typeface="Courier New" pitchFamily="49" charset="0"/>
-              </a:rPr>
-              <a:t>   }</a:t>
-            </a:r>
-            <a:endParaRPr lang="sv-SE" dirty="0">
-              <a:latin typeface="Courier New" pitchFamily="49" charset="0"/>
-            </a:endParaRPr>
-          </a:p>
-          <a:p>
-            <a:pPr>
-              <a:spcBef>
-                <a:spcPct val="50000"/>
-              </a:spcBef>
-            </a:pPr>
-            <a:r>
-              <a:rPr lang="sv-SE" sz="2400" dirty="0" smtClean="0">
-                <a:latin typeface="Courier New" pitchFamily="49" charset="0"/>
-              </a:rPr>
-              <a:t>}, 3000</a:t>
-            </a:r>
-            <a:r>
-              <a:rPr lang="sv-SE" sz="2400" dirty="0">
-                <a:latin typeface="Courier New" pitchFamily="49" charset="0"/>
-              </a:rPr>
-              <a:t>);</a:t>
-            </a:r>
-          </a:p>
-        </p:txBody>
-      </p:sp>
-      <p:sp>
-        <p:nvSpPr>
-          <p:cNvPr id="4" name="TextBox 3"/>
-          <p:cNvSpPr txBox="1"/>
-          <p:nvPr/>
-        </p:nvSpPr>
-        <p:spPr>
-          <a:xfrm>
-            <a:off x="467545" y="1131049"/>
-            <a:ext cx="8415138" cy="646331"/>
-          </a:xfrm>
-          <a:prstGeom prst="rect">
-            <a:avLst/>
-          </a:prstGeom>
-          <a:noFill/>
-        </p:spPr>
-        <p:txBody>
-          <a:bodyPr wrap="square" rtlCol="0">
-            <a:spAutoFit/>
-          </a:bodyPr>
-          <a:lstStyle/>
-          <a:p>
-            <a:r>
-              <a:rPr lang="sv-SE" dirty="0" smtClean="0">
-                <a:latin typeface="Minya Nouvelle" pitchFamily="2" charset="0"/>
-              </a:rPr>
-              <a:t>Genom att spara undan ett id som returneras från </a:t>
-            </a:r>
-            <a:r>
-              <a:rPr lang="sv-SE" dirty="0" err="1" smtClean="0">
-                <a:latin typeface="Minya Nouvelle" pitchFamily="2" charset="0"/>
-              </a:rPr>
-              <a:t>setInterval</a:t>
-            </a:r>
-            <a:r>
-              <a:rPr lang="sv-SE" dirty="0" smtClean="0">
-                <a:latin typeface="Minya Nouvelle" pitchFamily="2" charset="0"/>
-              </a:rPr>
-              <a:t> så kan vi stoppa timern när vi önskar.</a:t>
-            </a:r>
-          </a:p>
-        </p:txBody>
-      </p:sp>
-      <p:sp>
-        <p:nvSpPr>
-          <p:cNvPr id="5" name="TextBox 4"/>
-          <p:cNvSpPr txBox="1"/>
-          <p:nvPr/>
-        </p:nvSpPr>
-        <p:spPr>
-          <a:xfrm>
-            <a:off x="467545" y="4916115"/>
-            <a:ext cx="6931706" cy="461665"/>
-          </a:xfrm>
-          <a:prstGeom prst="rect">
-            <a:avLst/>
-          </a:prstGeom>
-          <a:noFill/>
-        </p:spPr>
-        <p:txBody>
-          <a:bodyPr wrap="none" rtlCol="0">
-            <a:spAutoFit/>
-          </a:bodyPr>
-          <a:lstStyle/>
-          <a:p>
-            <a:r>
-              <a:rPr lang="sv-SE" sz="2400" dirty="0" smtClean="0">
-                <a:latin typeface="Minya Nouvelle" pitchFamily="2" charset="0"/>
-              </a:rPr>
-              <a:t>På samma sätt fungerar metoden </a:t>
-            </a:r>
-            <a:r>
-              <a:rPr lang="sv-SE" sz="2400" b="1" dirty="0" err="1" smtClean="0">
-                <a:latin typeface="Minya Nouvelle" pitchFamily="2" charset="0"/>
-              </a:rPr>
-              <a:t>clearTimeout</a:t>
-            </a:r>
-            <a:endParaRPr lang="sv-SE" sz="2400" b="1" dirty="0" smtClean="0">
-              <a:latin typeface="Minya Nouvelle" pitchFamily="2" charset="0"/>
-            </a:endParaRPr>
-          </a:p>
-        </p:txBody>
-      </p:sp>
-      <p:pic>
-        <p:nvPicPr>
-          <p:cNvPr id="16" name="Picture 8" descr="P:\Icons\48x48\shadow\window_time.png"/>
-          <p:cNvPicPr>
-            <a:picLocks noChangeAspect="1" noChangeArrowheads="1"/>
-          </p:cNvPicPr>
-          <p:nvPr/>
-        </p:nvPicPr>
-        <p:blipFill>
-          <a:blip r:embed="rId2">
-            <a:extLst>
-              <a:ext uri="{28A0092B-C50C-407E-A947-70E740481C1C}">
-                <a14:useLocalDpi xmlns:a14="http://schemas.microsoft.com/office/drawing/2010/main" val="0"/>
-              </a:ext>
-            </a:extLst>
-          </a:blip>
-          <a:srcRect/>
-          <a:stretch>
-            <a:fillRect/>
-          </a:stretch>
-        </p:blipFill>
-        <p:spPr bwMode="auto">
-          <a:xfrm>
-            <a:off x="8244408" y="265212"/>
-            <a:ext cx="617538" cy="617537"/>
-          </a:xfrm>
-          <a:prstGeom prst="rect">
-            <a:avLst/>
-          </a:prstGeom>
-          <a:noFill/>
-          <a:extLst>
-            <a:ext uri="{909E8E84-426E-40dd-AFC4-6F175D3DCCD1}">
-              <a14:hiddenFill xmlns:a14="http://schemas.microsoft.com/office/drawing/2010/main">
-                <a:solidFill>
-                  <a:srgbClr val="FFFFFF"/>
-                </a:solidFill>
-              </a14:hiddenFill>
-            </a:ext>
-          </a:extLst>
-        </p:spPr>
-      </p:pic>
-      <p:pic>
-        <p:nvPicPr>
-          <p:cNvPr id="2050" name="Picture 2" descr="P:\Icons\48x48\shadow\clock_stop.png"/>
-          <p:cNvPicPr>
-            <a:picLocks noChangeAspect="1" noChangeArrowheads="1"/>
-          </p:cNvPicPr>
-          <p:nvPr/>
-        </p:nvPicPr>
-        <p:blipFill>
-          <a:blip r:embed="rId3">
-            <a:extLst>
-              <a:ext uri="{28A0092B-C50C-407E-A947-70E740481C1C}">
-                <a14:useLocalDpi xmlns:a14="http://schemas.microsoft.com/office/drawing/2010/main" val="0"/>
-              </a:ext>
-            </a:extLst>
-          </a:blip>
-          <a:srcRect/>
-          <a:stretch>
-            <a:fillRect/>
-          </a:stretch>
-        </p:blipFill>
-        <p:spPr bwMode="auto">
-          <a:xfrm>
-            <a:off x="8388424" y="460500"/>
-            <a:ext cx="308768" cy="308768"/>
-          </a:xfrm>
-          <a:prstGeom prst="rect">
-            <a:avLst/>
-          </a:prstGeom>
-          <a:noFill/>
-          <a:extLst>
-            <a:ext uri="{909E8E84-426E-40dd-AFC4-6F175D3DCCD1}">
-              <a14:hiddenFill xmlns:a14="http://schemas.microsoft.com/office/drawing/2010/main">
-                <a:solidFill>
-                  <a:srgbClr val="FFFFFF"/>
-                </a:solidFill>
-              </a14:hiddenFill>
-            </a:ext>
-          </a:extLst>
-        </p:spPr>
-      </p:pic>
-    </p:spTree>
-    <p:extLst>
-      <p:ext uri="{BB962C8B-B14F-4D97-AF65-F5344CB8AC3E}">
-        <p14:creationId xmlns:p14="http://schemas.microsoft.com/office/powerpoint/2010/main" val="950758418"/>
-      </p:ext>
-    </p:extLst>
-  </p:cSld>
-  <p:clrMapOvr>
-    <a:masterClrMapping/>
-  </p:clrMapOvr>
-  <p:timing>
-    <p:tnLst>
-      <p:par>
-        <p:cTn xmlns:p14="http://schemas.microsoft.com/office/powerpoint/2010/main" id="1" dur="indefinite" restart="never" nodeType="tmRoot"/>
-      </p:par>
-    </p:tnLst>
-  </p:timing>
-</p:sld>
-</file>
-
-<file path=ppt/slides/slide18.xml><?xml version="1.0" encoding="utf-8"?>
-<p:sld xmlns:a="http://schemas.openxmlformats.org/drawingml/2006/main" xmlns:r="http://schemas.openxmlformats.org/officeDocument/2006/relationships" xmlns:p="http://schemas.openxmlformats.org/presentationml/2006/main">
-  <p:cSld>
-    <p:spTree>
-      <p:nvGrpSpPr>
-        <p:cNvPr id="1" name=""/>
-        <p:cNvGrpSpPr/>
-        <p:nvPr/>
-      </p:nvGrpSpPr>
-      <p:grpSpPr>
-        <a:xfrm>
-          <a:off x="0" y="0"/>
-          <a:ext cx="0" cy="0"/>
-          <a:chOff x="0" y="0"/>
-          <a:chExt cx="0" cy="0"/>
-        </a:xfrm>
-      </p:grpSpPr>
-      <p:sp>
-        <p:nvSpPr>
-          <p:cNvPr id="4" name="Text Box 7"/>
-          <p:cNvSpPr txBox="1">
-            <a:spLocks noChangeArrowheads="1"/>
-          </p:cNvSpPr>
-          <p:nvPr/>
-        </p:nvSpPr>
-        <p:spPr bwMode="auto">
-          <a:xfrm>
-            <a:off x="0" y="-94828"/>
-            <a:ext cx="7380311" cy="6247864"/>
-          </a:xfrm>
-          <a:prstGeom prst="rect">
-            <a:avLst/>
-          </a:prstGeom>
-          <a:ln>
-            <a:headEnd/>
-            <a:tailEnd/>
-          </a:ln>
-        </p:spPr>
-        <p:style>
-          <a:lnRef idx="1">
-            <a:schemeClr val="dk1"/>
-          </a:lnRef>
-          <a:fillRef idx="3">
-            <a:schemeClr val="dk1"/>
-          </a:fillRef>
-          <a:effectRef idx="2">
-            <a:schemeClr val="dk1"/>
-          </a:effectRef>
-          <a:fontRef idx="minor">
-            <a:schemeClr val="lt1"/>
-          </a:fontRef>
-        </p:style>
-        <p:txBody>
-          <a:bodyPr wrap="square">
-            <a:spAutoFit/>
-          </a:bodyPr>
-          <a:lstStyle/>
-          <a:p>
-            <a:pPr>
-              <a:spcBef>
-                <a:spcPct val="50000"/>
-              </a:spcBef>
-            </a:pPr>
-            <a:r>
-              <a:rPr lang="sv-SE" sz="2000" b="1" dirty="0" smtClean="0">
-                <a:solidFill>
-                  <a:srgbClr val="00B0F0"/>
-                </a:solidFill>
-                <a:latin typeface="Courier New" pitchFamily="49" charset="0"/>
-              </a:rPr>
-              <a:t> </a:t>
-            </a:r>
-            <a:br>
-              <a:rPr lang="sv-SE" sz="2000" b="1" dirty="0" smtClean="0">
-                <a:solidFill>
-                  <a:srgbClr val="00B0F0"/>
-                </a:solidFill>
-                <a:latin typeface="Courier New" pitchFamily="49" charset="0"/>
-              </a:rPr>
-            </a:br>
-            <a:r>
-              <a:rPr lang="sv-SE" sz="2000" b="1" dirty="0" err="1" smtClean="0">
-                <a:solidFill>
-                  <a:srgbClr val="00B0F0"/>
-                </a:solidFill>
-                <a:latin typeface="Courier New" pitchFamily="49" charset="0"/>
-              </a:rPr>
-              <a:t>function</a:t>
-            </a:r>
-            <a:r>
-              <a:rPr lang="sv-SE" sz="2000" b="1" dirty="0" smtClean="0">
-                <a:solidFill>
-                  <a:srgbClr val="00B0F0"/>
-                </a:solidFill>
-                <a:latin typeface="Courier New" pitchFamily="49" charset="0"/>
-              </a:rPr>
-              <a:t> Homer(){</a:t>
-            </a:r>
-            <a:br>
-              <a:rPr lang="sv-SE" sz="2000" b="1" dirty="0" smtClean="0">
-                <a:solidFill>
-                  <a:srgbClr val="00B0F0"/>
-                </a:solidFill>
-                <a:latin typeface="Courier New" pitchFamily="49" charset="0"/>
-              </a:rPr>
-            </a:br>
-            <a:r>
-              <a:rPr lang="sv-SE" sz="2000" b="1" dirty="0" smtClean="0">
-                <a:solidFill>
-                  <a:srgbClr val="00B0F0"/>
-                </a:solidFill>
-                <a:latin typeface="Courier New" pitchFamily="49" charset="0"/>
-              </a:rPr>
-              <a:t>    </a:t>
-            </a:r>
-            <a:r>
-              <a:rPr lang="sv-SE" b="1" dirty="0" smtClean="0">
-                <a:solidFill>
-                  <a:srgbClr val="00B0F0"/>
-                </a:solidFill>
-                <a:latin typeface="Courier New" pitchFamily="49" charset="0"/>
-              </a:rPr>
-              <a:t>var </a:t>
-            </a:r>
-            <a:r>
-              <a:rPr lang="sv-SE" b="1" dirty="0" err="1" smtClean="0">
-                <a:solidFill>
-                  <a:srgbClr val="00B0F0"/>
-                </a:solidFill>
-                <a:latin typeface="Courier New" pitchFamily="49" charset="0"/>
-              </a:rPr>
-              <a:t>node</a:t>
-            </a:r>
-            <a:r>
-              <a:rPr lang="sv-SE" b="1" dirty="0" smtClean="0">
-                <a:solidFill>
-                  <a:srgbClr val="00B0F0"/>
-                </a:solidFill>
-                <a:latin typeface="Courier New" pitchFamily="49" charset="0"/>
-              </a:rPr>
-              <a:t> = </a:t>
-            </a:r>
-            <a:r>
-              <a:rPr lang="sv-SE" b="1" dirty="0" err="1" smtClean="0">
-                <a:solidFill>
-                  <a:srgbClr val="00B0F0"/>
-                </a:solidFill>
-                <a:latin typeface="Courier New" pitchFamily="49" charset="0"/>
-              </a:rPr>
-              <a:t>document.getElementById</a:t>
-            </a:r>
-            <a:r>
-              <a:rPr lang="sv-SE" b="1" dirty="0" smtClean="0">
-                <a:solidFill>
-                  <a:srgbClr val="00B0F0"/>
-                </a:solidFill>
-                <a:latin typeface="Courier New" pitchFamily="49" charset="0"/>
-              </a:rPr>
-              <a:t>("</a:t>
-            </a:r>
-            <a:r>
-              <a:rPr lang="sv-SE" b="1" dirty="0" err="1" smtClean="0">
-                <a:solidFill>
-                  <a:srgbClr val="00B0F0"/>
-                </a:solidFill>
-                <a:latin typeface="Courier New" pitchFamily="49" charset="0"/>
-              </a:rPr>
-              <a:t>belly</a:t>
-            </a:r>
-            <a:r>
-              <a:rPr lang="sv-SE" b="1" dirty="0" smtClean="0">
-                <a:solidFill>
-                  <a:srgbClr val="00B0F0"/>
-                </a:solidFill>
-                <a:latin typeface="Courier New" pitchFamily="49" charset="0"/>
-              </a:rPr>
-              <a:t>");</a:t>
-            </a:r>
-            <a:br>
-              <a:rPr lang="sv-SE" b="1" dirty="0" smtClean="0">
-                <a:solidFill>
-                  <a:srgbClr val="00B0F0"/>
-                </a:solidFill>
-                <a:latin typeface="Courier New" pitchFamily="49" charset="0"/>
-              </a:rPr>
-            </a:br>
-            <a:r>
-              <a:rPr lang="sv-SE" sz="2000" b="1" dirty="0" smtClean="0">
-                <a:solidFill>
-                  <a:srgbClr val="00B0F0"/>
-                </a:solidFill>
-                <a:latin typeface="Courier New" pitchFamily="49" charset="0"/>
-              </a:rPr>
-              <a:t>    var </a:t>
-            </a:r>
-            <a:r>
-              <a:rPr lang="sv-SE" sz="2000" b="1" dirty="0" err="1" smtClean="0">
-                <a:solidFill>
-                  <a:srgbClr val="00B0F0"/>
-                </a:solidFill>
-                <a:latin typeface="Courier New" pitchFamily="49" charset="0"/>
-              </a:rPr>
-              <a:t>that</a:t>
-            </a:r>
-            <a:r>
-              <a:rPr lang="sv-SE" sz="2000" b="1" dirty="0" smtClean="0">
-                <a:solidFill>
-                  <a:srgbClr val="00B0F0"/>
-                </a:solidFill>
-                <a:latin typeface="Courier New" pitchFamily="49" charset="0"/>
-              </a:rPr>
-              <a:t> = </a:t>
-            </a:r>
-            <a:r>
-              <a:rPr lang="sv-SE" sz="2000" b="1" dirty="0" err="1" smtClean="0">
-                <a:solidFill>
-                  <a:srgbClr val="00B0F0"/>
-                </a:solidFill>
-                <a:latin typeface="Courier New" pitchFamily="49" charset="0"/>
-              </a:rPr>
-              <a:t>this</a:t>
-            </a:r>
-            <a:r>
-              <a:rPr lang="sv-SE" sz="2000" b="1" dirty="0" smtClean="0">
-                <a:solidFill>
-                  <a:srgbClr val="00B0F0"/>
-                </a:solidFill>
-                <a:latin typeface="Courier New" pitchFamily="49" charset="0"/>
-              </a:rPr>
-              <a:t>; </a:t>
-            </a:r>
-          </a:p>
-          <a:p>
-            <a:pPr>
-              <a:spcBef>
-                <a:spcPct val="50000"/>
-              </a:spcBef>
-            </a:pPr>
-            <a:r>
-              <a:rPr lang="sv-SE" sz="2000" b="1" dirty="0" smtClean="0">
-                <a:solidFill>
-                  <a:srgbClr val="00B0F0"/>
-                </a:solidFill>
-                <a:latin typeface="Courier New" pitchFamily="49" charset="0"/>
-              </a:rPr>
-              <a:t>    // </a:t>
-            </a:r>
-            <a:r>
-              <a:rPr lang="sv-SE" sz="2000" b="1" dirty="0" err="1" smtClean="0">
-                <a:solidFill>
-                  <a:srgbClr val="00B0F0"/>
-                </a:solidFill>
-                <a:latin typeface="Courier New" pitchFamily="49" charset="0"/>
-              </a:rPr>
-              <a:t>this</a:t>
-            </a:r>
-            <a:r>
-              <a:rPr lang="sv-SE" sz="2000" b="1" dirty="0" smtClean="0">
-                <a:solidFill>
-                  <a:srgbClr val="00B0F0"/>
-                </a:solidFill>
-                <a:latin typeface="Courier New" pitchFamily="49" charset="0"/>
-              </a:rPr>
-              <a:t>?  </a:t>
-            </a:r>
-          </a:p>
-          <a:p>
-            <a:pPr>
-              <a:spcBef>
-                <a:spcPct val="50000"/>
-              </a:spcBef>
-            </a:pPr>
-            <a:r>
-              <a:rPr lang="sv-SE" sz="2000" b="1" dirty="0" smtClean="0">
-                <a:solidFill>
-                  <a:srgbClr val="00B0F0"/>
-                </a:solidFill>
-                <a:latin typeface="Courier New" pitchFamily="49" charset="0"/>
-              </a:rPr>
-              <a:t>    </a:t>
-            </a:r>
-            <a:r>
-              <a:rPr lang="sv-SE" sz="2000" b="1" dirty="0" err="1" smtClean="0">
-                <a:solidFill>
-                  <a:srgbClr val="00B0F0"/>
-                </a:solidFill>
-                <a:latin typeface="Courier New" pitchFamily="49" charset="0"/>
-              </a:rPr>
-              <a:t>node.onclick</a:t>
-            </a:r>
-            <a:r>
-              <a:rPr lang="sv-SE" sz="2000" b="1" dirty="0" smtClean="0">
-                <a:solidFill>
-                  <a:srgbClr val="00B0F0"/>
-                </a:solidFill>
-                <a:latin typeface="Courier New" pitchFamily="49" charset="0"/>
-              </a:rPr>
-              <a:t> = </a:t>
-            </a:r>
-            <a:r>
-              <a:rPr lang="sv-SE" sz="2000" b="1" dirty="0" err="1" smtClean="0">
-                <a:solidFill>
-                  <a:srgbClr val="FF0000"/>
-                </a:solidFill>
-                <a:latin typeface="Courier New" pitchFamily="49" charset="0"/>
-              </a:rPr>
-              <a:t>function</a:t>
-            </a:r>
-            <a:r>
-              <a:rPr lang="sv-SE" sz="2000" b="1" dirty="0" smtClean="0">
-                <a:solidFill>
-                  <a:srgbClr val="FF0000"/>
-                </a:solidFill>
-                <a:latin typeface="Courier New" pitchFamily="49" charset="0"/>
-              </a:rPr>
-              <a:t>(){      </a:t>
-            </a:r>
-          </a:p>
-          <a:p>
-            <a:pPr>
-              <a:spcBef>
-                <a:spcPct val="50000"/>
-              </a:spcBef>
-            </a:pPr>
-            <a:r>
-              <a:rPr lang="sv-SE" sz="2000" b="1" dirty="0" smtClean="0">
-                <a:solidFill>
-                  <a:srgbClr val="FF0000"/>
-                </a:solidFill>
-                <a:latin typeface="Courier New" pitchFamily="49" charset="0"/>
-              </a:rPr>
-              <a:t>       // </a:t>
-            </a:r>
-            <a:r>
-              <a:rPr lang="sv-SE" sz="2000" b="1" dirty="0" err="1" smtClean="0">
-                <a:solidFill>
-                  <a:srgbClr val="FF0000"/>
-                </a:solidFill>
-                <a:latin typeface="Courier New" pitchFamily="49" charset="0"/>
-              </a:rPr>
-              <a:t>this</a:t>
-            </a:r>
-            <a:r>
-              <a:rPr lang="sv-SE" sz="2000" b="1" dirty="0" smtClean="0">
-                <a:solidFill>
-                  <a:srgbClr val="FF0000"/>
-                </a:solidFill>
-                <a:latin typeface="Courier New" pitchFamily="49" charset="0"/>
-              </a:rPr>
-              <a:t>?</a:t>
-            </a:r>
-            <a:br>
-              <a:rPr lang="sv-SE" sz="2000" b="1" dirty="0" smtClean="0">
-                <a:solidFill>
-                  <a:srgbClr val="FF0000"/>
-                </a:solidFill>
-                <a:latin typeface="Courier New" pitchFamily="49" charset="0"/>
-              </a:rPr>
-            </a:br>
-            <a:r>
-              <a:rPr lang="sv-SE" sz="2000" b="1" dirty="0" smtClean="0">
-                <a:solidFill>
-                  <a:srgbClr val="FF0000"/>
-                </a:solidFill>
-                <a:latin typeface="Courier New" pitchFamily="49" charset="0"/>
-              </a:rPr>
-              <a:t>       // </a:t>
-            </a:r>
-            <a:r>
-              <a:rPr lang="sv-SE" sz="2000" b="1" dirty="0" err="1" smtClean="0">
-                <a:solidFill>
-                  <a:srgbClr val="FF0000"/>
-                </a:solidFill>
-                <a:latin typeface="Courier New" pitchFamily="49" charset="0"/>
-              </a:rPr>
-              <a:t>that</a:t>
-            </a:r>
-            <a:r>
-              <a:rPr lang="sv-SE" sz="2000" b="1" dirty="0" smtClean="0">
-                <a:solidFill>
-                  <a:srgbClr val="FF0000"/>
-                </a:solidFill>
-                <a:latin typeface="Courier New" pitchFamily="49" charset="0"/>
-              </a:rPr>
-              <a:t>?</a:t>
-            </a:r>
-          </a:p>
-          <a:p>
-            <a:pPr>
-              <a:spcBef>
-                <a:spcPct val="50000"/>
-              </a:spcBef>
-            </a:pPr>
-            <a:r>
-              <a:rPr lang="sv-SE" sz="2000" b="1" dirty="0" smtClean="0">
-                <a:solidFill>
-                  <a:srgbClr val="FF0000"/>
-                </a:solidFill>
-                <a:latin typeface="Courier New" pitchFamily="49" charset="0"/>
-              </a:rPr>
-              <a:t>       </a:t>
-            </a:r>
-            <a:r>
-              <a:rPr lang="sv-SE" sz="2000" b="1" dirty="0" err="1" smtClean="0">
-                <a:solidFill>
-                  <a:srgbClr val="FF0000"/>
-                </a:solidFill>
-                <a:latin typeface="Courier New" pitchFamily="49" charset="0"/>
-              </a:rPr>
-              <a:t>setTimeout</a:t>
-            </a:r>
-            <a:r>
-              <a:rPr lang="sv-SE" sz="2000" b="1" dirty="0" smtClean="0">
-                <a:solidFill>
-                  <a:srgbClr val="FF0000"/>
-                </a:solidFill>
-                <a:latin typeface="Courier New" pitchFamily="49" charset="0"/>
-              </a:rPr>
-              <a:t>(</a:t>
-            </a:r>
-            <a:r>
-              <a:rPr lang="sv-SE" sz="2000" b="1" dirty="0" err="1" smtClean="0">
-                <a:solidFill>
-                  <a:srgbClr val="FFFF00"/>
-                </a:solidFill>
-                <a:latin typeface="Courier New" pitchFamily="49" charset="0"/>
-              </a:rPr>
-              <a:t>function</a:t>
-            </a:r>
-            <a:r>
-              <a:rPr lang="sv-SE" sz="2000" b="1" dirty="0" smtClean="0">
-                <a:solidFill>
-                  <a:srgbClr val="FFFF00"/>
-                </a:solidFill>
-                <a:latin typeface="Courier New" pitchFamily="49" charset="0"/>
-              </a:rPr>
-              <a:t>(){</a:t>
-            </a:r>
-          </a:p>
-          <a:p>
-            <a:pPr>
-              <a:spcBef>
-                <a:spcPct val="50000"/>
-              </a:spcBef>
-            </a:pPr>
-            <a:r>
-              <a:rPr lang="sv-SE" sz="2000" b="1" dirty="0" smtClean="0">
-                <a:solidFill>
-                  <a:srgbClr val="FF0000"/>
-                </a:solidFill>
-                <a:latin typeface="Courier New" pitchFamily="49" charset="0"/>
-              </a:rPr>
-              <a:t>	 </a:t>
-            </a:r>
-            <a:r>
-              <a:rPr lang="sv-SE" sz="2000" b="1" dirty="0" smtClean="0">
-                <a:solidFill>
-                  <a:srgbClr val="FFFF00"/>
-                </a:solidFill>
-                <a:latin typeface="Courier New" pitchFamily="49" charset="0"/>
-              </a:rPr>
-              <a:t>    // </a:t>
-            </a:r>
-            <a:r>
-              <a:rPr lang="sv-SE" sz="2000" b="1" dirty="0" err="1" smtClean="0">
-                <a:solidFill>
-                  <a:srgbClr val="FFFF00"/>
-                </a:solidFill>
-                <a:latin typeface="Courier New" pitchFamily="49" charset="0"/>
-              </a:rPr>
-              <a:t>this</a:t>
-            </a:r>
-            <a:r>
-              <a:rPr lang="sv-SE" sz="2000" b="1" dirty="0" smtClean="0">
-                <a:solidFill>
-                  <a:srgbClr val="FFFF00"/>
-                </a:solidFill>
-                <a:latin typeface="Courier New" pitchFamily="49" charset="0"/>
-              </a:rPr>
-              <a:t>?</a:t>
-            </a:r>
-            <a:br>
-              <a:rPr lang="sv-SE" sz="2000" b="1" dirty="0" smtClean="0">
-                <a:solidFill>
-                  <a:srgbClr val="FFFF00"/>
-                </a:solidFill>
-                <a:latin typeface="Courier New" pitchFamily="49" charset="0"/>
-              </a:rPr>
-            </a:br>
-            <a:r>
-              <a:rPr lang="sv-SE" sz="2000" b="1" dirty="0" smtClean="0">
-                <a:solidFill>
-                  <a:srgbClr val="FFFF00"/>
-                </a:solidFill>
-                <a:latin typeface="Courier New" pitchFamily="49" charset="0"/>
-              </a:rPr>
-              <a:t>           // </a:t>
-            </a:r>
-            <a:r>
-              <a:rPr lang="sv-SE" sz="2000" b="1" dirty="0" err="1" smtClean="0">
-                <a:solidFill>
-                  <a:srgbClr val="FFFF00"/>
-                </a:solidFill>
-                <a:latin typeface="Courier New" pitchFamily="49" charset="0"/>
-              </a:rPr>
-              <a:t>that</a:t>
-            </a:r>
-            <a:r>
-              <a:rPr lang="sv-SE" sz="2000" b="1" dirty="0" smtClean="0">
-                <a:solidFill>
-                  <a:srgbClr val="FFFF00"/>
-                </a:solidFill>
-                <a:latin typeface="Courier New" pitchFamily="49" charset="0"/>
-              </a:rPr>
-              <a:t>?</a:t>
-            </a:r>
-            <a:br>
-              <a:rPr lang="sv-SE" sz="2000" b="1" dirty="0" smtClean="0">
-                <a:solidFill>
-                  <a:srgbClr val="FFFF00"/>
-                </a:solidFill>
-                <a:latin typeface="Courier New" pitchFamily="49" charset="0"/>
-              </a:rPr>
-            </a:br>
-            <a:r>
-              <a:rPr lang="sv-SE" sz="2000" b="1" dirty="0" smtClean="0">
-                <a:solidFill>
-                  <a:srgbClr val="FFFF00"/>
-                </a:solidFill>
-                <a:latin typeface="Courier New" pitchFamily="49" charset="0"/>
-              </a:rPr>
-              <a:t> 	 }</a:t>
-            </a:r>
-            <a:r>
-              <a:rPr lang="sv-SE" sz="2000" b="1" dirty="0" smtClean="0">
-                <a:solidFill>
-                  <a:srgbClr val="FF0000"/>
-                </a:solidFill>
-                <a:latin typeface="Courier New" pitchFamily="49" charset="0"/>
-              </a:rPr>
-              <a:t>, 1000);</a:t>
-            </a:r>
-            <a:br>
-              <a:rPr lang="sv-SE" sz="2000" b="1" dirty="0" smtClean="0">
-                <a:solidFill>
-                  <a:srgbClr val="FF0000"/>
-                </a:solidFill>
-                <a:latin typeface="Courier New" pitchFamily="49" charset="0"/>
-              </a:rPr>
-            </a:br>
-            <a:r>
-              <a:rPr lang="sv-SE" sz="2000" b="1" dirty="0" smtClean="0">
-                <a:latin typeface="Courier New" pitchFamily="49" charset="0"/>
-              </a:rPr>
-              <a:t>    </a:t>
-            </a:r>
-            <a:r>
-              <a:rPr lang="sv-SE" sz="2000" b="1" dirty="0" smtClean="0">
-                <a:solidFill>
-                  <a:srgbClr val="FF0000"/>
-                </a:solidFill>
-                <a:latin typeface="Courier New" pitchFamily="49" charset="0"/>
-              </a:rPr>
-              <a:t>};</a:t>
-            </a:r>
-            <a:br>
-              <a:rPr lang="sv-SE" sz="2000" b="1" dirty="0" smtClean="0">
-                <a:solidFill>
-                  <a:srgbClr val="FF0000"/>
-                </a:solidFill>
-                <a:latin typeface="Courier New" pitchFamily="49" charset="0"/>
-              </a:rPr>
-            </a:br>
-            <a:r>
-              <a:rPr lang="sv-SE" sz="2000" b="1" dirty="0" smtClean="0">
-                <a:solidFill>
-                  <a:srgbClr val="00B0F0"/>
-                </a:solidFill>
-                <a:latin typeface="Courier New" pitchFamily="49" charset="0"/>
-              </a:rPr>
-              <a:t>}</a:t>
-            </a:r>
-            <a:br>
-              <a:rPr lang="sv-SE" sz="2000" b="1" dirty="0" smtClean="0">
-                <a:solidFill>
-                  <a:srgbClr val="00B0F0"/>
-                </a:solidFill>
-                <a:latin typeface="Courier New" pitchFamily="49" charset="0"/>
-              </a:rPr>
-            </a:br>
-            <a:r>
-              <a:rPr lang="sv-SE" sz="2000" b="1" dirty="0" smtClean="0">
-                <a:solidFill>
-                  <a:srgbClr val="00B050"/>
-                </a:solidFill>
-                <a:latin typeface="Courier New" pitchFamily="49" charset="0"/>
-              </a:rPr>
-              <a:t>var h1 = new Homer();</a:t>
-            </a:r>
-            <a:r>
-              <a:rPr lang="sv-SE" sz="2000" b="1" dirty="0">
-                <a:solidFill>
-                  <a:srgbClr val="00B050"/>
-                </a:solidFill>
-                <a:latin typeface="Courier New" pitchFamily="49" charset="0"/>
-              </a:rPr>
-              <a:t/>
-            </a:r>
-            <a:br>
-              <a:rPr lang="sv-SE" sz="2000" b="1" dirty="0">
-                <a:solidFill>
-                  <a:srgbClr val="00B050"/>
-                </a:solidFill>
-                <a:latin typeface="Courier New" pitchFamily="49" charset="0"/>
-              </a:rPr>
-            </a:br>
-            <a:r>
-              <a:rPr lang="sv-SE" sz="2000" b="1" dirty="0">
-                <a:solidFill>
-                  <a:srgbClr val="00B050"/>
-                </a:solidFill>
-                <a:latin typeface="Courier New" pitchFamily="49" charset="0"/>
-              </a:rPr>
-              <a:t>var </a:t>
-            </a:r>
-            <a:r>
-              <a:rPr lang="sv-SE" sz="2000" b="1" dirty="0" smtClean="0">
-                <a:solidFill>
-                  <a:srgbClr val="00B050"/>
-                </a:solidFill>
-                <a:latin typeface="Courier New" pitchFamily="49" charset="0"/>
-              </a:rPr>
-              <a:t>h2 </a:t>
-            </a:r>
-            <a:r>
-              <a:rPr lang="sv-SE" sz="2000" b="1" dirty="0">
-                <a:solidFill>
-                  <a:srgbClr val="00B050"/>
-                </a:solidFill>
-                <a:latin typeface="Courier New" pitchFamily="49" charset="0"/>
-              </a:rPr>
-              <a:t>= new Homer();</a:t>
-            </a:r>
-            <a:endParaRPr lang="sv-SE" sz="2000" b="1" dirty="0" smtClean="0">
-              <a:solidFill>
-                <a:srgbClr val="00B050"/>
-              </a:solidFill>
-              <a:latin typeface="Courier New" pitchFamily="49" charset="0"/>
-            </a:endParaRPr>
-          </a:p>
-          <a:p>
-            <a:pPr>
-              <a:spcBef>
-                <a:spcPct val="50000"/>
-              </a:spcBef>
-            </a:pPr>
-            <a:endParaRPr lang="sv-SE" sz="2000" b="1" dirty="0">
-              <a:solidFill>
-                <a:srgbClr val="00B050"/>
-              </a:solidFill>
-              <a:latin typeface="Courier New" pitchFamily="49" charset="0"/>
-            </a:endParaRPr>
-          </a:p>
-        </p:txBody>
-      </p:sp>
-      <p:sp>
-        <p:nvSpPr>
-          <p:cNvPr id="6" name="TextBox 5"/>
-          <p:cNvSpPr txBox="1"/>
-          <p:nvPr/>
-        </p:nvSpPr>
-        <p:spPr>
-          <a:xfrm>
-            <a:off x="7462280" y="985292"/>
-            <a:ext cx="1430200" cy="1200329"/>
-          </a:xfrm>
-          <a:prstGeom prst="rect">
-            <a:avLst/>
-          </a:prstGeom>
-          <a:noFill/>
-        </p:spPr>
-        <p:txBody>
-          <a:bodyPr wrap="none" rtlCol="0">
-            <a:spAutoFit/>
-          </a:bodyPr>
-          <a:lstStyle/>
-          <a:p>
-            <a:r>
-              <a:rPr lang="sv-SE" sz="3600" b="1" dirty="0" err="1" smtClean="0">
-                <a:latin typeface="Minya Nouvelle" pitchFamily="2" charset="0"/>
-              </a:rPr>
-              <a:t>This</a:t>
-            </a:r>
-            <a:r>
-              <a:rPr lang="sv-SE" sz="3600" b="1" dirty="0" smtClean="0">
-                <a:latin typeface="Minya Nouvelle" pitchFamily="2" charset="0"/>
-              </a:rPr>
-              <a:t>?</a:t>
-            </a:r>
-          </a:p>
-          <a:p>
-            <a:r>
-              <a:rPr lang="sv-SE" sz="3600" b="1" dirty="0" err="1" smtClean="0">
-                <a:latin typeface="Minya Nouvelle" pitchFamily="2" charset="0"/>
-              </a:rPr>
-              <a:t>That</a:t>
-            </a:r>
-            <a:r>
-              <a:rPr lang="sv-SE" sz="3600" b="1" dirty="0" smtClean="0">
-                <a:latin typeface="Minya Nouvelle" pitchFamily="2" charset="0"/>
-              </a:rPr>
-              <a:t>?</a:t>
-            </a:r>
-          </a:p>
-        </p:txBody>
-      </p:sp>
-      <p:pic>
-        <p:nvPicPr>
-          <p:cNvPr id="8194" name="Picture 2" descr="P:\Icons\48x48\shadow\graph_edge_directed.png"/>
-          <p:cNvPicPr>
-            <a:picLocks noChangeAspect="1" noChangeArrowheads="1"/>
-          </p:cNvPicPr>
-          <p:nvPr/>
-        </p:nvPicPr>
-        <p:blipFill>
-          <a:blip r:embed="rId2">
-            <a:extLst>
-              <a:ext uri="{28A0092B-C50C-407E-A947-70E740481C1C}">
-                <a14:useLocalDpi xmlns:a14="http://schemas.microsoft.com/office/drawing/2010/main" val="0"/>
-              </a:ext>
-            </a:extLst>
-          </a:blip>
-          <a:srcRect/>
-          <a:stretch>
-            <a:fillRect/>
-          </a:stretch>
-        </p:blipFill>
-        <p:spPr bwMode="auto">
-          <a:xfrm>
-            <a:off x="8172400" y="295747"/>
-            <a:ext cx="617538" cy="617537"/>
-          </a:xfrm>
-          <a:prstGeom prst="rect">
-            <a:avLst/>
-          </a:prstGeom>
-          <a:noFill/>
-          <a:extLst>
-            <a:ext uri="{909E8E84-426E-40dd-AFC4-6F175D3DCCD1}">
-              <a14:hiddenFill xmlns:a14="http://schemas.microsoft.com/office/drawing/2010/main">
-                <a:solidFill>
-                  <a:srgbClr val="FFFFFF"/>
-                </a:solidFill>
-              </a14:hiddenFill>
-            </a:ext>
-          </a:extLst>
-        </p:spPr>
-      </p:pic>
-    </p:spTree>
-    <p:extLst>
-      <p:ext uri="{BB962C8B-B14F-4D97-AF65-F5344CB8AC3E}">
-        <p14:creationId xmlns:p14="http://schemas.microsoft.com/office/powerpoint/2010/main" val="1756645078"/>
-      </p:ext>
-    </p:extLst>
-  </p:cSld>
-  <p:clrMapOvr>
-    <a:masterClrMapping/>
-  </p:clrMapOvr>
-  <p:timing>
-    <p:tnLst>
-      <p:par>
-        <p:cTn xmlns:p14="http://schemas.microsoft.com/office/powerpoint/2010/main" id="1" dur="indefinite" restart="never" nodeType="tmRoot"/>
-      </p:par>
-    </p:tnLst>
-  </p:timing>
-</p:sld>
-</file>
-
-<file path=ppt/slides/slide19.xml><?xml version="1.0" encoding="utf-8"?>
-<p:sld xmlns:a="http://schemas.openxmlformats.org/drawingml/2006/main" xmlns:r="http://schemas.openxmlformats.org/officeDocument/2006/relationships" xmlns:p="http://schemas.openxmlformats.org/presentationml/2006/main">
-  <p:cSld>
-    <p:spTree>
-      <p:nvGrpSpPr>
-        <p:cNvPr id="1" name=""/>
-        <p:cNvGrpSpPr/>
-        <p:nvPr/>
-      </p:nvGrpSpPr>
-      <p:grpSpPr>
-        <a:xfrm>
-          <a:off x="0" y="0"/>
-          <a:ext cx="0" cy="0"/>
-          <a:chOff x="0" y="0"/>
-          <a:chExt cx="0" cy="0"/>
-        </a:xfrm>
-      </p:grpSpPr>
-      <p:sp>
-        <p:nvSpPr>
-          <p:cNvPr id="4" name="Subtitle 3"/>
-          <p:cNvSpPr>
-            <a:spLocks noGrp="1"/>
-          </p:cNvSpPr>
-          <p:nvPr>
-            <p:ph type="subTitle" idx="1"/>
-          </p:nvPr>
-        </p:nvSpPr>
-        <p:spPr>
-          <a:xfrm>
-            <a:off x="179512" y="1829048"/>
-            <a:ext cx="4501734" cy="1460500"/>
-          </a:xfrm>
-        </p:spPr>
-        <p:txBody>
-          <a:bodyPr/>
-          <a:lstStyle/>
-          <a:p>
-            <a:r>
-              <a:rPr lang="en-US" b="1" dirty="0"/>
-              <a:t>Douglas </a:t>
-            </a:r>
-            <a:r>
-              <a:rPr lang="en-US" b="1" dirty="0" err="1"/>
-              <a:t>Crockford</a:t>
-            </a:r>
-            <a:r>
-              <a:rPr lang="en-US" b="1" dirty="0"/>
-              <a:t> can travel back in time with a negative </a:t>
-            </a:r>
-            <a:r>
-              <a:rPr lang="en-US" b="1" dirty="0" err="1"/>
-              <a:t>setTimeout</a:t>
-            </a:r>
-            <a:endParaRPr lang="sv-SE" b="1" dirty="0"/>
-          </a:p>
-        </p:txBody>
-      </p:sp>
-      <p:pic>
-        <p:nvPicPr>
-          <p:cNvPr id="3074" name="Picture 2" descr="http://crockfordfacts.com/crockford.jpg"/>
-          <p:cNvPicPr>
-            <a:picLocks noChangeAspect="1" noChangeArrowheads="1"/>
-          </p:cNvPicPr>
-          <p:nvPr/>
-        </p:nvPicPr>
-        <p:blipFill>
-          <a:blip r:embed="rId2">
-            <a:extLst>
-              <a:ext uri="{28A0092B-C50C-407E-A947-70E740481C1C}">
-                <a14:useLocalDpi xmlns:a14="http://schemas.microsoft.com/office/drawing/2010/main" val="0"/>
-              </a:ext>
-            </a:extLst>
-          </a:blip>
-          <a:srcRect/>
-          <a:stretch>
-            <a:fillRect/>
-          </a:stretch>
-        </p:blipFill>
-        <p:spPr bwMode="auto">
-          <a:xfrm>
-            <a:off x="4864668" y="300612"/>
-            <a:ext cx="3955804" cy="5149175"/>
-          </a:xfrm>
-          <a:prstGeom prst="rect">
-            <a:avLst/>
-          </a:prstGeom>
-          <a:noFill/>
-          <a:extLst>
-            <a:ext uri="{909E8E84-426E-40dd-AFC4-6F175D3DCCD1}">
-              <a14:hiddenFill xmlns:a14="http://schemas.microsoft.com/office/drawing/2010/main">
-                <a:solidFill>
-                  <a:srgbClr val="FFFFFF"/>
-                </a:solidFill>
-              </a14:hiddenFill>
-            </a:ext>
-          </a:extLst>
-        </p:spPr>
-      </p:pic>
-      <p:sp>
-        <p:nvSpPr>
-          <p:cNvPr id="5" name="TextBox 4"/>
-          <p:cNvSpPr txBox="1"/>
-          <p:nvPr/>
-        </p:nvSpPr>
-        <p:spPr>
-          <a:xfrm>
-            <a:off x="179512" y="5224472"/>
-            <a:ext cx="4532010" cy="369332"/>
-          </a:xfrm>
-          <a:prstGeom prst="rect">
-            <a:avLst/>
-          </a:prstGeom>
-          <a:noFill/>
-        </p:spPr>
-        <p:txBody>
-          <a:bodyPr wrap="none" rtlCol="0">
-            <a:spAutoFit/>
-          </a:bodyPr>
-          <a:lstStyle/>
-          <a:p>
-            <a:r>
-              <a:rPr lang="sv-SE" dirty="0">
-                <a:latin typeface="Minya Nouvelle" pitchFamily="2" charset="0"/>
-              </a:rPr>
-              <a:t>Källa: http://twitter.com/crockfordfacts</a:t>
-            </a:r>
-          </a:p>
-        </p:txBody>
-      </p:sp>
-    </p:spTree>
-    <p:extLst>
-      <p:ext uri="{BB962C8B-B14F-4D97-AF65-F5344CB8AC3E}">
-        <p14:creationId xmlns:p14="http://schemas.microsoft.com/office/powerpoint/2010/main" val="1447330549"/>
-      </p:ext>
-    </p:extLst>
-  </p:cSld>
-  <p:clrMapOvr>
-    <a:masterClrMapping/>
-  </p:clrMapOvr>
-  <p:timing>
-    <p:tnLst>
-      <p:par>
-        <p:cTn xmlns:p14="http://schemas.microsoft.com/office/powerpoint/2010/main" id="1" dur="indefinite" restart="never" nodeType="tmRoot"/>
-      </p:par>
-    </p:tnLst>
-  </p:timing>
-</p:sld>
-</file>
-
-<file path=ppt/slides/slide2.xml><?xml version="1.0" encoding="utf-8"?>
-<p:sld xmlns:a="http://schemas.openxmlformats.org/drawingml/2006/main" xmlns:r="http://schemas.openxmlformats.org/officeDocument/2006/relationships" xmlns:p="http://schemas.openxmlformats.org/presentationml/2006/main">
-  <p:cSld>
-    <p:spTree>
-      <p:nvGrpSpPr>
-        <p:cNvPr id="1" name=""/>
-        <p:cNvGrpSpPr/>
-        <p:nvPr/>
-      </p:nvGrpSpPr>
-      <p:grpSpPr>
-        <a:xfrm>
-          <a:off x="0" y="0"/>
-          <a:ext cx="0" cy="0"/>
-          <a:chOff x="0" y="0"/>
-          <a:chExt cx="0" cy="0"/>
-        </a:xfrm>
-      </p:grpSpPr>
-      <p:sp>
-        <p:nvSpPr>
-          <p:cNvPr id="2" name="Title 1"/>
-          <p:cNvSpPr>
-            <a:spLocks noGrp="1"/>
-          </p:cNvSpPr>
-          <p:nvPr>
-            <p:ph type="ctrTitle"/>
-          </p:nvPr>
-        </p:nvSpPr>
-        <p:spPr/>
-        <p:txBody>
-          <a:bodyPr/>
-          <a:lstStyle/>
-          <a:p>
-            <a:r>
-              <a:rPr lang="sv-SE" sz="2800" dirty="0" smtClean="0"/>
-              <a:t>E08 - </a:t>
-            </a:r>
-            <a:r>
-              <a:rPr lang="en-US" sz="2800"/>
-              <a:t>Once Upon a Time in Springfield</a:t>
-            </a:r>
-            <a:endParaRPr lang="sv-SE" sz="1800" dirty="0"/>
-          </a:p>
-        </p:txBody>
-      </p:sp>
-      <p:sp>
-        <p:nvSpPr>
-          <p:cNvPr id="4" name="TextBox 3"/>
-          <p:cNvSpPr txBox="1"/>
-          <p:nvPr/>
-        </p:nvSpPr>
-        <p:spPr>
-          <a:xfrm>
-            <a:off x="1403648" y="1378601"/>
-            <a:ext cx="3567515" cy="5386090"/>
-          </a:xfrm>
-          <a:prstGeom prst="rect">
-            <a:avLst/>
-          </a:prstGeom>
-          <a:noFill/>
-        </p:spPr>
-        <p:txBody>
-          <a:bodyPr wrap="none" rtlCol="0">
-            <a:spAutoFit/>
-          </a:bodyPr>
-          <a:lstStyle/>
-          <a:p>
-            <a:r>
-              <a:rPr lang="sv-SE" sz="2800" b="1" dirty="0" smtClean="0">
-                <a:latin typeface="Minya Nouvelle" pitchFamily="2" charset="0"/>
-              </a:rPr>
-              <a:t>Dagens agenda</a:t>
-            </a:r>
-          </a:p>
-          <a:p>
-            <a:endParaRPr lang="sv-SE" sz="2800" dirty="0" smtClean="0">
-              <a:latin typeface="Minya Nouvelle" pitchFamily="2" charset="0"/>
-            </a:endParaRPr>
-          </a:p>
-          <a:p>
-            <a:pPr marL="285750" indent="-285750">
-              <a:buFont typeface="Arial" charset="0"/>
-              <a:buChar char="•"/>
-            </a:pPr>
-            <a:r>
-              <a:rPr lang="sv-SE" dirty="0" err="1" smtClean="0">
-                <a:latin typeface="Minya Nouvelle" pitchFamily="2" charset="0"/>
-              </a:rPr>
-              <a:t>Konsollen</a:t>
-            </a:r>
-            <a:endParaRPr lang="sv-SE" dirty="0" smtClean="0">
-              <a:latin typeface="Minya Nouvelle" pitchFamily="2" charset="0"/>
-            </a:endParaRPr>
-          </a:p>
-          <a:p>
-            <a:pPr marL="285750" indent="-285750">
-              <a:buFont typeface="Arial" charset="0"/>
-              <a:buChar char="•"/>
-            </a:pPr>
-            <a:r>
-              <a:rPr lang="sv-SE" dirty="0" err="1" smtClean="0">
-                <a:latin typeface="Minya Nouvelle" pitchFamily="2" charset="0"/>
-              </a:rPr>
-              <a:t>Debuggern</a:t>
-            </a:r>
-            <a:endParaRPr lang="sv-SE" dirty="0" smtClean="0">
-              <a:latin typeface="Minya Nouvelle" pitchFamily="2" charset="0"/>
-            </a:endParaRPr>
-          </a:p>
-          <a:p>
-            <a:pPr marL="285750" indent="-285750">
-              <a:buFont typeface="Arial" charset="0"/>
-              <a:buChar char="•"/>
-            </a:pPr>
-            <a:r>
-              <a:rPr lang="sv-SE" dirty="0" smtClean="0">
-                <a:latin typeface="Minya Nouvelle" pitchFamily="2" charset="0"/>
-              </a:rPr>
-              <a:t>Logga felmeddelanden</a:t>
-            </a:r>
-          </a:p>
-          <a:p>
-            <a:pPr marL="285750" indent="-285750">
-              <a:buFont typeface="Arial" charset="0"/>
-              <a:buChar char="•"/>
-            </a:pPr>
-            <a:r>
-              <a:rPr lang="sv-SE" dirty="0" smtClean="0">
-                <a:latin typeface="Minya Nouvelle" pitchFamily="2" charset="0"/>
-              </a:rPr>
-              <a:t>BOM (Browser Objekt </a:t>
-            </a:r>
-            <a:r>
-              <a:rPr lang="sv-SE" dirty="0" err="1" smtClean="0">
-                <a:latin typeface="Minya Nouvelle" pitchFamily="2" charset="0"/>
-              </a:rPr>
-              <a:t>Model</a:t>
-            </a:r>
-            <a:r>
-              <a:rPr lang="sv-SE" dirty="0" smtClean="0">
-                <a:latin typeface="Minya Nouvelle" pitchFamily="2" charset="0"/>
-              </a:rPr>
-              <a:t>)</a:t>
-            </a:r>
-          </a:p>
-          <a:p>
-            <a:pPr marL="285750" indent="-285750">
-              <a:buFont typeface="Arial" charset="0"/>
-              <a:buChar char="•"/>
-            </a:pPr>
-            <a:r>
-              <a:rPr lang="sv-SE" dirty="0" err="1" smtClean="0">
-                <a:latin typeface="Minya Nouvelle" pitchFamily="2" charset="0"/>
-              </a:rPr>
-              <a:t>window</a:t>
-            </a:r>
-            <a:r>
-              <a:rPr lang="sv-SE" dirty="0" smtClean="0">
-                <a:latin typeface="Minya Nouvelle" pitchFamily="2" charset="0"/>
-              </a:rPr>
-              <a:t>-objektet</a:t>
-            </a:r>
-          </a:p>
-          <a:p>
-            <a:pPr marL="285750" indent="-285750">
-              <a:buFont typeface="Arial" charset="0"/>
-              <a:buChar char="•"/>
-            </a:pPr>
-            <a:r>
-              <a:rPr lang="sv-SE" dirty="0" smtClean="0">
-                <a:latin typeface="Minya Nouvelle" pitchFamily="2" charset="0"/>
-              </a:rPr>
-              <a:t>Timers</a:t>
-            </a:r>
-          </a:p>
-          <a:p>
-            <a:pPr marL="285750" indent="-285750">
-              <a:buFont typeface="Arial" charset="0"/>
-              <a:buChar char="•"/>
-            </a:pPr>
-            <a:r>
-              <a:rPr lang="sv-SE" dirty="0" smtClean="0">
-                <a:latin typeface="Minya Nouvelle" pitchFamily="2" charset="0"/>
-              </a:rPr>
-              <a:t>Intervall</a:t>
-            </a:r>
-          </a:p>
-          <a:p>
-            <a:pPr marL="285750" indent="-285750">
-              <a:buFont typeface="Arial" charset="0"/>
-              <a:buChar char="•"/>
-            </a:pPr>
-            <a:r>
-              <a:rPr lang="sv-SE" dirty="0" err="1" smtClean="0">
-                <a:latin typeface="Minya Nouvelle" pitchFamily="2" charset="0"/>
-              </a:rPr>
-              <a:t>This</a:t>
-            </a:r>
-            <a:r>
-              <a:rPr lang="sv-SE" dirty="0" smtClean="0">
-                <a:latin typeface="Minya Nouvelle" pitchFamily="2" charset="0"/>
-              </a:rPr>
-              <a:t>, </a:t>
-            </a:r>
-            <a:r>
-              <a:rPr lang="sv-SE" dirty="0" err="1" smtClean="0">
-                <a:latin typeface="Minya Nouvelle" pitchFamily="2" charset="0"/>
-              </a:rPr>
-              <a:t>that</a:t>
-            </a:r>
-            <a:r>
-              <a:rPr lang="sv-SE" dirty="0" smtClean="0">
-                <a:latin typeface="Minya Nouvelle" pitchFamily="2" charset="0"/>
-              </a:rPr>
-              <a:t>?</a:t>
-            </a:r>
-          </a:p>
-          <a:p>
-            <a:pPr marL="285750" indent="-285750">
-              <a:buFont typeface="Arial" charset="0"/>
-              <a:buChar char="•"/>
-            </a:pPr>
-            <a:endParaRPr lang="sv-SE" dirty="0" smtClean="0">
-              <a:latin typeface="Minya Nouvelle" pitchFamily="2" charset="0"/>
-            </a:endParaRPr>
-          </a:p>
-          <a:p>
-            <a:pPr marL="285750" indent="-285750">
-              <a:buFont typeface="Arial" charset="0"/>
-              <a:buChar char="•"/>
-            </a:pPr>
-            <a:endParaRPr lang="sv-SE" dirty="0" smtClean="0">
-              <a:latin typeface="Minya Nouvelle" pitchFamily="2" charset="0"/>
-            </a:endParaRPr>
-          </a:p>
-          <a:p>
-            <a:pPr marL="285750" indent="-285750">
-              <a:buFont typeface="Arial" charset="0"/>
-              <a:buChar char="•"/>
-            </a:pPr>
-            <a:endParaRPr lang="sv-SE" dirty="0" smtClean="0">
-              <a:latin typeface="Minya Nouvelle" pitchFamily="2" charset="0"/>
-            </a:endParaRPr>
-          </a:p>
-          <a:p>
-            <a:pPr marL="285750" indent="-285750">
-              <a:buFont typeface="Arial" charset="0"/>
-              <a:buChar char="•"/>
-            </a:pPr>
-            <a:endParaRPr lang="sv-SE" dirty="0" smtClean="0">
-              <a:latin typeface="Minya Nouvelle" pitchFamily="2" charset="0"/>
-            </a:endParaRPr>
-          </a:p>
-          <a:p>
-            <a:pPr marL="285750" indent="-285750">
-              <a:buFont typeface="Arial" charset="0"/>
-              <a:buChar char="•"/>
-            </a:pPr>
-            <a:endParaRPr lang="sv-SE" dirty="0" smtClean="0">
-              <a:latin typeface="Minya Nouvelle" pitchFamily="2" charset="0"/>
-            </a:endParaRPr>
-          </a:p>
-          <a:p>
-            <a:pPr marL="285750" indent="-285750">
-              <a:buFont typeface="Arial" charset="0"/>
-              <a:buChar char="•"/>
-            </a:pPr>
-            <a:endParaRPr lang="sv-SE" dirty="0" smtClean="0">
-              <a:latin typeface="Minya Nouvelle" pitchFamily="2" charset="0"/>
-            </a:endParaRPr>
-          </a:p>
-          <a:p>
-            <a:pPr marL="285750" indent="-285750">
-              <a:buFont typeface="Arial" charset="0"/>
-              <a:buChar char="•"/>
-            </a:pPr>
-            <a:endParaRPr lang="sv-SE" dirty="0" smtClean="0">
-              <a:latin typeface="Minya Nouvelle" pitchFamily="2" charset="0"/>
-            </a:endParaRPr>
-          </a:p>
-          <a:p>
-            <a:pPr marL="285750" indent="-285750">
-              <a:buFont typeface="Arial" charset="0"/>
-              <a:buChar char="•"/>
-            </a:pPr>
-            <a:endParaRPr lang="sv-SE" dirty="0" smtClean="0">
-              <a:latin typeface="Minya Nouvelle" pitchFamily="2" charset="0"/>
-            </a:endParaRPr>
-          </a:p>
-        </p:txBody>
-      </p:sp>
-      <p:pic>
-        <p:nvPicPr>
-          <p:cNvPr id="5" name="Picture 2" descr="P:\Icons\128x128\shadow\scroll_preferences.png"/>
-          <p:cNvPicPr>
-            <a:picLocks noChangeAspect="1" noChangeArrowheads="1"/>
-          </p:cNvPicPr>
-          <p:nvPr/>
-        </p:nvPicPr>
-        <p:blipFill>
-          <a:blip r:embed="rId2">
-            <a:extLst>
-              <a:ext uri="{28A0092B-C50C-407E-A947-70E740481C1C}">
-                <a14:useLocalDpi xmlns:a14="http://schemas.microsoft.com/office/drawing/2010/main" val="0"/>
-              </a:ext>
-            </a:extLst>
-          </a:blip>
-          <a:srcRect/>
-          <a:stretch>
-            <a:fillRect/>
-          </a:stretch>
-        </p:blipFill>
-        <p:spPr bwMode="auto">
-          <a:xfrm>
-            <a:off x="7092280" y="500856"/>
-            <a:ext cx="1646237" cy="1646238"/>
-          </a:xfrm>
-          <a:prstGeom prst="rect">
-            <a:avLst/>
-          </a:prstGeom>
-          <a:noFill/>
-          <a:extLst>
-            <a:ext uri="{909E8E84-426E-40dd-AFC4-6F175D3DCCD1}">
-              <a14:hiddenFill xmlns:a14="http://schemas.microsoft.com/office/drawing/2010/main">
-                <a:solidFill>
-                  <a:srgbClr val="FFFFFF"/>
-                </a:solidFill>
-              </a14:hiddenFill>
-            </a:ext>
-          </a:extLst>
-        </p:spPr>
-      </p:pic>
-    </p:spTree>
-  </p:cSld>
-  <p:clrMapOvr>
-    <a:masterClrMapping/>
-  </p:clrMapOvr>
-  <p:timing>
-    <p:tnLst>
-      <p:par>
-        <p:cTn xmlns:p14="http://schemas.microsoft.com/office/powerpoint/2010/main" id="1" dur="indefinite" restart="never" nodeType="tmRoot"/>
-      </p:par>
-    </p:tnLst>
-  </p:timing>
-</p:sld>
-</file>
-
-<file path=ppt/slides/slide3.xml><?xml version="1.0" encoding="utf-8"?>
-<p:sld xmlns:a="http://schemas.openxmlformats.org/drawingml/2006/main" xmlns:r="http://schemas.openxmlformats.org/officeDocument/2006/relationships" xmlns:p="http://schemas.openxmlformats.org/presentationml/2006/main">
-  <p:cSld>
-    <p:spTree>
-      <p:nvGrpSpPr>
-        <p:cNvPr id="1" name=""/>
-        <p:cNvGrpSpPr/>
-        <p:nvPr/>
-      </p:nvGrpSpPr>
-      <p:grpSpPr>
-        <a:xfrm>
-          <a:off x="0" y="0"/>
-          <a:ext cx="0" cy="0"/>
-          <a:chOff x="0" y="0"/>
-          <a:chExt cx="0" cy="0"/>
-        </a:xfrm>
-      </p:grpSpPr>
-      <p:sp>
-        <p:nvSpPr>
-          <p:cNvPr id="2" name="Title 1"/>
-          <p:cNvSpPr>
-            <a:spLocks noGrp="1"/>
-          </p:cNvSpPr>
-          <p:nvPr>
-            <p:ph type="ctrTitle"/>
-          </p:nvPr>
-        </p:nvSpPr>
-        <p:spPr/>
-        <p:txBody>
-          <a:bodyPr/>
-          <a:lstStyle/>
-          <a:p>
-            <a:r>
-              <a:rPr lang="sv-SE" dirty="0" err="1" smtClean="0"/>
-              <a:t>Developer</a:t>
-            </a:r>
-            <a:r>
-              <a:rPr lang="sv-SE" dirty="0" smtClean="0"/>
-              <a:t> </a:t>
-            </a:r>
-            <a:r>
-              <a:rPr lang="sv-SE" dirty="0" err="1" smtClean="0"/>
-              <a:t>tools</a:t>
-            </a:r>
-            <a:endParaRPr lang="sv-SE" dirty="0"/>
-          </a:p>
-        </p:txBody>
-      </p:sp>
-      <p:pic>
-        <p:nvPicPr>
-          <p:cNvPr id="4" name="Picture 2"/>
-          <p:cNvPicPr>
-            <a:picLocks noChangeAspect="1" noChangeArrowheads="1"/>
-          </p:cNvPicPr>
-          <p:nvPr/>
-        </p:nvPicPr>
-        <p:blipFill>
-          <a:blip r:embed="rId2" cstate="print"/>
-          <a:srcRect/>
-          <a:stretch>
-            <a:fillRect/>
-          </a:stretch>
-        </p:blipFill>
-        <p:spPr bwMode="auto">
-          <a:xfrm>
-            <a:off x="1619672" y="1122850"/>
-            <a:ext cx="6219373" cy="4332210"/>
-          </a:xfrm>
-          <a:prstGeom prst="rect">
-            <a:avLst/>
-          </a:prstGeom>
-          <a:noFill/>
-          <a:ln w="9525">
-            <a:noFill/>
-            <a:miter lim="800000"/>
-            <a:headEnd/>
-            <a:tailEnd/>
-          </a:ln>
-        </p:spPr>
-      </p:pic>
-      <p:pic>
-        <p:nvPicPr>
-          <p:cNvPr id="4106" name="Picture 10" descr="http://www.favbrowser.com/wp-content/uploads/2010/08/internetexplorer7logo.png"/>
-          <p:cNvPicPr>
-            <a:picLocks noChangeAspect="1" noChangeArrowheads="1"/>
-          </p:cNvPicPr>
-          <p:nvPr/>
-        </p:nvPicPr>
-        <p:blipFill>
-          <a:blip r:embed="rId3">
-            <a:extLst>
-              <a:ext uri="{28A0092B-C50C-407E-A947-70E740481C1C}">
-                <a14:useLocalDpi xmlns:a14="http://schemas.microsoft.com/office/drawing/2010/main" val="0"/>
-              </a:ext>
-            </a:extLst>
-          </a:blip>
-          <a:srcRect/>
-          <a:stretch>
-            <a:fillRect/>
-          </a:stretch>
-        </p:blipFill>
-        <p:spPr bwMode="auto">
-          <a:xfrm>
-            <a:off x="155575" y="169268"/>
-            <a:ext cx="1248074" cy="1248074"/>
-          </a:xfrm>
-          <a:prstGeom prst="rect">
-            <a:avLst/>
-          </a:prstGeom>
-          <a:noFill/>
-          <a:extLst>
-            <a:ext uri="{909E8E84-426E-40dd-AFC4-6F175D3DCCD1}">
-              <a14:hiddenFill xmlns:a14="http://schemas.microsoft.com/office/drawing/2010/main">
-                <a:solidFill>
-                  <a:srgbClr val="FFFFFF"/>
-                </a:solidFill>
-              </a14:hiddenFill>
-            </a:ext>
-          </a:extLst>
-        </p:spPr>
-      </p:pic>
-      <p:pic>
-        <p:nvPicPr>
-          <p:cNvPr id="2050" name="Picture 2" descr="P:\Icons\48x48\shadow\debug.png"/>
-          <p:cNvPicPr>
-            <a:picLocks noChangeAspect="1" noChangeArrowheads="1"/>
-          </p:cNvPicPr>
-          <p:nvPr/>
-        </p:nvPicPr>
-        <p:blipFill>
-          <a:blip r:embed="rId4">
-            <a:extLst>
-              <a:ext uri="{28A0092B-C50C-407E-A947-70E740481C1C}">
-                <a14:useLocalDpi xmlns:a14="http://schemas.microsoft.com/office/drawing/2010/main" val="0"/>
-              </a:ext>
-            </a:extLst>
-          </a:blip>
-          <a:srcRect/>
-          <a:stretch>
-            <a:fillRect/>
-          </a:stretch>
-        </p:blipFill>
-        <p:spPr bwMode="auto">
-          <a:xfrm>
-            <a:off x="8244408" y="265212"/>
-            <a:ext cx="617537" cy="617537"/>
-          </a:xfrm>
-          <a:prstGeom prst="rect">
-            <a:avLst/>
-          </a:prstGeom>
-          <a:noFill/>
-          <a:extLst>
-            <a:ext uri="{909E8E84-426E-40dd-AFC4-6F175D3DCCD1}">
-              <a14:hiddenFill xmlns:a14="http://schemas.microsoft.com/office/drawing/2010/main">
-                <a:solidFill>
-                  <a:srgbClr val="FFFFFF"/>
-                </a:solidFill>
-              </a14:hiddenFill>
-            </a:ext>
-          </a:extLst>
-        </p:spPr>
-      </p:pic>
-    </p:spTree>
-    <p:extLst>
-      <p:ext uri="{BB962C8B-B14F-4D97-AF65-F5344CB8AC3E}">
-        <p14:creationId xmlns:p14="http://schemas.microsoft.com/office/powerpoint/2010/main" val="1556833767"/>
-      </p:ext>
-    </p:extLst>
-  </p:cSld>
-  <p:clrMapOvr>
-    <a:masterClrMapping/>
-  </p:clrMapOvr>
-  <p:timing>
-    <p:tnLst>
-      <p:par>
-        <p:cTn xmlns:p14="http://schemas.microsoft.com/office/powerpoint/2010/main" id="1" dur="indefinite" restart="never" nodeType="tmRoot"/>
-      </p:par>
-    </p:tnLst>
-  </p:timing>
-</p:sld>
-</file>
-
-<file path=ppt/slides/slide4.xml><?xml version="1.0" encoding="utf-8"?>
-<p:sld xmlns:a="http://schemas.openxmlformats.org/drawingml/2006/main" xmlns:r="http://schemas.openxmlformats.org/officeDocument/2006/relationships" xmlns:p="http://schemas.openxmlformats.org/presentationml/2006/main">
-  <p:cSld>
-    <p:spTree>
-      <p:nvGrpSpPr>
-        <p:cNvPr id="1" name=""/>
-        <p:cNvGrpSpPr/>
-        <p:nvPr/>
-      </p:nvGrpSpPr>
-      <p:grpSpPr>
-        <a:xfrm>
-          <a:off x="0" y="0"/>
-          <a:ext cx="0" cy="0"/>
-          <a:chOff x="0" y="0"/>
-          <a:chExt cx="0" cy="0"/>
-        </a:xfrm>
-      </p:grpSpPr>
-      <p:sp>
-        <p:nvSpPr>
-          <p:cNvPr id="2" name="Title 1"/>
-          <p:cNvSpPr>
-            <a:spLocks noGrp="1"/>
-          </p:cNvSpPr>
-          <p:nvPr>
-            <p:ph type="ctrTitle"/>
-          </p:nvPr>
-        </p:nvSpPr>
-        <p:spPr/>
-        <p:txBody>
-          <a:bodyPr/>
-          <a:lstStyle/>
-          <a:p>
-            <a:r>
-              <a:rPr lang="sv-SE" dirty="0" smtClean="0"/>
-              <a:t>Web </a:t>
-            </a:r>
-            <a:r>
-              <a:rPr lang="sv-SE" dirty="0" err="1" smtClean="0"/>
-              <a:t>inspector</a:t>
-            </a:r>
-            <a:endParaRPr lang="sv-SE" dirty="0"/>
-          </a:p>
-        </p:txBody>
-      </p:sp>
-      <p:pic>
-        <p:nvPicPr>
-          <p:cNvPr id="5126" name="Picture 6" descr="http://macses.files.wordpress.com/2010/03/apple_safari.png"/>
-          <p:cNvPicPr>
-            <a:picLocks noChangeAspect="1" noChangeArrowheads="1"/>
-          </p:cNvPicPr>
-          <p:nvPr/>
-        </p:nvPicPr>
-        <p:blipFill>
-          <a:blip r:embed="rId2" cstate="print">
-            <a:extLst>
-              <a:ext uri="{28A0092B-C50C-407E-A947-70E740481C1C}">
-                <a14:useLocalDpi xmlns:a14="http://schemas.microsoft.com/office/drawing/2010/main" val="0"/>
-              </a:ext>
-            </a:extLst>
-          </a:blip>
-          <a:srcRect/>
-          <a:stretch>
-            <a:fillRect/>
-          </a:stretch>
-        </p:blipFill>
-        <p:spPr bwMode="auto">
-          <a:xfrm>
-            <a:off x="267138" y="112880"/>
-            <a:ext cx="1232452" cy="1232452"/>
-          </a:xfrm>
-          <a:prstGeom prst="rect">
-            <a:avLst/>
-          </a:prstGeom>
-          <a:noFill/>
-          <a:extLst>
-            <a:ext uri="{909E8E84-426E-40dd-AFC4-6F175D3DCCD1}">
-              <a14:hiddenFill xmlns:a14="http://schemas.microsoft.com/office/drawing/2010/main">
-                <a:solidFill>
-                  <a:srgbClr val="FFFFFF"/>
-                </a:solidFill>
-              </a14:hiddenFill>
-            </a:ext>
-          </a:extLst>
-        </p:spPr>
-      </p:pic>
-      <p:pic>
-        <p:nvPicPr>
-          <p:cNvPr id="5" name="Picture 2" descr="P:\Icons\48x48\shadow\debug.png"/>
-          <p:cNvPicPr>
-            <a:picLocks noChangeAspect="1" noChangeArrowheads="1"/>
-          </p:cNvPicPr>
-          <p:nvPr/>
-        </p:nvPicPr>
-        <p:blipFill>
-          <a:blip r:embed="rId3">
-            <a:extLst>
-              <a:ext uri="{28A0092B-C50C-407E-A947-70E740481C1C}">
-                <a14:useLocalDpi xmlns:a14="http://schemas.microsoft.com/office/drawing/2010/main" val="0"/>
-              </a:ext>
-            </a:extLst>
-          </a:blip>
-          <a:srcRect/>
-          <a:stretch>
-            <a:fillRect/>
-          </a:stretch>
-        </p:blipFill>
-        <p:spPr bwMode="auto">
-          <a:xfrm>
-            <a:off x="8244408" y="265212"/>
-            <a:ext cx="617537" cy="617537"/>
-          </a:xfrm>
-          <a:prstGeom prst="rect">
-            <a:avLst/>
-          </a:prstGeom>
-          <a:noFill/>
-          <a:extLst>
-            <a:ext uri="{909E8E84-426E-40dd-AFC4-6F175D3DCCD1}">
-              <a14:hiddenFill xmlns:a14="http://schemas.microsoft.com/office/drawing/2010/main">
-                <a:solidFill>
-                  <a:srgbClr val="FFFFFF"/>
-                </a:solidFill>
-              </a14:hiddenFill>
-            </a:ext>
-          </a:extLst>
-        </p:spPr>
-      </p:pic>
-      <p:pic>
-        <p:nvPicPr>
-          <p:cNvPr id="3" name="Picture 2"/>
-          <p:cNvPicPr>
-            <a:picLocks noChangeAspect="1"/>
-          </p:cNvPicPr>
-          <p:nvPr/>
-        </p:nvPicPr>
-        <p:blipFill>
-          <a:blip r:embed="rId4"/>
-          <a:stretch>
-            <a:fillRect/>
-          </a:stretch>
-        </p:blipFill>
-        <p:spPr>
-          <a:xfrm>
-            <a:off x="1331640" y="1129308"/>
-            <a:ext cx="6948264" cy="4247991"/>
-          </a:xfrm>
-          <a:prstGeom prst="rect">
-            <a:avLst/>
-          </a:prstGeom>
-        </p:spPr>
-      </p:pic>
-    </p:spTree>
-    <p:extLst>
-      <p:ext uri="{BB962C8B-B14F-4D97-AF65-F5344CB8AC3E}">
-        <p14:creationId xmlns:p14="http://schemas.microsoft.com/office/powerpoint/2010/main" val="383262700"/>
-      </p:ext>
-    </p:extLst>
-  </p:cSld>
-  <p:clrMapOvr>
-    <a:masterClrMapping/>
-  </p:clrMapOvr>
-  <p:timing>
-    <p:tnLst>
-      <p:par>
-        <p:cTn xmlns:p14="http://schemas.microsoft.com/office/powerpoint/2010/main" id="1" dur="indefinite" restart="never" nodeType="tmRoot"/>
-      </p:par>
-    </p:tnLst>
-  </p:timing>
-</p:sld>
-</file>
-
-<file path=ppt/slides/slide5.xml><?xml version="1.0" encoding="utf-8"?>
-<p:sld xmlns:a="http://schemas.openxmlformats.org/drawingml/2006/main" xmlns:r="http://schemas.openxmlformats.org/officeDocument/2006/relationships" xmlns:p="http://schemas.openxmlformats.org/presentationml/2006/main">
-  <p:cSld>
-    <p:spTree>
-      <p:nvGrpSpPr>
-        <p:cNvPr id="1" name=""/>
-        <p:cNvGrpSpPr/>
-        <p:nvPr/>
-      </p:nvGrpSpPr>
-      <p:grpSpPr>
-        <a:xfrm>
-          <a:off x="0" y="0"/>
-          <a:ext cx="0" cy="0"/>
-          <a:chOff x="0" y="0"/>
-          <a:chExt cx="0" cy="0"/>
-        </a:xfrm>
-      </p:grpSpPr>
-      <p:sp>
-        <p:nvSpPr>
-          <p:cNvPr id="2" name="Title 1"/>
-          <p:cNvSpPr>
-            <a:spLocks noGrp="1"/>
-          </p:cNvSpPr>
-          <p:nvPr>
-            <p:ph type="ctrTitle"/>
-          </p:nvPr>
-        </p:nvSpPr>
-        <p:spPr/>
-        <p:txBody>
-          <a:bodyPr/>
-          <a:lstStyle/>
-          <a:p>
-            <a:r>
-              <a:rPr lang="sv-SE" dirty="0" err="1" smtClean="0"/>
-              <a:t>Developer</a:t>
-            </a:r>
-            <a:r>
-              <a:rPr lang="sv-SE" dirty="0" smtClean="0"/>
-              <a:t> </a:t>
-            </a:r>
-            <a:r>
-              <a:rPr lang="sv-SE" dirty="0" err="1" smtClean="0"/>
-              <a:t>tools</a:t>
-            </a:r>
-            <a:endParaRPr lang="sv-SE" dirty="0"/>
-          </a:p>
-        </p:txBody>
-      </p:sp>
-      <p:pic>
-        <p:nvPicPr>
-          <p:cNvPr id="1026" name="Picture 2"/>
-          <p:cNvPicPr>
-            <a:picLocks noChangeAspect="1" noChangeArrowheads="1"/>
-          </p:cNvPicPr>
-          <p:nvPr/>
-        </p:nvPicPr>
-        <p:blipFill>
-          <a:blip r:embed="rId2">
-            <a:extLst>
-              <a:ext uri="{28A0092B-C50C-407E-A947-70E740481C1C}">
-                <a14:useLocalDpi xmlns:a14="http://schemas.microsoft.com/office/drawing/2010/main" val="0"/>
-              </a:ext>
-            </a:extLst>
-          </a:blip>
-          <a:srcRect/>
-          <a:stretch>
-            <a:fillRect/>
-          </a:stretch>
-        </p:blipFill>
-        <p:spPr bwMode="auto">
-          <a:xfrm>
-            <a:off x="395536" y="1345332"/>
-            <a:ext cx="8384654" cy="3780403"/>
-          </a:xfrm>
-          <a:prstGeom prst="rect">
-            <a:avLst/>
-          </a:prstGeom>
-          <a:noFill/>
-          <a:ln>
-            <a:noFill/>
-          </a:ln>
-          <a:effectLst/>
-          <a:extLst>
-            <a:ext uri="{909E8E84-426E-40dd-AFC4-6F175D3DCCD1}">
-              <a14:hiddenFill xmlns:a14="http://schemas.microsoft.com/office/drawing/2010/main">
-                <a:solidFill>
-                  <a:schemeClr val="accent1"/>
-                </a:solidFill>
-              </a14:hiddenFill>
-            </a:ext>
-            <a:ext uri="{91240B29-F687-4f45-9708-019B960494DF}">
-              <a14:hiddenLine xmlns:a14="http://schemas.microsoft.com/office/drawing/2010/main" w="9525">
-                <a:solidFill>
-                  <a:schemeClr val="tx1"/>
-                </a:solidFill>
-                <a:miter lim="800000"/>
-                <a:headEnd/>
-                <a:tailEnd/>
-              </a14:hiddenLine>
-            </a:ext>
-            <a:ext uri="{AF507438-7753-43e0-B8FC-AC1667EBCBE1}">
-              <a14:hiddenEffects xmlns:a14="http://schemas.microsoft.com/office/drawing/2010/main">
-                <a:effectLst>
-                  <a:outerShdw dist="35921" dir="2700000" algn="ctr" rotWithShape="0">
-                    <a:schemeClr val="bg2"/>
-                  </a:outerShdw>
-                </a:effectLst>
-              </a14:hiddenEffects>
-            </a:ext>
-          </a:extLst>
-        </p:spPr>
-      </p:pic>
-      <p:pic>
-        <p:nvPicPr>
-          <p:cNvPr id="8" name="Picture 8" descr="https://2002138315848640006-a-pressatgoogle-com-s-sites.googlegroups.com/a/pressatgoogle.com/chromepress/Home/google-chrome-chromium/images/chrome-256-medium.png?attachauth=ANoY7cqXW-gWwbYn-3rsDWvqEtLbE4_sLghHFnNhnIstJ9e16n6Lwq7qESQOnn_bDcbnfpRD1OI2gCDJCWKSZ93_rXUQSVhfxNUuI1ntPHlq1mKdw7o__jbWaF8DNnl9LL1kQxTH66_2l6XeXobx-c5H6ndfOwN4uMk8eun3vKudXwGlro_0ECjT1MbbEM54KbNMRddkAz-RO0BzLqwjMJxC4G87lD1mc3jtT2Vn4CCSd5IolcNcnftDOt1E_FuwdLpL3iUAj6wpWoEiAJ9IgmTvPPr0iHkEpg%3D%3D&amp;attredirects=0"/>
-          <p:cNvPicPr>
-            <a:picLocks noChangeAspect="1" noChangeArrowheads="1"/>
-          </p:cNvPicPr>
-          <p:nvPr/>
-        </p:nvPicPr>
-        <p:blipFill>
-          <a:blip r:embed="rId3">
-            <a:extLst>
-              <a:ext uri="{28A0092B-C50C-407E-A947-70E740481C1C}">
-                <a14:useLocalDpi xmlns:a14="http://schemas.microsoft.com/office/drawing/2010/main" val="0"/>
-              </a:ext>
-            </a:extLst>
-          </a:blip>
-          <a:srcRect/>
-          <a:stretch>
-            <a:fillRect/>
-          </a:stretch>
-        </p:blipFill>
-        <p:spPr bwMode="auto">
-          <a:xfrm>
-            <a:off x="251520" y="155778"/>
-            <a:ext cx="1176065" cy="1176065"/>
-          </a:xfrm>
-          <a:prstGeom prst="rect">
-            <a:avLst/>
-          </a:prstGeom>
-          <a:noFill/>
-          <a:extLst>
-            <a:ext uri="{909E8E84-426E-40dd-AFC4-6F175D3DCCD1}">
-              <a14:hiddenFill xmlns:a14="http://schemas.microsoft.com/office/drawing/2010/main">
-                <a:solidFill>
-                  <a:srgbClr val="FFFFFF"/>
-                </a:solidFill>
-              </a14:hiddenFill>
-            </a:ext>
-          </a:extLst>
-        </p:spPr>
-      </p:pic>
-      <p:pic>
-        <p:nvPicPr>
-          <p:cNvPr id="5" name="Picture 2" descr="P:\Icons\48x48\shadow\debug.png"/>
-          <p:cNvPicPr>
-            <a:picLocks noChangeAspect="1" noChangeArrowheads="1"/>
-          </p:cNvPicPr>
-          <p:nvPr/>
-        </p:nvPicPr>
-        <p:blipFill>
-          <a:blip r:embed="rId4">
-            <a:extLst>
-              <a:ext uri="{28A0092B-C50C-407E-A947-70E740481C1C}">
-                <a14:useLocalDpi xmlns:a14="http://schemas.microsoft.com/office/drawing/2010/main" val="0"/>
-              </a:ext>
-            </a:extLst>
-          </a:blip>
-          <a:srcRect/>
-          <a:stretch>
-            <a:fillRect/>
-          </a:stretch>
-        </p:blipFill>
-        <p:spPr bwMode="auto">
-          <a:xfrm>
-            <a:off x="8244408" y="265212"/>
-            <a:ext cx="617537" cy="617537"/>
-          </a:xfrm>
-          <a:prstGeom prst="rect">
-            <a:avLst/>
-          </a:prstGeom>
-          <a:noFill/>
-          <a:extLst>
-            <a:ext uri="{909E8E84-426E-40dd-AFC4-6F175D3DCCD1}">
-              <a14:hiddenFill xmlns:a14="http://schemas.microsoft.com/office/drawing/2010/main">
-                <a:solidFill>
-                  <a:srgbClr val="FFFFFF"/>
-                </a:solidFill>
-              </a14:hiddenFill>
-            </a:ext>
-          </a:extLst>
-        </p:spPr>
-      </p:pic>
-    </p:spTree>
-    <p:extLst>
-      <p:ext uri="{BB962C8B-B14F-4D97-AF65-F5344CB8AC3E}">
-        <p14:creationId xmlns:p14="http://schemas.microsoft.com/office/powerpoint/2010/main" val="1942897437"/>
-      </p:ext>
-    </p:extLst>
-  </p:cSld>
-  <p:clrMapOvr>
-    <a:masterClrMapping/>
-  </p:clrMapOvr>
-  <p:timing>
-    <p:tnLst>
-      <p:par>
-        <p:cTn xmlns:p14="http://schemas.microsoft.com/office/powerpoint/2010/main" id="1" dur="indefinite" restart="never" nodeType="tmRoot"/>
-      </p:par>
-    </p:tnLst>
-  </p:timing>
-</p:sld>
-</file>
-
-<file path=ppt/slides/slide6.xml><?xml version="1.0" encoding="utf-8"?>
-<p:sld xmlns:a="http://schemas.openxmlformats.org/drawingml/2006/main" xmlns:r="http://schemas.openxmlformats.org/officeDocument/2006/relationships" xmlns:p="http://schemas.openxmlformats.org/presentationml/2006/main">
-  <p:cSld>
-    <p:spTree>
-      <p:nvGrpSpPr>
-        <p:cNvPr id="1" name=""/>
-        <p:cNvGrpSpPr/>
-        <p:nvPr/>
-      </p:nvGrpSpPr>
-      <p:grpSpPr>
-        <a:xfrm>
-          <a:off x="0" y="0"/>
-          <a:ext cx="0" cy="0"/>
-          <a:chOff x="0" y="0"/>
-          <a:chExt cx="0" cy="0"/>
-        </a:xfrm>
-      </p:grpSpPr>
-      <p:sp>
-        <p:nvSpPr>
-          <p:cNvPr id="2" name="Title 1"/>
-          <p:cNvSpPr>
-            <a:spLocks noGrp="1"/>
-          </p:cNvSpPr>
-          <p:nvPr>
-            <p:ph type="ctrTitle"/>
-          </p:nvPr>
-        </p:nvSpPr>
-        <p:spPr/>
-        <p:txBody>
-          <a:bodyPr/>
-          <a:lstStyle/>
-          <a:p>
-            <a:r>
-              <a:rPr lang="sv-SE" dirty="0" smtClean="0"/>
-              <a:t>Dragonfly</a:t>
-            </a:r>
-            <a:endParaRPr lang="sv-SE" dirty="0"/>
-          </a:p>
-        </p:txBody>
-      </p:sp>
-      <p:pic>
-        <p:nvPicPr>
-          <p:cNvPr id="2050" name="Picture 2"/>
-          <p:cNvPicPr>
-            <a:picLocks noChangeAspect="1" noChangeArrowheads="1"/>
-          </p:cNvPicPr>
-          <p:nvPr/>
-        </p:nvPicPr>
-        <p:blipFill>
-          <a:blip r:embed="rId2">
-            <a:extLst>
-              <a:ext uri="{28A0092B-C50C-407E-A947-70E740481C1C}">
-                <a14:useLocalDpi xmlns:a14="http://schemas.microsoft.com/office/drawing/2010/main" val="0"/>
-              </a:ext>
-            </a:extLst>
-          </a:blip>
-          <a:srcRect/>
-          <a:stretch>
-            <a:fillRect/>
-          </a:stretch>
-        </p:blipFill>
-        <p:spPr bwMode="auto">
-          <a:xfrm>
-            <a:off x="251520" y="1526163"/>
-            <a:ext cx="8609561" cy="3604816"/>
-          </a:xfrm>
-          <a:prstGeom prst="rect">
-            <a:avLst/>
-          </a:prstGeom>
-          <a:noFill/>
-          <a:ln>
-            <a:noFill/>
-          </a:ln>
-          <a:effectLst/>
-          <a:extLst>
-            <a:ext uri="{909E8E84-426E-40dd-AFC4-6F175D3DCCD1}">
-              <a14:hiddenFill xmlns:a14="http://schemas.microsoft.com/office/drawing/2010/main">
-                <a:solidFill>
-                  <a:schemeClr val="accent1"/>
-                </a:solidFill>
-              </a14:hiddenFill>
-            </a:ext>
-            <a:ext uri="{91240B29-F687-4f45-9708-019B960494DF}">
-              <a14:hiddenLine xmlns:a14="http://schemas.microsoft.com/office/drawing/2010/main" w="9525">
-                <a:solidFill>
-                  <a:schemeClr val="tx1"/>
-                </a:solidFill>
-                <a:miter lim="800000"/>
-                <a:headEnd/>
-                <a:tailEnd/>
-              </a14:hiddenLine>
-            </a:ext>
-            <a:ext uri="{AF507438-7753-43e0-B8FC-AC1667EBCBE1}">
-              <a14:hiddenEffects xmlns:a14="http://schemas.microsoft.com/office/drawing/2010/main">
-                <a:effectLst>
-                  <a:outerShdw dist="35921" dir="2700000" algn="ctr" rotWithShape="0">
-                    <a:schemeClr val="bg2"/>
-                  </a:outerShdw>
-                </a:effectLst>
-              </a14:hiddenEffects>
-            </a:ext>
-          </a:extLst>
-        </p:spPr>
-      </p:pic>
-      <p:pic>
-        <p:nvPicPr>
-          <p:cNvPr id="2052" name="Picture 4" descr="http://www.neowin.net/images/uploaded/Opera_256x256.png"/>
-          <p:cNvPicPr>
-            <a:picLocks noChangeAspect="1" noChangeArrowheads="1"/>
-          </p:cNvPicPr>
-          <p:nvPr/>
-        </p:nvPicPr>
-        <p:blipFill>
-          <a:blip r:embed="rId3">
-            <a:extLst>
-              <a:ext uri="{28A0092B-C50C-407E-A947-70E740481C1C}">
-                <a14:useLocalDpi xmlns:a14="http://schemas.microsoft.com/office/drawing/2010/main" val="0"/>
-              </a:ext>
-            </a:extLst>
-          </a:blip>
-          <a:srcRect/>
-          <a:stretch>
-            <a:fillRect/>
-          </a:stretch>
-        </p:blipFill>
-        <p:spPr bwMode="auto">
-          <a:xfrm>
-            <a:off x="155578" y="174009"/>
-            <a:ext cx="1243332" cy="1243332"/>
-          </a:xfrm>
-          <a:prstGeom prst="rect">
-            <a:avLst/>
-          </a:prstGeom>
-          <a:noFill/>
-          <a:extLst>
-            <a:ext uri="{909E8E84-426E-40dd-AFC4-6F175D3DCCD1}">
-              <a14:hiddenFill xmlns:a14="http://schemas.microsoft.com/office/drawing/2010/main">
-                <a:solidFill>
-                  <a:srgbClr val="FFFFFF"/>
-                </a:solidFill>
-              </a14:hiddenFill>
-            </a:ext>
-          </a:extLst>
-        </p:spPr>
-      </p:pic>
-      <p:pic>
-        <p:nvPicPr>
-          <p:cNvPr id="5" name="Picture 2" descr="P:\Icons\48x48\shadow\debug.png"/>
-          <p:cNvPicPr>
-            <a:picLocks noChangeAspect="1" noChangeArrowheads="1"/>
-          </p:cNvPicPr>
-          <p:nvPr/>
-        </p:nvPicPr>
-        <p:blipFill>
-          <a:blip r:embed="rId4">
-            <a:extLst>
-              <a:ext uri="{28A0092B-C50C-407E-A947-70E740481C1C}">
-                <a14:useLocalDpi xmlns:a14="http://schemas.microsoft.com/office/drawing/2010/main" val="0"/>
-              </a:ext>
-            </a:extLst>
-          </a:blip>
-          <a:srcRect/>
-          <a:stretch>
-            <a:fillRect/>
-          </a:stretch>
-        </p:blipFill>
-        <p:spPr bwMode="auto">
-          <a:xfrm>
-            <a:off x="8244408" y="265212"/>
-            <a:ext cx="617537" cy="617537"/>
-          </a:xfrm>
-          <a:prstGeom prst="rect">
-            <a:avLst/>
-          </a:prstGeom>
-          <a:noFill/>
-          <a:extLst>
-            <a:ext uri="{909E8E84-426E-40dd-AFC4-6F175D3DCCD1}">
-              <a14:hiddenFill xmlns:a14="http://schemas.microsoft.com/office/drawing/2010/main">
-                <a:solidFill>
-                  <a:srgbClr val="FFFFFF"/>
-                </a:solidFill>
-              </a14:hiddenFill>
-            </a:ext>
-          </a:extLst>
-        </p:spPr>
-      </p:pic>
-    </p:spTree>
-    <p:extLst>
-      <p:ext uri="{BB962C8B-B14F-4D97-AF65-F5344CB8AC3E}">
-        <p14:creationId xmlns:p14="http://schemas.microsoft.com/office/powerpoint/2010/main" val="3629300185"/>
-      </p:ext>
-    </p:extLst>
-  </p:cSld>
-  <p:clrMapOvr>
-    <a:masterClrMapping/>
-  </p:clrMapOvr>
-  <p:timing>
-    <p:tnLst>
-      <p:par>
-        <p:cTn xmlns:p14="http://schemas.microsoft.com/office/powerpoint/2010/main" id="1" dur="indefinite" restart="never" nodeType="tmRoot"/>
-      </p:par>
-    </p:tnLst>
-  </p:timing>
-</p:sld>
-</file>
-
-<file path=ppt/slides/slide7.xml><?xml version="1.0" encoding="utf-8"?>
-<p:sld xmlns:a="http://schemas.openxmlformats.org/drawingml/2006/main" xmlns:r="http://schemas.openxmlformats.org/officeDocument/2006/relationships" xmlns:p="http://schemas.openxmlformats.org/presentationml/2006/main">
-  <p:cSld>
-    <p:spTree>
-      <p:nvGrpSpPr>
-        <p:cNvPr id="1" name=""/>
-        <p:cNvGrpSpPr/>
-        <p:nvPr/>
-      </p:nvGrpSpPr>
-      <p:grpSpPr>
-        <a:xfrm>
-          <a:off x="0" y="0"/>
-          <a:ext cx="0" cy="0"/>
-          <a:chOff x="0" y="0"/>
-          <a:chExt cx="0" cy="0"/>
-        </a:xfrm>
-      </p:grpSpPr>
-      <p:sp>
-        <p:nvSpPr>
-          <p:cNvPr id="2" name="Title 1"/>
-          <p:cNvSpPr>
-            <a:spLocks noGrp="1"/>
-          </p:cNvSpPr>
-          <p:nvPr>
-            <p:ph type="ctrTitle"/>
-          </p:nvPr>
-        </p:nvSpPr>
-        <p:spPr/>
-        <p:txBody>
-          <a:bodyPr/>
-          <a:lstStyle/>
-          <a:p>
-            <a:r>
-              <a:rPr lang="sv-SE" dirty="0" err="1" smtClean="0"/>
-              <a:t>Firebug</a:t>
-            </a:r>
-            <a:endParaRPr lang="sv-SE" dirty="0"/>
-          </a:p>
-        </p:txBody>
-      </p:sp>
-      <p:pic>
-        <p:nvPicPr>
-          <p:cNvPr id="4" name="Picture 2"/>
-          <p:cNvPicPr>
-            <a:picLocks noChangeAspect="1" noChangeArrowheads="1"/>
-          </p:cNvPicPr>
-          <p:nvPr/>
-        </p:nvPicPr>
-        <p:blipFill>
-          <a:blip r:embed="rId2" cstate="print"/>
-          <a:srcRect/>
-          <a:stretch>
-            <a:fillRect/>
-          </a:stretch>
-        </p:blipFill>
-        <p:spPr bwMode="auto">
-          <a:xfrm>
-            <a:off x="1619672" y="1129308"/>
-            <a:ext cx="5839401" cy="4200623"/>
-          </a:xfrm>
-          <a:prstGeom prst="rect">
-            <a:avLst/>
-          </a:prstGeom>
-          <a:noFill/>
-          <a:ln w="9525">
-            <a:noFill/>
-            <a:miter lim="800000"/>
-            <a:headEnd/>
-            <a:tailEnd/>
-          </a:ln>
-        </p:spPr>
-      </p:pic>
-      <p:pic>
-        <p:nvPicPr>
-          <p:cNvPr id="5" name="Picture 4" descr="http://frannie84.files.wordpress.com/2010/08/firefox.png"/>
-          <p:cNvPicPr>
-            <a:picLocks noChangeAspect="1" noChangeArrowheads="1"/>
-          </p:cNvPicPr>
-          <p:nvPr/>
-        </p:nvPicPr>
-        <p:blipFill>
-          <a:blip r:embed="rId3" cstate="print">
-            <a:extLst>
-              <a:ext uri="{28A0092B-C50C-407E-A947-70E740481C1C}">
-                <a14:useLocalDpi xmlns:a14="http://schemas.microsoft.com/office/drawing/2010/main" val="0"/>
-              </a:ext>
-            </a:extLst>
-          </a:blip>
-          <a:srcRect/>
-          <a:stretch>
-            <a:fillRect/>
-          </a:stretch>
-        </p:blipFill>
-        <p:spPr bwMode="auto">
-          <a:xfrm>
-            <a:off x="179512" y="193204"/>
-            <a:ext cx="1122527" cy="1080120"/>
-          </a:xfrm>
-          <a:prstGeom prst="rect">
-            <a:avLst/>
-          </a:prstGeom>
-          <a:noFill/>
-          <a:extLst>
-            <a:ext uri="{909E8E84-426E-40dd-AFC4-6F175D3DCCD1}">
-              <a14:hiddenFill xmlns:a14="http://schemas.microsoft.com/office/drawing/2010/main">
-                <a:solidFill>
-                  <a:srgbClr val="FFFFFF"/>
-                </a:solidFill>
-              </a14:hiddenFill>
-            </a:ext>
-          </a:extLst>
-        </p:spPr>
-      </p:pic>
-      <p:pic>
-        <p:nvPicPr>
-          <p:cNvPr id="6" name="Picture 5"/>
-          <p:cNvPicPr>
-            <a:picLocks noChangeAspect="1"/>
-          </p:cNvPicPr>
-          <p:nvPr/>
-        </p:nvPicPr>
-        <p:blipFill>
-          <a:blip r:embed="rId4">
-            <a:extLst>
-              <a:ext uri="{28A0092B-C50C-407E-A947-70E740481C1C}">
-                <a14:useLocalDpi xmlns:a14="http://schemas.microsoft.com/office/drawing/2010/main" val="0"/>
-              </a:ext>
-            </a:extLst>
-          </a:blip>
-          <a:stretch>
-            <a:fillRect/>
-          </a:stretch>
-        </p:blipFill>
-        <p:spPr>
-          <a:xfrm>
-            <a:off x="6785375" y="590860"/>
-            <a:ext cx="1347395" cy="1076895"/>
-          </a:xfrm>
-          <a:prstGeom prst="rect">
-            <a:avLst/>
-          </a:prstGeom>
-        </p:spPr>
-      </p:pic>
-      <p:pic>
-        <p:nvPicPr>
-          <p:cNvPr id="7" name="Picture 2" descr="P:\Icons\48x48\shadow\debug.png"/>
-          <p:cNvPicPr>
-            <a:picLocks noChangeAspect="1" noChangeArrowheads="1"/>
-          </p:cNvPicPr>
-          <p:nvPr/>
-        </p:nvPicPr>
-        <p:blipFill>
-          <a:blip r:embed="rId5">
-            <a:extLst>
-              <a:ext uri="{28A0092B-C50C-407E-A947-70E740481C1C}">
-                <a14:useLocalDpi xmlns:a14="http://schemas.microsoft.com/office/drawing/2010/main" val="0"/>
-              </a:ext>
-            </a:extLst>
-          </a:blip>
-          <a:srcRect/>
-          <a:stretch>
-            <a:fillRect/>
-          </a:stretch>
-        </p:blipFill>
-        <p:spPr bwMode="auto">
-          <a:xfrm>
-            <a:off x="8244408" y="265212"/>
-            <a:ext cx="617537" cy="617537"/>
-          </a:xfrm>
-          <a:prstGeom prst="rect">
-            <a:avLst/>
-          </a:prstGeom>
-          <a:noFill/>
-          <a:extLst>
-            <a:ext uri="{909E8E84-426E-40dd-AFC4-6F175D3DCCD1}">
-              <a14:hiddenFill xmlns:a14="http://schemas.microsoft.com/office/drawing/2010/main">
-                <a:solidFill>
-                  <a:srgbClr val="FFFFFF"/>
-                </a:solidFill>
-              </a14:hiddenFill>
-            </a:ext>
-          </a:extLst>
-        </p:spPr>
-      </p:pic>
-    </p:spTree>
-    <p:extLst>
-      <p:ext uri="{BB962C8B-B14F-4D97-AF65-F5344CB8AC3E}">
-        <p14:creationId xmlns:p14="http://schemas.microsoft.com/office/powerpoint/2010/main" val="2215155372"/>
-      </p:ext>
-    </p:extLst>
-  </p:cSld>
-  <p:clrMapOvr>
-    <a:masterClrMapping/>
-  </p:clrMapOvr>
-  <p:timing>
-    <p:tnLst>
-      <p:par>
-        <p:cTn xmlns:p14="http://schemas.microsoft.com/office/powerpoint/2010/main" id="1" dur="indefinite" restart="never" nodeType="tmRoot"/>
-      </p:par>
-    </p:tnLst>
-  </p:timing>
-</p:sld>
-</file>
-
-<file path=ppt/slides/slide8.xml><?xml version="1.0" encoding="utf-8"?>
-<p:sld xmlns:a="http://schemas.openxmlformats.org/drawingml/2006/main" xmlns:r="http://schemas.openxmlformats.org/officeDocument/2006/relationships" xmlns:p="http://schemas.openxmlformats.org/presentationml/2006/main">
-  <p:cSld>
-    <p:spTree>
-      <p:nvGrpSpPr>
-        <p:cNvPr id="1" name=""/>
-        <p:cNvGrpSpPr/>
-        <p:nvPr/>
-      </p:nvGrpSpPr>
-      <p:grpSpPr>
-        <a:xfrm>
-          <a:off x="0" y="0"/>
-          <a:ext cx="0" cy="0"/>
-          <a:chOff x="0" y="0"/>
-          <a:chExt cx="0" cy="0"/>
-        </a:xfrm>
-      </p:grpSpPr>
-      <p:sp>
-        <p:nvSpPr>
-          <p:cNvPr id="2" name="Title 1"/>
-          <p:cNvSpPr>
-            <a:spLocks noGrp="1"/>
-          </p:cNvSpPr>
-          <p:nvPr>
-            <p:ph type="ctrTitle"/>
-          </p:nvPr>
-        </p:nvSpPr>
-        <p:spPr/>
-        <p:txBody>
-          <a:bodyPr/>
-          <a:lstStyle/>
-          <a:p>
-            <a:r>
-              <a:rPr lang="sv-SE" dirty="0" err="1" smtClean="0"/>
-              <a:t>Firebug</a:t>
-            </a:r>
-            <a:r>
-              <a:rPr lang="sv-SE" dirty="0" smtClean="0"/>
-              <a:t> Lite</a:t>
-            </a:r>
-            <a:endParaRPr lang="sv-SE" dirty="0"/>
-          </a:p>
-        </p:txBody>
-      </p:sp>
-      <p:pic>
-        <p:nvPicPr>
-          <p:cNvPr id="11266" name="Picture 2"/>
-          <p:cNvPicPr>
-            <a:picLocks noChangeAspect="1" noChangeArrowheads="1"/>
-          </p:cNvPicPr>
-          <p:nvPr/>
-        </p:nvPicPr>
-        <p:blipFill>
-          <a:blip r:embed="rId2">
-            <a:extLst>
-              <a:ext uri="{28A0092B-C50C-407E-A947-70E740481C1C}">
-                <a14:useLocalDpi xmlns:a14="http://schemas.microsoft.com/office/drawing/2010/main" val="0"/>
-              </a:ext>
-            </a:extLst>
-          </a:blip>
-          <a:srcRect/>
-          <a:stretch>
-            <a:fillRect/>
-          </a:stretch>
-        </p:blipFill>
-        <p:spPr bwMode="auto">
-          <a:xfrm>
-            <a:off x="833438" y="1201316"/>
-            <a:ext cx="7475537" cy="914400"/>
-          </a:xfrm>
-          <a:prstGeom prst="rect">
-            <a:avLst/>
-          </a:prstGeom>
-          <a:noFill/>
-          <a:ln>
-            <a:noFill/>
-          </a:ln>
-          <a:effectLst/>
-          <a:extLst>
-            <a:ext uri="{909E8E84-426E-40dd-AFC4-6F175D3DCCD1}">
-              <a14:hiddenFill xmlns:a14="http://schemas.microsoft.com/office/drawing/2010/main">
-                <a:solidFill>
-                  <a:schemeClr val="accent1"/>
-                </a:solidFill>
-              </a14:hiddenFill>
-            </a:ext>
-            <a:ext uri="{91240B29-F687-4f45-9708-019B960494DF}">
-              <a14:hiddenLine xmlns:a14="http://schemas.microsoft.com/office/drawing/2010/main" w="9525">
-                <a:solidFill>
-                  <a:schemeClr val="tx1"/>
-                </a:solidFill>
-                <a:miter lim="800000"/>
-                <a:headEnd/>
-                <a:tailEnd/>
-              </a14:hiddenLine>
-            </a:ext>
-            <a:ext uri="{AF507438-7753-43e0-B8FC-AC1667EBCBE1}">
-              <a14:hiddenEffects xmlns:a14="http://schemas.microsoft.com/office/drawing/2010/main">
-                <a:effectLst>
-                  <a:outerShdw dist="35921" dir="2700000" algn="ctr" rotWithShape="0">
-                    <a:schemeClr val="bg2"/>
-                  </a:outerShdw>
-                </a:effectLst>
-              </a14:hiddenEffects>
-            </a:ext>
-          </a:extLst>
-        </p:spPr>
-      </p:pic>
-      <p:pic>
-        <p:nvPicPr>
-          <p:cNvPr id="11267" name="Picture 3"/>
-          <p:cNvPicPr>
-            <a:picLocks noChangeAspect="1" noChangeArrowheads="1"/>
-          </p:cNvPicPr>
-          <p:nvPr/>
-        </p:nvPicPr>
-        <p:blipFill>
-          <a:blip r:embed="rId3">
-            <a:extLst>
-              <a:ext uri="{28A0092B-C50C-407E-A947-70E740481C1C}">
-                <a14:useLocalDpi xmlns:a14="http://schemas.microsoft.com/office/drawing/2010/main" val="0"/>
-              </a:ext>
-            </a:extLst>
-          </a:blip>
-          <a:srcRect/>
-          <a:stretch>
-            <a:fillRect/>
-          </a:stretch>
-        </p:blipFill>
-        <p:spPr bwMode="auto">
-          <a:xfrm>
-            <a:off x="5508104" y="3649588"/>
-            <a:ext cx="3360311" cy="1786111"/>
-          </a:xfrm>
-          <a:prstGeom prst="rect">
-            <a:avLst/>
-          </a:prstGeom>
-          <a:noFill/>
-          <a:ln>
-            <a:noFill/>
-          </a:ln>
-          <a:effectLst/>
-          <a:extLst>
-            <a:ext uri="{909E8E84-426E-40dd-AFC4-6F175D3DCCD1}">
-              <a14:hiddenFill xmlns:a14="http://schemas.microsoft.com/office/drawing/2010/main">
-                <a:solidFill>
-                  <a:schemeClr val="accent1"/>
-                </a:solidFill>
-              </a14:hiddenFill>
-            </a:ext>
-            <a:ext uri="{91240B29-F687-4f45-9708-019B960494DF}">
-              <a14:hiddenLine xmlns:a14="http://schemas.microsoft.com/office/drawing/2010/main" w="9525">
-                <a:solidFill>
-                  <a:schemeClr val="tx1"/>
-                </a:solidFill>
-                <a:miter lim="800000"/>
-                <a:headEnd/>
-                <a:tailEnd/>
-              </a14:hiddenLine>
-            </a:ext>
-            <a:ext uri="{AF507438-7753-43e0-B8FC-AC1667EBCBE1}">
-              <a14:hiddenEffects xmlns:a14="http://schemas.microsoft.com/office/drawing/2010/main">
-                <a:effectLst>
-                  <a:outerShdw dist="35921" dir="2700000" algn="ctr" rotWithShape="0">
-                    <a:schemeClr val="bg2"/>
-                  </a:outerShdw>
-                </a:effectLst>
-              </a14:hiddenEffects>
-            </a:ext>
-          </a:extLst>
-        </p:spPr>
-      </p:pic>
-      <p:pic>
-        <p:nvPicPr>
-          <p:cNvPr id="4" name="Picture 3"/>
-          <p:cNvPicPr>
-            <a:picLocks noChangeAspect="1"/>
-          </p:cNvPicPr>
-          <p:nvPr/>
-        </p:nvPicPr>
-        <p:blipFill>
-          <a:blip r:embed="rId4">
-            <a:extLst>
-              <a:ext uri="{28A0092B-C50C-407E-A947-70E740481C1C}">
-                <a14:useLocalDpi xmlns:a14="http://schemas.microsoft.com/office/drawing/2010/main" val="0"/>
-              </a:ext>
-            </a:extLst>
-          </a:blip>
-          <a:stretch>
-            <a:fillRect/>
-          </a:stretch>
-        </p:blipFill>
-        <p:spPr>
-          <a:xfrm>
-            <a:off x="1331640" y="2644700"/>
-            <a:ext cx="2514600" cy="2009775"/>
-          </a:xfrm>
-          <a:prstGeom prst="rect">
-            <a:avLst/>
-          </a:prstGeom>
-        </p:spPr>
-      </p:pic>
-      <p:pic>
-        <p:nvPicPr>
-          <p:cNvPr id="6" name="Picture 2" descr="P:\Icons\48x48\shadow\debug.png"/>
-          <p:cNvPicPr>
-            <a:picLocks noChangeAspect="1" noChangeArrowheads="1"/>
-          </p:cNvPicPr>
-          <p:nvPr/>
-        </p:nvPicPr>
-        <p:blipFill>
-          <a:blip r:embed="rId5">
-            <a:extLst>
-              <a:ext uri="{28A0092B-C50C-407E-A947-70E740481C1C}">
-                <a14:useLocalDpi xmlns:a14="http://schemas.microsoft.com/office/drawing/2010/main" val="0"/>
-              </a:ext>
-            </a:extLst>
-          </a:blip>
-          <a:srcRect/>
-          <a:stretch>
-            <a:fillRect/>
-          </a:stretch>
-        </p:blipFill>
-        <p:spPr bwMode="auto">
-          <a:xfrm>
-            <a:off x="8244408" y="265212"/>
-            <a:ext cx="617537" cy="617537"/>
-          </a:xfrm>
-          <a:prstGeom prst="rect">
-            <a:avLst/>
-          </a:prstGeom>
-          <a:noFill/>
-          <a:extLst>
-            <a:ext uri="{909E8E84-426E-40dd-AFC4-6F175D3DCCD1}">
-              <a14:hiddenFill xmlns:a14="http://schemas.microsoft.com/office/drawing/2010/main">
-                <a:solidFill>
-                  <a:srgbClr val="FFFFFF"/>
-                </a:solidFill>
-              </a14:hiddenFill>
-            </a:ext>
-          </a:extLst>
-        </p:spPr>
-      </p:pic>
-    </p:spTree>
-    <p:extLst>
-      <p:ext uri="{BB962C8B-B14F-4D97-AF65-F5344CB8AC3E}">
-        <p14:creationId xmlns:p14="http://schemas.microsoft.com/office/powerpoint/2010/main" val="2649020220"/>
-      </p:ext>
-    </p:extLst>
-  </p:cSld>
-  <p:clrMapOvr>
-    <a:masterClrMapping/>
-  </p:clrMapOvr>
-  <p:timing>
-    <p:tnLst>
-      <p:par>
-        <p:cTn xmlns:p14="http://schemas.microsoft.com/office/powerpoint/2010/main" id="1" dur="indefinite" restart="never" nodeType="tmRoot"/>
-      </p:par>
-    </p:tnLst>
-  </p:timing>
-</p:sld>
-</file>
-
-<file path=ppt/slides/slide9.xml><?xml version="1.0" encoding="utf-8"?>
-<p:sld xmlns:a="http://schemas.openxmlformats.org/drawingml/2006/main" xmlns:r="http://schemas.openxmlformats.org/officeDocument/2006/relationships" xmlns:p="http://schemas.openxmlformats.org/presentationml/2006/main">
-  <p:cSld>
-    <p:spTree>
-      <p:nvGrpSpPr>
-        <p:cNvPr id="1" name=""/>
-        <p:cNvGrpSpPr/>
-        <p:nvPr/>
-      </p:nvGrpSpPr>
-      <p:grpSpPr>
-        <a:xfrm>
-          <a:off x="0" y="0"/>
-          <a:ext cx="0" cy="0"/>
-          <a:chOff x="0" y="0"/>
-          <a:chExt cx="0" cy="0"/>
-        </a:xfrm>
-      </p:grpSpPr>
-      <p:sp>
-        <p:nvSpPr>
-          <p:cNvPr id="2" name="Title 1"/>
-          <p:cNvSpPr>
-            <a:spLocks noGrp="1"/>
-          </p:cNvSpPr>
-          <p:nvPr>
-            <p:ph type="ctrTitle"/>
-          </p:nvPr>
-        </p:nvSpPr>
-        <p:spPr/>
-        <p:txBody>
-          <a:bodyPr/>
-          <a:lstStyle/>
-          <a:p>
-            <a:r>
-              <a:rPr lang="sv-SE" dirty="0" smtClean="0"/>
-              <a:t>Logga till </a:t>
-            </a:r>
-            <a:r>
-              <a:rPr lang="sv-SE" dirty="0" err="1" smtClean="0"/>
-              <a:t>console</a:t>
-            </a:r>
-            <a:endParaRPr lang="sv-SE" dirty="0"/>
-          </a:p>
-        </p:txBody>
-      </p:sp>
-      <p:sp>
-        <p:nvSpPr>
-          <p:cNvPr id="5" name="TextBox 4"/>
-          <p:cNvSpPr txBox="1"/>
-          <p:nvPr/>
-        </p:nvSpPr>
-        <p:spPr>
-          <a:xfrm>
-            <a:off x="395536" y="1048589"/>
-            <a:ext cx="8173540" cy="584775"/>
-          </a:xfrm>
-          <a:prstGeom prst="rect">
-            <a:avLst/>
-          </a:prstGeom>
-          <a:noFill/>
-        </p:spPr>
-        <p:txBody>
-          <a:bodyPr wrap="square" rtlCol="0">
-            <a:spAutoFit/>
-          </a:bodyPr>
-          <a:lstStyle/>
-          <a:p>
-            <a:r>
-              <a:rPr lang="sv-SE" sz="1600" dirty="0" smtClean="0">
-                <a:latin typeface="Minya Nouvelle" charset="0"/>
-              </a:rPr>
-              <a:t>Vi har tillgång till ett objekt, </a:t>
-            </a:r>
-            <a:r>
-              <a:rPr lang="sv-SE" sz="1600" dirty="0" err="1" smtClean="0">
-                <a:latin typeface="Minya Nouvelle" charset="0"/>
-              </a:rPr>
-              <a:t>console</a:t>
-            </a:r>
-            <a:r>
-              <a:rPr lang="sv-SE" sz="1600" dirty="0" smtClean="0">
-                <a:latin typeface="Minya Nouvelle" charset="0"/>
-              </a:rPr>
-              <a:t>, som vi kan använda för att skriva till </a:t>
-            </a:r>
-            <a:r>
-              <a:rPr lang="sv-SE" sz="1600" dirty="0" err="1" smtClean="0">
-                <a:latin typeface="Minya Nouvelle" charset="0"/>
-              </a:rPr>
-              <a:t>debuggerns</a:t>
-            </a:r>
-            <a:r>
-              <a:rPr lang="sv-SE" sz="1600" dirty="0" smtClean="0">
-                <a:latin typeface="Minya Nouvelle" charset="0"/>
-              </a:rPr>
-              <a:t> konsolfönster. </a:t>
-            </a:r>
-            <a:r>
-              <a:rPr lang="sv-SE" sz="1600" i="1" dirty="0" smtClean="0">
-                <a:latin typeface="Minya Nouvelle" charset="0"/>
-              </a:rPr>
-              <a:t>(</a:t>
-            </a:r>
-            <a:r>
-              <a:rPr lang="sv-SE" sz="1600" i="1" dirty="0" err="1" smtClean="0">
-                <a:latin typeface="Minya Nouvelle" charset="0"/>
-              </a:rPr>
-              <a:t>FireFox</a:t>
-            </a:r>
-            <a:r>
-              <a:rPr lang="sv-SE" sz="1600" i="1" dirty="0" smtClean="0">
-                <a:latin typeface="Minya Nouvelle" charset="0"/>
-              </a:rPr>
-              <a:t> (</a:t>
-            </a:r>
-            <a:r>
-              <a:rPr lang="sv-SE" sz="1600" i="1" dirty="0" err="1" smtClean="0">
-                <a:latin typeface="Minya Nouvelle" charset="0"/>
-              </a:rPr>
-              <a:t>FireBug</a:t>
-            </a:r>
-            <a:r>
-              <a:rPr lang="sv-SE" sz="1600" i="1" dirty="0" smtClean="0">
-                <a:latin typeface="Minya Nouvelle" charset="0"/>
-              </a:rPr>
-              <a:t>), Internet Explorer, Safari, </a:t>
-            </a:r>
-            <a:r>
-              <a:rPr lang="sv-SE" sz="1600" i="1" dirty="0" err="1" smtClean="0">
-                <a:latin typeface="Minya Nouvelle" charset="0"/>
-              </a:rPr>
-              <a:t>Chrome</a:t>
-            </a:r>
-            <a:r>
-              <a:rPr lang="sv-SE" sz="1600" i="1" dirty="0" smtClean="0">
-                <a:latin typeface="Minya Nouvelle" charset="0"/>
-              </a:rPr>
-              <a:t>)</a:t>
-            </a:r>
-            <a:endParaRPr lang="sv-SE" sz="1600" i="1" dirty="0">
-              <a:latin typeface="Minya Nouvelle" charset="0"/>
-            </a:endParaRPr>
-          </a:p>
-        </p:txBody>
-      </p:sp>
-      <p:cxnSp>
-        <p:nvCxnSpPr>
-          <p:cNvPr id="7" name="Straight Connector 6"/>
-          <p:cNvCxnSpPr>
-            <a:endCxn id="5" idx="2"/>
-          </p:cNvCxnSpPr>
-          <p:nvPr/>
-        </p:nvCxnSpPr>
-        <p:spPr>
-          <a:xfrm>
-            <a:off x="3707904" y="1633364"/>
-            <a:ext cx="774402" cy="0"/>
-          </a:xfrm>
-          <a:prstGeom prst="line">
-            <a:avLst/>
-          </a:prstGeom>
-          <a:ln w="19050">
-            <a:solidFill>
-              <a:srgbClr val="FF0000"/>
-            </a:solidFill>
-          </a:ln>
-        </p:spPr>
-        <p:style>
-          <a:lnRef idx="1">
-            <a:schemeClr val="accent1"/>
-          </a:lnRef>
-          <a:fillRef idx="0">
-            <a:schemeClr val="accent1"/>
-          </a:fillRef>
-          <a:effectRef idx="0">
-            <a:schemeClr val="accent1"/>
-          </a:effectRef>
-          <a:fontRef idx="minor">
-            <a:schemeClr val="tx1"/>
-          </a:fontRef>
-        </p:style>
-      </p:cxnSp>
-      <p:pic>
-        <p:nvPicPr>
-          <p:cNvPr id="12290" name="Picture 2"/>
-          <p:cNvPicPr>
-            <a:picLocks noChangeAspect="1" noChangeArrowheads="1"/>
-          </p:cNvPicPr>
-          <p:nvPr/>
-        </p:nvPicPr>
-        <p:blipFill>
-          <a:blip r:embed="rId2">
-            <a:extLst>
-              <a:ext uri="{28A0092B-C50C-407E-A947-70E740481C1C}">
-                <a14:useLocalDpi xmlns:a14="http://schemas.microsoft.com/office/drawing/2010/main" val="0"/>
-              </a:ext>
-            </a:extLst>
-          </a:blip>
-          <a:srcRect/>
-          <a:stretch>
-            <a:fillRect/>
-          </a:stretch>
-        </p:blipFill>
-        <p:spPr bwMode="auto">
-          <a:xfrm>
-            <a:off x="757237" y="3433564"/>
-            <a:ext cx="7627937" cy="2095500"/>
-          </a:xfrm>
-          <a:prstGeom prst="rect">
-            <a:avLst/>
-          </a:prstGeom>
-          <a:noFill/>
-          <a:ln>
-            <a:noFill/>
-          </a:ln>
-          <a:effectLst/>
-          <a:extLst>
-            <a:ext uri="{909E8E84-426E-40dd-AFC4-6F175D3DCCD1}">
-              <a14:hiddenFill xmlns:a14="http://schemas.microsoft.com/office/drawing/2010/main">
-                <a:solidFill>
-                  <a:schemeClr val="accent1"/>
-                </a:solidFill>
-              </a14:hiddenFill>
-            </a:ext>
-            <a:ext uri="{91240B29-F687-4f45-9708-019B960494DF}">
-              <a14:hiddenLine xmlns:a14="http://schemas.microsoft.com/office/drawing/2010/main" w="9525">
-                <a:solidFill>
-                  <a:schemeClr val="tx1"/>
-                </a:solidFill>
-                <a:miter lim="800000"/>
-                <a:headEnd/>
-                <a:tailEnd/>
-              </a14:hiddenLine>
-            </a:ext>
-            <a:ext uri="{AF507438-7753-43e0-B8FC-AC1667EBCBE1}">
-              <a14:hiddenEffects xmlns:a14="http://schemas.microsoft.com/office/drawing/2010/main">
-                <a:effectLst>
-                  <a:outerShdw dist="35921" dir="2700000" algn="ctr" rotWithShape="0">
-                    <a:schemeClr val="bg2"/>
-                  </a:outerShdw>
-                </a:effectLst>
-              </a14:hiddenEffects>
-            </a:ext>
-          </a:extLst>
-        </p:spPr>
-      </p:pic>
-      <p:sp>
-        <p:nvSpPr>
-          <p:cNvPr id="9" name="Text Box 7"/>
-          <p:cNvSpPr txBox="1">
-            <a:spLocks noChangeArrowheads="1"/>
-          </p:cNvSpPr>
-          <p:nvPr/>
-        </p:nvSpPr>
-        <p:spPr bwMode="auto">
-          <a:xfrm>
-            <a:off x="467544" y="1822093"/>
-            <a:ext cx="8280920" cy="1323439"/>
-          </a:xfrm>
-          <a:prstGeom prst="rect">
-            <a:avLst/>
-          </a:prstGeom>
-          <a:ln>
-            <a:headEnd/>
-            <a:tailEnd/>
-          </a:ln>
-        </p:spPr>
-        <p:style>
-          <a:lnRef idx="1">
-            <a:schemeClr val="accent2"/>
-          </a:lnRef>
-          <a:fillRef idx="2">
-            <a:schemeClr val="accent2"/>
-          </a:fillRef>
-          <a:effectRef idx="1">
-            <a:schemeClr val="accent2"/>
-          </a:effectRef>
-          <a:fontRef idx="minor">
-            <a:schemeClr val="dk1"/>
-          </a:fontRef>
-        </p:style>
-        <p:txBody>
-          <a:bodyPr wrap="square">
-            <a:spAutoFit/>
-          </a:bodyPr>
-          <a:lstStyle/>
-          <a:p>
-            <a:pPr>
-              <a:spcBef>
-                <a:spcPct val="50000"/>
-              </a:spcBef>
-            </a:pPr>
-            <a:r>
-              <a:rPr lang="sv-SE" sz="2000" b="1" dirty="0" smtClean="0">
-                <a:latin typeface="Courier New" pitchFamily="49" charset="0"/>
-              </a:rPr>
-              <a:t>console.log(</a:t>
-            </a:r>
-            <a:r>
-              <a:rPr lang="sv-SE" sz="2000" dirty="0" smtClean="0">
-                <a:latin typeface="Courier New" pitchFamily="49" charset="0"/>
-              </a:rPr>
-              <a:t>"Skriver </a:t>
-            </a:r>
-            <a:r>
-              <a:rPr lang="sv-SE" sz="2000" dirty="0">
-                <a:latin typeface="Courier New" pitchFamily="49" charset="0"/>
-              </a:rPr>
-              <a:t>ut en </a:t>
-            </a:r>
-            <a:r>
-              <a:rPr lang="sv-SE" sz="2000" dirty="0" smtClean="0">
-                <a:latin typeface="Courier New" pitchFamily="49" charset="0"/>
-              </a:rPr>
-              <a:t>bricka"</a:t>
-            </a:r>
-            <a:r>
-              <a:rPr lang="sv-SE" sz="2000" b="1" dirty="0" smtClean="0">
-                <a:latin typeface="Courier New" pitchFamily="49" charset="0"/>
-              </a:rPr>
-              <a:t>);</a:t>
-            </a:r>
-            <a:br>
-              <a:rPr lang="sv-SE" sz="2000" b="1" dirty="0" smtClean="0">
-                <a:latin typeface="Courier New" pitchFamily="49" charset="0"/>
-              </a:rPr>
-            </a:br>
-            <a:r>
-              <a:rPr lang="sv-SE" sz="2000" b="1" dirty="0" err="1" smtClean="0">
-                <a:latin typeface="Courier New" pitchFamily="49" charset="0"/>
-              </a:rPr>
-              <a:t>console.error</a:t>
-            </a:r>
-            <a:r>
-              <a:rPr lang="sv-SE" sz="2000" b="1" dirty="0" smtClean="0">
-                <a:latin typeface="Courier New" pitchFamily="49" charset="0"/>
-              </a:rPr>
-              <a:t>(</a:t>
-            </a:r>
-            <a:r>
-              <a:rPr lang="sv-SE" sz="2000" dirty="0" smtClean="0">
-                <a:latin typeface="Courier New" pitchFamily="49" charset="0"/>
-              </a:rPr>
-              <a:t>"Ingen </a:t>
-            </a:r>
-            <a:r>
-              <a:rPr lang="sv-SE" sz="2000" dirty="0">
-                <a:latin typeface="Courier New" pitchFamily="49" charset="0"/>
-              </a:rPr>
-              <a:t>anslutning mot </a:t>
-            </a:r>
-            <a:r>
-              <a:rPr lang="sv-SE" sz="2000" dirty="0" smtClean="0">
-                <a:latin typeface="Courier New" pitchFamily="49" charset="0"/>
-              </a:rPr>
-              <a:t>servern"</a:t>
-            </a:r>
-            <a:r>
-              <a:rPr lang="sv-SE" sz="2000" b="1" dirty="0" smtClean="0">
-                <a:latin typeface="Courier New" pitchFamily="49" charset="0"/>
-              </a:rPr>
-              <a:t>);</a:t>
-            </a:r>
-            <a:br>
-              <a:rPr lang="sv-SE" sz="2000" b="1" dirty="0" smtClean="0">
-                <a:latin typeface="Courier New" pitchFamily="49" charset="0"/>
-              </a:rPr>
-            </a:br>
-            <a:r>
-              <a:rPr lang="sv-SE" sz="2000" b="1" dirty="0" smtClean="0">
-                <a:latin typeface="Courier New" pitchFamily="49" charset="0"/>
-              </a:rPr>
-              <a:t>console.info(</a:t>
-            </a:r>
-            <a:r>
-              <a:rPr lang="sv-SE" sz="2000" dirty="0" smtClean="0">
-                <a:latin typeface="Courier New" pitchFamily="49" charset="0"/>
-              </a:rPr>
-              <a:t>"Meddelande mottaget"</a:t>
-            </a:r>
-            <a:r>
-              <a:rPr lang="sv-SE" sz="2000" b="1" dirty="0" smtClean="0">
-                <a:latin typeface="Courier New" pitchFamily="49" charset="0"/>
-              </a:rPr>
-              <a:t>);</a:t>
-            </a:r>
-            <a:br>
-              <a:rPr lang="sv-SE" sz="2000" b="1" dirty="0" smtClean="0">
-                <a:latin typeface="Courier New" pitchFamily="49" charset="0"/>
-              </a:rPr>
-            </a:br>
-            <a:r>
-              <a:rPr lang="sv-SE" sz="2000" b="1" dirty="0" err="1" smtClean="0">
-                <a:latin typeface="Courier New" pitchFamily="49" charset="0"/>
-              </a:rPr>
-              <a:t>console.warn</a:t>
-            </a:r>
-            <a:r>
-              <a:rPr lang="sv-SE" sz="2000" b="1" dirty="0" smtClean="0">
-                <a:latin typeface="Courier New" pitchFamily="49" charset="0"/>
-              </a:rPr>
-              <a:t>(</a:t>
-            </a:r>
-            <a:r>
-              <a:rPr lang="sv-SE" sz="2000" dirty="0" smtClean="0">
-                <a:latin typeface="Courier New" pitchFamily="49" charset="0"/>
-              </a:rPr>
-              <a:t>"Anslutning </a:t>
-            </a:r>
-            <a:r>
-              <a:rPr lang="sv-SE" sz="2000" dirty="0">
-                <a:latin typeface="Courier New" pitchFamily="49" charset="0"/>
-              </a:rPr>
-              <a:t>mot server, </a:t>
-            </a:r>
-            <a:r>
-              <a:rPr lang="sv-SE" sz="2000" dirty="0" smtClean="0">
-                <a:latin typeface="Courier New" pitchFamily="49" charset="0"/>
-              </a:rPr>
-              <a:t>långsam"</a:t>
-            </a:r>
-            <a:r>
-              <a:rPr lang="sv-SE" sz="2000" b="1" dirty="0" smtClean="0">
-                <a:latin typeface="Courier New" pitchFamily="49" charset="0"/>
-              </a:rPr>
-              <a:t>);</a:t>
-            </a:r>
-            <a:endParaRPr lang="sv-SE" sz="2000" b="1" dirty="0">
-              <a:latin typeface="Courier New" pitchFamily="49" charset="0"/>
-            </a:endParaRPr>
-          </a:p>
-        </p:txBody>
-      </p:sp>
-      <p:pic>
-        <p:nvPicPr>
-          <p:cNvPr id="12291" name="Picture 3"/>
-          <p:cNvPicPr>
-            <a:picLocks noChangeAspect="1" noChangeArrowheads="1"/>
-          </p:cNvPicPr>
-          <p:nvPr/>
-        </p:nvPicPr>
-        <p:blipFill>
-          <a:blip r:embed="rId3">
-            <a:extLst>
-              <a:ext uri="{28A0092B-C50C-407E-A947-70E740481C1C}">
-                <a14:useLocalDpi xmlns:a14="http://schemas.microsoft.com/office/drawing/2010/main" val="0"/>
-              </a:ext>
-            </a:extLst>
-          </a:blip>
-          <a:srcRect/>
-          <a:stretch>
-            <a:fillRect/>
-          </a:stretch>
-        </p:blipFill>
-        <p:spPr bwMode="auto">
-          <a:xfrm>
-            <a:off x="6897200" y="3217540"/>
-            <a:ext cx="1885950" cy="1009650"/>
-          </a:xfrm>
-          <a:prstGeom prst="rect">
-            <a:avLst/>
-          </a:prstGeom>
-          <a:noFill/>
-          <a:ln>
-            <a:noFill/>
-          </a:ln>
-          <a:effectLst/>
-          <a:extLst>
-            <a:ext uri="{909E8E84-426E-40dd-AFC4-6F175D3DCCD1}">
-              <a14:hiddenFill xmlns:a14="http://schemas.microsoft.com/office/drawing/2010/main">
-                <a:solidFill>
-                  <a:schemeClr val="accent1"/>
-                </a:solidFill>
-              </a14:hiddenFill>
-            </a:ext>
-            <a:ext uri="{91240B29-F687-4f45-9708-019B960494DF}">
-              <a14:hiddenLine xmlns:a14="http://schemas.microsoft.com/office/drawing/2010/main" w="9525">
-                <a:solidFill>
-                  <a:schemeClr val="tx1"/>
-                </a:solidFill>
-                <a:miter lim="800000"/>
-                <a:headEnd/>
-                <a:tailEnd/>
-              </a14:hiddenLine>
-            </a:ext>
-            <a:ext uri="{AF507438-7753-43e0-B8FC-AC1667EBCBE1}">
-              <a14:hiddenEffects xmlns:a14="http://schemas.microsoft.com/office/drawing/2010/main">
-                <a:effectLst>
-                  <a:outerShdw dist="35921" dir="2700000" algn="ctr" rotWithShape="0">
-                    <a:schemeClr val="bg2"/>
-                  </a:outerShdw>
-                </a:effectLst>
-              </a14:hiddenEffects>
-            </a:ext>
-          </a:extLst>
-        </p:spPr>
-      </p:pic>
-      <p:pic>
-        <p:nvPicPr>
-          <p:cNvPr id="12292" name="Picture 4"/>
-          <p:cNvPicPr>
-            <a:picLocks noChangeAspect="1" noChangeArrowheads="1"/>
-          </p:cNvPicPr>
-          <p:nvPr/>
-        </p:nvPicPr>
-        <p:blipFill>
-          <a:blip r:embed="rId4">
-            <a:extLst>
-              <a:ext uri="{28A0092B-C50C-407E-A947-70E740481C1C}">
-                <a14:useLocalDpi xmlns:a14="http://schemas.microsoft.com/office/drawing/2010/main" val="0"/>
-              </a:ext>
-            </a:extLst>
-          </a:blip>
-          <a:srcRect/>
-          <a:stretch>
-            <a:fillRect/>
-          </a:stretch>
-        </p:blipFill>
-        <p:spPr bwMode="auto">
-          <a:xfrm>
-            <a:off x="4595428" y="4503525"/>
-            <a:ext cx="2352675" cy="1104900"/>
-          </a:xfrm>
-          <a:prstGeom prst="rect">
-            <a:avLst/>
-          </a:prstGeom>
-          <a:noFill/>
-          <a:ln>
-            <a:noFill/>
-          </a:ln>
-          <a:effectLst/>
-          <a:extLst>
-            <a:ext uri="{909E8E84-426E-40dd-AFC4-6F175D3DCCD1}">
-              <a14:hiddenFill xmlns:a14="http://schemas.microsoft.com/office/drawing/2010/main">
-                <a:solidFill>
-                  <a:schemeClr val="accent1"/>
-                </a:solidFill>
-              </a14:hiddenFill>
-            </a:ext>
-            <a:ext uri="{91240B29-F687-4f45-9708-019B960494DF}">
-              <a14:hiddenLine xmlns:a14="http://schemas.microsoft.com/office/drawing/2010/main" w="9525">
-                <a:solidFill>
-                  <a:schemeClr val="tx1"/>
-                </a:solidFill>
-                <a:miter lim="800000"/>
-                <a:headEnd/>
-                <a:tailEnd/>
-              </a14:hiddenLine>
-            </a:ext>
-            <a:ext uri="{AF507438-7753-43e0-B8FC-AC1667EBCBE1}">
-              <a14:hiddenEffects xmlns:a14="http://schemas.microsoft.com/office/drawing/2010/main">
-                <a:effectLst>
-                  <a:outerShdw dist="35921" dir="2700000" algn="ctr" rotWithShape="0">
-                    <a:schemeClr val="bg2"/>
-                  </a:outerShdw>
-                </a:effectLst>
-              </a14:hiddenEffects>
-            </a:ext>
-          </a:extLst>
-        </p:spPr>
-      </p:pic>
-      <p:pic>
-        <p:nvPicPr>
-          <p:cNvPr id="10" name="Picture 2" descr="P:\Icons\48x48\shadow\debug.png"/>
-          <p:cNvPicPr>
-            <a:picLocks noChangeAspect="1" noChangeArrowheads="1"/>
-          </p:cNvPicPr>
-          <p:nvPr/>
-        </p:nvPicPr>
-        <p:blipFill>
-          <a:blip r:embed="rId5">
-            <a:extLst>
-              <a:ext uri="{28A0092B-C50C-407E-A947-70E740481C1C}">
-                <a14:useLocalDpi xmlns:a14="http://schemas.microsoft.com/office/drawing/2010/main" val="0"/>
-              </a:ext>
-            </a:extLst>
-          </a:blip>
-          <a:srcRect/>
-          <a:stretch>
-            <a:fillRect/>
-          </a:stretch>
-        </p:blipFill>
-        <p:spPr bwMode="auto">
-          <a:xfrm>
-            <a:off x="8244408" y="265212"/>
-            <a:ext cx="617537" cy="617537"/>
-          </a:xfrm>
-          <a:prstGeom prst="rect">
-            <a:avLst/>
-          </a:prstGeom>
-          <a:noFill/>
-          <a:extLst>
-            <a:ext uri="{909E8E84-426E-40dd-AFC4-6F175D3DCCD1}">
-              <a14:hiddenFill xmlns:a14="http://schemas.microsoft.com/office/drawing/2010/main">
-                <a:solidFill>
-                  <a:srgbClr val="FFFFFF"/>
-                </a:solidFill>
-              </a14:hiddenFill>
-            </a:ext>
-          </a:extLst>
-        </p:spPr>
-      </p:pic>
-    </p:spTree>
-    <p:extLst>
-      <p:ext uri="{BB962C8B-B14F-4D97-AF65-F5344CB8AC3E}">
-        <p14:creationId xmlns:p14="http://schemas.microsoft.com/office/powerpoint/2010/main" val="729986869"/>
       </p:ext>
     </p:extLst>
   </p:cSld>
